--- a/01.Lessions/09-Stored-procedures-Triggers-Views/09-Stored-procedures-Triggers-Views.pptx
+++ b/01.Lessions/09-Stored-procedures-Triggers-Views/09-Stored-procedures-Triggers-Views.pptx
@@ -15,7 +15,13 @@
     <p:sldId id="296" r:id="rId9"/>
     <p:sldId id="297" r:id="rId10"/>
     <p:sldId id="298" r:id="rId11"/>
-    <p:sldId id="288" r:id="rId12"/>
+    <p:sldId id="299" r:id="rId12"/>
+    <p:sldId id="300" r:id="rId13"/>
+    <p:sldId id="301" r:id="rId14"/>
+    <p:sldId id="302" r:id="rId15"/>
+    <p:sldId id="303" r:id="rId16"/>
+    <p:sldId id="304" r:id="rId17"/>
+    <p:sldId id="288" r:id="rId18"/>
   </p:sldIdLst>
   <p:sldSz cx="9144000" cy="6858000" type="screen4x3"/>
   <p:notesSz cx="6858000" cy="9144000"/>
@@ -971,7 +977,7 @@
           <a:p>
             <a:fld id="{C764DE79-268F-4C1A-8933-263129D2AF90}" type="datetimeFigureOut">
               <a:rPr lang="en-US" dirty="0"/>
-              <a:t>12/22/2023</a:t>
+              <a:t>12/29/2023</a:t>
             </a:fld>
             <a:endParaRPr lang="en-US" dirty="0"/>
           </a:p>
@@ -1549,11 +1555,6 @@
               </a:rPr>
               <a:t>Stored Procedures</a:t>
             </a:r>
-            <a:endParaRPr lang="en-US" sz="3000" b="1" dirty="0">
-              <a:solidFill>
-                <a:schemeClr val="bg1"/>
-              </a:solidFill>
-            </a:endParaRPr>
           </a:p>
         </p:txBody>
       </p:sp>
@@ -1735,11 +1736,6 @@
               </a:rPr>
               <a:t>procedures</a:t>
             </a:r>
-            <a:endParaRPr lang="en-US" dirty="0">
-              <a:solidFill>
-                <a:schemeClr val="bg1"/>
-              </a:solidFill>
-            </a:endParaRPr>
           </a:p>
         </p:txBody>
       </p:sp>
@@ -1925,7 +1921,7 @@
         </p:nvSpPr>
         <p:spPr>
           <a:xfrm>
-            <a:off x="805756" y="556143"/>
+            <a:off x="805756" y="393781"/>
             <a:ext cx="6771994" cy="584775"/>
           </a:xfrm>
           <a:prstGeom prst="rect">
@@ -2027,7 +2023,7 @@
         </p:nvSpPr>
         <p:spPr>
           <a:xfrm flipV="1">
-            <a:off x="905345" y="1149516"/>
+            <a:off x="905345" y="995757"/>
             <a:ext cx="1828800" cy="27432"/>
           </a:xfrm>
           <a:prstGeom prst="rect">
@@ -2075,8 +2071,8 @@
         </p:nvSpPr>
         <p:spPr>
           <a:xfrm>
-            <a:off x="832916" y="1795292"/>
-            <a:ext cx="7804090" cy="830997"/>
+            <a:off x="832916" y="1452416"/>
+            <a:ext cx="7804090" cy="1077218"/>
           </a:xfrm>
           <a:prstGeom prst="rect">
             <a:avLst/>
@@ -2090,14 +2086,24 @@
           <a:lstStyle/>
           <a:p>
             <a:r>
-              <a:rPr lang="vi-VN" sz="1600" b="1" dirty="0" smtClean="0">
-                <a:solidFill>
-                  <a:schemeClr val="accent5">
-                    <a:lumMod val="75000"/>
-                  </a:schemeClr>
-                </a:solidFill>
-              </a:rPr>
-              <a:t>Trigger</a:t>
+              <a:rPr lang="vi-VN" sz="1600" dirty="0">
+                <a:solidFill>
+                  <a:schemeClr val="accent5">
+                    <a:lumMod val="75000"/>
+                  </a:schemeClr>
+                </a:solidFill>
+              </a:rPr>
+              <a:t>Trong PostgreSQL, một view (còn được gọi là "bảng ảo" hoặc "bảng xem") là một đối tượng </a:t>
+            </a:r>
+            <a:r>
+              <a:rPr lang="en-US" sz="1600" dirty="0" smtClean="0">
+                <a:solidFill>
+                  <a:schemeClr val="accent5">
+                    <a:lumMod val="75000"/>
+                  </a:schemeClr>
+                </a:solidFill>
+              </a:rPr>
+              <a:t>CSDL</a:t>
             </a:r>
             <a:r>
               <a:rPr lang="vi-VN" sz="1600" dirty="0" smtClean="0">
@@ -2107,227 +2113,17 @@
                   </a:schemeClr>
                 </a:solidFill>
               </a:rPr>
-              <a:t> là </a:t>
-            </a:r>
-            <a:r>
-              <a:rPr lang="en-US" sz="1600" dirty="0" err="1" smtClean="0">
-                <a:solidFill>
-                  <a:schemeClr val="accent5">
-                    <a:lumMod val="75000"/>
-                  </a:schemeClr>
-                </a:solidFill>
-              </a:rPr>
-              <a:t>một</a:t>
-            </a:r>
-            <a:r>
-              <a:rPr lang="en-US" sz="1600" dirty="0" smtClean="0">
-                <a:solidFill>
-                  <a:schemeClr val="accent5">
-                    <a:lumMod val="75000"/>
-                  </a:schemeClr>
-                </a:solidFill>
-              </a:rPr>
-              <a:t> </a:t>
-            </a:r>
-            <a:r>
-              <a:rPr lang="en-US" sz="1600" dirty="0" err="1" smtClean="0">
-                <a:solidFill>
-                  <a:schemeClr val="accent5">
-                    <a:lumMod val="75000"/>
-                  </a:schemeClr>
-                </a:solidFill>
-              </a:rPr>
-              <a:t>hàm</a:t>
-            </a:r>
-            <a:r>
-              <a:rPr lang="en-US" sz="1600" dirty="0" smtClean="0">
-                <a:solidFill>
-                  <a:schemeClr val="accent5">
-                    <a:lumMod val="75000"/>
-                  </a:schemeClr>
-                </a:solidFill>
-              </a:rPr>
-              <a:t> </a:t>
-            </a:r>
-            <a:r>
-              <a:rPr lang="en-US" sz="1600" dirty="0" err="1" smtClean="0">
-                <a:solidFill>
-                  <a:schemeClr val="accent5">
-                    <a:lumMod val="75000"/>
-                  </a:schemeClr>
-                </a:solidFill>
-              </a:rPr>
-              <a:t>được</a:t>
-            </a:r>
-            <a:r>
-              <a:rPr lang="en-US" sz="1600" dirty="0" smtClean="0">
-                <a:solidFill>
-                  <a:schemeClr val="accent5">
-                    <a:lumMod val="75000"/>
-                  </a:schemeClr>
-                </a:solidFill>
-              </a:rPr>
-              <a:t> </a:t>
-            </a:r>
-            <a:r>
-              <a:rPr lang="en-US" sz="1600" dirty="0" err="1" smtClean="0">
-                <a:solidFill>
-                  <a:schemeClr val="accent5">
-                    <a:lumMod val="75000"/>
-                  </a:schemeClr>
-                </a:solidFill>
-              </a:rPr>
-              <a:t>kích</a:t>
-            </a:r>
-            <a:r>
-              <a:rPr lang="en-US" sz="1600" dirty="0" smtClean="0">
-                <a:solidFill>
-                  <a:schemeClr val="accent5">
-                    <a:lumMod val="75000"/>
-                  </a:schemeClr>
-                </a:solidFill>
-              </a:rPr>
-              <a:t> </a:t>
-            </a:r>
-            <a:r>
-              <a:rPr lang="en-US" sz="1600" dirty="0" err="1" smtClean="0">
-                <a:solidFill>
-                  <a:schemeClr val="accent5">
-                    <a:lumMod val="75000"/>
-                  </a:schemeClr>
-                </a:solidFill>
-              </a:rPr>
-              <a:t>hoạt</a:t>
-            </a:r>
-            <a:r>
-              <a:rPr lang="en-US" sz="1600" dirty="0" smtClean="0">
-                <a:solidFill>
-                  <a:schemeClr val="accent5">
-                    <a:lumMod val="75000"/>
-                  </a:schemeClr>
-                </a:solidFill>
-              </a:rPr>
-              <a:t> </a:t>
-            </a:r>
-            <a:r>
-              <a:rPr lang="en-US" sz="1600" dirty="0" err="1" smtClean="0">
-                <a:solidFill>
-                  <a:schemeClr val="accent5">
-                    <a:lumMod val="75000"/>
-                  </a:schemeClr>
-                </a:solidFill>
-              </a:rPr>
-              <a:t>chạy</a:t>
-            </a:r>
-            <a:r>
-              <a:rPr lang="en-US" sz="1600" dirty="0" smtClean="0">
-                <a:solidFill>
-                  <a:schemeClr val="accent5">
-                    <a:lumMod val="75000"/>
-                  </a:schemeClr>
-                </a:solidFill>
-              </a:rPr>
-              <a:t> </a:t>
-            </a:r>
-            <a:r>
-              <a:rPr lang="en-US" sz="1600" dirty="0" err="1" smtClean="0">
-                <a:solidFill>
-                  <a:schemeClr val="accent5">
-                    <a:lumMod val="75000"/>
-                  </a:schemeClr>
-                </a:solidFill>
-              </a:rPr>
-              <a:t>tự</a:t>
-            </a:r>
-            <a:r>
-              <a:rPr lang="en-US" sz="1600" dirty="0" smtClean="0">
-                <a:solidFill>
-                  <a:schemeClr val="accent5">
-                    <a:lumMod val="75000"/>
-                  </a:schemeClr>
-                </a:solidFill>
-              </a:rPr>
-              <a:t> </a:t>
-            </a:r>
-            <a:r>
-              <a:rPr lang="en-US" sz="1600" dirty="0" err="1" smtClean="0">
-                <a:solidFill>
-                  <a:schemeClr val="accent5">
-                    <a:lumMod val="75000"/>
-                  </a:schemeClr>
-                </a:solidFill>
-              </a:rPr>
-              <a:t>động</a:t>
-            </a:r>
-            <a:r>
-              <a:rPr lang="vi-VN" sz="1600" dirty="0" smtClean="0">
-                <a:solidFill>
-                  <a:schemeClr val="accent5">
-                    <a:lumMod val="75000"/>
-                  </a:schemeClr>
-                </a:solidFill>
-              </a:rPr>
-              <a:t> để thực thi một tập hợp các câu lệnh SQL khi một sự kiện xảy ra. Sự kiện có thể là một câu lệnh INSERT, UPDATE</a:t>
-            </a:r>
-            <a:r>
-              <a:rPr lang="en-US" sz="1600" dirty="0" smtClean="0">
-                <a:solidFill>
-                  <a:schemeClr val="accent5">
-                    <a:lumMod val="75000"/>
-                  </a:schemeClr>
-                </a:solidFill>
-              </a:rPr>
-              <a:t>, </a:t>
-            </a:r>
-            <a:r>
-              <a:rPr lang="vi-VN" sz="1600" dirty="0" smtClean="0">
-                <a:solidFill>
-                  <a:schemeClr val="accent5">
-                    <a:lumMod val="75000"/>
-                  </a:schemeClr>
-                </a:solidFill>
-              </a:rPr>
-              <a:t>DELETE</a:t>
-            </a:r>
-            <a:r>
-              <a:rPr lang="en-US" sz="1600" dirty="0">
-                <a:solidFill>
-                  <a:schemeClr val="accent5">
-                    <a:lumMod val="75000"/>
-                  </a:schemeClr>
-                </a:solidFill>
-              </a:rPr>
-              <a:t> </a:t>
-            </a:r>
-            <a:r>
-              <a:rPr lang="en-US" sz="1600" dirty="0" err="1" smtClean="0">
-                <a:solidFill>
-                  <a:schemeClr val="accent5">
-                    <a:lumMod val="75000"/>
-                  </a:schemeClr>
-                </a:solidFill>
-              </a:rPr>
-              <a:t>hoặc</a:t>
-            </a:r>
-            <a:r>
-              <a:rPr lang="en-US" sz="1600" dirty="0">
-                <a:solidFill>
-                  <a:schemeClr val="accent5">
-                    <a:lumMod val="75000"/>
-                  </a:schemeClr>
-                </a:solidFill>
-              </a:rPr>
-              <a:t> </a:t>
-            </a:r>
-            <a:r>
-              <a:rPr lang="en-US" sz="1600" dirty="0" smtClean="0">
-                <a:solidFill>
-                  <a:schemeClr val="accent5">
-                    <a:lumMod val="75000"/>
-                  </a:schemeClr>
-                </a:solidFill>
-              </a:rPr>
-              <a:t>TRUNCATE. </a:t>
+              <a:t> </a:t>
+            </a:r>
+            <a:r>
+              <a:rPr lang="vi-VN" sz="1600" dirty="0">
+                <a:solidFill>
+                  <a:schemeClr val="accent5">
+                    <a:lumMod val="75000"/>
+                  </a:schemeClr>
+                </a:solidFill>
+              </a:rPr>
+              <a:t>ảo, được tạo ra từ một hoặc nhiều bảng hoặc các view khác. View không chứa dữ liệu thực tế, mà chỉ là một câu truy vấn (query) được định nghĩa trước đó, cho phép truy xuất dữ liệu từ các bảng gốc một cách thuận tiện.</a:t>
             </a:r>
             <a:endParaRPr lang="en-US" sz="1600" dirty="0">
               <a:solidFill>
@@ -2347,7 +2143,7 @@
         </p:nvSpPr>
         <p:spPr>
           <a:xfrm>
-            <a:off x="905344" y="1399462"/>
+            <a:off x="905344" y="1146343"/>
             <a:ext cx="289711" cy="289711"/>
           </a:xfrm>
           <a:prstGeom prst="star4">
@@ -2393,7 +2189,7 @@
         </p:nvSpPr>
         <p:spPr>
           <a:xfrm>
-            <a:off x="1131681" y="1367471"/>
+            <a:off x="1131681" y="1114352"/>
             <a:ext cx="3775297" cy="338554"/>
           </a:xfrm>
           <a:prstGeom prst="rect">
@@ -2475,7 +2271,7 @@
         </p:nvSpPr>
         <p:spPr>
           <a:xfrm>
-            <a:off x="1154313" y="3990247"/>
+            <a:off x="1154313" y="2568113"/>
             <a:ext cx="5097104" cy="338554"/>
           </a:xfrm>
           <a:prstGeom prst="rect">
@@ -2497,7 +2293,7 @@
                   </a:schemeClr>
                 </a:solidFill>
               </a:rPr>
-              <a:t>Các</a:t>
+              <a:t>Ưu</a:t>
             </a:r>
             <a:r>
               <a:rPr lang="en-US" sz="1600" b="1" dirty="0" smtClean="0">
@@ -2517,7 +2313,7 @@
                   </a:schemeClr>
                 </a:solidFill>
               </a:rPr>
-              <a:t>kiểu</a:t>
+              <a:t>điểm</a:t>
             </a:r>
             <a:r>
               <a:rPr lang="en-US" sz="1600" b="1" dirty="0" smtClean="0">
@@ -2527,7 +2323,27 @@
                   </a:schemeClr>
                 </a:solidFill>
               </a:rPr>
-              <a:t> Triggers</a:t>
+              <a:t> </a:t>
+            </a:r>
+            <a:r>
+              <a:rPr lang="en-US" sz="1600" b="1" dirty="0" err="1" smtClean="0">
+                <a:solidFill>
+                  <a:schemeClr val="accent5">
+                    <a:lumMod val="75000"/>
+                  </a:schemeClr>
+                </a:solidFill>
+              </a:rPr>
+              <a:t>của</a:t>
+            </a:r>
+            <a:r>
+              <a:rPr lang="en-US" sz="1600" b="1" dirty="0" smtClean="0">
+                <a:solidFill>
+                  <a:schemeClr val="accent5">
+                    <a:lumMod val="75000"/>
+                  </a:schemeClr>
+                </a:solidFill>
+              </a:rPr>
+              <a:t> View</a:t>
             </a:r>
             <a:endParaRPr lang="en-US" sz="1600" b="1" dirty="0">
               <a:solidFill>
@@ -2547,7 +2363,7 @@
         </p:nvSpPr>
         <p:spPr>
           <a:xfrm>
-            <a:off x="905344" y="3997807"/>
+            <a:off x="905344" y="2575673"/>
             <a:ext cx="289711" cy="289711"/>
           </a:xfrm>
           <a:prstGeom prst="star4">
@@ -2587,14 +2403,14 @@
       </p:sp>
       <p:sp>
         <p:nvSpPr>
-          <p:cNvPr id="17" name="TextBox 16"/>
+          <p:cNvPr id="18" name="TextBox 17"/>
           <p:cNvSpPr txBox="1"/>
           <p:nvPr/>
         </p:nvSpPr>
         <p:spPr>
           <a:xfrm>
-            <a:off x="832916" y="2664425"/>
-            <a:ext cx="7804090" cy="830997"/>
+            <a:off x="1329315" y="3003494"/>
+            <a:ext cx="2500301" cy="338554"/>
           </a:xfrm>
           <a:prstGeom prst="rect">
             <a:avLst/>
@@ -2608,318 +2424,14 @@
           <a:lstStyle/>
           <a:p>
             <a:r>
-              <a:rPr lang="en-US" sz="1600" dirty="0" err="1" smtClean="0">
-                <a:solidFill>
-                  <a:schemeClr val="accent5">
-                    <a:lumMod val="75000"/>
-                  </a:schemeClr>
-                </a:solidFill>
-              </a:rPr>
-              <a:t>Khác</a:t>
-            </a:r>
-            <a:r>
-              <a:rPr lang="en-US" sz="1600" dirty="0" smtClean="0">
-                <a:solidFill>
-                  <a:schemeClr val="accent5">
-                    <a:lumMod val="75000"/>
-                  </a:schemeClr>
-                </a:solidFill>
-              </a:rPr>
-              <a:t> </a:t>
-            </a:r>
-            <a:r>
-              <a:rPr lang="en-US" sz="1600" dirty="0" err="1" smtClean="0">
-                <a:solidFill>
-                  <a:schemeClr val="accent5">
-                    <a:lumMod val="75000"/>
-                  </a:schemeClr>
-                </a:solidFill>
-              </a:rPr>
-              <a:t>với</a:t>
-            </a:r>
-            <a:r>
-              <a:rPr lang="en-US" sz="1600" dirty="0" smtClean="0">
-                <a:solidFill>
-                  <a:schemeClr val="accent5">
-                    <a:lumMod val="75000"/>
-                  </a:schemeClr>
-                </a:solidFill>
-              </a:rPr>
-              <a:t> functions hay stored, triggers </a:t>
-            </a:r>
-            <a:r>
-              <a:rPr lang="en-US" sz="1600" dirty="0" err="1" smtClean="0">
-                <a:solidFill>
-                  <a:schemeClr val="accent5">
-                    <a:lumMod val="75000"/>
-                  </a:schemeClr>
-                </a:solidFill>
-              </a:rPr>
-              <a:t>không</a:t>
-            </a:r>
-            <a:r>
-              <a:rPr lang="en-US" sz="1600" dirty="0" smtClean="0">
-                <a:solidFill>
-                  <a:schemeClr val="accent5">
-                    <a:lumMod val="75000"/>
-                  </a:schemeClr>
-                </a:solidFill>
-              </a:rPr>
-              <a:t> </a:t>
-            </a:r>
-            <a:r>
-              <a:rPr lang="en-US" sz="1600" dirty="0" err="1" smtClean="0">
-                <a:solidFill>
-                  <a:schemeClr val="accent5">
-                    <a:lumMod val="75000"/>
-                  </a:schemeClr>
-                </a:solidFill>
-              </a:rPr>
-              <a:t>được</a:t>
-            </a:r>
-            <a:r>
-              <a:rPr lang="en-US" sz="1600" dirty="0" smtClean="0">
-                <a:solidFill>
-                  <a:schemeClr val="accent5">
-                    <a:lumMod val="75000"/>
-                  </a:schemeClr>
-                </a:solidFill>
-              </a:rPr>
-              <a:t> </a:t>
-            </a:r>
-            <a:r>
-              <a:rPr lang="en-US" sz="1600" dirty="0" err="1" smtClean="0">
-                <a:solidFill>
-                  <a:schemeClr val="accent5">
-                    <a:lumMod val="75000"/>
-                  </a:schemeClr>
-                </a:solidFill>
-              </a:rPr>
-              <a:t>kích</a:t>
-            </a:r>
-            <a:r>
-              <a:rPr lang="en-US" sz="1600" dirty="0" smtClean="0">
-                <a:solidFill>
-                  <a:schemeClr val="accent5">
-                    <a:lumMod val="75000"/>
-                  </a:schemeClr>
-                </a:solidFill>
-              </a:rPr>
-              <a:t> </a:t>
-            </a:r>
-            <a:r>
-              <a:rPr lang="en-US" sz="1600" dirty="0" err="1" smtClean="0">
-                <a:solidFill>
-                  <a:schemeClr val="accent5">
-                    <a:lumMod val="75000"/>
-                  </a:schemeClr>
-                </a:solidFill>
-              </a:rPr>
-              <a:t>hoạt</a:t>
-            </a:r>
-            <a:r>
-              <a:rPr lang="en-US" sz="1600" dirty="0" smtClean="0">
-                <a:solidFill>
-                  <a:schemeClr val="accent5">
-                    <a:lumMod val="75000"/>
-                  </a:schemeClr>
-                </a:solidFill>
-              </a:rPr>
-              <a:t> </a:t>
-            </a:r>
-            <a:r>
-              <a:rPr lang="en-US" sz="1600" dirty="0" err="1" smtClean="0">
-                <a:solidFill>
-                  <a:schemeClr val="accent5">
-                    <a:lumMod val="75000"/>
-                  </a:schemeClr>
-                </a:solidFill>
-              </a:rPr>
-              <a:t>bởi</a:t>
-            </a:r>
-            <a:r>
-              <a:rPr lang="en-US" sz="1600" dirty="0" smtClean="0">
-                <a:solidFill>
-                  <a:schemeClr val="accent5">
-                    <a:lumMod val="75000"/>
-                  </a:schemeClr>
-                </a:solidFill>
-              </a:rPr>
-              <a:t> </a:t>
-            </a:r>
-            <a:r>
-              <a:rPr lang="en-US" sz="1600" dirty="0" err="1" smtClean="0">
-                <a:solidFill>
-                  <a:schemeClr val="accent5">
-                    <a:lumMod val="75000"/>
-                  </a:schemeClr>
-                </a:solidFill>
-              </a:rPr>
-              <a:t>người</a:t>
-            </a:r>
-            <a:r>
-              <a:rPr lang="en-US" sz="1600" dirty="0" smtClean="0">
-                <a:solidFill>
-                  <a:schemeClr val="accent5">
-                    <a:lumMod val="75000"/>
-                  </a:schemeClr>
-                </a:solidFill>
-              </a:rPr>
-              <a:t> </a:t>
-            </a:r>
-            <a:r>
-              <a:rPr lang="en-US" sz="1600" dirty="0" err="1" smtClean="0">
-                <a:solidFill>
-                  <a:schemeClr val="accent5">
-                    <a:lumMod val="75000"/>
-                  </a:schemeClr>
-                </a:solidFill>
-              </a:rPr>
-              <a:t>dùng</a:t>
-            </a:r>
-            <a:r>
-              <a:rPr lang="en-US" sz="1600" dirty="0" smtClean="0">
-                <a:solidFill>
-                  <a:schemeClr val="accent5">
-                    <a:lumMod val="75000"/>
-                  </a:schemeClr>
-                </a:solidFill>
-              </a:rPr>
-              <a:t>. </a:t>
-            </a:r>
-            <a:r>
-              <a:rPr lang="vi-VN" sz="1600" dirty="0">
-                <a:solidFill>
-                  <a:schemeClr val="accent5">
-                    <a:lumMod val="75000"/>
-                  </a:schemeClr>
-                </a:solidFill>
-              </a:rPr>
-              <a:t>Trigger được kích hoạt bởi một sự kiện như INSERT, UPDATE, DELETE </a:t>
-            </a:r>
-            <a:r>
-              <a:rPr lang="en-US" sz="1600" dirty="0" err="1" smtClean="0">
-                <a:solidFill>
-                  <a:schemeClr val="accent5">
-                    <a:lumMod val="75000"/>
-                  </a:schemeClr>
-                </a:solidFill>
-              </a:rPr>
-              <a:t>hoặc</a:t>
-            </a:r>
-            <a:r>
-              <a:rPr lang="en-US" sz="1600" dirty="0" smtClean="0">
-                <a:solidFill>
-                  <a:schemeClr val="accent5">
-                    <a:lumMod val="75000"/>
-                  </a:schemeClr>
-                </a:solidFill>
-              </a:rPr>
-              <a:t> TRUNCATE</a:t>
-            </a:r>
-            <a:endParaRPr lang="en-US" sz="1600" dirty="0">
-              <a:solidFill>
-                <a:schemeClr val="accent5">
-                  <a:lumMod val="75000"/>
-                </a:schemeClr>
-              </a:solidFill>
-            </a:endParaRPr>
-          </a:p>
-        </p:txBody>
-      </p:sp>
-      <p:sp>
-        <p:nvSpPr>
-          <p:cNvPr id="18" name="TextBox 17"/>
-          <p:cNvSpPr txBox="1"/>
-          <p:nvPr/>
-        </p:nvSpPr>
-        <p:spPr>
-          <a:xfrm>
-            <a:off x="1329315" y="4502280"/>
-            <a:ext cx="2029521" cy="338554"/>
-          </a:xfrm>
-          <a:prstGeom prst="rect">
-            <a:avLst/>
-          </a:prstGeom>
-          <a:noFill/>
-        </p:spPr>
-        <p:txBody>
-          <a:bodyPr wrap="square" rtlCol="0">
-            <a:spAutoFit/>
-          </a:bodyPr>
-          <a:lstStyle/>
-          <a:p>
-            <a:r>
-              <a:rPr lang="en-US" sz="1600" b="1" dirty="0" smtClean="0">
-                <a:solidFill>
-                  <a:schemeClr val="accent5">
-                    <a:lumMod val="75000"/>
-                  </a:schemeClr>
-                </a:solidFill>
-              </a:rPr>
-              <a:t>Row-level </a:t>
-            </a:r>
-            <a:r>
-              <a:rPr lang="en-US" sz="1600" b="1" dirty="0">
-                <a:solidFill>
-                  <a:schemeClr val="accent5">
-                    <a:lumMod val="75000"/>
-                  </a:schemeClr>
-                </a:solidFill>
-              </a:rPr>
-              <a:t>triggers</a:t>
-            </a:r>
-            <a:endParaRPr lang="en-US" sz="1600" b="1" dirty="0">
-              <a:solidFill>
-                <a:schemeClr val="accent5">
-                  <a:lumMod val="75000"/>
-                </a:schemeClr>
-              </a:solidFill>
-            </a:endParaRPr>
-          </a:p>
-        </p:txBody>
-      </p:sp>
-      <p:sp>
-        <p:nvSpPr>
-          <p:cNvPr id="21" name="TextBox 20"/>
-          <p:cNvSpPr txBox="1"/>
-          <p:nvPr/>
-        </p:nvSpPr>
-        <p:spPr>
-          <a:xfrm>
-            <a:off x="5463764" y="4502280"/>
-            <a:ext cx="2521392" cy="338554"/>
-          </a:xfrm>
-          <a:prstGeom prst="rect">
-            <a:avLst/>
-          </a:prstGeom>
-          <a:noFill/>
-        </p:spPr>
-        <p:txBody>
-          <a:bodyPr wrap="square" rtlCol="0">
-            <a:spAutoFit/>
-          </a:bodyPr>
-          <a:lstStyle/>
-          <a:p>
-            <a:r>
-              <a:rPr lang="en-US" sz="1600" b="1" dirty="0">
-                <a:solidFill>
-                  <a:schemeClr val="accent5">
-                    <a:lumMod val="75000"/>
-                  </a:schemeClr>
-                </a:solidFill>
-              </a:rPr>
-              <a:t>Statement-level </a:t>
-            </a:r>
-            <a:r>
-              <a:rPr lang="en-US" sz="1600" b="1" dirty="0" smtClean="0">
-                <a:solidFill>
-                  <a:schemeClr val="accent5">
-                    <a:lumMod val="75000"/>
-                  </a:schemeClr>
-                </a:solidFill>
-              </a:rPr>
-              <a:t>triggers</a:t>
+              <a:rPr lang="vi-VN" sz="1600" b="1" dirty="0">
+                <a:solidFill>
+                  <a:schemeClr val="accent5">
+                    <a:lumMod val="75000"/>
+                  </a:schemeClr>
+                </a:solidFill>
+              </a:rPr>
+              <a:t>Trừu tượng hóa dữ liệu</a:t>
             </a:r>
             <a:endParaRPr lang="en-US" sz="1600" b="1" dirty="0">
               <a:solidFill>
@@ -2939,7 +2451,7 @@
         </p:nvSpPr>
         <p:spPr>
           <a:xfrm>
-            <a:off x="979310" y="4514314"/>
+            <a:off x="979310" y="3094657"/>
             <a:ext cx="350005" cy="350005"/>
           </a:xfrm>
           <a:prstGeom prst="roundRect">
@@ -2990,14 +2502,98 @@
       </p:sp>
       <p:sp>
         <p:nvSpPr>
-          <p:cNvPr id="23" name="Rounded Rectangle 22"/>
+          <p:cNvPr id="25" name="TextBox 24"/>
+          <p:cNvSpPr txBox="1"/>
+          <p:nvPr/>
+        </p:nvSpPr>
+        <p:spPr>
+          <a:xfrm>
+            <a:off x="1329315" y="3319603"/>
+            <a:ext cx="7144729" cy="523220"/>
+          </a:xfrm>
+          <a:prstGeom prst="rect">
+            <a:avLst/>
+          </a:prstGeom>
+          <a:noFill/>
+        </p:spPr>
+        <p:txBody>
+          <a:bodyPr wrap="square" rtlCol="0">
+            <a:spAutoFit/>
+          </a:bodyPr>
+          <a:lstStyle/>
+          <a:p>
+            <a:r>
+              <a:rPr lang="vi-VN" sz="1400" dirty="0">
+                <a:solidFill>
+                  <a:schemeClr val="accent5">
+                    <a:lumMod val="75000"/>
+                  </a:schemeClr>
+                </a:solidFill>
+              </a:rPr>
+              <a:t>View cho phép trừu tượng hóa cấu trúc dữ liệu bằng cách ẩn thông tin chi tiết của các bảng gốc và chỉ hiển thị các trường và dòng cần thiết cho mục đích truy vấn</a:t>
+            </a:r>
+            <a:endParaRPr lang="en-US" sz="1400" dirty="0">
+              <a:solidFill>
+                <a:schemeClr val="accent5">
+                  <a:lumMod val="75000"/>
+                </a:schemeClr>
+              </a:solidFill>
+            </a:endParaRPr>
+          </a:p>
+        </p:txBody>
+      </p:sp>
+      <p:sp>
+        <p:nvSpPr>
+          <p:cNvPr id="27" name="TextBox 26"/>
+          <p:cNvSpPr txBox="1"/>
+          <p:nvPr/>
+        </p:nvSpPr>
+        <p:spPr>
+          <a:xfrm>
+            <a:off x="1329315" y="3863573"/>
+            <a:ext cx="2500301" cy="338554"/>
+          </a:xfrm>
+          <a:prstGeom prst="rect">
+            <a:avLst/>
+          </a:prstGeom>
+          <a:noFill/>
+        </p:spPr>
+        <p:txBody>
+          <a:bodyPr wrap="square" rtlCol="0">
+            <a:spAutoFit/>
+          </a:bodyPr>
+          <a:lstStyle/>
+          <a:p>
+            <a:r>
+              <a:rPr lang="vi-VN" sz="1600" b="1" dirty="0">
+                <a:solidFill>
+                  <a:schemeClr val="accent5">
+                    <a:lumMod val="75000"/>
+                  </a:schemeClr>
+                </a:solidFill>
+              </a:rPr>
+              <a:t>Bảo mật và phân quyền</a:t>
+            </a:r>
+            <a:endParaRPr lang="en-US" sz="1600" b="1" dirty="0">
+              <a:solidFill>
+                <a:schemeClr val="accent5">
+                  <a:lumMod val="75000"/>
+                </a:schemeClr>
+              </a:solidFill>
+            </a:endParaRPr>
+          </a:p>
+        </p:txBody>
+      </p:sp>
+      <p:sp>
+        <p:nvSpPr>
+          <p:cNvPr id="28" name="Rounded Rectangle 27"/>
           <p:cNvSpPr/>
           <p:nvPr/>
         </p:nvSpPr>
         <p:spPr>
           <a:xfrm>
-            <a:off x="5151420" y="4514314"/>
-            <a:ext cx="331905" cy="350005"/>
+            <a:off x="979310" y="3954736"/>
+            <a:ext cx="350005" cy="350005"/>
           </a:xfrm>
           <a:prstGeom prst="roundRect">
             <a:avLst/>
@@ -3037,19 +2633,24 @@
               </a:rPr>
               <a:t>2</a:t>
             </a:r>
+            <a:endParaRPr lang="en-US" b="1" dirty="0">
+              <a:solidFill>
+                <a:schemeClr val="bg1"/>
+              </a:solidFill>
+            </a:endParaRPr>
           </a:p>
         </p:txBody>
       </p:sp>
       <p:sp>
         <p:nvSpPr>
-          <p:cNvPr id="24" name="TextBox 23"/>
+          <p:cNvPr id="29" name="TextBox 28"/>
           <p:cNvSpPr txBox="1"/>
           <p:nvPr/>
         </p:nvSpPr>
         <p:spPr>
           <a:xfrm>
-            <a:off x="832916" y="3533558"/>
-            <a:ext cx="7804090" cy="338554"/>
+            <a:off x="1329315" y="4179682"/>
+            <a:ext cx="7144729" cy="523220"/>
           </a:xfrm>
           <a:prstGeom prst="rect">
             <a:avLst/>
@@ -3063,16 +2664,26 @@
           <a:lstStyle/>
           <a:p>
             <a:r>
-              <a:rPr lang="vi-VN" sz="1600" dirty="0">
-                <a:solidFill>
-                  <a:schemeClr val="accent5">
-                    <a:lumMod val="75000"/>
-                  </a:schemeClr>
-                </a:solidFill>
-              </a:rPr>
-              <a:t>Trigger có thể được kích hoạt trước hoặc sau khi sự kiện xảy ra</a:t>
-            </a:r>
-            <a:endParaRPr lang="en-US" sz="1600" dirty="0">
+              <a:rPr lang="vi-VN" sz="1400" dirty="0" smtClean="0">
+                <a:solidFill>
+                  <a:schemeClr val="accent5">
+                    <a:lumMod val="75000"/>
+                  </a:schemeClr>
+                </a:solidFill>
+              </a:rPr>
+              <a:t>Bạn </a:t>
+            </a:r>
+            <a:r>
+              <a:rPr lang="vi-VN" sz="1400" dirty="0">
+                <a:solidFill>
+                  <a:schemeClr val="accent5">
+                    <a:lumMod val="75000"/>
+                  </a:schemeClr>
+                </a:solidFill>
+              </a:rPr>
+              <a:t>có thể thiết lập quyền truy cập riêng cho view, cho phép người dùng chỉ được truy cập vào các trường và dữ liệu cần thiết</a:t>
+            </a:r>
+            <a:endParaRPr lang="en-US" sz="1400" dirty="0">
               <a:solidFill>
                 <a:schemeClr val="accent5">
                   <a:lumMod val="75000"/>
@@ -3084,14 +2695,14 @@
       </p:sp>
       <p:sp>
         <p:nvSpPr>
-          <p:cNvPr id="25" name="TextBox 24"/>
+          <p:cNvPr id="30" name="TextBox 29"/>
           <p:cNvSpPr txBox="1"/>
           <p:nvPr/>
         </p:nvSpPr>
         <p:spPr>
           <a:xfrm>
-            <a:off x="1329315" y="5014313"/>
-            <a:ext cx="2255857" cy="584775"/>
+            <a:off x="1329315" y="4687438"/>
+            <a:ext cx="2500301" cy="338554"/>
           </a:xfrm>
           <a:prstGeom prst="rect">
             <a:avLst/>
@@ -3105,158 +2716,16 @@
           <a:lstStyle/>
           <a:p>
             <a:r>
-              <a:rPr lang="en-US" sz="1600" dirty="0" err="1" smtClean="0">
-                <a:solidFill>
-                  <a:schemeClr val="accent5">
-                    <a:lumMod val="75000"/>
-                  </a:schemeClr>
-                </a:solidFill>
-              </a:rPr>
-              <a:t>Kích</a:t>
-            </a:r>
-            <a:r>
-              <a:rPr lang="en-US" sz="1600" dirty="0" smtClean="0">
-                <a:solidFill>
-                  <a:schemeClr val="accent5">
-                    <a:lumMod val="75000"/>
-                  </a:schemeClr>
-                </a:solidFill>
-              </a:rPr>
-              <a:t> </a:t>
-            </a:r>
-            <a:r>
-              <a:rPr lang="en-US" sz="1600" dirty="0" err="1" smtClean="0">
-                <a:solidFill>
-                  <a:schemeClr val="accent5">
-                    <a:lumMod val="75000"/>
-                  </a:schemeClr>
-                </a:solidFill>
-              </a:rPr>
-              <a:t>hoạt</a:t>
-            </a:r>
-            <a:r>
-              <a:rPr lang="en-US" sz="1600" dirty="0" smtClean="0">
-                <a:solidFill>
-                  <a:schemeClr val="accent5">
-                    <a:lumMod val="75000"/>
-                  </a:schemeClr>
-                </a:solidFill>
-              </a:rPr>
-              <a:t> </a:t>
-            </a:r>
-            <a:r>
-              <a:rPr lang="en-US" sz="1600" dirty="0" err="1" smtClean="0">
-                <a:solidFill>
-                  <a:schemeClr val="accent5">
-                    <a:lumMod val="75000"/>
-                  </a:schemeClr>
-                </a:solidFill>
-              </a:rPr>
-              <a:t>nhiều</a:t>
-            </a:r>
-            <a:r>
-              <a:rPr lang="en-US" sz="1600" dirty="0" smtClean="0">
-                <a:solidFill>
-                  <a:schemeClr val="accent5">
-                    <a:lumMod val="75000"/>
-                  </a:schemeClr>
-                </a:solidFill>
-              </a:rPr>
-              <a:t> </a:t>
-            </a:r>
-            <a:r>
-              <a:rPr lang="en-US" sz="1600" dirty="0" err="1" smtClean="0">
-                <a:solidFill>
-                  <a:schemeClr val="accent5">
-                    <a:lumMod val="75000"/>
-                  </a:schemeClr>
-                </a:solidFill>
-              </a:rPr>
-              <a:t>lần</a:t>
-            </a:r>
-            <a:r>
-              <a:rPr lang="en-US" sz="1600" dirty="0" smtClean="0">
-                <a:solidFill>
-                  <a:schemeClr val="accent5">
-                    <a:lumMod val="75000"/>
-                  </a:schemeClr>
-                </a:solidFill>
-              </a:rPr>
-              <a:t> </a:t>
-            </a:r>
-          </a:p>
-          <a:p>
-            <a:r>
-              <a:rPr lang="en-US" sz="1600" dirty="0" err="1" smtClean="0">
-                <a:solidFill>
-                  <a:schemeClr val="accent5">
-                    <a:lumMod val="75000"/>
-                  </a:schemeClr>
-                </a:solidFill>
-              </a:rPr>
-              <a:t>theo</a:t>
-            </a:r>
-            <a:r>
-              <a:rPr lang="en-US" sz="1600" dirty="0" smtClean="0">
-                <a:solidFill>
-                  <a:schemeClr val="accent5">
-                    <a:lumMod val="75000"/>
-                  </a:schemeClr>
-                </a:solidFill>
-              </a:rPr>
-              <a:t> </a:t>
-            </a:r>
-            <a:r>
-              <a:rPr lang="en-US" sz="1600" dirty="0" err="1" smtClean="0">
-                <a:solidFill>
-                  <a:schemeClr val="accent5">
-                    <a:lumMod val="75000"/>
-                  </a:schemeClr>
-                </a:solidFill>
-              </a:rPr>
-              <a:t>dòng</a:t>
-            </a:r>
-            <a:r>
-              <a:rPr lang="en-US" sz="1600" dirty="0" smtClean="0">
-                <a:solidFill>
-                  <a:schemeClr val="accent5">
-                    <a:lumMod val="75000"/>
-                  </a:schemeClr>
-                </a:solidFill>
-              </a:rPr>
-              <a:t> </a:t>
-            </a:r>
-            <a:r>
-              <a:rPr lang="en-US" sz="1600" dirty="0" err="1" smtClean="0">
-                <a:solidFill>
-                  <a:schemeClr val="accent5">
-                    <a:lumMod val="75000"/>
-                  </a:schemeClr>
-                </a:solidFill>
-              </a:rPr>
-              <a:t>dữ</a:t>
-            </a:r>
-            <a:r>
-              <a:rPr lang="en-US" sz="1600" dirty="0" smtClean="0">
-                <a:solidFill>
-                  <a:schemeClr val="accent5">
-                    <a:lumMod val="75000"/>
-                  </a:schemeClr>
-                </a:solidFill>
-              </a:rPr>
-              <a:t> </a:t>
-            </a:r>
-            <a:r>
-              <a:rPr lang="en-US" sz="1600" dirty="0" err="1" smtClean="0">
-                <a:solidFill>
-                  <a:schemeClr val="accent5">
-                    <a:lumMod val="75000"/>
-                  </a:schemeClr>
-                </a:solidFill>
-              </a:rPr>
-              <a:t>liệu</a:t>
-            </a:r>
-            <a:endParaRPr lang="en-US" sz="1600" dirty="0">
+              <a:rPr lang="vi-VN" sz="1600" b="1" dirty="0">
+                <a:solidFill>
+                  <a:schemeClr val="accent5">
+                    <a:lumMod val="75000"/>
+                  </a:schemeClr>
+                </a:solidFill>
+              </a:rPr>
+              <a:t>Tính nhất quán dữ liệu</a:t>
+            </a:r>
+            <a:endParaRPr lang="en-US" sz="1600" b="1" dirty="0">
               <a:solidFill>
                 <a:schemeClr val="accent5">
                   <a:lumMod val="75000"/>
@@ -3268,14 +2737,71 @@
       </p:sp>
       <p:sp>
         <p:nvSpPr>
-          <p:cNvPr id="26" name="TextBox 25"/>
+          <p:cNvPr id="31" name="Rounded Rectangle 30"/>
+          <p:cNvSpPr/>
+          <p:nvPr/>
+        </p:nvSpPr>
+        <p:spPr>
+          <a:xfrm>
+            <a:off x="979310" y="4778601"/>
+            <a:ext cx="350005" cy="350005"/>
+          </a:xfrm>
+          <a:prstGeom prst="roundRect">
+            <a:avLst/>
+          </a:prstGeom>
+          <a:solidFill>
+            <a:schemeClr val="accent5">
+              <a:lumMod val="75000"/>
+            </a:schemeClr>
+          </a:solidFill>
+        </p:spPr>
+        <p:style>
+          <a:lnRef idx="2">
+            <a:schemeClr val="accent1">
+              <a:shade val="50000"/>
+            </a:schemeClr>
+          </a:lnRef>
+          <a:fillRef idx="1">
+            <a:schemeClr val="accent1"/>
+          </a:fillRef>
+          <a:effectRef idx="0">
+            <a:schemeClr val="accent1"/>
+          </a:effectRef>
+          <a:fontRef idx="minor">
+            <a:schemeClr val="lt1"/>
+          </a:fontRef>
+        </p:style>
+        <p:txBody>
+          <a:bodyPr rtlCol="0" anchor="ctr"/>
+          <a:lstStyle/>
+          <a:p>
+            <a:pPr algn="ctr"/>
+            <a:r>
+              <a:rPr lang="en-US" b="1" dirty="0" smtClean="0">
+                <a:solidFill>
+                  <a:schemeClr val="bg1"/>
+                </a:solidFill>
+              </a:rPr>
+              <a:t>3</a:t>
+            </a:r>
+            <a:endParaRPr lang="en-US" b="1" dirty="0">
+              <a:solidFill>
+                <a:schemeClr val="bg1"/>
+              </a:solidFill>
+            </a:endParaRPr>
+          </a:p>
+        </p:txBody>
+      </p:sp>
+      <p:sp>
+        <p:nvSpPr>
+          <p:cNvPr id="32" name="TextBox 31"/>
           <p:cNvSpPr txBox="1"/>
           <p:nvPr/>
         </p:nvSpPr>
         <p:spPr>
           <a:xfrm>
-            <a:off x="5611604" y="5014313"/>
-            <a:ext cx="2255857" cy="584775"/>
+            <a:off x="1329315" y="5003547"/>
+            <a:ext cx="7144729" cy="523220"/>
           </a:xfrm>
           <a:prstGeom prst="rect">
             <a:avLst/>
@@ -3289,138 +2815,307 @@
           <a:lstStyle/>
           <a:p>
             <a:r>
-              <a:rPr lang="en-US" sz="1600" dirty="0" err="1" smtClean="0">
-                <a:solidFill>
-                  <a:schemeClr val="accent5">
-                    <a:lumMod val="75000"/>
-                  </a:schemeClr>
-                </a:solidFill>
-              </a:rPr>
-              <a:t>Kích</a:t>
-            </a:r>
-            <a:r>
-              <a:rPr lang="en-US" sz="1600" dirty="0" smtClean="0">
-                <a:solidFill>
-                  <a:schemeClr val="accent5">
-                    <a:lumMod val="75000"/>
-                  </a:schemeClr>
-                </a:solidFill>
-              </a:rPr>
-              <a:t> </a:t>
-            </a:r>
-            <a:r>
-              <a:rPr lang="en-US" sz="1600" dirty="0" err="1" smtClean="0">
-                <a:solidFill>
-                  <a:schemeClr val="accent5">
-                    <a:lumMod val="75000"/>
-                  </a:schemeClr>
-                </a:solidFill>
-              </a:rPr>
-              <a:t>hoạt</a:t>
-            </a:r>
-            <a:r>
-              <a:rPr lang="en-US" sz="1600" dirty="0" smtClean="0">
-                <a:solidFill>
-                  <a:schemeClr val="accent5">
-                    <a:lumMod val="75000"/>
-                  </a:schemeClr>
-                </a:solidFill>
-              </a:rPr>
-              <a:t> </a:t>
-            </a:r>
-            <a:r>
-              <a:rPr lang="en-US" sz="1600" dirty="0" err="1" smtClean="0">
-                <a:solidFill>
-                  <a:schemeClr val="accent5">
-                    <a:lumMod val="75000"/>
-                  </a:schemeClr>
-                </a:solidFill>
-              </a:rPr>
-              <a:t>một</a:t>
-            </a:r>
-            <a:r>
-              <a:rPr lang="en-US" sz="1600" dirty="0" smtClean="0">
-                <a:solidFill>
-                  <a:schemeClr val="accent5">
-                    <a:lumMod val="75000"/>
-                  </a:schemeClr>
-                </a:solidFill>
-              </a:rPr>
-              <a:t> </a:t>
-            </a:r>
-            <a:r>
-              <a:rPr lang="en-US" sz="1600" dirty="0" err="1" smtClean="0">
-                <a:solidFill>
-                  <a:schemeClr val="accent5">
-                    <a:lumMod val="75000"/>
-                  </a:schemeClr>
-                </a:solidFill>
-              </a:rPr>
-              <a:t>lần</a:t>
-            </a:r>
-            <a:r>
-              <a:rPr lang="en-US" sz="1600" dirty="0" smtClean="0">
-                <a:solidFill>
-                  <a:schemeClr val="accent5">
-                    <a:lumMod val="75000"/>
-                  </a:schemeClr>
-                </a:solidFill>
-              </a:rPr>
-              <a:t> </a:t>
-            </a:r>
+              <a:rPr lang="vi-VN" sz="1400" dirty="0">
+                <a:solidFill>
+                  <a:schemeClr val="accent5">
+                    <a:lumMod val="75000"/>
+                  </a:schemeClr>
+                </a:solidFill>
+              </a:rPr>
+              <a:t>Sử dụng view, bạn có thể tổng hợp, kết hợp và chuyển đổi dữ liệu từ nhiều bảng thành một tập dữ liệu nhất quán. </a:t>
+            </a:r>
+            <a:r>
+              <a:rPr lang="en-US" sz="1400" dirty="0" err="1" smtClean="0">
+                <a:solidFill>
+                  <a:schemeClr val="accent5">
+                    <a:lumMod val="75000"/>
+                  </a:schemeClr>
+                </a:solidFill>
+              </a:rPr>
+              <a:t>Giúp</a:t>
+            </a:r>
+            <a:r>
+              <a:rPr lang="en-US" sz="1400" dirty="0" smtClean="0">
+                <a:solidFill>
+                  <a:schemeClr val="accent5">
+                    <a:lumMod val="75000"/>
+                  </a:schemeClr>
+                </a:solidFill>
+              </a:rPr>
+              <a:t> </a:t>
+            </a:r>
+            <a:r>
+              <a:rPr lang="vi-VN" sz="1400" dirty="0" smtClean="0">
+                <a:solidFill>
+                  <a:schemeClr val="accent5">
+                    <a:lumMod val="75000"/>
+                  </a:schemeClr>
+                </a:solidFill>
+              </a:rPr>
+              <a:t>đơn </a:t>
+            </a:r>
+            <a:r>
+              <a:rPr lang="vi-VN" sz="1400" dirty="0">
+                <a:solidFill>
+                  <a:schemeClr val="accent5">
+                    <a:lumMod val="75000"/>
+                  </a:schemeClr>
+                </a:solidFill>
+              </a:rPr>
+              <a:t>giản hóa việc truy </a:t>
+            </a:r>
+            <a:r>
+              <a:rPr lang="vi-VN" sz="1400" dirty="0" smtClean="0">
+                <a:solidFill>
+                  <a:schemeClr val="accent5">
+                    <a:lumMod val="75000"/>
+                  </a:schemeClr>
+                </a:solidFill>
+              </a:rPr>
+              <a:t>xuất</a:t>
+            </a:r>
+            <a:r>
+              <a:rPr lang="en-US" sz="1400" dirty="0" smtClean="0">
+                <a:solidFill>
+                  <a:schemeClr val="accent5">
+                    <a:lumMod val="75000"/>
+                  </a:schemeClr>
+                </a:solidFill>
+              </a:rPr>
+              <a:t>,</a:t>
+            </a:r>
+            <a:r>
+              <a:rPr lang="vi-VN" sz="1400" dirty="0" smtClean="0">
+                <a:solidFill>
+                  <a:schemeClr val="accent5">
+                    <a:lumMod val="75000"/>
+                  </a:schemeClr>
+                </a:solidFill>
+              </a:rPr>
+              <a:t> </a:t>
+            </a:r>
+            <a:r>
+              <a:rPr lang="vi-VN" sz="1400" dirty="0">
+                <a:solidFill>
+                  <a:schemeClr val="accent5">
+                    <a:lumMod val="75000"/>
+                  </a:schemeClr>
+                </a:solidFill>
+              </a:rPr>
+              <a:t>truy vấn phức tạp</a:t>
+            </a:r>
+            <a:endParaRPr lang="en-US" sz="1400" dirty="0">
+              <a:solidFill>
+                <a:schemeClr val="accent5">
+                  <a:lumMod val="75000"/>
+                </a:schemeClr>
+              </a:solidFill>
+            </a:endParaRPr>
           </a:p>
+        </p:txBody>
+      </p:sp>
+      <p:sp>
+        <p:nvSpPr>
+          <p:cNvPr id="33" name="TextBox 32"/>
+          <p:cNvSpPr txBox="1"/>
+          <p:nvPr/>
+        </p:nvSpPr>
+        <p:spPr>
+          <a:xfrm>
+            <a:off x="1329315" y="5511303"/>
+            <a:ext cx="2500301" cy="338554"/>
+          </a:xfrm>
+          <a:prstGeom prst="rect">
+            <a:avLst/>
+          </a:prstGeom>
+          <a:noFill/>
+        </p:spPr>
+        <p:txBody>
+          <a:bodyPr wrap="square" rtlCol="0">
+            <a:spAutoFit/>
+          </a:bodyPr>
+          <a:lstStyle/>
           <a:p>
             <a:r>
-              <a:rPr lang="en-US" sz="1600" dirty="0" err="1" smtClean="0">
-                <a:solidFill>
-                  <a:schemeClr val="accent5">
-                    <a:lumMod val="75000"/>
-                  </a:schemeClr>
-                </a:solidFill>
-              </a:rPr>
-              <a:t>theo</a:t>
-            </a:r>
-            <a:r>
-              <a:rPr lang="en-US" sz="1600" dirty="0" smtClean="0">
-                <a:solidFill>
-                  <a:schemeClr val="accent5">
-                    <a:lumMod val="75000"/>
-                  </a:schemeClr>
-                </a:solidFill>
-              </a:rPr>
-              <a:t> </a:t>
-            </a:r>
-            <a:r>
-              <a:rPr lang="en-US" sz="1600" dirty="0" err="1" smtClean="0">
-                <a:solidFill>
-                  <a:schemeClr val="accent5">
-                    <a:lumMod val="75000"/>
-                  </a:schemeClr>
-                </a:solidFill>
-              </a:rPr>
-              <a:t>câu</a:t>
-            </a:r>
-            <a:r>
-              <a:rPr lang="en-US" sz="1600" dirty="0" smtClean="0">
-                <a:solidFill>
-                  <a:schemeClr val="accent5">
-                    <a:lumMod val="75000"/>
-                  </a:schemeClr>
-                </a:solidFill>
-              </a:rPr>
-              <a:t> </a:t>
-            </a:r>
-            <a:r>
-              <a:rPr lang="en-US" sz="1600" dirty="0" err="1" smtClean="0">
-                <a:solidFill>
-                  <a:schemeClr val="accent5">
-                    <a:lumMod val="75000"/>
-                  </a:schemeClr>
-                </a:solidFill>
-              </a:rPr>
-              <a:t>lệnh</a:t>
-            </a:r>
-            <a:endParaRPr lang="en-US" sz="1600" dirty="0">
+              <a:rPr lang="vi-VN" sz="1600" b="1" dirty="0">
+                <a:solidFill>
+                  <a:schemeClr val="accent5">
+                    <a:lumMod val="75000"/>
+                  </a:schemeClr>
+                </a:solidFill>
+              </a:rPr>
+              <a:t>Tính </a:t>
+            </a:r>
+            <a:r>
+              <a:rPr lang="vi-VN" sz="1600" b="1" dirty="0" smtClean="0">
+                <a:solidFill>
+                  <a:schemeClr val="accent5">
+                    <a:lumMod val="75000"/>
+                  </a:schemeClr>
+                </a:solidFill>
+              </a:rPr>
+              <a:t>modul</a:t>
+            </a:r>
+            <a:r>
+              <a:rPr lang="en-US" sz="1600" b="1" dirty="0" smtClean="0">
+                <a:solidFill>
+                  <a:schemeClr val="accent5">
+                    <a:lumMod val="75000"/>
+                  </a:schemeClr>
+                </a:solidFill>
+              </a:rPr>
+              <a:t>e </a:t>
+            </a:r>
+            <a:r>
+              <a:rPr lang="en-US" sz="1600" b="1" dirty="0" err="1" smtClean="0">
+                <a:solidFill>
+                  <a:schemeClr val="accent5">
+                    <a:lumMod val="75000"/>
+                  </a:schemeClr>
+                </a:solidFill>
+              </a:rPr>
+              <a:t>hóa</a:t>
+            </a:r>
+            <a:endParaRPr lang="en-US" sz="1600" b="1" dirty="0">
+              <a:solidFill>
+                <a:schemeClr val="accent5">
+                  <a:lumMod val="75000"/>
+                </a:schemeClr>
+              </a:solidFill>
+            </a:endParaRPr>
+          </a:p>
+        </p:txBody>
+      </p:sp>
+      <p:sp>
+        <p:nvSpPr>
+          <p:cNvPr id="34" name="Rounded Rectangle 33"/>
+          <p:cNvSpPr/>
+          <p:nvPr/>
+        </p:nvSpPr>
+        <p:spPr>
+          <a:xfrm>
+            <a:off x="979310" y="5602466"/>
+            <a:ext cx="350005" cy="350005"/>
+          </a:xfrm>
+          <a:prstGeom prst="roundRect">
+            <a:avLst/>
+          </a:prstGeom>
+          <a:solidFill>
+            <a:schemeClr val="accent5">
+              <a:lumMod val="75000"/>
+            </a:schemeClr>
+          </a:solidFill>
+        </p:spPr>
+        <p:style>
+          <a:lnRef idx="2">
+            <a:schemeClr val="accent1">
+              <a:shade val="50000"/>
+            </a:schemeClr>
+          </a:lnRef>
+          <a:fillRef idx="1">
+            <a:schemeClr val="accent1"/>
+          </a:fillRef>
+          <a:effectRef idx="0">
+            <a:schemeClr val="accent1"/>
+          </a:effectRef>
+          <a:fontRef idx="minor">
+            <a:schemeClr val="lt1"/>
+          </a:fontRef>
+        </p:style>
+        <p:txBody>
+          <a:bodyPr rtlCol="0" anchor="ctr"/>
+          <a:lstStyle/>
+          <a:p>
+            <a:pPr algn="ctr"/>
+            <a:r>
+              <a:rPr lang="en-US" b="1" dirty="0" smtClean="0">
+                <a:solidFill>
+                  <a:schemeClr val="bg1"/>
+                </a:solidFill>
+              </a:rPr>
+              <a:t>4</a:t>
+            </a:r>
+            <a:endParaRPr lang="en-US" b="1" dirty="0">
+              <a:solidFill>
+                <a:schemeClr val="bg1"/>
+              </a:solidFill>
+            </a:endParaRPr>
+          </a:p>
+        </p:txBody>
+      </p:sp>
+      <p:sp>
+        <p:nvSpPr>
+          <p:cNvPr id="35" name="TextBox 34"/>
+          <p:cNvSpPr txBox="1"/>
+          <p:nvPr/>
+        </p:nvSpPr>
+        <p:spPr>
+          <a:xfrm>
+            <a:off x="1329315" y="5827412"/>
+            <a:ext cx="7144729" cy="523220"/>
+          </a:xfrm>
+          <a:prstGeom prst="rect">
+            <a:avLst/>
+          </a:prstGeom>
+          <a:noFill/>
+        </p:spPr>
+        <p:txBody>
+          <a:bodyPr wrap="square" rtlCol="0">
+            <a:spAutoFit/>
+          </a:bodyPr>
+          <a:lstStyle/>
+          <a:p>
+            <a:r>
+              <a:rPr lang="vi-VN" sz="1400" dirty="0">
+                <a:solidFill>
+                  <a:schemeClr val="accent5">
+                    <a:lumMod val="75000"/>
+                  </a:schemeClr>
+                </a:solidFill>
+              </a:rPr>
+              <a:t>View cho phép bạn xây dựng một cấu trúc dữ liệu </a:t>
+            </a:r>
+            <a:r>
+              <a:rPr lang="vi-VN" sz="1400" dirty="0" smtClean="0">
+                <a:solidFill>
+                  <a:schemeClr val="accent5">
+                    <a:lumMod val="75000"/>
+                  </a:schemeClr>
+                </a:solidFill>
+              </a:rPr>
+              <a:t>modul</a:t>
+            </a:r>
+            <a:r>
+              <a:rPr lang="en-US" sz="1400" dirty="0" smtClean="0">
+                <a:solidFill>
+                  <a:schemeClr val="accent5">
+                    <a:lumMod val="75000"/>
+                  </a:schemeClr>
+                </a:solidFill>
+              </a:rPr>
+              <a:t>e</a:t>
+            </a:r>
+            <a:r>
+              <a:rPr lang="vi-VN" sz="1400" dirty="0" smtClean="0">
+                <a:solidFill>
+                  <a:schemeClr val="accent5">
+                    <a:lumMod val="75000"/>
+                  </a:schemeClr>
+                </a:solidFill>
+              </a:rPr>
+              <a:t> </a:t>
+            </a:r>
+            <a:r>
+              <a:rPr lang="vi-VN" sz="1400" dirty="0">
+                <a:solidFill>
+                  <a:schemeClr val="accent5">
+                    <a:lumMod val="75000"/>
+                  </a:schemeClr>
+                </a:solidFill>
+              </a:rPr>
+              <a:t>và linh hoạt. Bạn có thể tạo ra các view phức tạp bằng cách kết hợp và lồng nhau các view khác</a:t>
+            </a:r>
+            <a:endParaRPr lang="en-US" sz="1400" dirty="0">
               <a:solidFill>
                 <a:schemeClr val="accent5">
                   <a:lumMod val="75000"/>
@@ -3451,6 +3146,8051 @@
 </file>
 
 <file path=ppt/slides/slide11.xml><?xml version="1.0" encoding="utf-8"?>
+<p:sld xmlns:a="http://schemas.openxmlformats.org/drawingml/2006/main" xmlns:r="http://schemas.openxmlformats.org/officeDocument/2006/relationships" xmlns:p="http://schemas.openxmlformats.org/presentationml/2006/main">
+  <p:cSld>
+    <p:spTree>
+      <p:nvGrpSpPr>
+        <p:cNvPr id="1" name=""/>
+        <p:cNvGrpSpPr/>
+        <p:nvPr/>
+      </p:nvGrpSpPr>
+      <p:grpSpPr>
+        <a:xfrm>
+          <a:off x="0" y="0"/>
+          <a:ext cx="0" cy="0"/>
+          <a:chOff x="0" y="0"/>
+          <a:chExt cx="0" cy="0"/>
+        </a:xfrm>
+      </p:grpSpPr>
+      <p:sp>
+        <p:nvSpPr>
+          <p:cNvPr id="2" name="4-Point Star 1"/>
+          <p:cNvSpPr/>
+          <p:nvPr/>
+        </p:nvSpPr>
+        <p:spPr>
+          <a:xfrm>
+            <a:off x="905344" y="476387"/>
+            <a:ext cx="289711" cy="289711"/>
+          </a:xfrm>
+          <a:prstGeom prst="star4">
+            <a:avLst/>
+          </a:prstGeom>
+          <a:solidFill>
+            <a:schemeClr val="accent2"/>
+          </a:solidFill>
+          <a:ln>
+            <a:noFill/>
+          </a:ln>
+        </p:spPr>
+        <p:style>
+          <a:lnRef idx="2">
+            <a:schemeClr val="accent1">
+              <a:shade val="50000"/>
+            </a:schemeClr>
+          </a:lnRef>
+          <a:fillRef idx="1">
+            <a:schemeClr val="accent1"/>
+          </a:fillRef>
+          <a:effectRef idx="0">
+            <a:schemeClr val="accent1"/>
+          </a:effectRef>
+          <a:fontRef idx="minor">
+            <a:schemeClr val="lt1"/>
+          </a:fontRef>
+        </p:style>
+        <p:txBody>
+          <a:bodyPr rtlCol="0" anchor="ctr"/>
+          <a:lstStyle/>
+          <a:p>
+            <a:pPr algn="ctr"/>
+            <a:endParaRPr lang="en-US"/>
+          </a:p>
+        </p:txBody>
+      </p:sp>
+      <p:sp>
+        <p:nvSpPr>
+          <p:cNvPr id="3" name="TextBox 2"/>
+          <p:cNvSpPr txBox="1"/>
+          <p:nvPr/>
+        </p:nvSpPr>
+        <p:spPr>
+          <a:xfrm>
+            <a:off x="1131681" y="444396"/>
+            <a:ext cx="3775297" cy="338554"/>
+          </a:xfrm>
+          <a:prstGeom prst="rect">
+            <a:avLst/>
+          </a:prstGeom>
+          <a:noFill/>
+        </p:spPr>
+        <p:txBody>
+          <a:bodyPr wrap="square" rtlCol="0">
+            <a:spAutoFit/>
+          </a:bodyPr>
+          <a:lstStyle/>
+          <a:p>
+            <a:r>
+              <a:rPr lang="en-US" sz="1600" b="1" dirty="0" err="1" smtClean="0">
+                <a:solidFill>
+                  <a:schemeClr val="accent5">
+                    <a:lumMod val="75000"/>
+                  </a:schemeClr>
+                </a:solidFill>
+              </a:rPr>
+              <a:t>Cơ</a:t>
+            </a:r>
+            <a:r>
+              <a:rPr lang="en-US" sz="1600" b="1" dirty="0" smtClean="0">
+                <a:solidFill>
+                  <a:schemeClr val="accent5">
+                    <a:lumMod val="75000"/>
+                  </a:schemeClr>
+                </a:solidFill>
+              </a:rPr>
+              <a:t> </a:t>
+            </a:r>
+            <a:r>
+              <a:rPr lang="en-US" sz="1600" b="1" dirty="0" err="1" smtClean="0">
+                <a:solidFill>
+                  <a:schemeClr val="accent5">
+                    <a:lumMod val="75000"/>
+                  </a:schemeClr>
+                </a:solidFill>
+              </a:rPr>
+              <a:t>chế</a:t>
+            </a:r>
+            <a:r>
+              <a:rPr lang="en-US" sz="1600" b="1" dirty="0" smtClean="0">
+                <a:solidFill>
+                  <a:schemeClr val="accent5">
+                    <a:lumMod val="75000"/>
+                  </a:schemeClr>
+                </a:solidFill>
+              </a:rPr>
+              <a:t> </a:t>
+            </a:r>
+            <a:r>
+              <a:rPr lang="en-US" sz="1600" b="1" dirty="0" err="1" smtClean="0">
+                <a:solidFill>
+                  <a:schemeClr val="accent5">
+                    <a:lumMod val="75000"/>
+                  </a:schemeClr>
+                </a:solidFill>
+              </a:rPr>
+              <a:t>hoạt</a:t>
+            </a:r>
+            <a:r>
+              <a:rPr lang="en-US" sz="1600" b="1" dirty="0" smtClean="0">
+                <a:solidFill>
+                  <a:schemeClr val="accent5">
+                    <a:lumMod val="75000"/>
+                  </a:schemeClr>
+                </a:solidFill>
+              </a:rPr>
+              <a:t> </a:t>
+            </a:r>
+            <a:r>
+              <a:rPr lang="en-US" sz="1600" b="1" dirty="0" err="1" smtClean="0">
+                <a:solidFill>
+                  <a:schemeClr val="accent5">
+                    <a:lumMod val="75000"/>
+                  </a:schemeClr>
+                </a:solidFill>
+              </a:rPr>
+              <a:t>động</a:t>
+            </a:r>
+            <a:r>
+              <a:rPr lang="en-US" sz="1600" b="1" dirty="0" smtClean="0">
+                <a:solidFill>
+                  <a:schemeClr val="accent5">
+                    <a:lumMod val="75000"/>
+                  </a:schemeClr>
+                </a:solidFill>
+              </a:rPr>
+              <a:t> </a:t>
+            </a:r>
+            <a:r>
+              <a:rPr lang="en-US" sz="1600" b="1" dirty="0" err="1" smtClean="0">
+                <a:solidFill>
+                  <a:schemeClr val="accent5">
+                    <a:lumMod val="75000"/>
+                  </a:schemeClr>
+                </a:solidFill>
+              </a:rPr>
+              <a:t>của</a:t>
+            </a:r>
+            <a:r>
+              <a:rPr lang="en-US" sz="1600" b="1" dirty="0" smtClean="0">
+                <a:solidFill>
+                  <a:schemeClr val="accent5">
+                    <a:lumMod val="75000"/>
+                  </a:schemeClr>
+                </a:solidFill>
+              </a:rPr>
+              <a:t> View</a:t>
+            </a:r>
+            <a:endParaRPr lang="en-US" sz="1600" b="1" dirty="0">
+              <a:solidFill>
+                <a:schemeClr val="accent5">
+                  <a:lumMod val="75000"/>
+                </a:schemeClr>
+              </a:solidFill>
+            </a:endParaRPr>
+          </a:p>
+        </p:txBody>
+      </p:sp>
+      <p:pic>
+        <p:nvPicPr>
+          <p:cNvPr id="2050" name="Picture 2" descr="postgresql view"/>
+          <p:cNvPicPr>
+            <a:picLocks noChangeAspect="1" noChangeArrowheads="1"/>
+          </p:cNvPicPr>
+          <p:nvPr/>
+        </p:nvPicPr>
+        <p:blipFill>
+          <a:blip r:embed="rId2">
+            <a:extLst>
+              <a:ext uri="{28A0092B-C50C-407E-A947-70E740481C1C}">
+                <a14:useLocalDpi xmlns:a14="http://schemas.microsoft.com/office/drawing/2010/main" val="0"/>
+              </a:ext>
+            </a:extLst>
+          </a:blip>
+          <a:srcRect/>
+          <a:stretch>
+            <a:fillRect/>
+          </a:stretch>
+        </p:blipFill>
+        <p:spPr bwMode="auto">
+          <a:xfrm>
+            <a:off x="4454305" y="678915"/>
+            <a:ext cx="3961425" cy="2472379"/>
+          </a:xfrm>
+          <a:prstGeom prst="rect">
+            <a:avLst/>
+          </a:prstGeom>
+          <a:noFill/>
+          <a:extLst>
+            <a:ext uri="{909E8E84-426E-40DD-AFC4-6F175D3DCCD1}">
+              <a14:hiddenFill xmlns:a14="http://schemas.microsoft.com/office/drawing/2010/main">
+                <a:solidFill>
+                  <a:srgbClr val="FFFFFF"/>
+                </a:solidFill>
+              </a14:hiddenFill>
+            </a:ext>
+          </a:extLst>
+        </p:spPr>
+      </p:pic>
+      <p:sp>
+        <p:nvSpPr>
+          <p:cNvPr id="5" name="TextBox 4"/>
+          <p:cNvSpPr txBox="1"/>
+          <p:nvPr/>
+        </p:nvSpPr>
+        <p:spPr>
+          <a:xfrm>
+            <a:off x="905345" y="882821"/>
+            <a:ext cx="3268304" cy="830997"/>
+          </a:xfrm>
+          <a:prstGeom prst="rect">
+            <a:avLst/>
+          </a:prstGeom>
+          <a:noFill/>
+        </p:spPr>
+        <p:txBody>
+          <a:bodyPr wrap="square" rtlCol="0">
+            <a:spAutoFit/>
+          </a:bodyPr>
+          <a:lstStyle/>
+          <a:p>
+            <a:r>
+              <a:rPr lang="en-US" sz="1600" dirty="0" smtClean="0">
+                <a:solidFill>
+                  <a:schemeClr val="accent5">
+                    <a:lumMod val="75000"/>
+                  </a:schemeClr>
+                </a:solidFill>
+              </a:rPr>
+              <a:t>- </a:t>
+            </a:r>
+            <a:r>
+              <a:rPr lang="en-US" sz="1600" dirty="0" err="1" smtClean="0">
+                <a:solidFill>
+                  <a:schemeClr val="accent5">
+                    <a:lumMod val="75000"/>
+                  </a:schemeClr>
+                </a:solidFill>
+              </a:rPr>
+              <a:t>Bạn</a:t>
+            </a:r>
+            <a:r>
+              <a:rPr lang="en-US" sz="1600" dirty="0" smtClean="0">
+                <a:solidFill>
+                  <a:schemeClr val="accent5">
+                    <a:lumMod val="75000"/>
+                  </a:schemeClr>
+                </a:solidFill>
+              </a:rPr>
+              <a:t> </a:t>
+            </a:r>
+            <a:r>
+              <a:rPr lang="en-US" sz="1600" dirty="0" err="1" smtClean="0">
+                <a:solidFill>
+                  <a:schemeClr val="accent5">
+                    <a:lumMod val="75000"/>
+                  </a:schemeClr>
+                </a:solidFill>
+              </a:rPr>
+              <a:t>có</a:t>
+            </a:r>
+            <a:r>
+              <a:rPr lang="en-US" sz="1600" dirty="0" smtClean="0">
+                <a:solidFill>
+                  <a:schemeClr val="accent5">
+                    <a:lumMod val="75000"/>
+                  </a:schemeClr>
+                </a:solidFill>
+              </a:rPr>
+              <a:t> </a:t>
+            </a:r>
+            <a:r>
+              <a:rPr lang="en-US" sz="1600" dirty="0" err="1" smtClean="0">
+                <a:solidFill>
+                  <a:schemeClr val="accent5">
+                    <a:lumMod val="75000"/>
+                  </a:schemeClr>
+                </a:solidFill>
+              </a:rPr>
+              <a:t>thể</a:t>
+            </a:r>
+            <a:r>
+              <a:rPr lang="en-US" sz="1600" dirty="0" smtClean="0">
+                <a:solidFill>
+                  <a:schemeClr val="accent5">
+                    <a:lumMod val="75000"/>
+                  </a:schemeClr>
+                </a:solidFill>
+              </a:rPr>
+              <a:t> </a:t>
+            </a:r>
+            <a:r>
+              <a:rPr lang="en-US" sz="1600" dirty="0" err="1" smtClean="0">
+                <a:solidFill>
+                  <a:schemeClr val="accent5">
+                    <a:lumMod val="75000"/>
+                  </a:schemeClr>
+                </a:solidFill>
+              </a:rPr>
+              <a:t>hình</a:t>
+            </a:r>
+            <a:r>
+              <a:rPr lang="en-US" sz="1600" dirty="0" smtClean="0">
+                <a:solidFill>
+                  <a:schemeClr val="accent5">
+                    <a:lumMod val="75000"/>
+                  </a:schemeClr>
+                </a:solidFill>
+              </a:rPr>
+              <a:t> dung: </a:t>
+            </a:r>
+            <a:r>
+              <a:rPr lang="en-US" sz="1600" dirty="0" err="1" smtClean="0">
+                <a:solidFill>
+                  <a:schemeClr val="accent5">
+                    <a:lumMod val="75000"/>
+                  </a:schemeClr>
+                </a:solidFill>
+              </a:rPr>
+              <a:t>có</a:t>
+            </a:r>
+            <a:r>
+              <a:rPr lang="en-US" sz="1600" dirty="0" smtClean="0">
+                <a:solidFill>
+                  <a:schemeClr val="accent5">
+                    <a:lumMod val="75000"/>
+                  </a:schemeClr>
+                </a:solidFill>
+              </a:rPr>
+              <a:t> </a:t>
+            </a:r>
+            <a:r>
+              <a:rPr lang="en-US" sz="1600" dirty="0" err="1" smtClean="0">
+                <a:solidFill>
+                  <a:schemeClr val="accent5">
+                    <a:lumMod val="75000"/>
+                  </a:schemeClr>
+                </a:solidFill>
+              </a:rPr>
+              <a:t>một</a:t>
+            </a:r>
+            <a:r>
+              <a:rPr lang="en-US" sz="1600" dirty="0" smtClean="0">
+                <a:solidFill>
+                  <a:schemeClr val="accent5">
+                    <a:lumMod val="75000"/>
+                  </a:schemeClr>
+                </a:solidFill>
+              </a:rPr>
+              <a:t> </a:t>
+            </a:r>
+            <a:r>
+              <a:rPr lang="en-US" sz="1600" dirty="0" err="1" smtClean="0">
+                <a:solidFill>
+                  <a:schemeClr val="accent5">
+                    <a:lumMod val="75000"/>
+                  </a:schemeClr>
+                </a:solidFill>
+              </a:rPr>
+              <a:t>câu</a:t>
+            </a:r>
+            <a:r>
+              <a:rPr lang="en-US" sz="1600" dirty="0" smtClean="0">
+                <a:solidFill>
+                  <a:schemeClr val="accent5">
+                    <a:lumMod val="75000"/>
+                  </a:schemeClr>
+                </a:solidFill>
+              </a:rPr>
+              <a:t> </a:t>
+            </a:r>
+            <a:r>
+              <a:rPr lang="en-US" sz="1600" dirty="0" err="1" smtClean="0">
+                <a:solidFill>
+                  <a:schemeClr val="accent5">
+                    <a:lumMod val="75000"/>
+                  </a:schemeClr>
+                </a:solidFill>
+              </a:rPr>
+              <a:t>truy</a:t>
+            </a:r>
+            <a:r>
+              <a:rPr lang="en-US" sz="1600" dirty="0" smtClean="0">
+                <a:solidFill>
+                  <a:schemeClr val="accent5">
+                    <a:lumMod val="75000"/>
+                  </a:schemeClr>
+                </a:solidFill>
+              </a:rPr>
+              <a:t> </a:t>
+            </a:r>
+            <a:r>
+              <a:rPr lang="en-US" sz="1600" dirty="0" err="1" smtClean="0">
+                <a:solidFill>
+                  <a:schemeClr val="accent5">
+                    <a:lumMod val="75000"/>
+                  </a:schemeClr>
+                </a:solidFill>
+              </a:rPr>
+              <a:t>vấn</a:t>
+            </a:r>
+            <a:r>
+              <a:rPr lang="en-US" sz="1600" dirty="0" smtClean="0">
+                <a:solidFill>
+                  <a:schemeClr val="accent5">
+                    <a:lumMod val="75000"/>
+                  </a:schemeClr>
+                </a:solidFill>
+              </a:rPr>
+              <a:t> </a:t>
+            </a:r>
+            <a:r>
+              <a:rPr lang="en-US" sz="1600" dirty="0" err="1" smtClean="0">
+                <a:solidFill>
+                  <a:schemeClr val="accent5">
+                    <a:lumMod val="75000"/>
+                  </a:schemeClr>
+                </a:solidFill>
+              </a:rPr>
+              <a:t>rất</a:t>
+            </a:r>
+            <a:r>
+              <a:rPr lang="en-US" sz="1600" dirty="0" smtClean="0">
+                <a:solidFill>
+                  <a:schemeClr val="accent5">
+                    <a:lumMod val="75000"/>
+                  </a:schemeClr>
+                </a:solidFill>
+              </a:rPr>
+              <a:t> </a:t>
+            </a:r>
+            <a:r>
+              <a:rPr lang="en-US" sz="1600" dirty="0" err="1" smtClean="0">
+                <a:solidFill>
+                  <a:schemeClr val="accent5">
+                    <a:lumMod val="75000"/>
+                  </a:schemeClr>
+                </a:solidFill>
+              </a:rPr>
+              <a:t>dài</a:t>
+            </a:r>
+            <a:r>
+              <a:rPr lang="en-US" sz="1600" dirty="0" smtClean="0">
+                <a:solidFill>
+                  <a:schemeClr val="accent5">
+                    <a:lumMod val="75000"/>
+                  </a:schemeClr>
+                </a:solidFill>
+              </a:rPr>
+              <a:t>, </a:t>
+            </a:r>
+            <a:r>
+              <a:rPr lang="en-US" sz="1600" dirty="0" err="1" smtClean="0">
+                <a:solidFill>
+                  <a:schemeClr val="accent5">
+                    <a:lumMod val="75000"/>
+                  </a:schemeClr>
+                </a:solidFill>
+              </a:rPr>
+              <a:t>phức</a:t>
+            </a:r>
+            <a:r>
+              <a:rPr lang="en-US" sz="1600" dirty="0" smtClean="0">
+                <a:solidFill>
+                  <a:schemeClr val="accent5">
+                    <a:lumMod val="75000"/>
+                  </a:schemeClr>
+                </a:solidFill>
+              </a:rPr>
+              <a:t> </a:t>
+            </a:r>
+            <a:r>
+              <a:rPr lang="en-US" sz="1600" dirty="0" err="1" smtClean="0">
+                <a:solidFill>
+                  <a:schemeClr val="accent5">
+                    <a:lumMod val="75000"/>
+                  </a:schemeClr>
+                </a:solidFill>
+              </a:rPr>
+              <a:t>tạp</a:t>
+            </a:r>
+            <a:r>
+              <a:rPr lang="en-US" sz="1600" dirty="0" smtClean="0">
+                <a:solidFill>
+                  <a:schemeClr val="accent5">
+                    <a:lumMod val="75000"/>
+                  </a:schemeClr>
+                </a:solidFill>
+              </a:rPr>
+              <a:t> </a:t>
+            </a:r>
+            <a:r>
+              <a:rPr lang="en-US" sz="1600" dirty="0" err="1" smtClean="0">
+                <a:solidFill>
+                  <a:schemeClr val="accent5">
+                    <a:lumMod val="75000"/>
+                  </a:schemeClr>
+                </a:solidFill>
+              </a:rPr>
+              <a:t>để</a:t>
+            </a:r>
+            <a:r>
+              <a:rPr lang="en-US" sz="1600" dirty="0" smtClean="0">
+                <a:solidFill>
+                  <a:schemeClr val="accent5">
+                    <a:lumMod val="75000"/>
+                  </a:schemeClr>
+                </a:solidFill>
+              </a:rPr>
+              <a:t> </a:t>
+            </a:r>
+            <a:r>
+              <a:rPr lang="en-US" sz="1600" dirty="0" err="1" smtClean="0">
+                <a:solidFill>
+                  <a:schemeClr val="accent5">
+                    <a:lumMod val="75000"/>
+                  </a:schemeClr>
+                </a:solidFill>
+              </a:rPr>
+              <a:t>cho</a:t>
+            </a:r>
+            <a:r>
+              <a:rPr lang="en-US" sz="1600" dirty="0" smtClean="0">
+                <a:solidFill>
+                  <a:schemeClr val="accent5">
+                    <a:lumMod val="75000"/>
+                  </a:schemeClr>
+                </a:solidFill>
+              </a:rPr>
+              <a:t> </a:t>
+            </a:r>
+            <a:r>
+              <a:rPr lang="en-US" sz="1600" dirty="0" err="1" smtClean="0">
+                <a:solidFill>
+                  <a:schemeClr val="accent5">
+                    <a:lumMod val="75000"/>
+                  </a:schemeClr>
+                </a:solidFill>
+              </a:rPr>
+              <a:t>ra</a:t>
+            </a:r>
+            <a:r>
+              <a:rPr lang="en-US" sz="1600" dirty="0" smtClean="0">
+                <a:solidFill>
+                  <a:schemeClr val="accent5">
+                    <a:lumMod val="75000"/>
+                  </a:schemeClr>
+                </a:solidFill>
+              </a:rPr>
+              <a:t> </a:t>
+            </a:r>
+            <a:r>
+              <a:rPr lang="en-US" sz="1600" dirty="0" err="1" smtClean="0">
+                <a:solidFill>
+                  <a:schemeClr val="accent5">
+                    <a:lumMod val="75000"/>
+                  </a:schemeClr>
+                </a:solidFill>
+              </a:rPr>
+              <a:t>được</a:t>
+            </a:r>
+            <a:r>
+              <a:rPr lang="en-US" sz="1600" dirty="0" smtClean="0">
+                <a:solidFill>
+                  <a:schemeClr val="accent5">
+                    <a:lumMod val="75000"/>
+                  </a:schemeClr>
+                </a:solidFill>
+              </a:rPr>
+              <a:t> </a:t>
+            </a:r>
+            <a:r>
+              <a:rPr lang="en-US" sz="1600" dirty="0" err="1" smtClean="0">
+                <a:solidFill>
+                  <a:schemeClr val="accent5">
+                    <a:lumMod val="75000"/>
+                  </a:schemeClr>
+                </a:solidFill>
+              </a:rPr>
+              <a:t>kết</a:t>
+            </a:r>
+            <a:r>
+              <a:rPr lang="en-US" sz="1600" dirty="0" smtClean="0">
+                <a:solidFill>
+                  <a:schemeClr val="accent5">
+                    <a:lumMod val="75000"/>
+                  </a:schemeClr>
+                </a:solidFill>
+              </a:rPr>
+              <a:t> </a:t>
+            </a:r>
+            <a:r>
+              <a:rPr lang="en-US" sz="1600" dirty="0" err="1" smtClean="0">
+                <a:solidFill>
+                  <a:schemeClr val="accent5">
+                    <a:lumMod val="75000"/>
+                  </a:schemeClr>
+                </a:solidFill>
+              </a:rPr>
+              <a:t>quả</a:t>
+            </a:r>
+            <a:r>
+              <a:rPr lang="en-US" sz="1600" dirty="0" smtClean="0">
+                <a:solidFill>
+                  <a:schemeClr val="accent5">
+                    <a:lumMod val="75000"/>
+                  </a:schemeClr>
+                </a:solidFill>
+              </a:rPr>
+              <a:t> </a:t>
+            </a:r>
+            <a:endParaRPr lang="en-US" sz="1600" dirty="0">
+              <a:solidFill>
+                <a:schemeClr val="accent5">
+                  <a:lumMod val="75000"/>
+                </a:schemeClr>
+              </a:solidFill>
+            </a:endParaRPr>
+          </a:p>
+        </p:txBody>
+      </p:sp>
+      <p:sp>
+        <p:nvSpPr>
+          <p:cNvPr id="6" name="TextBox 5"/>
+          <p:cNvSpPr txBox="1"/>
+          <p:nvPr/>
+        </p:nvSpPr>
+        <p:spPr>
+          <a:xfrm>
+            <a:off x="905345" y="1711938"/>
+            <a:ext cx="3268304" cy="830997"/>
+          </a:xfrm>
+          <a:prstGeom prst="rect">
+            <a:avLst/>
+          </a:prstGeom>
+          <a:noFill/>
+        </p:spPr>
+        <p:txBody>
+          <a:bodyPr wrap="square" rtlCol="0">
+            <a:spAutoFit/>
+          </a:bodyPr>
+          <a:lstStyle/>
+          <a:p>
+            <a:r>
+              <a:rPr lang="en-US" sz="1600" dirty="0" smtClean="0">
+                <a:solidFill>
+                  <a:schemeClr val="accent5">
+                    <a:lumMod val="75000"/>
+                  </a:schemeClr>
+                </a:solidFill>
+              </a:rPr>
+              <a:t>- </a:t>
+            </a:r>
+            <a:r>
+              <a:rPr lang="en-US" sz="1600" dirty="0" err="1" smtClean="0">
+                <a:solidFill>
+                  <a:schemeClr val="accent5">
+                    <a:lumMod val="75000"/>
+                  </a:schemeClr>
+                </a:solidFill>
+              </a:rPr>
+              <a:t>Có</a:t>
+            </a:r>
+            <a:r>
+              <a:rPr lang="en-US" sz="1600" dirty="0" smtClean="0">
+                <a:solidFill>
+                  <a:schemeClr val="accent5">
+                    <a:lumMod val="75000"/>
+                  </a:schemeClr>
+                </a:solidFill>
+              </a:rPr>
+              <a:t> </a:t>
+            </a:r>
+            <a:r>
+              <a:rPr lang="en-US" sz="1600" dirty="0" err="1" smtClean="0">
+                <a:solidFill>
+                  <a:schemeClr val="accent5">
+                    <a:lumMod val="75000"/>
+                  </a:schemeClr>
+                </a:solidFill>
+              </a:rPr>
+              <a:t>thể</a:t>
+            </a:r>
+            <a:r>
+              <a:rPr lang="en-US" sz="1600" dirty="0" smtClean="0">
+                <a:solidFill>
+                  <a:schemeClr val="accent5">
+                    <a:lumMod val="75000"/>
+                  </a:schemeClr>
+                </a:solidFill>
+              </a:rPr>
+              <a:t> </a:t>
+            </a:r>
+            <a:r>
+              <a:rPr lang="en-US" sz="1600" dirty="0" err="1" smtClean="0">
+                <a:solidFill>
+                  <a:schemeClr val="accent5">
+                    <a:lumMod val="75000"/>
+                  </a:schemeClr>
+                </a:solidFill>
+              </a:rPr>
+              <a:t>bạn</a:t>
+            </a:r>
+            <a:r>
+              <a:rPr lang="en-US" sz="1600" dirty="0" smtClean="0">
+                <a:solidFill>
+                  <a:schemeClr val="accent5">
+                    <a:lumMod val="75000"/>
+                  </a:schemeClr>
+                </a:solidFill>
+              </a:rPr>
+              <a:t> </a:t>
+            </a:r>
+            <a:r>
+              <a:rPr lang="en-US" sz="1600" dirty="0" err="1" smtClean="0">
+                <a:solidFill>
+                  <a:schemeClr val="accent5">
+                    <a:lumMod val="75000"/>
+                  </a:schemeClr>
+                </a:solidFill>
+              </a:rPr>
+              <a:t>phải</a:t>
+            </a:r>
+            <a:r>
+              <a:rPr lang="en-US" sz="1600" dirty="0" smtClean="0">
+                <a:solidFill>
+                  <a:schemeClr val="accent5">
+                    <a:lumMod val="75000"/>
+                  </a:schemeClr>
+                </a:solidFill>
+              </a:rPr>
+              <a:t> </a:t>
+            </a:r>
+            <a:r>
+              <a:rPr lang="en-US" sz="1600" dirty="0" err="1" smtClean="0">
+                <a:solidFill>
+                  <a:schemeClr val="accent5">
+                    <a:lumMod val="75000"/>
+                  </a:schemeClr>
+                </a:solidFill>
+              </a:rPr>
+              <a:t>sử</a:t>
+            </a:r>
+            <a:r>
+              <a:rPr lang="en-US" sz="1600" dirty="0" smtClean="0">
+                <a:solidFill>
+                  <a:schemeClr val="accent5">
+                    <a:lumMod val="75000"/>
+                  </a:schemeClr>
+                </a:solidFill>
+              </a:rPr>
+              <a:t> </a:t>
+            </a:r>
+            <a:r>
+              <a:rPr lang="en-US" sz="1600" dirty="0" err="1" smtClean="0">
+                <a:solidFill>
+                  <a:schemeClr val="accent5">
+                    <a:lumMod val="75000"/>
+                  </a:schemeClr>
+                </a:solidFill>
+              </a:rPr>
+              <a:t>dụng</a:t>
+            </a:r>
+            <a:r>
+              <a:rPr lang="en-US" sz="1600" dirty="0" smtClean="0">
+                <a:solidFill>
+                  <a:schemeClr val="accent5">
+                    <a:lumMod val="75000"/>
+                  </a:schemeClr>
+                </a:solidFill>
+              </a:rPr>
+              <a:t> </a:t>
+            </a:r>
+            <a:r>
+              <a:rPr lang="en-US" sz="1600" dirty="0" err="1" smtClean="0">
+                <a:solidFill>
+                  <a:schemeClr val="accent5">
+                    <a:lumMod val="75000"/>
+                  </a:schemeClr>
+                </a:solidFill>
+              </a:rPr>
+              <a:t>lại</a:t>
+            </a:r>
+            <a:r>
+              <a:rPr lang="en-US" sz="1600" dirty="0" smtClean="0">
+                <a:solidFill>
+                  <a:schemeClr val="accent5">
+                    <a:lumMod val="75000"/>
+                  </a:schemeClr>
+                </a:solidFill>
+              </a:rPr>
+              <a:t> </a:t>
+            </a:r>
+            <a:r>
+              <a:rPr lang="en-US" sz="1600" dirty="0" err="1" smtClean="0">
+                <a:solidFill>
+                  <a:schemeClr val="accent5">
+                    <a:lumMod val="75000"/>
+                  </a:schemeClr>
+                </a:solidFill>
+              </a:rPr>
+              <a:t>truy</a:t>
+            </a:r>
+            <a:r>
+              <a:rPr lang="en-US" sz="1600" dirty="0" smtClean="0">
+                <a:solidFill>
+                  <a:schemeClr val="accent5">
+                    <a:lumMod val="75000"/>
+                  </a:schemeClr>
+                </a:solidFill>
+              </a:rPr>
+              <a:t> </a:t>
+            </a:r>
+            <a:r>
+              <a:rPr lang="en-US" sz="1600" dirty="0" err="1" smtClean="0">
+                <a:solidFill>
+                  <a:schemeClr val="accent5">
+                    <a:lumMod val="75000"/>
+                  </a:schemeClr>
+                </a:solidFill>
+              </a:rPr>
+              <a:t>vấn</a:t>
+            </a:r>
+            <a:r>
+              <a:rPr lang="en-US" sz="1600" dirty="0" smtClean="0">
+                <a:solidFill>
+                  <a:schemeClr val="accent5">
+                    <a:lumMod val="75000"/>
+                  </a:schemeClr>
+                </a:solidFill>
+              </a:rPr>
+              <a:t> </a:t>
+            </a:r>
+            <a:r>
+              <a:rPr lang="en-US" sz="1600" dirty="0" err="1" smtClean="0">
+                <a:solidFill>
+                  <a:schemeClr val="accent5">
+                    <a:lumMod val="75000"/>
+                  </a:schemeClr>
+                </a:solidFill>
+              </a:rPr>
+              <a:t>đó</a:t>
+            </a:r>
+            <a:r>
+              <a:rPr lang="en-US" sz="1600" dirty="0" smtClean="0">
+                <a:solidFill>
+                  <a:schemeClr val="accent5">
+                    <a:lumMod val="75000"/>
+                  </a:schemeClr>
+                </a:solidFill>
+              </a:rPr>
+              <a:t> </a:t>
+            </a:r>
+            <a:r>
+              <a:rPr lang="en-US" sz="1600" dirty="0" err="1" smtClean="0">
+                <a:solidFill>
+                  <a:schemeClr val="accent5">
+                    <a:lumMod val="75000"/>
+                  </a:schemeClr>
+                </a:solidFill>
+              </a:rPr>
+              <a:t>nhiều</a:t>
+            </a:r>
+            <a:r>
+              <a:rPr lang="en-US" sz="1600" dirty="0" smtClean="0">
+                <a:solidFill>
+                  <a:schemeClr val="accent5">
+                    <a:lumMod val="75000"/>
+                  </a:schemeClr>
+                </a:solidFill>
+              </a:rPr>
+              <a:t> </a:t>
+            </a:r>
+            <a:r>
+              <a:rPr lang="en-US" sz="1600" dirty="0" err="1" smtClean="0">
+                <a:solidFill>
+                  <a:schemeClr val="accent5">
+                    <a:lumMod val="75000"/>
+                  </a:schemeClr>
+                </a:solidFill>
+              </a:rPr>
+              <a:t>lần</a:t>
+            </a:r>
+            <a:r>
+              <a:rPr lang="en-US" sz="1600" dirty="0" smtClean="0">
+                <a:solidFill>
+                  <a:schemeClr val="accent5">
+                    <a:lumMod val="75000"/>
+                  </a:schemeClr>
+                </a:solidFill>
+              </a:rPr>
+              <a:t> </a:t>
+            </a:r>
+            <a:r>
+              <a:rPr lang="en-US" sz="1600" dirty="0" err="1" smtClean="0">
+                <a:solidFill>
+                  <a:schemeClr val="accent5">
+                    <a:lumMod val="75000"/>
+                  </a:schemeClr>
+                </a:solidFill>
+              </a:rPr>
+              <a:t>trong</a:t>
+            </a:r>
+            <a:r>
+              <a:rPr lang="en-US" sz="1600" dirty="0" smtClean="0">
+                <a:solidFill>
+                  <a:schemeClr val="accent5">
+                    <a:lumMod val="75000"/>
+                  </a:schemeClr>
+                </a:solidFill>
+              </a:rPr>
+              <a:t> </a:t>
+            </a:r>
+            <a:r>
+              <a:rPr lang="en-US" sz="1600" dirty="0" err="1" smtClean="0">
+                <a:solidFill>
+                  <a:schemeClr val="accent5">
+                    <a:lumMod val="75000"/>
+                  </a:schemeClr>
+                </a:solidFill>
+              </a:rPr>
+              <a:t>nghiệp</a:t>
+            </a:r>
+            <a:r>
+              <a:rPr lang="en-US" sz="1600" dirty="0" smtClean="0">
+                <a:solidFill>
+                  <a:schemeClr val="accent5">
+                    <a:lumMod val="75000"/>
+                  </a:schemeClr>
+                </a:solidFill>
+              </a:rPr>
+              <a:t> </a:t>
+            </a:r>
+            <a:r>
+              <a:rPr lang="en-US" sz="1600" dirty="0" err="1" smtClean="0">
+                <a:solidFill>
+                  <a:schemeClr val="accent5">
+                    <a:lumMod val="75000"/>
+                  </a:schemeClr>
+                </a:solidFill>
+              </a:rPr>
+              <a:t>vụ</a:t>
+            </a:r>
+            <a:r>
+              <a:rPr lang="en-US" sz="1600" dirty="0" smtClean="0">
+                <a:solidFill>
+                  <a:schemeClr val="accent5">
+                    <a:lumMod val="75000"/>
+                  </a:schemeClr>
+                </a:solidFill>
+              </a:rPr>
+              <a:t> </a:t>
+            </a:r>
+            <a:r>
+              <a:rPr lang="en-US" sz="1600" dirty="0" err="1" smtClean="0">
+                <a:solidFill>
+                  <a:schemeClr val="accent5">
+                    <a:lumMod val="75000"/>
+                  </a:schemeClr>
+                </a:solidFill>
+              </a:rPr>
+              <a:t>xử</a:t>
+            </a:r>
+            <a:r>
+              <a:rPr lang="en-US" sz="1600" dirty="0" smtClean="0">
+                <a:solidFill>
+                  <a:schemeClr val="accent5">
+                    <a:lumMod val="75000"/>
+                  </a:schemeClr>
+                </a:solidFill>
+              </a:rPr>
+              <a:t> </a:t>
+            </a:r>
+            <a:r>
+              <a:rPr lang="en-US" sz="1600" dirty="0" err="1" smtClean="0">
+                <a:solidFill>
+                  <a:schemeClr val="accent5">
+                    <a:lumMod val="75000"/>
+                  </a:schemeClr>
+                </a:solidFill>
+              </a:rPr>
+              <a:t>lý</a:t>
+            </a:r>
+            <a:r>
+              <a:rPr lang="en-US" sz="1600" dirty="0" smtClean="0">
+                <a:solidFill>
+                  <a:schemeClr val="accent5">
+                    <a:lumMod val="75000"/>
+                  </a:schemeClr>
+                </a:solidFill>
+              </a:rPr>
+              <a:t>.</a:t>
+            </a:r>
+            <a:endParaRPr lang="en-US" sz="1600" dirty="0">
+              <a:solidFill>
+                <a:schemeClr val="accent5">
+                  <a:lumMod val="75000"/>
+                </a:schemeClr>
+              </a:solidFill>
+            </a:endParaRPr>
+          </a:p>
+        </p:txBody>
+      </p:sp>
+      <p:sp>
+        <p:nvSpPr>
+          <p:cNvPr id="7" name="TextBox 6"/>
+          <p:cNvSpPr txBox="1"/>
+          <p:nvPr/>
+        </p:nvSpPr>
+        <p:spPr>
+          <a:xfrm>
+            <a:off x="905345" y="2539553"/>
+            <a:ext cx="3268304" cy="830997"/>
+          </a:xfrm>
+          <a:prstGeom prst="rect">
+            <a:avLst/>
+          </a:prstGeom>
+          <a:noFill/>
+        </p:spPr>
+        <p:txBody>
+          <a:bodyPr wrap="square" rtlCol="0">
+            <a:spAutoFit/>
+          </a:bodyPr>
+          <a:lstStyle/>
+          <a:p>
+            <a:r>
+              <a:rPr lang="en-US" sz="1600" dirty="0" smtClean="0">
+                <a:solidFill>
+                  <a:schemeClr val="accent5">
+                    <a:lumMod val="75000"/>
+                  </a:schemeClr>
+                </a:solidFill>
+              </a:rPr>
+              <a:t>- </a:t>
+            </a:r>
+            <a:r>
+              <a:rPr lang="en-US" sz="1600" dirty="0" err="1" smtClean="0">
+                <a:solidFill>
+                  <a:schemeClr val="accent5">
+                    <a:lumMod val="75000"/>
+                  </a:schemeClr>
+                </a:solidFill>
+              </a:rPr>
+              <a:t>Thay</a:t>
+            </a:r>
+            <a:r>
+              <a:rPr lang="en-US" sz="1600" dirty="0" smtClean="0">
+                <a:solidFill>
+                  <a:schemeClr val="accent5">
+                    <a:lumMod val="75000"/>
+                  </a:schemeClr>
+                </a:solidFill>
+              </a:rPr>
+              <a:t> </a:t>
+            </a:r>
+            <a:r>
+              <a:rPr lang="en-US" sz="1600" dirty="0" err="1" smtClean="0">
+                <a:solidFill>
+                  <a:schemeClr val="accent5">
+                    <a:lumMod val="75000"/>
+                  </a:schemeClr>
+                </a:solidFill>
+              </a:rPr>
+              <a:t>vì</a:t>
+            </a:r>
+            <a:r>
+              <a:rPr lang="en-US" sz="1600" dirty="0" smtClean="0">
+                <a:solidFill>
+                  <a:schemeClr val="accent5">
+                    <a:lumMod val="75000"/>
+                  </a:schemeClr>
+                </a:solidFill>
+              </a:rPr>
+              <a:t> </a:t>
+            </a:r>
+            <a:r>
+              <a:rPr lang="en-US" sz="1600" dirty="0" err="1" smtClean="0">
+                <a:solidFill>
+                  <a:schemeClr val="accent5">
+                    <a:lumMod val="75000"/>
+                  </a:schemeClr>
+                </a:solidFill>
+              </a:rPr>
+              <a:t>thế</a:t>
+            </a:r>
+            <a:r>
+              <a:rPr lang="en-US" sz="1600" dirty="0" smtClean="0">
+                <a:solidFill>
+                  <a:schemeClr val="accent5">
+                    <a:lumMod val="75000"/>
+                  </a:schemeClr>
+                </a:solidFill>
+              </a:rPr>
+              <a:t> </a:t>
+            </a:r>
+            <a:r>
+              <a:rPr lang="en-US" sz="1600" dirty="0" err="1" smtClean="0">
+                <a:solidFill>
+                  <a:schemeClr val="accent5">
+                    <a:lumMod val="75000"/>
+                  </a:schemeClr>
+                </a:solidFill>
+              </a:rPr>
+              <a:t>bạn</a:t>
+            </a:r>
+            <a:r>
+              <a:rPr lang="en-US" sz="1600" dirty="0" smtClean="0">
+                <a:solidFill>
+                  <a:schemeClr val="accent5">
+                    <a:lumMod val="75000"/>
+                  </a:schemeClr>
+                </a:solidFill>
+              </a:rPr>
+              <a:t> </a:t>
+            </a:r>
+            <a:r>
+              <a:rPr lang="en-US" sz="1600" dirty="0" err="1" smtClean="0">
+                <a:solidFill>
+                  <a:schemeClr val="accent5">
+                    <a:lumMod val="75000"/>
+                  </a:schemeClr>
+                </a:solidFill>
+              </a:rPr>
+              <a:t>tạo</a:t>
+            </a:r>
+            <a:r>
+              <a:rPr lang="en-US" sz="1600" dirty="0" smtClean="0">
+                <a:solidFill>
+                  <a:schemeClr val="accent5">
+                    <a:lumMod val="75000"/>
+                  </a:schemeClr>
+                </a:solidFill>
+              </a:rPr>
+              <a:t> </a:t>
+            </a:r>
+            <a:r>
+              <a:rPr lang="en-US" sz="1600" dirty="0" err="1" smtClean="0">
+                <a:solidFill>
+                  <a:schemeClr val="accent5">
+                    <a:lumMod val="75000"/>
+                  </a:schemeClr>
+                </a:solidFill>
+              </a:rPr>
+              <a:t>một</a:t>
+            </a:r>
+            <a:r>
+              <a:rPr lang="en-US" sz="1600" dirty="0" smtClean="0">
+                <a:solidFill>
+                  <a:schemeClr val="accent5">
+                    <a:lumMod val="75000"/>
+                  </a:schemeClr>
+                </a:solidFill>
+              </a:rPr>
+              <a:t> View, hay </a:t>
+            </a:r>
+            <a:r>
+              <a:rPr lang="en-US" sz="1600" dirty="0" err="1" smtClean="0">
+                <a:solidFill>
+                  <a:schemeClr val="accent5">
+                    <a:lumMod val="75000"/>
+                  </a:schemeClr>
+                </a:solidFill>
+              </a:rPr>
+              <a:t>có</a:t>
+            </a:r>
+            <a:r>
+              <a:rPr lang="en-US" sz="1600" dirty="0" smtClean="0">
+                <a:solidFill>
+                  <a:schemeClr val="accent5">
+                    <a:lumMod val="75000"/>
+                  </a:schemeClr>
+                </a:solidFill>
+              </a:rPr>
+              <a:t> </a:t>
+            </a:r>
+            <a:r>
+              <a:rPr lang="en-US" sz="1600" dirty="0" err="1" smtClean="0">
+                <a:solidFill>
+                  <a:schemeClr val="accent5">
+                    <a:lumMod val="75000"/>
+                  </a:schemeClr>
+                </a:solidFill>
+              </a:rPr>
+              <a:t>thể</a:t>
+            </a:r>
+            <a:r>
+              <a:rPr lang="en-US" sz="1600" dirty="0" smtClean="0">
+                <a:solidFill>
+                  <a:schemeClr val="accent5">
+                    <a:lumMod val="75000"/>
+                  </a:schemeClr>
+                </a:solidFill>
+              </a:rPr>
+              <a:t> </a:t>
+            </a:r>
+            <a:r>
+              <a:rPr lang="en-US" sz="1600" dirty="0" err="1" smtClean="0">
+                <a:solidFill>
+                  <a:schemeClr val="accent5">
+                    <a:lumMod val="75000"/>
+                  </a:schemeClr>
+                </a:solidFill>
+              </a:rPr>
+              <a:t>nói</a:t>
+            </a:r>
+            <a:r>
+              <a:rPr lang="en-US" sz="1600" dirty="0" smtClean="0">
+                <a:solidFill>
+                  <a:schemeClr val="accent5">
+                    <a:lumMod val="75000"/>
+                  </a:schemeClr>
+                </a:solidFill>
+              </a:rPr>
+              <a:t> </a:t>
+            </a:r>
+            <a:r>
+              <a:rPr lang="en-US" sz="1600" dirty="0" err="1" smtClean="0">
+                <a:solidFill>
+                  <a:schemeClr val="accent5">
+                    <a:lumMod val="75000"/>
+                  </a:schemeClr>
+                </a:solidFill>
+              </a:rPr>
+              <a:t>dễ</a:t>
+            </a:r>
+            <a:r>
+              <a:rPr lang="en-US" sz="1600" dirty="0" smtClean="0">
+                <a:solidFill>
+                  <a:schemeClr val="accent5">
+                    <a:lumMod val="75000"/>
+                  </a:schemeClr>
+                </a:solidFill>
+              </a:rPr>
+              <a:t> </a:t>
+            </a:r>
+            <a:r>
+              <a:rPr lang="en-US" sz="1600" dirty="0" err="1" smtClean="0">
+                <a:solidFill>
+                  <a:schemeClr val="accent5">
+                    <a:lumMod val="75000"/>
+                  </a:schemeClr>
+                </a:solidFill>
+              </a:rPr>
+              <a:t>hiệu</a:t>
+            </a:r>
+            <a:r>
+              <a:rPr lang="en-US" sz="1600" dirty="0" smtClean="0">
+                <a:solidFill>
+                  <a:schemeClr val="accent5">
+                    <a:lumMod val="75000"/>
+                  </a:schemeClr>
+                </a:solidFill>
+              </a:rPr>
+              <a:t> </a:t>
+            </a:r>
+            <a:r>
+              <a:rPr lang="en-US" sz="1600" dirty="0" err="1" smtClean="0">
+                <a:solidFill>
+                  <a:schemeClr val="accent5">
+                    <a:lumMod val="75000"/>
+                  </a:schemeClr>
+                </a:solidFill>
+              </a:rPr>
+              <a:t>là</a:t>
+            </a:r>
+            <a:r>
+              <a:rPr lang="en-US" sz="1600" dirty="0" smtClean="0">
+                <a:solidFill>
+                  <a:schemeClr val="accent5">
+                    <a:lumMod val="75000"/>
+                  </a:schemeClr>
+                </a:solidFill>
+              </a:rPr>
+              <a:t> </a:t>
+            </a:r>
+            <a:r>
+              <a:rPr lang="en-US" sz="1600" dirty="0" err="1" smtClean="0">
+                <a:solidFill>
+                  <a:schemeClr val="accent5">
+                    <a:lumMod val="75000"/>
+                  </a:schemeClr>
+                </a:solidFill>
+              </a:rPr>
+              <a:t>đặt</a:t>
+            </a:r>
+            <a:r>
+              <a:rPr lang="en-US" sz="1600" dirty="0" smtClean="0">
+                <a:solidFill>
+                  <a:schemeClr val="accent5">
+                    <a:lumMod val="75000"/>
+                  </a:schemeClr>
+                </a:solidFill>
+              </a:rPr>
+              <a:t> </a:t>
+            </a:r>
+            <a:r>
+              <a:rPr lang="en-US" sz="1600" dirty="0" err="1" smtClean="0">
+                <a:solidFill>
+                  <a:schemeClr val="accent5">
+                    <a:lumMod val="75000"/>
+                  </a:schemeClr>
+                </a:solidFill>
+              </a:rPr>
+              <a:t>tên</a:t>
+            </a:r>
+            <a:r>
+              <a:rPr lang="en-US" sz="1600" dirty="0" smtClean="0">
+                <a:solidFill>
+                  <a:schemeClr val="accent5">
+                    <a:lumMod val="75000"/>
+                  </a:schemeClr>
+                </a:solidFill>
+              </a:rPr>
+              <a:t> </a:t>
+            </a:r>
+            <a:r>
+              <a:rPr lang="en-US" sz="1600" dirty="0" err="1" smtClean="0">
+                <a:solidFill>
+                  <a:schemeClr val="accent5">
+                    <a:lumMod val="75000"/>
+                  </a:schemeClr>
+                </a:solidFill>
+              </a:rPr>
+              <a:t>cho</a:t>
+            </a:r>
+            <a:r>
+              <a:rPr lang="en-US" sz="1600" dirty="0" smtClean="0">
+                <a:solidFill>
+                  <a:schemeClr val="accent5">
+                    <a:lumMod val="75000"/>
+                  </a:schemeClr>
+                </a:solidFill>
+              </a:rPr>
+              <a:t> </a:t>
+            </a:r>
+            <a:r>
+              <a:rPr lang="en-US" sz="1600" dirty="0" err="1" smtClean="0">
+                <a:solidFill>
+                  <a:schemeClr val="accent5">
+                    <a:lumMod val="75000"/>
+                  </a:schemeClr>
+                </a:solidFill>
+              </a:rPr>
+              <a:t>đoạn</a:t>
+            </a:r>
+            <a:r>
+              <a:rPr lang="en-US" sz="1600" dirty="0" smtClean="0">
+                <a:solidFill>
+                  <a:schemeClr val="accent5">
+                    <a:lumMod val="75000"/>
+                  </a:schemeClr>
+                </a:solidFill>
+              </a:rPr>
+              <a:t> SQL </a:t>
+            </a:r>
+            <a:r>
+              <a:rPr lang="en-US" sz="1600" dirty="0" err="1" smtClean="0">
+                <a:solidFill>
+                  <a:schemeClr val="accent5">
+                    <a:lumMod val="75000"/>
+                  </a:schemeClr>
+                </a:solidFill>
+              </a:rPr>
+              <a:t>truy</a:t>
+            </a:r>
+            <a:r>
+              <a:rPr lang="en-US" sz="1600" dirty="0" smtClean="0">
+                <a:solidFill>
+                  <a:schemeClr val="accent5">
+                    <a:lumMod val="75000"/>
+                  </a:schemeClr>
+                </a:solidFill>
+              </a:rPr>
+              <a:t> </a:t>
+            </a:r>
+            <a:r>
+              <a:rPr lang="en-US" sz="1600" dirty="0" err="1" smtClean="0">
+                <a:solidFill>
+                  <a:schemeClr val="accent5">
+                    <a:lumMod val="75000"/>
+                  </a:schemeClr>
+                </a:solidFill>
+              </a:rPr>
+              <a:t>vấn</a:t>
+            </a:r>
+            <a:r>
+              <a:rPr lang="en-US" sz="1600" dirty="0" smtClean="0">
+                <a:solidFill>
+                  <a:schemeClr val="accent5">
+                    <a:lumMod val="75000"/>
+                  </a:schemeClr>
+                </a:solidFill>
+              </a:rPr>
+              <a:t> </a:t>
+            </a:r>
+            <a:r>
+              <a:rPr lang="en-US" sz="1600" dirty="0" err="1" smtClean="0">
+                <a:solidFill>
+                  <a:schemeClr val="accent5">
+                    <a:lumMod val="75000"/>
+                  </a:schemeClr>
+                </a:solidFill>
+              </a:rPr>
+              <a:t>đó</a:t>
+            </a:r>
+            <a:r>
+              <a:rPr lang="en-US" sz="1600" dirty="0" smtClean="0">
+                <a:solidFill>
+                  <a:schemeClr val="accent5">
+                    <a:lumMod val="75000"/>
+                  </a:schemeClr>
+                </a:solidFill>
+              </a:rPr>
+              <a:t>.</a:t>
+            </a:r>
+          </a:p>
+        </p:txBody>
+      </p:sp>
+      <p:sp>
+        <p:nvSpPr>
+          <p:cNvPr id="8" name="TextBox 7"/>
+          <p:cNvSpPr txBox="1"/>
+          <p:nvPr/>
+        </p:nvSpPr>
+        <p:spPr>
+          <a:xfrm>
+            <a:off x="905345" y="3368670"/>
+            <a:ext cx="7577752" cy="830997"/>
+          </a:xfrm>
+          <a:prstGeom prst="rect">
+            <a:avLst/>
+          </a:prstGeom>
+          <a:noFill/>
+        </p:spPr>
+        <p:txBody>
+          <a:bodyPr wrap="square" rtlCol="0">
+            <a:spAutoFit/>
+          </a:bodyPr>
+          <a:lstStyle/>
+          <a:p>
+            <a:r>
+              <a:rPr lang="en-US" sz="1600" dirty="0" smtClean="0">
+                <a:solidFill>
+                  <a:schemeClr val="accent5">
+                    <a:lumMod val="75000"/>
+                  </a:schemeClr>
+                </a:solidFill>
+              </a:rPr>
+              <a:t>- </a:t>
+            </a:r>
+            <a:r>
+              <a:rPr lang="en-US" sz="1600" dirty="0" err="1" smtClean="0">
+                <a:solidFill>
+                  <a:schemeClr val="accent5">
+                    <a:lumMod val="75000"/>
+                  </a:schemeClr>
+                </a:solidFill>
+              </a:rPr>
+              <a:t>Khi</a:t>
+            </a:r>
+            <a:r>
+              <a:rPr lang="en-US" sz="1600" dirty="0">
+                <a:solidFill>
+                  <a:schemeClr val="accent5">
+                    <a:lumMod val="75000"/>
+                  </a:schemeClr>
+                </a:solidFill>
+              </a:rPr>
+              <a:t> </a:t>
+            </a:r>
+            <a:r>
+              <a:rPr lang="en-US" sz="1600" dirty="0" err="1" smtClean="0">
+                <a:solidFill>
+                  <a:schemeClr val="accent5">
+                    <a:lumMod val="75000"/>
+                  </a:schemeClr>
+                </a:solidFill>
+              </a:rPr>
+              <a:t>đó</a:t>
+            </a:r>
+            <a:r>
+              <a:rPr lang="en-US" sz="1600" dirty="0" smtClean="0">
+                <a:solidFill>
+                  <a:schemeClr val="accent5">
+                    <a:lumMod val="75000"/>
+                  </a:schemeClr>
+                </a:solidFill>
+              </a:rPr>
+              <a:t> View </a:t>
+            </a:r>
+            <a:r>
+              <a:rPr lang="en-US" sz="1600" dirty="0" err="1" smtClean="0">
+                <a:solidFill>
+                  <a:schemeClr val="accent5">
+                    <a:lumMod val="75000"/>
+                  </a:schemeClr>
+                </a:solidFill>
+              </a:rPr>
+              <a:t>được</a:t>
+            </a:r>
+            <a:r>
+              <a:rPr lang="en-US" sz="1600" dirty="0" smtClean="0">
+                <a:solidFill>
+                  <a:schemeClr val="accent5">
+                    <a:lumMod val="75000"/>
+                  </a:schemeClr>
+                </a:solidFill>
+              </a:rPr>
+              <a:t> </a:t>
+            </a:r>
+            <a:r>
+              <a:rPr lang="en-US" sz="1600" dirty="0" err="1" smtClean="0">
+                <a:solidFill>
+                  <a:schemeClr val="accent5">
+                    <a:lumMod val="75000"/>
+                  </a:schemeClr>
+                </a:solidFill>
+              </a:rPr>
+              <a:t>dùng</a:t>
+            </a:r>
+            <a:r>
+              <a:rPr lang="en-US" sz="1600" dirty="0" smtClean="0">
+                <a:solidFill>
+                  <a:schemeClr val="accent5">
+                    <a:lumMod val="75000"/>
+                  </a:schemeClr>
+                </a:solidFill>
+              </a:rPr>
+              <a:t> </a:t>
+            </a:r>
+            <a:r>
+              <a:rPr lang="en-US" sz="1600" dirty="0" err="1" smtClean="0">
+                <a:solidFill>
+                  <a:schemeClr val="accent5">
+                    <a:lumMod val="75000"/>
+                  </a:schemeClr>
+                </a:solidFill>
+              </a:rPr>
+              <a:t>như</a:t>
+            </a:r>
+            <a:r>
+              <a:rPr lang="en-US" sz="1600" dirty="0" smtClean="0">
+                <a:solidFill>
+                  <a:schemeClr val="accent5">
+                    <a:lumMod val="75000"/>
+                  </a:schemeClr>
+                </a:solidFill>
+              </a:rPr>
+              <a:t> </a:t>
+            </a:r>
+            <a:r>
+              <a:rPr lang="en-US" sz="1600" dirty="0" err="1" smtClean="0">
+                <a:solidFill>
+                  <a:schemeClr val="accent5">
+                    <a:lumMod val="75000"/>
+                  </a:schemeClr>
+                </a:solidFill>
+              </a:rPr>
+              <a:t>một</a:t>
+            </a:r>
+            <a:r>
+              <a:rPr lang="en-US" sz="1600" dirty="0" smtClean="0">
+                <a:solidFill>
+                  <a:schemeClr val="accent5">
+                    <a:lumMod val="75000"/>
+                  </a:schemeClr>
+                </a:solidFill>
+              </a:rPr>
+              <a:t> table </a:t>
+            </a:r>
+            <a:r>
+              <a:rPr lang="en-US" sz="1600" dirty="0" err="1" smtClean="0">
+                <a:solidFill>
+                  <a:schemeClr val="accent5">
+                    <a:lumMod val="75000"/>
+                  </a:schemeClr>
+                </a:solidFill>
+              </a:rPr>
+              <a:t>ảo</a:t>
+            </a:r>
+            <a:r>
+              <a:rPr lang="en-US" sz="1600" dirty="0" smtClean="0">
+                <a:solidFill>
+                  <a:schemeClr val="accent5">
+                    <a:lumMod val="75000"/>
+                  </a:schemeClr>
+                </a:solidFill>
+              </a:rPr>
+              <a:t>, </a:t>
+            </a:r>
+            <a:r>
+              <a:rPr lang="en-US" sz="1600" dirty="0" err="1" smtClean="0">
+                <a:solidFill>
+                  <a:schemeClr val="accent5">
+                    <a:lumMod val="75000"/>
+                  </a:schemeClr>
+                </a:solidFill>
+              </a:rPr>
+              <a:t>bạn</a:t>
+            </a:r>
+            <a:r>
+              <a:rPr lang="en-US" sz="1600" dirty="0" smtClean="0">
+                <a:solidFill>
+                  <a:schemeClr val="accent5">
+                    <a:lumMod val="75000"/>
+                  </a:schemeClr>
+                </a:solidFill>
+              </a:rPr>
+              <a:t> </a:t>
+            </a:r>
+            <a:r>
+              <a:rPr lang="en-US" sz="1600" dirty="0" err="1" smtClean="0">
+                <a:solidFill>
+                  <a:schemeClr val="accent5">
+                    <a:lumMod val="75000"/>
+                  </a:schemeClr>
+                </a:solidFill>
+              </a:rPr>
+              <a:t>có</a:t>
+            </a:r>
+            <a:r>
+              <a:rPr lang="en-US" sz="1600" dirty="0" smtClean="0">
+                <a:solidFill>
+                  <a:schemeClr val="accent5">
+                    <a:lumMod val="75000"/>
+                  </a:schemeClr>
+                </a:solidFill>
+              </a:rPr>
+              <a:t> </a:t>
+            </a:r>
+            <a:r>
+              <a:rPr lang="en-US" sz="1600" dirty="0" err="1" smtClean="0">
+                <a:solidFill>
+                  <a:schemeClr val="accent5">
+                    <a:lumMod val="75000"/>
+                  </a:schemeClr>
+                </a:solidFill>
+              </a:rPr>
+              <a:t>thể</a:t>
+            </a:r>
+            <a:r>
+              <a:rPr lang="en-US" sz="1600" dirty="0" smtClean="0">
+                <a:solidFill>
+                  <a:schemeClr val="accent5">
+                    <a:lumMod val="75000"/>
+                  </a:schemeClr>
+                </a:solidFill>
+              </a:rPr>
+              <a:t> </a:t>
+            </a:r>
+            <a:r>
+              <a:rPr lang="en-US" sz="1600" dirty="0" err="1" smtClean="0">
+                <a:solidFill>
+                  <a:schemeClr val="accent5">
+                    <a:lumMod val="75000"/>
+                  </a:schemeClr>
+                </a:solidFill>
+              </a:rPr>
+              <a:t>sử</a:t>
+            </a:r>
+            <a:r>
+              <a:rPr lang="en-US" sz="1600" dirty="0" smtClean="0">
+                <a:solidFill>
+                  <a:schemeClr val="accent5">
+                    <a:lumMod val="75000"/>
+                  </a:schemeClr>
+                </a:solidFill>
+              </a:rPr>
+              <a:t> </a:t>
+            </a:r>
+            <a:r>
+              <a:rPr lang="en-US" sz="1600" dirty="0" err="1" smtClean="0">
+                <a:solidFill>
+                  <a:schemeClr val="accent5">
+                    <a:lumMod val="75000"/>
+                  </a:schemeClr>
+                </a:solidFill>
+              </a:rPr>
+              <a:t>dụng</a:t>
+            </a:r>
+            <a:r>
+              <a:rPr lang="en-US" sz="1600" dirty="0" smtClean="0">
+                <a:solidFill>
+                  <a:schemeClr val="accent5">
+                    <a:lumMod val="75000"/>
+                  </a:schemeClr>
+                </a:solidFill>
+              </a:rPr>
+              <a:t> </a:t>
+            </a:r>
+            <a:r>
+              <a:rPr lang="en-US" sz="1600" dirty="0" err="1" smtClean="0">
+                <a:solidFill>
+                  <a:schemeClr val="accent5">
+                    <a:lumMod val="75000"/>
+                  </a:schemeClr>
+                </a:solidFill>
+              </a:rPr>
+              <a:t>câu</a:t>
+            </a:r>
+            <a:r>
+              <a:rPr lang="en-US" sz="1600" dirty="0" smtClean="0">
+                <a:solidFill>
+                  <a:schemeClr val="accent5">
+                    <a:lumMod val="75000"/>
+                  </a:schemeClr>
+                </a:solidFill>
+              </a:rPr>
+              <a:t> </a:t>
+            </a:r>
+            <a:r>
+              <a:rPr lang="en-US" sz="1600" dirty="0" err="1" smtClean="0">
+                <a:solidFill>
+                  <a:schemeClr val="accent5">
+                    <a:lumMod val="75000"/>
+                  </a:schemeClr>
+                </a:solidFill>
+              </a:rPr>
+              <a:t>lệnh</a:t>
+            </a:r>
+            <a:r>
+              <a:rPr lang="en-US" sz="1600" dirty="0" smtClean="0">
+                <a:solidFill>
+                  <a:schemeClr val="accent5">
+                    <a:lumMod val="75000"/>
+                  </a:schemeClr>
+                </a:solidFill>
+              </a:rPr>
+              <a:t> SELECT </a:t>
+            </a:r>
+            <a:r>
+              <a:rPr lang="en-US" sz="1600" dirty="0" err="1" smtClean="0">
+                <a:solidFill>
+                  <a:schemeClr val="accent5">
+                    <a:lumMod val="75000"/>
+                  </a:schemeClr>
+                </a:solidFill>
+              </a:rPr>
+              <a:t>để</a:t>
+            </a:r>
+            <a:r>
+              <a:rPr lang="en-US" sz="1600" dirty="0" smtClean="0">
+                <a:solidFill>
+                  <a:schemeClr val="accent5">
+                    <a:lumMod val="75000"/>
+                  </a:schemeClr>
+                </a:solidFill>
+              </a:rPr>
+              <a:t> </a:t>
+            </a:r>
+            <a:r>
+              <a:rPr lang="en-US" sz="1600" dirty="0" err="1" smtClean="0">
+                <a:solidFill>
+                  <a:schemeClr val="accent5">
+                    <a:lumMod val="75000"/>
+                  </a:schemeClr>
+                </a:solidFill>
+              </a:rPr>
+              <a:t>truy</a:t>
+            </a:r>
+            <a:r>
+              <a:rPr lang="en-US" sz="1600" dirty="0" smtClean="0">
+                <a:solidFill>
+                  <a:schemeClr val="accent5">
+                    <a:lumMod val="75000"/>
+                  </a:schemeClr>
+                </a:solidFill>
+              </a:rPr>
+              <a:t> </a:t>
+            </a:r>
+            <a:r>
+              <a:rPr lang="en-US" sz="1600" dirty="0" err="1" smtClean="0">
+                <a:solidFill>
+                  <a:schemeClr val="accent5">
+                    <a:lumMod val="75000"/>
+                  </a:schemeClr>
+                </a:solidFill>
+              </a:rPr>
+              <a:t>vấn</a:t>
+            </a:r>
+            <a:r>
+              <a:rPr lang="en-US" sz="1600" dirty="0" smtClean="0">
+                <a:solidFill>
+                  <a:schemeClr val="accent5">
+                    <a:lumMod val="75000"/>
+                  </a:schemeClr>
+                </a:solidFill>
+              </a:rPr>
+              <a:t> </a:t>
+            </a:r>
+            <a:r>
+              <a:rPr lang="en-US" sz="1600" dirty="0" err="1" smtClean="0">
+                <a:solidFill>
+                  <a:schemeClr val="accent5">
+                    <a:lumMod val="75000"/>
+                  </a:schemeClr>
+                </a:solidFill>
+              </a:rPr>
+              <a:t>kết</a:t>
+            </a:r>
+            <a:r>
+              <a:rPr lang="en-US" sz="1600" dirty="0" smtClean="0">
+                <a:solidFill>
+                  <a:schemeClr val="accent5">
+                    <a:lumMod val="75000"/>
+                  </a:schemeClr>
+                </a:solidFill>
+              </a:rPr>
+              <a:t> </a:t>
+            </a:r>
+            <a:r>
+              <a:rPr lang="en-US" sz="1600" dirty="0" err="1" smtClean="0">
+                <a:solidFill>
+                  <a:schemeClr val="accent5">
+                    <a:lumMod val="75000"/>
+                  </a:schemeClr>
+                </a:solidFill>
+              </a:rPr>
+              <a:t>quả</a:t>
+            </a:r>
+            <a:r>
+              <a:rPr lang="en-US" sz="1600" dirty="0" smtClean="0">
+                <a:solidFill>
+                  <a:schemeClr val="accent5">
+                    <a:lumMod val="75000"/>
+                  </a:schemeClr>
+                </a:solidFill>
+              </a:rPr>
+              <a:t> </a:t>
+            </a:r>
+            <a:r>
+              <a:rPr lang="en-US" sz="1600" dirty="0" err="1" smtClean="0">
+                <a:solidFill>
+                  <a:schemeClr val="accent5">
+                    <a:lumMod val="75000"/>
+                  </a:schemeClr>
+                </a:solidFill>
+              </a:rPr>
+              <a:t>từ</a:t>
+            </a:r>
+            <a:r>
+              <a:rPr lang="en-US" sz="1600" dirty="0" smtClean="0">
+                <a:solidFill>
+                  <a:schemeClr val="accent5">
+                    <a:lumMod val="75000"/>
+                  </a:schemeClr>
+                </a:solidFill>
+              </a:rPr>
+              <a:t> View. </a:t>
+            </a:r>
+            <a:r>
+              <a:rPr lang="en-US" sz="1600" dirty="0" err="1" smtClean="0">
+                <a:solidFill>
+                  <a:schemeClr val="accent5">
+                    <a:lumMod val="75000"/>
+                  </a:schemeClr>
+                </a:solidFill>
+              </a:rPr>
+              <a:t>Bản</a:t>
+            </a:r>
+            <a:r>
+              <a:rPr lang="en-US" sz="1600" dirty="0" smtClean="0">
+                <a:solidFill>
+                  <a:schemeClr val="accent5">
+                    <a:lumMod val="75000"/>
+                  </a:schemeClr>
+                </a:solidFill>
+              </a:rPr>
+              <a:t> </a:t>
+            </a:r>
+            <a:r>
+              <a:rPr lang="en-US" sz="1600" dirty="0" err="1" smtClean="0">
+                <a:solidFill>
+                  <a:schemeClr val="accent5">
+                    <a:lumMod val="75000"/>
+                  </a:schemeClr>
+                </a:solidFill>
+              </a:rPr>
+              <a:t>chất</a:t>
+            </a:r>
+            <a:r>
+              <a:rPr lang="en-US" sz="1600" dirty="0" smtClean="0">
+                <a:solidFill>
+                  <a:schemeClr val="accent5">
+                    <a:lumMod val="75000"/>
+                  </a:schemeClr>
+                </a:solidFill>
+              </a:rPr>
+              <a:t> </a:t>
+            </a:r>
+            <a:r>
+              <a:rPr lang="en-US" sz="1600" dirty="0" err="1" smtClean="0">
+                <a:solidFill>
+                  <a:schemeClr val="accent5">
+                    <a:lumMod val="75000"/>
+                  </a:schemeClr>
+                </a:solidFill>
+              </a:rPr>
+              <a:t>thì</a:t>
+            </a:r>
+            <a:r>
+              <a:rPr lang="en-US" sz="1600" dirty="0" smtClean="0">
+                <a:solidFill>
+                  <a:schemeClr val="accent5">
+                    <a:lumMod val="75000"/>
+                  </a:schemeClr>
+                </a:solidFill>
+              </a:rPr>
+              <a:t> </a:t>
+            </a:r>
+            <a:r>
+              <a:rPr lang="en-US" sz="1600" dirty="0" err="1" smtClean="0">
+                <a:solidFill>
+                  <a:schemeClr val="accent5">
+                    <a:lumMod val="75000"/>
+                  </a:schemeClr>
+                </a:solidFill>
+              </a:rPr>
+              <a:t>nó</a:t>
+            </a:r>
+            <a:r>
+              <a:rPr lang="en-US" sz="1600" dirty="0" smtClean="0">
+                <a:solidFill>
+                  <a:schemeClr val="accent5">
+                    <a:lumMod val="75000"/>
+                  </a:schemeClr>
+                </a:solidFill>
+              </a:rPr>
+              <a:t> </a:t>
+            </a:r>
+            <a:r>
+              <a:rPr lang="en-US" sz="1600" dirty="0" err="1" smtClean="0">
+                <a:solidFill>
+                  <a:schemeClr val="accent5">
+                    <a:lumMod val="75000"/>
+                  </a:schemeClr>
+                </a:solidFill>
+              </a:rPr>
+              <a:t>thực</a:t>
+            </a:r>
+            <a:r>
+              <a:rPr lang="en-US" sz="1600" dirty="0" smtClean="0">
+                <a:solidFill>
+                  <a:schemeClr val="accent5">
+                    <a:lumMod val="75000"/>
+                  </a:schemeClr>
+                </a:solidFill>
+              </a:rPr>
+              <a:t> </a:t>
+            </a:r>
+            <a:r>
+              <a:rPr lang="en-US" sz="1600" dirty="0" err="1" smtClean="0">
+                <a:solidFill>
+                  <a:schemeClr val="accent5">
+                    <a:lumMod val="75000"/>
+                  </a:schemeClr>
+                </a:solidFill>
+              </a:rPr>
+              <a:t>hiện</a:t>
+            </a:r>
+            <a:r>
+              <a:rPr lang="en-US" sz="1600" dirty="0" smtClean="0">
+                <a:solidFill>
+                  <a:schemeClr val="accent5">
+                    <a:lumMod val="75000"/>
+                  </a:schemeClr>
+                </a:solidFill>
+              </a:rPr>
+              <a:t> </a:t>
+            </a:r>
+            <a:r>
+              <a:rPr lang="en-US" sz="1600" dirty="0" err="1" smtClean="0">
+                <a:solidFill>
+                  <a:schemeClr val="accent5">
+                    <a:lumMod val="75000"/>
+                  </a:schemeClr>
+                </a:solidFill>
+              </a:rPr>
+              <a:t>câu</a:t>
+            </a:r>
+            <a:r>
+              <a:rPr lang="en-US" sz="1600" dirty="0" smtClean="0">
+                <a:solidFill>
+                  <a:schemeClr val="accent5">
+                    <a:lumMod val="75000"/>
+                  </a:schemeClr>
+                </a:solidFill>
+              </a:rPr>
+              <a:t> </a:t>
+            </a:r>
+            <a:r>
+              <a:rPr lang="en-US" sz="1600" dirty="0" err="1" smtClean="0">
+                <a:solidFill>
+                  <a:schemeClr val="accent5">
+                    <a:lumMod val="75000"/>
+                  </a:schemeClr>
+                </a:solidFill>
+              </a:rPr>
+              <a:t>lệnh</a:t>
+            </a:r>
+            <a:r>
+              <a:rPr lang="en-US" sz="1600" dirty="0" smtClean="0">
+                <a:solidFill>
+                  <a:schemeClr val="accent5">
+                    <a:lumMod val="75000"/>
+                  </a:schemeClr>
+                </a:solidFill>
+              </a:rPr>
+              <a:t> </a:t>
+            </a:r>
+            <a:r>
+              <a:rPr lang="en-US" sz="1600" dirty="0" err="1" smtClean="0">
+                <a:solidFill>
+                  <a:schemeClr val="accent5">
+                    <a:lumMod val="75000"/>
+                  </a:schemeClr>
+                </a:solidFill>
+              </a:rPr>
+              <a:t>đã</a:t>
+            </a:r>
+            <a:r>
+              <a:rPr lang="en-US" sz="1600" dirty="0" smtClean="0">
+                <a:solidFill>
+                  <a:schemeClr val="accent5">
+                    <a:lumMod val="75000"/>
+                  </a:schemeClr>
+                </a:solidFill>
+              </a:rPr>
+              <a:t> </a:t>
+            </a:r>
+            <a:r>
+              <a:rPr lang="en-US" sz="1600" dirty="0" err="1" smtClean="0">
+                <a:solidFill>
+                  <a:schemeClr val="accent5">
+                    <a:lumMod val="75000"/>
+                  </a:schemeClr>
+                </a:solidFill>
+              </a:rPr>
+              <a:t>gán</a:t>
+            </a:r>
+            <a:r>
+              <a:rPr lang="en-US" sz="1600" dirty="0" smtClean="0">
+                <a:solidFill>
+                  <a:schemeClr val="accent5">
+                    <a:lumMod val="75000"/>
+                  </a:schemeClr>
+                </a:solidFill>
+              </a:rPr>
+              <a:t> </a:t>
+            </a:r>
+            <a:r>
+              <a:rPr lang="en-US" sz="1600" dirty="0" err="1" smtClean="0">
+                <a:solidFill>
+                  <a:schemeClr val="accent5">
+                    <a:lumMod val="75000"/>
+                  </a:schemeClr>
+                </a:solidFill>
+              </a:rPr>
+              <a:t>bên</a:t>
+            </a:r>
+            <a:r>
+              <a:rPr lang="en-US" sz="1600" dirty="0" smtClean="0">
+                <a:solidFill>
+                  <a:schemeClr val="accent5">
+                    <a:lumMod val="75000"/>
+                  </a:schemeClr>
+                </a:solidFill>
+              </a:rPr>
+              <a:t> </a:t>
+            </a:r>
+            <a:r>
+              <a:rPr lang="en-US" sz="1600" dirty="0" err="1" smtClean="0">
+                <a:solidFill>
+                  <a:schemeClr val="accent5">
+                    <a:lumMod val="75000"/>
+                  </a:schemeClr>
+                </a:solidFill>
+              </a:rPr>
+              <a:t>trong</a:t>
+            </a:r>
+            <a:r>
+              <a:rPr lang="en-US" sz="1600" dirty="0" smtClean="0">
+                <a:solidFill>
+                  <a:schemeClr val="accent5">
+                    <a:lumMod val="75000"/>
+                  </a:schemeClr>
+                </a:solidFill>
+              </a:rPr>
+              <a:t> </a:t>
+            </a:r>
+            <a:r>
+              <a:rPr lang="en-US" sz="1600" dirty="0" err="1" smtClean="0">
+                <a:solidFill>
+                  <a:schemeClr val="accent5">
+                    <a:lumMod val="75000"/>
+                  </a:schemeClr>
+                </a:solidFill>
+              </a:rPr>
+              <a:t>cấu</a:t>
+            </a:r>
+            <a:r>
+              <a:rPr lang="en-US" sz="1600" dirty="0" smtClean="0">
+                <a:solidFill>
+                  <a:schemeClr val="accent5">
+                    <a:lumMod val="75000"/>
+                  </a:schemeClr>
+                </a:solidFill>
+              </a:rPr>
+              <a:t> </a:t>
+            </a:r>
+            <a:r>
+              <a:rPr lang="en-US" sz="1600" dirty="0" err="1" smtClean="0">
+                <a:solidFill>
+                  <a:schemeClr val="accent5">
+                    <a:lumMod val="75000"/>
+                  </a:schemeClr>
+                </a:solidFill>
+              </a:rPr>
+              <a:t>trúc</a:t>
+            </a:r>
+            <a:r>
+              <a:rPr lang="en-US" sz="1600" dirty="0" smtClean="0">
+                <a:solidFill>
+                  <a:schemeClr val="accent5">
+                    <a:lumMod val="75000"/>
+                  </a:schemeClr>
+                </a:solidFill>
+              </a:rPr>
+              <a:t> View.</a:t>
+            </a:r>
+            <a:endParaRPr lang="en-US" sz="1600" dirty="0" smtClean="0">
+              <a:solidFill>
+                <a:schemeClr val="accent5">
+                  <a:lumMod val="75000"/>
+                </a:schemeClr>
+              </a:solidFill>
+            </a:endParaRPr>
+          </a:p>
+        </p:txBody>
+      </p:sp>
+      <p:sp>
+        <p:nvSpPr>
+          <p:cNvPr id="9" name="Rounded Rectangle 8"/>
+          <p:cNvSpPr/>
+          <p:nvPr/>
+        </p:nvSpPr>
+        <p:spPr>
+          <a:xfrm>
+            <a:off x="905344" y="4736390"/>
+            <a:ext cx="7432898" cy="1118130"/>
+          </a:xfrm>
+          <a:prstGeom prst="roundRect">
+            <a:avLst>
+              <a:gd name="adj" fmla="val 1724"/>
+            </a:avLst>
+          </a:prstGeom>
+          <a:solidFill>
+            <a:srgbClr val="1C1E26"/>
+          </a:solidFill>
+          <a:ln>
+            <a:noFill/>
+          </a:ln>
+        </p:spPr>
+        <p:style>
+          <a:lnRef idx="2">
+            <a:schemeClr val="accent1">
+              <a:shade val="50000"/>
+            </a:schemeClr>
+          </a:lnRef>
+          <a:fillRef idx="1">
+            <a:schemeClr val="accent1"/>
+          </a:fillRef>
+          <a:effectRef idx="0">
+            <a:schemeClr val="accent1"/>
+          </a:effectRef>
+          <a:fontRef idx="minor">
+            <a:schemeClr val="lt1"/>
+          </a:fontRef>
+        </p:style>
+        <p:txBody>
+          <a:bodyPr rtlCol="0" anchor="ctr"/>
+          <a:lstStyle/>
+          <a:p>
+            <a:pPr algn="ctr"/>
+            <a:endParaRPr lang="en-US"/>
+          </a:p>
+        </p:txBody>
+      </p:sp>
+      <p:sp>
+        <p:nvSpPr>
+          <p:cNvPr id="10" name="4-Point Star 9"/>
+          <p:cNvSpPr/>
+          <p:nvPr/>
+        </p:nvSpPr>
+        <p:spPr>
+          <a:xfrm>
+            <a:off x="905344" y="4251682"/>
+            <a:ext cx="289711" cy="289711"/>
+          </a:xfrm>
+          <a:prstGeom prst="star4">
+            <a:avLst/>
+          </a:prstGeom>
+          <a:solidFill>
+            <a:schemeClr val="accent2"/>
+          </a:solidFill>
+          <a:ln>
+            <a:noFill/>
+          </a:ln>
+        </p:spPr>
+        <p:style>
+          <a:lnRef idx="2">
+            <a:schemeClr val="accent1">
+              <a:shade val="50000"/>
+            </a:schemeClr>
+          </a:lnRef>
+          <a:fillRef idx="1">
+            <a:schemeClr val="accent1"/>
+          </a:fillRef>
+          <a:effectRef idx="0">
+            <a:schemeClr val="accent1"/>
+          </a:effectRef>
+          <a:fontRef idx="minor">
+            <a:schemeClr val="lt1"/>
+          </a:fontRef>
+        </p:style>
+        <p:txBody>
+          <a:bodyPr rtlCol="0" anchor="ctr"/>
+          <a:lstStyle/>
+          <a:p>
+            <a:pPr algn="ctr"/>
+            <a:endParaRPr lang="en-US"/>
+          </a:p>
+        </p:txBody>
+      </p:sp>
+      <p:sp>
+        <p:nvSpPr>
+          <p:cNvPr id="11" name="TextBox 10"/>
+          <p:cNvSpPr txBox="1"/>
+          <p:nvPr/>
+        </p:nvSpPr>
+        <p:spPr>
+          <a:xfrm>
+            <a:off x="1131681" y="4219691"/>
+            <a:ext cx="3775297" cy="338554"/>
+          </a:xfrm>
+          <a:prstGeom prst="rect">
+            <a:avLst/>
+          </a:prstGeom>
+          <a:noFill/>
+        </p:spPr>
+        <p:txBody>
+          <a:bodyPr wrap="square" rtlCol="0">
+            <a:spAutoFit/>
+          </a:bodyPr>
+          <a:lstStyle/>
+          <a:p>
+            <a:r>
+              <a:rPr lang="en-US" sz="1600" b="1" dirty="0" err="1" smtClean="0">
+                <a:solidFill>
+                  <a:schemeClr val="accent5">
+                    <a:lumMod val="75000"/>
+                  </a:schemeClr>
+                </a:solidFill>
+              </a:rPr>
+              <a:t>Cú</a:t>
+            </a:r>
+            <a:r>
+              <a:rPr lang="en-US" sz="1600" b="1" dirty="0" smtClean="0">
+                <a:solidFill>
+                  <a:schemeClr val="accent5">
+                    <a:lumMod val="75000"/>
+                  </a:schemeClr>
+                </a:solidFill>
+              </a:rPr>
+              <a:t> </a:t>
+            </a:r>
+            <a:r>
+              <a:rPr lang="en-US" sz="1600" b="1" dirty="0" err="1" smtClean="0">
+                <a:solidFill>
+                  <a:schemeClr val="accent5">
+                    <a:lumMod val="75000"/>
+                  </a:schemeClr>
+                </a:solidFill>
+              </a:rPr>
+              <a:t>pháp</a:t>
+            </a:r>
+            <a:r>
+              <a:rPr lang="en-US" sz="1600" b="1" dirty="0" smtClean="0">
+                <a:solidFill>
+                  <a:schemeClr val="accent5">
+                    <a:lumMod val="75000"/>
+                  </a:schemeClr>
+                </a:solidFill>
+              </a:rPr>
+              <a:t> </a:t>
+            </a:r>
+            <a:r>
+              <a:rPr lang="en-US" sz="1600" b="1" dirty="0" err="1" smtClean="0">
+                <a:solidFill>
+                  <a:schemeClr val="accent5">
+                    <a:lumMod val="75000"/>
+                  </a:schemeClr>
+                </a:solidFill>
+              </a:rPr>
+              <a:t>của</a:t>
+            </a:r>
+            <a:r>
+              <a:rPr lang="en-US" sz="1600" b="1" dirty="0" smtClean="0">
+                <a:solidFill>
+                  <a:schemeClr val="accent5">
+                    <a:lumMod val="75000"/>
+                  </a:schemeClr>
+                </a:solidFill>
+              </a:rPr>
+              <a:t> View</a:t>
+            </a:r>
+            <a:endParaRPr lang="en-US" sz="1600" b="1" dirty="0">
+              <a:solidFill>
+                <a:schemeClr val="accent5">
+                  <a:lumMod val="75000"/>
+                </a:schemeClr>
+              </a:solidFill>
+            </a:endParaRPr>
+          </a:p>
+        </p:txBody>
+      </p:sp>
+      <p:pic>
+        <p:nvPicPr>
+          <p:cNvPr id="4" name="Picture 3"/>
+          <p:cNvPicPr>
+            <a:picLocks noChangeAspect="1"/>
+          </p:cNvPicPr>
+          <p:nvPr/>
+        </p:nvPicPr>
+        <p:blipFill>
+          <a:blip r:embed="rId3"/>
+          <a:stretch>
+            <a:fillRect/>
+          </a:stretch>
+        </p:blipFill>
+        <p:spPr>
+          <a:xfrm>
+            <a:off x="1050199" y="4850629"/>
+            <a:ext cx="3228975" cy="904875"/>
+          </a:xfrm>
+          <a:prstGeom prst="rect">
+            <a:avLst/>
+          </a:prstGeom>
+        </p:spPr>
+      </p:pic>
+      <p:sp>
+        <p:nvSpPr>
+          <p:cNvPr id="13" name="TextBox 12"/>
+          <p:cNvSpPr txBox="1"/>
+          <p:nvPr/>
+        </p:nvSpPr>
+        <p:spPr>
+          <a:xfrm>
+            <a:off x="905345" y="5957961"/>
+            <a:ext cx="7577752" cy="338554"/>
+          </a:xfrm>
+          <a:prstGeom prst="rect">
+            <a:avLst/>
+          </a:prstGeom>
+          <a:noFill/>
+        </p:spPr>
+        <p:txBody>
+          <a:bodyPr wrap="square" rtlCol="0">
+            <a:spAutoFit/>
+          </a:bodyPr>
+          <a:lstStyle/>
+          <a:p>
+            <a:r>
+              <a:rPr lang="en-US" sz="1600" dirty="0" err="1" smtClean="0">
+                <a:solidFill>
+                  <a:schemeClr val="accent5">
+                    <a:lumMod val="75000"/>
+                  </a:schemeClr>
+                </a:solidFill>
+              </a:rPr>
+              <a:t>Tạo</a:t>
+            </a:r>
+            <a:r>
+              <a:rPr lang="en-US" sz="1600" dirty="0" smtClean="0">
+                <a:solidFill>
+                  <a:schemeClr val="accent5">
+                    <a:lumMod val="75000"/>
+                  </a:schemeClr>
+                </a:solidFill>
+              </a:rPr>
+              <a:t> </a:t>
+            </a:r>
+            <a:r>
+              <a:rPr lang="en-US" sz="1600" dirty="0" err="1" smtClean="0">
+                <a:solidFill>
+                  <a:schemeClr val="accent5">
+                    <a:lumMod val="75000"/>
+                  </a:schemeClr>
+                </a:solidFill>
+              </a:rPr>
+              <a:t>mới</a:t>
+            </a:r>
+            <a:r>
+              <a:rPr lang="en-US" sz="1600" dirty="0" smtClean="0">
+                <a:solidFill>
+                  <a:schemeClr val="accent5">
+                    <a:lumMod val="75000"/>
+                  </a:schemeClr>
+                </a:solidFill>
+              </a:rPr>
+              <a:t> </a:t>
+            </a:r>
+            <a:r>
+              <a:rPr lang="en-US" sz="1600" dirty="0" err="1" smtClean="0">
+                <a:solidFill>
+                  <a:schemeClr val="accent5">
+                    <a:lumMod val="75000"/>
+                  </a:schemeClr>
+                </a:solidFill>
+              </a:rPr>
+              <a:t>hoặc</a:t>
+            </a:r>
+            <a:r>
+              <a:rPr lang="en-US" sz="1600" dirty="0" smtClean="0">
+                <a:solidFill>
+                  <a:schemeClr val="accent5">
+                    <a:lumMod val="75000"/>
+                  </a:schemeClr>
+                </a:solidFill>
+              </a:rPr>
+              <a:t> </a:t>
+            </a:r>
+            <a:r>
+              <a:rPr lang="en-US" sz="1600" dirty="0" err="1" smtClean="0">
+                <a:solidFill>
+                  <a:schemeClr val="accent5">
+                    <a:lumMod val="75000"/>
+                  </a:schemeClr>
+                </a:solidFill>
+              </a:rPr>
+              <a:t>thay</a:t>
+            </a:r>
+            <a:r>
+              <a:rPr lang="en-US" sz="1600" dirty="0" smtClean="0">
+                <a:solidFill>
+                  <a:schemeClr val="accent5">
+                    <a:lumMod val="75000"/>
+                  </a:schemeClr>
+                </a:solidFill>
+              </a:rPr>
+              <a:t> </a:t>
+            </a:r>
+            <a:r>
+              <a:rPr lang="en-US" sz="1600" dirty="0" err="1" smtClean="0">
+                <a:solidFill>
+                  <a:schemeClr val="accent5">
+                    <a:lumMod val="75000"/>
+                  </a:schemeClr>
+                </a:solidFill>
+              </a:rPr>
+              <a:t>đổ</a:t>
+            </a:r>
+            <a:r>
+              <a:rPr lang="en-US" sz="1600" dirty="0" err="1" smtClean="0">
+                <a:solidFill>
+                  <a:schemeClr val="accent5">
+                    <a:lumMod val="75000"/>
+                  </a:schemeClr>
+                </a:solidFill>
+              </a:rPr>
+              <a:t>i</a:t>
+            </a:r>
+            <a:r>
+              <a:rPr lang="en-US" sz="1600" dirty="0" smtClean="0">
+                <a:solidFill>
+                  <a:schemeClr val="accent5">
+                    <a:lumMod val="75000"/>
+                  </a:schemeClr>
+                </a:solidFill>
+              </a:rPr>
+              <a:t> </a:t>
+            </a:r>
+            <a:r>
+              <a:rPr lang="en-US" sz="1600" dirty="0" err="1" smtClean="0">
+                <a:solidFill>
+                  <a:schemeClr val="accent5">
+                    <a:lumMod val="75000"/>
+                  </a:schemeClr>
+                </a:solidFill>
+              </a:rPr>
+              <a:t>cấu</a:t>
+            </a:r>
+            <a:r>
+              <a:rPr lang="en-US" sz="1600" dirty="0" smtClean="0">
+                <a:solidFill>
+                  <a:schemeClr val="accent5">
+                    <a:lumMod val="75000"/>
+                  </a:schemeClr>
+                </a:solidFill>
+              </a:rPr>
+              <a:t> </a:t>
+            </a:r>
+            <a:r>
+              <a:rPr lang="en-US" sz="1600" dirty="0" err="1" smtClean="0">
+                <a:solidFill>
+                  <a:schemeClr val="accent5">
+                    <a:lumMod val="75000"/>
+                  </a:schemeClr>
+                </a:solidFill>
+              </a:rPr>
+              <a:t>trúc</a:t>
+            </a:r>
+            <a:r>
+              <a:rPr lang="en-US" sz="1600" dirty="0" smtClean="0">
+                <a:solidFill>
+                  <a:schemeClr val="accent5">
+                    <a:lumMod val="75000"/>
+                  </a:schemeClr>
+                </a:solidFill>
+              </a:rPr>
+              <a:t> view</a:t>
+            </a:r>
+            <a:endParaRPr lang="en-US" sz="1600" dirty="0" smtClean="0">
+              <a:solidFill>
+                <a:schemeClr val="accent5">
+                  <a:lumMod val="75000"/>
+                </a:schemeClr>
+              </a:solidFill>
+            </a:endParaRPr>
+          </a:p>
+        </p:txBody>
+      </p:sp>
+    </p:spTree>
+    <p:extLst>
+      <p:ext uri="{BB962C8B-B14F-4D97-AF65-F5344CB8AC3E}">
+        <p14:creationId xmlns:p14="http://schemas.microsoft.com/office/powerpoint/2010/main" val="386214498"/>
+      </p:ext>
+    </p:extLst>
+  </p:cSld>
+  <p:clrMapOvr>
+    <a:masterClrMapping/>
+  </p:clrMapOvr>
+  <p:timing>
+    <p:tnLst>
+      <p:par>
+        <p:cTn id="1" dur="indefinite" restart="never" nodeType="tmRoot"/>
+      </p:par>
+    </p:tnLst>
+  </p:timing>
+</p:sld>
+</file>
+
+<file path=ppt/slides/slide12.xml><?xml version="1.0" encoding="utf-8"?>
+<p:sld xmlns:a="http://schemas.openxmlformats.org/drawingml/2006/main" xmlns:r="http://schemas.openxmlformats.org/officeDocument/2006/relationships" xmlns:p="http://schemas.openxmlformats.org/presentationml/2006/main">
+  <p:cSld>
+    <p:spTree>
+      <p:nvGrpSpPr>
+        <p:cNvPr id="1" name=""/>
+        <p:cNvGrpSpPr/>
+        <p:nvPr/>
+      </p:nvGrpSpPr>
+      <p:grpSpPr>
+        <a:xfrm>
+          <a:off x="0" y="0"/>
+          <a:ext cx="0" cy="0"/>
+          <a:chOff x="0" y="0"/>
+          <a:chExt cx="0" cy="0"/>
+        </a:xfrm>
+      </p:grpSpPr>
+      <p:sp>
+        <p:nvSpPr>
+          <p:cNvPr id="5" name="Rounded Rectangle 4"/>
+          <p:cNvSpPr/>
+          <p:nvPr/>
+        </p:nvSpPr>
+        <p:spPr>
+          <a:xfrm>
+            <a:off x="905344" y="1244126"/>
+            <a:ext cx="7432898" cy="4215015"/>
+          </a:xfrm>
+          <a:prstGeom prst="roundRect">
+            <a:avLst>
+              <a:gd name="adj" fmla="val 1724"/>
+            </a:avLst>
+          </a:prstGeom>
+          <a:solidFill>
+            <a:srgbClr val="1C1E26"/>
+          </a:solidFill>
+          <a:ln>
+            <a:noFill/>
+          </a:ln>
+        </p:spPr>
+        <p:style>
+          <a:lnRef idx="2">
+            <a:schemeClr val="accent1">
+              <a:shade val="50000"/>
+            </a:schemeClr>
+          </a:lnRef>
+          <a:fillRef idx="1">
+            <a:schemeClr val="accent1"/>
+          </a:fillRef>
+          <a:effectRef idx="0">
+            <a:schemeClr val="accent1"/>
+          </a:effectRef>
+          <a:fontRef idx="minor">
+            <a:schemeClr val="lt1"/>
+          </a:fontRef>
+        </p:style>
+        <p:txBody>
+          <a:bodyPr rtlCol="0" anchor="ctr"/>
+          <a:lstStyle/>
+          <a:p>
+            <a:pPr algn="ctr"/>
+            <a:endParaRPr lang="en-US"/>
+          </a:p>
+        </p:txBody>
+      </p:sp>
+      <p:sp>
+        <p:nvSpPr>
+          <p:cNvPr id="2" name="4-Point Star 1"/>
+          <p:cNvSpPr/>
+          <p:nvPr/>
+        </p:nvSpPr>
+        <p:spPr>
+          <a:xfrm>
+            <a:off x="905344" y="417747"/>
+            <a:ext cx="289711" cy="289711"/>
+          </a:xfrm>
+          <a:prstGeom prst="star4">
+            <a:avLst/>
+          </a:prstGeom>
+          <a:solidFill>
+            <a:schemeClr val="accent2"/>
+          </a:solidFill>
+          <a:ln>
+            <a:noFill/>
+          </a:ln>
+        </p:spPr>
+        <p:style>
+          <a:lnRef idx="2">
+            <a:schemeClr val="accent1">
+              <a:shade val="50000"/>
+            </a:schemeClr>
+          </a:lnRef>
+          <a:fillRef idx="1">
+            <a:schemeClr val="accent1"/>
+          </a:fillRef>
+          <a:effectRef idx="0">
+            <a:schemeClr val="accent1"/>
+          </a:effectRef>
+          <a:fontRef idx="minor">
+            <a:schemeClr val="lt1"/>
+          </a:fontRef>
+        </p:style>
+        <p:txBody>
+          <a:bodyPr rtlCol="0" anchor="ctr"/>
+          <a:lstStyle/>
+          <a:p>
+            <a:pPr algn="ctr"/>
+            <a:endParaRPr lang="en-US"/>
+          </a:p>
+        </p:txBody>
+      </p:sp>
+      <p:sp>
+        <p:nvSpPr>
+          <p:cNvPr id="3" name="TextBox 2"/>
+          <p:cNvSpPr txBox="1"/>
+          <p:nvPr/>
+        </p:nvSpPr>
+        <p:spPr>
+          <a:xfrm>
+            <a:off x="1131681" y="385756"/>
+            <a:ext cx="3775297" cy="338554"/>
+          </a:xfrm>
+          <a:prstGeom prst="rect">
+            <a:avLst/>
+          </a:prstGeom>
+          <a:noFill/>
+        </p:spPr>
+        <p:txBody>
+          <a:bodyPr wrap="square" rtlCol="0">
+            <a:spAutoFit/>
+          </a:bodyPr>
+          <a:lstStyle/>
+          <a:p>
+            <a:r>
+              <a:rPr lang="en-US" sz="1600" b="1" dirty="0" err="1" smtClean="0">
+                <a:solidFill>
+                  <a:schemeClr val="accent5">
+                    <a:lumMod val="75000"/>
+                  </a:schemeClr>
+                </a:solidFill>
+              </a:rPr>
+              <a:t>Ví</a:t>
+            </a:r>
+            <a:r>
+              <a:rPr lang="en-US" sz="1600" b="1" dirty="0" smtClean="0">
+                <a:solidFill>
+                  <a:schemeClr val="accent5">
+                    <a:lumMod val="75000"/>
+                  </a:schemeClr>
+                </a:solidFill>
+              </a:rPr>
+              <a:t> </a:t>
+            </a:r>
+            <a:r>
+              <a:rPr lang="en-US" sz="1600" b="1" dirty="0" err="1" smtClean="0">
+                <a:solidFill>
+                  <a:schemeClr val="accent5">
+                    <a:lumMod val="75000"/>
+                  </a:schemeClr>
+                </a:solidFill>
+              </a:rPr>
+              <a:t>dụ</a:t>
+            </a:r>
+            <a:r>
+              <a:rPr lang="en-US" sz="1600" b="1" dirty="0" smtClean="0">
+                <a:solidFill>
+                  <a:schemeClr val="accent5">
+                    <a:lumMod val="75000"/>
+                  </a:schemeClr>
+                </a:solidFill>
+              </a:rPr>
+              <a:t> </a:t>
+            </a:r>
+            <a:r>
+              <a:rPr lang="en-US" sz="1600" b="1" dirty="0" err="1" smtClean="0">
+                <a:solidFill>
+                  <a:schemeClr val="accent5">
+                    <a:lumMod val="75000"/>
+                  </a:schemeClr>
+                </a:solidFill>
+              </a:rPr>
+              <a:t>Tạo</a:t>
+            </a:r>
+            <a:r>
+              <a:rPr lang="en-US" sz="1600" b="1" dirty="0" smtClean="0">
+                <a:solidFill>
+                  <a:schemeClr val="accent5">
+                    <a:lumMod val="75000"/>
+                  </a:schemeClr>
+                </a:solidFill>
+              </a:rPr>
+              <a:t> View</a:t>
+            </a:r>
+            <a:endParaRPr lang="en-US" sz="1600" b="1" dirty="0">
+              <a:solidFill>
+                <a:schemeClr val="accent5">
+                  <a:lumMod val="75000"/>
+                </a:schemeClr>
+              </a:solidFill>
+            </a:endParaRPr>
+          </a:p>
+        </p:txBody>
+      </p:sp>
+      <p:pic>
+        <p:nvPicPr>
+          <p:cNvPr id="4" name="Picture 3"/>
+          <p:cNvPicPr>
+            <a:picLocks noChangeAspect="1"/>
+          </p:cNvPicPr>
+          <p:nvPr/>
+        </p:nvPicPr>
+        <p:blipFill>
+          <a:blip r:embed="rId2"/>
+          <a:stretch>
+            <a:fillRect/>
+          </a:stretch>
+        </p:blipFill>
+        <p:spPr>
+          <a:xfrm>
+            <a:off x="1050199" y="1332412"/>
+            <a:ext cx="5743575" cy="4048125"/>
+          </a:xfrm>
+          <a:prstGeom prst="rect">
+            <a:avLst/>
+          </a:prstGeom>
+        </p:spPr>
+      </p:pic>
+      <p:sp>
+        <p:nvSpPr>
+          <p:cNvPr id="6" name="TextBox 5"/>
+          <p:cNvSpPr txBox="1"/>
+          <p:nvPr/>
+        </p:nvSpPr>
+        <p:spPr>
+          <a:xfrm>
+            <a:off x="905345" y="814941"/>
+            <a:ext cx="7577752" cy="338554"/>
+          </a:xfrm>
+          <a:prstGeom prst="rect">
+            <a:avLst/>
+          </a:prstGeom>
+          <a:noFill/>
+        </p:spPr>
+        <p:txBody>
+          <a:bodyPr wrap="square" rtlCol="0">
+            <a:spAutoFit/>
+          </a:bodyPr>
+          <a:lstStyle/>
+          <a:p>
+            <a:r>
+              <a:rPr lang="en-US" sz="1600" dirty="0" err="1" smtClean="0">
+                <a:solidFill>
+                  <a:schemeClr val="accent5">
+                    <a:lumMod val="75000"/>
+                  </a:schemeClr>
+                </a:solidFill>
+              </a:rPr>
+              <a:t>Thống</a:t>
+            </a:r>
+            <a:r>
+              <a:rPr lang="en-US" sz="1600" dirty="0" smtClean="0">
+                <a:solidFill>
+                  <a:schemeClr val="accent5">
+                    <a:lumMod val="75000"/>
+                  </a:schemeClr>
+                </a:solidFill>
+              </a:rPr>
+              <a:t> </a:t>
+            </a:r>
+            <a:r>
+              <a:rPr lang="en-US" sz="1600" dirty="0" err="1" smtClean="0">
+                <a:solidFill>
+                  <a:schemeClr val="accent5">
+                    <a:lumMod val="75000"/>
+                  </a:schemeClr>
+                </a:solidFill>
+              </a:rPr>
+              <a:t>kê</a:t>
+            </a:r>
+            <a:r>
+              <a:rPr lang="en-US" sz="1600" dirty="0" smtClean="0">
+                <a:solidFill>
+                  <a:schemeClr val="accent5">
+                    <a:lumMod val="75000"/>
+                  </a:schemeClr>
+                </a:solidFill>
+              </a:rPr>
+              <a:t> </a:t>
+            </a:r>
+            <a:r>
+              <a:rPr lang="vi-VN" sz="1600" dirty="0" smtClean="0">
+                <a:solidFill>
+                  <a:schemeClr val="accent5">
+                    <a:lumMod val="75000"/>
+                  </a:schemeClr>
+                </a:solidFill>
+              </a:rPr>
+              <a:t>doanh </a:t>
+            </a:r>
+            <a:r>
+              <a:rPr lang="vi-VN" sz="1600" dirty="0">
+                <a:solidFill>
+                  <a:schemeClr val="accent5">
+                    <a:lumMod val="75000"/>
+                  </a:schemeClr>
+                </a:solidFill>
+              </a:rPr>
+              <a:t>số bán ra của mỗi sản phẩm theo ngày</a:t>
+            </a:r>
+            <a:endParaRPr lang="en-US" sz="1600" dirty="0" smtClean="0">
+              <a:solidFill>
+                <a:schemeClr val="accent5">
+                  <a:lumMod val="75000"/>
+                </a:schemeClr>
+              </a:solidFill>
+            </a:endParaRPr>
+          </a:p>
+        </p:txBody>
+      </p:sp>
+      <p:pic>
+        <p:nvPicPr>
+          <p:cNvPr id="9" name="Picture 8"/>
+          <p:cNvPicPr>
+            <a:picLocks noChangeAspect="1"/>
+          </p:cNvPicPr>
+          <p:nvPr/>
+        </p:nvPicPr>
+        <p:blipFill>
+          <a:blip r:embed="rId3"/>
+          <a:stretch>
+            <a:fillRect/>
+          </a:stretch>
+        </p:blipFill>
+        <p:spPr>
+          <a:xfrm>
+            <a:off x="6083929" y="4917418"/>
+            <a:ext cx="1990725" cy="1162050"/>
+          </a:xfrm>
+          <a:prstGeom prst="rect">
+            <a:avLst/>
+          </a:prstGeom>
+        </p:spPr>
+      </p:pic>
+      <p:sp>
+        <p:nvSpPr>
+          <p:cNvPr id="10" name="TextBox 9"/>
+          <p:cNvSpPr txBox="1"/>
+          <p:nvPr/>
+        </p:nvSpPr>
+        <p:spPr>
+          <a:xfrm>
+            <a:off x="855551" y="5626477"/>
+            <a:ext cx="5228378" cy="584775"/>
+          </a:xfrm>
+          <a:prstGeom prst="rect">
+            <a:avLst/>
+          </a:prstGeom>
+          <a:noFill/>
+        </p:spPr>
+        <p:txBody>
+          <a:bodyPr wrap="square" rtlCol="0">
+            <a:spAutoFit/>
+          </a:bodyPr>
+          <a:lstStyle/>
+          <a:p>
+            <a:r>
+              <a:rPr lang="en-US" sz="1600" dirty="0" err="1" smtClean="0">
+                <a:solidFill>
+                  <a:schemeClr val="accent1">
+                    <a:lumMod val="75000"/>
+                  </a:schemeClr>
+                </a:solidFill>
+              </a:rPr>
+              <a:t>Bạn</a:t>
+            </a:r>
+            <a:r>
+              <a:rPr lang="en-US" sz="1600" dirty="0" smtClean="0">
+                <a:solidFill>
+                  <a:schemeClr val="accent1">
+                    <a:lumMod val="75000"/>
+                  </a:schemeClr>
+                </a:solidFill>
+              </a:rPr>
+              <a:t> </a:t>
+            </a:r>
+            <a:r>
+              <a:rPr lang="en-US" sz="1600" dirty="0" err="1" smtClean="0">
+                <a:solidFill>
+                  <a:schemeClr val="accent1">
+                    <a:lumMod val="75000"/>
+                  </a:schemeClr>
+                </a:solidFill>
+              </a:rPr>
+              <a:t>có</a:t>
+            </a:r>
+            <a:r>
+              <a:rPr lang="en-US" sz="1600" dirty="0" smtClean="0">
+                <a:solidFill>
+                  <a:schemeClr val="accent1">
+                    <a:lumMod val="75000"/>
+                  </a:schemeClr>
+                </a:solidFill>
+              </a:rPr>
+              <a:t> </a:t>
+            </a:r>
+            <a:r>
+              <a:rPr lang="en-US" sz="1600" dirty="0" err="1" smtClean="0">
+                <a:solidFill>
+                  <a:schemeClr val="accent1">
+                    <a:lumMod val="75000"/>
+                  </a:schemeClr>
+                </a:solidFill>
+              </a:rPr>
+              <a:t>thể</a:t>
+            </a:r>
+            <a:r>
+              <a:rPr lang="en-US" sz="1600" dirty="0" smtClean="0">
+                <a:solidFill>
+                  <a:schemeClr val="accent1">
+                    <a:lumMod val="75000"/>
+                  </a:schemeClr>
+                </a:solidFill>
+              </a:rPr>
+              <a:t> </a:t>
+            </a:r>
+            <a:r>
+              <a:rPr lang="en-US" sz="1600" dirty="0" err="1" smtClean="0">
+                <a:solidFill>
+                  <a:schemeClr val="accent1">
+                    <a:lumMod val="75000"/>
+                  </a:schemeClr>
+                </a:solidFill>
+              </a:rPr>
+              <a:t>tìm</a:t>
+            </a:r>
+            <a:r>
+              <a:rPr lang="en-US" sz="1600" dirty="0" smtClean="0">
+                <a:solidFill>
+                  <a:schemeClr val="accent1">
+                    <a:lumMod val="75000"/>
+                  </a:schemeClr>
+                </a:solidFill>
+              </a:rPr>
+              <a:t> </a:t>
+            </a:r>
+            <a:r>
+              <a:rPr lang="en-US" sz="1600" dirty="0" err="1" smtClean="0">
+                <a:solidFill>
+                  <a:schemeClr val="accent1">
+                    <a:lumMod val="75000"/>
+                  </a:schemeClr>
+                </a:solidFill>
+              </a:rPr>
+              <a:t>thấy</a:t>
+            </a:r>
+            <a:r>
+              <a:rPr lang="en-US" sz="1600" dirty="0" smtClean="0">
+                <a:solidFill>
+                  <a:schemeClr val="accent1">
+                    <a:lumMod val="75000"/>
+                  </a:schemeClr>
+                </a:solidFill>
+              </a:rPr>
+              <a:t> View </a:t>
+            </a:r>
+            <a:r>
+              <a:rPr lang="en-US" sz="1600" dirty="0" err="1" smtClean="0">
+                <a:solidFill>
+                  <a:schemeClr val="accent1">
+                    <a:lumMod val="75000"/>
+                  </a:schemeClr>
+                </a:solidFill>
+              </a:rPr>
+              <a:t>đã</a:t>
+            </a:r>
+            <a:r>
+              <a:rPr lang="en-US" sz="1600" dirty="0" smtClean="0">
+                <a:solidFill>
+                  <a:schemeClr val="accent1">
+                    <a:lumMod val="75000"/>
+                  </a:schemeClr>
+                </a:solidFill>
+              </a:rPr>
+              <a:t> </a:t>
+            </a:r>
+            <a:r>
+              <a:rPr lang="en-US" sz="1600" dirty="0" err="1" smtClean="0">
+                <a:solidFill>
+                  <a:schemeClr val="accent1">
+                    <a:lumMod val="75000"/>
+                  </a:schemeClr>
+                </a:solidFill>
+              </a:rPr>
+              <a:t>tạo</a:t>
+            </a:r>
+            <a:r>
+              <a:rPr lang="en-US" sz="1600" dirty="0" smtClean="0">
+                <a:solidFill>
+                  <a:schemeClr val="accent1">
+                    <a:lumMod val="75000"/>
+                  </a:schemeClr>
+                </a:solidFill>
+              </a:rPr>
+              <a:t> </a:t>
+            </a:r>
+            <a:r>
+              <a:rPr lang="en-US" sz="1600" dirty="0" err="1" smtClean="0">
+                <a:solidFill>
+                  <a:schemeClr val="accent1">
+                    <a:lumMod val="75000"/>
+                  </a:schemeClr>
+                </a:solidFill>
+              </a:rPr>
+              <a:t>trong</a:t>
+            </a:r>
+            <a:r>
+              <a:rPr lang="en-US" sz="1600" dirty="0" smtClean="0">
+                <a:solidFill>
+                  <a:schemeClr val="accent1">
+                    <a:lumMod val="75000"/>
+                  </a:schemeClr>
+                </a:solidFill>
+              </a:rPr>
+              <a:t> </a:t>
+            </a:r>
+            <a:r>
+              <a:rPr lang="en-US" sz="1600" dirty="0" err="1" smtClean="0">
+                <a:solidFill>
+                  <a:schemeClr val="accent1">
+                    <a:lumMod val="75000"/>
+                  </a:schemeClr>
+                </a:solidFill>
+              </a:rPr>
+              <a:t>mục</a:t>
+            </a:r>
+            <a:r>
+              <a:rPr lang="en-US" sz="1600" dirty="0" smtClean="0">
+                <a:solidFill>
+                  <a:schemeClr val="accent1">
+                    <a:lumMod val="75000"/>
+                  </a:schemeClr>
+                </a:solidFill>
+              </a:rPr>
+              <a:t> View </a:t>
+            </a:r>
+            <a:r>
+              <a:rPr lang="en-US" sz="1600" dirty="0" err="1" smtClean="0">
+                <a:solidFill>
+                  <a:schemeClr val="accent1">
+                    <a:lumMod val="75000"/>
+                  </a:schemeClr>
+                </a:solidFill>
+              </a:rPr>
+              <a:t>của</a:t>
+            </a:r>
+            <a:r>
+              <a:rPr lang="en-US" sz="1600" dirty="0" smtClean="0">
+                <a:solidFill>
+                  <a:schemeClr val="accent1">
+                    <a:lumMod val="75000"/>
+                  </a:schemeClr>
+                </a:solidFill>
+              </a:rPr>
+              <a:t> Schema </a:t>
+            </a:r>
+            <a:r>
+              <a:rPr lang="en-US" sz="1600" dirty="0" err="1" smtClean="0">
+                <a:solidFill>
+                  <a:schemeClr val="accent1">
+                    <a:lumMod val="75000"/>
+                  </a:schemeClr>
+                </a:solidFill>
+              </a:rPr>
+              <a:t>hiện</a:t>
+            </a:r>
+            <a:r>
+              <a:rPr lang="en-US" sz="1600" dirty="0" smtClean="0">
+                <a:solidFill>
+                  <a:schemeClr val="accent1">
+                    <a:lumMod val="75000"/>
+                  </a:schemeClr>
+                </a:solidFill>
+              </a:rPr>
+              <a:t> </a:t>
+            </a:r>
+            <a:r>
+              <a:rPr lang="en-US" sz="1600" dirty="0" err="1" smtClean="0">
+                <a:solidFill>
+                  <a:schemeClr val="accent1">
+                    <a:lumMod val="75000"/>
+                  </a:schemeClr>
+                </a:solidFill>
+              </a:rPr>
+              <a:t>tại</a:t>
+            </a:r>
+            <a:endParaRPr lang="en-US" sz="1600" dirty="0">
+              <a:solidFill>
+                <a:schemeClr val="accent1">
+                  <a:lumMod val="75000"/>
+                </a:schemeClr>
+              </a:solidFill>
+            </a:endParaRPr>
+          </a:p>
+        </p:txBody>
+      </p:sp>
+    </p:spTree>
+    <p:extLst>
+      <p:ext uri="{BB962C8B-B14F-4D97-AF65-F5344CB8AC3E}">
+        <p14:creationId xmlns:p14="http://schemas.microsoft.com/office/powerpoint/2010/main" val="28638398"/>
+      </p:ext>
+    </p:extLst>
+  </p:cSld>
+  <p:clrMapOvr>
+    <a:masterClrMapping/>
+  </p:clrMapOvr>
+  <p:timing>
+    <p:tnLst>
+      <p:par>
+        <p:cTn id="1" dur="indefinite" restart="never" nodeType="tmRoot"/>
+      </p:par>
+    </p:tnLst>
+  </p:timing>
+</p:sld>
+</file>
+
+<file path=ppt/slides/slide13.xml><?xml version="1.0" encoding="utf-8"?>
+<p:sld xmlns:a="http://schemas.openxmlformats.org/drawingml/2006/main" xmlns:r="http://schemas.openxmlformats.org/officeDocument/2006/relationships" xmlns:p="http://schemas.openxmlformats.org/presentationml/2006/main">
+  <p:cSld>
+    <p:spTree>
+      <p:nvGrpSpPr>
+        <p:cNvPr id="1" name=""/>
+        <p:cNvGrpSpPr/>
+        <p:nvPr/>
+      </p:nvGrpSpPr>
+      <p:grpSpPr>
+        <a:xfrm>
+          <a:off x="0" y="0"/>
+          <a:ext cx="0" cy="0"/>
+          <a:chOff x="0" y="0"/>
+          <a:chExt cx="0" cy="0"/>
+        </a:xfrm>
+      </p:grpSpPr>
+      <p:sp>
+        <p:nvSpPr>
+          <p:cNvPr id="19" name="Rounded Rectangle 18"/>
+          <p:cNvSpPr/>
+          <p:nvPr/>
+        </p:nvSpPr>
+        <p:spPr>
+          <a:xfrm>
+            <a:off x="1050199" y="5339748"/>
+            <a:ext cx="7206561" cy="952410"/>
+          </a:xfrm>
+          <a:prstGeom prst="roundRect">
+            <a:avLst>
+              <a:gd name="adj" fmla="val 6211"/>
+            </a:avLst>
+          </a:prstGeom>
+          <a:solidFill>
+            <a:schemeClr val="accent1">
+              <a:lumMod val="20000"/>
+              <a:lumOff val="80000"/>
+            </a:schemeClr>
+          </a:solidFill>
+          <a:ln>
+            <a:solidFill>
+              <a:schemeClr val="accent1">
+                <a:lumMod val="60000"/>
+                <a:lumOff val="40000"/>
+              </a:schemeClr>
+            </a:solidFill>
+          </a:ln>
+        </p:spPr>
+        <p:style>
+          <a:lnRef idx="2">
+            <a:schemeClr val="accent1">
+              <a:shade val="50000"/>
+            </a:schemeClr>
+          </a:lnRef>
+          <a:fillRef idx="1">
+            <a:schemeClr val="accent1"/>
+          </a:fillRef>
+          <a:effectRef idx="0">
+            <a:schemeClr val="accent1"/>
+          </a:effectRef>
+          <a:fontRef idx="minor">
+            <a:schemeClr val="lt1"/>
+          </a:fontRef>
+        </p:style>
+        <p:txBody>
+          <a:bodyPr rtlCol="0" anchor="ctr"/>
+          <a:lstStyle/>
+          <a:p>
+            <a:pPr algn="ctr"/>
+            <a:endParaRPr lang="en-US"/>
+          </a:p>
+        </p:txBody>
+      </p:sp>
+      <p:sp>
+        <p:nvSpPr>
+          <p:cNvPr id="14" name="Rounded Rectangle 13"/>
+          <p:cNvSpPr/>
+          <p:nvPr/>
+        </p:nvSpPr>
+        <p:spPr>
+          <a:xfrm>
+            <a:off x="1013985" y="3848716"/>
+            <a:ext cx="7242775" cy="661207"/>
+          </a:xfrm>
+          <a:prstGeom prst="roundRect">
+            <a:avLst>
+              <a:gd name="adj" fmla="val 1724"/>
+            </a:avLst>
+          </a:prstGeom>
+          <a:solidFill>
+            <a:srgbClr val="1C1E26"/>
+          </a:solidFill>
+          <a:ln>
+            <a:noFill/>
+          </a:ln>
+        </p:spPr>
+        <p:style>
+          <a:lnRef idx="2">
+            <a:schemeClr val="accent1">
+              <a:shade val="50000"/>
+            </a:schemeClr>
+          </a:lnRef>
+          <a:fillRef idx="1">
+            <a:schemeClr val="accent1"/>
+          </a:fillRef>
+          <a:effectRef idx="0">
+            <a:schemeClr val="accent1"/>
+          </a:effectRef>
+          <a:fontRef idx="minor">
+            <a:schemeClr val="lt1"/>
+          </a:fontRef>
+        </p:style>
+        <p:txBody>
+          <a:bodyPr rtlCol="0" anchor="ctr"/>
+          <a:lstStyle/>
+          <a:p>
+            <a:pPr algn="ctr"/>
+            <a:endParaRPr lang="en-US"/>
+          </a:p>
+        </p:txBody>
+      </p:sp>
+      <p:sp>
+        <p:nvSpPr>
+          <p:cNvPr id="9" name="Rounded Rectangle 8"/>
+          <p:cNvSpPr/>
+          <p:nvPr/>
+        </p:nvSpPr>
+        <p:spPr>
+          <a:xfrm>
+            <a:off x="1013985" y="1375777"/>
+            <a:ext cx="7242775" cy="456150"/>
+          </a:xfrm>
+          <a:prstGeom prst="roundRect">
+            <a:avLst>
+              <a:gd name="adj" fmla="val 1724"/>
+            </a:avLst>
+          </a:prstGeom>
+          <a:solidFill>
+            <a:srgbClr val="1C1E26"/>
+          </a:solidFill>
+          <a:ln>
+            <a:noFill/>
+          </a:ln>
+        </p:spPr>
+        <p:style>
+          <a:lnRef idx="2">
+            <a:schemeClr val="accent1">
+              <a:shade val="50000"/>
+            </a:schemeClr>
+          </a:lnRef>
+          <a:fillRef idx="1">
+            <a:schemeClr val="accent1"/>
+          </a:fillRef>
+          <a:effectRef idx="0">
+            <a:schemeClr val="accent1"/>
+          </a:effectRef>
+          <a:fontRef idx="minor">
+            <a:schemeClr val="lt1"/>
+          </a:fontRef>
+        </p:style>
+        <p:txBody>
+          <a:bodyPr rtlCol="0" anchor="ctr"/>
+          <a:lstStyle/>
+          <a:p>
+            <a:pPr algn="ctr"/>
+            <a:endParaRPr lang="en-US"/>
+          </a:p>
+        </p:txBody>
+      </p:sp>
+      <p:sp>
+        <p:nvSpPr>
+          <p:cNvPr id="5" name="Rounded Rectangle 4"/>
+          <p:cNvSpPr/>
+          <p:nvPr/>
+        </p:nvSpPr>
+        <p:spPr>
+          <a:xfrm>
+            <a:off x="1013985" y="2852757"/>
+            <a:ext cx="7242775" cy="456150"/>
+          </a:xfrm>
+          <a:prstGeom prst="roundRect">
+            <a:avLst>
+              <a:gd name="adj" fmla="val 1724"/>
+            </a:avLst>
+          </a:prstGeom>
+          <a:solidFill>
+            <a:srgbClr val="1C1E26"/>
+          </a:solidFill>
+          <a:ln>
+            <a:noFill/>
+          </a:ln>
+        </p:spPr>
+        <p:style>
+          <a:lnRef idx="2">
+            <a:schemeClr val="accent1">
+              <a:shade val="50000"/>
+            </a:schemeClr>
+          </a:lnRef>
+          <a:fillRef idx="1">
+            <a:schemeClr val="accent1"/>
+          </a:fillRef>
+          <a:effectRef idx="0">
+            <a:schemeClr val="accent1"/>
+          </a:effectRef>
+          <a:fontRef idx="minor">
+            <a:schemeClr val="lt1"/>
+          </a:fontRef>
+        </p:style>
+        <p:txBody>
+          <a:bodyPr rtlCol="0" anchor="ctr"/>
+          <a:lstStyle/>
+          <a:p>
+            <a:pPr algn="ctr"/>
+            <a:endParaRPr lang="en-US"/>
+          </a:p>
+        </p:txBody>
+      </p:sp>
+      <p:sp>
+        <p:nvSpPr>
+          <p:cNvPr id="2" name="4-Point Star 1"/>
+          <p:cNvSpPr/>
+          <p:nvPr/>
+        </p:nvSpPr>
+        <p:spPr>
+          <a:xfrm>
+            <a:off x="905344" y="499227"/>
+            <a:ext cx="289711" cy="289711"/>
+          </a:xfrm>
+          <a:prstGeom prst="star4">
+            <a:avLst/>
+          </a:prstGeom>
+          <a:solidFill>
+            <a:schemeClr val="accent2"/>
+          </a:solidFill>
+          <a:ln>
+            <a:noFill/>
+          </a:ln>
+        </p:spPr>
+        <p:style>
+          <a:lnRef idx="2">
+            <a:schemeClr val="accent1">
+              <a:shade val="50000"/>
+            </a:schemeClr>
+          </a:lnRef>
+          <a:fillRef idx="1">
+            <a:schemeClr val="accent1"/>
+          </a:fillRef>
+          <a:effectRef idx="0">
+            <a:schemeClr val="accent1"/>
+          </a:effectRef>
+          <a:fontRef idx="minor">
+            <a:schemeClr val="lt1"/>
+          </a:fontRef>
+        </p:style>
+        <p:txBody>
+          <a:bodyPr rtlCol="0" anchor="ctr"/>
+          <a:lstStyle/>
+          <a:p>
+            <a:pPr algn="ctr"/>
+            <a:endParaRPr lang="en-US"/>
+          </a:p>
+        </p:txBody>
+      </p:sp>
+      <p:sp>
+        <p:nvSpPr>
+          <p:cNvPr id="3" name="TextBox 2"/>
+          <p:cNvSpPr txBox="1"/>
+          <p:nvPr/>
+        </p:nvSpPr>
+        <p:spPr>
+          <a:xfrm>
+            <a:off x="1131681" y="467236"/>
+            <a:ext cx="3775297" cy="338554"/>
+          </a:xfrm>
+          <a:prstGeom prst="rect">
+            <a:avLst/>
+          </a:prstGeom>
+          <a:noFill/>
+        </p:spPr>
+        <p:txBody>
+          <a:bodyPr wrap="square" rtlCol="0">
+            <a:spAutoFit/>
+          </a:bodyPr>
+          <a:lstStyle/>
+          <a:p>
+            <a:r>
+              <a:rPr lang="en-US" sz="1600" b="1" dirty="0" err="1" smtClean="0">
+                <a:solidFill>
+                  <a:schemeClr val="accent5">
+                    <a:lumMod val="75000"/>
+                  </a:schemeClr>
+                </a:solidFill>
+              </a:rPr>
+              <a:t>Sử</a:t>
+            </a:r>
+            <a:r>
+              <a:rPr lang="en-US" sz="1600" b="1" dirty="0" smtClean="0">
+                <a:solidFill>
+                  <a:schemeClr val="accent5">
+                    <a:lumMod val="75000"/>
+                  </a:schemeClr>
+                </a:solidFill>
+              </a:rPr>
+              <a:t> </a:t>
+            </a:r>
+            <a:r>
+              <a:rPr lang="en-US" sz="1600" b="1" dirty="0" err="1" smtClean="0">
+                <a:solidFill>
+                  <a:schemeClr val="accent5">
+                    <a:lumMod val="75000"/>
+                  </a:schemeClr>
+                </a:solidFill>
+              </a:rPr>
+              <a:t>dụng</a:t>
+            </a:r>
+            <a:r>
+              <a:rPr lang="en-US" sz="1600" b="1" dirty="0" smtClean="0">
+                <a:solidFill>
+                  <a:schemeClr val="accent5">
+                    <a:lumMod val="75000"/>
+                  </a:schemeClr>
+                </a:solidFill>
+              </a:rPr>
+              <a:t> </a:t>
+            </a:r>
+            <a:r>
+              <a:rPr lang="en-US" sz="1600" b="1" dirty="0" smtClean="0">
+                <a:solidFill>
+                  <a:schemeClr val="accent5">
+                    <a:lumMod val="75000"/>
+                  </a:schemeClr>
+                </a:solidFill>
+              </a:rPr>
+              <a:t>View</a:t>
+            </a:r>
+            <a:endParaRPr lang="en-US" sz="1600" b="1" dirty="0">
+              <a:solidFill>
+                <a:schemeClr val="accent5">
+                  <a:lumMod val="75000"/>
+                </a:schemeClr>
+              </a:solidFill>
+            </a:endParaRPr>
+          </a:p>
+        </p:txBody>
+      </p:sp>
+      <p:pic>
+        <p:nvPicPr>
+          <p:cNvPr id="4" name="Picture 3"/>
+          <p:cNvPicPr>
+            <a:picLocks noChangeAspect="1"/>
+          </p:cNvPicPr>
+          <p:nvPr/>
+        </p:nvPicPr>
+        <p:blipFill>
+          <a:blip r:embed="rId2"/>
+          <a:stretch>
+            <a:fillRect/>
+          </a:stretch>
+        </p:blipFill>
+        <p:spPr>
+          <a:xfrm>
+            <a:off x="1149787" y="2905821"/>
+            <a:ext cx="6134100" cy="371475"/>
+          </a:xfrm>
+          <a:prstGeom prst="rect">
+            <a:avLst/>
+          </a:prstGeom>
+        </p:spPr>
+      </p:pic>
+      <p:sp>
+        <p:nvSpPr>
+          <p:cNvPr id="6" name="4-Point Star 5"/>
+          <p:cNvSpPr/>
+          <p:nvPr/>
+        </p:nvSpPr>
+        <p:spPr>
+          <a:xfrm>
+            <a:off x="905344" y="2452232"/>
+            <a:ext cx="289711" cy="289711"/>
+          </a:xfrm>
+          <a:prstGeom prst="star4">
+            <a:avLst/>
+          </a:prstGeom>
+          <a:solidFill>
+            <a:schemeClr val="accent2"/>
+          </a:solidFill>
+          <a:ln>
+            <a:noFill/>
+          </a:ln>
+        </p:spPr>
+        <p:style>
+          <a:lnRef idx="2">
+            <a:schemeClr val="accent1">
+              <a:shade val="50000"/>
+            </a:schemeClr>
+          </a:lnRef>
+          <a:fillRef idx="1">
+            <a:schemeClr val="accent1"/>
+          </a:fillRef>
+          <a:effectRef idx="0">
+            <a:schemeClr val="accent1"/>
+          </a:effectRef>
+          <a:fontRef idx="minor">
+            <a:schemeClr val="lt1"/>
+          </a:fontRef>
+        </p:style>
+        <p:txBody>
+          <a:bodyPr rtlCol="0" anchor="ctr"/>
+          <a:lstStyle/>
+          <a:p>
+            <a:pPr algn="ctr"/>
+            <a:endParaRPr lang="en-US"/>
+          </a:p>
+        </p:txBody>
+      </p:sp>
+      <p:sp>
+        <p:nvSpPr>
+          <p:cNvPr id="7" name="TextBox 6"/>
+          <p:cNvSpPr txBox="1"/>
+          <p:nvPr/>
+        </p:nvSpPr>
+        <p:spPr>
+          <a:xfrm>
+            <a:off x="1131681" y="2420241"/>
+            <a:ext cx="3775297" cy="338554"/>
+          </a:xfrm>
+          <a:prstGeom prst="rect">
+            <a:avLst/>
+          </a:prstGeom>
+          <a:noFill/>
+        </p:spPr>
+        <p:txBody>
+          <a:bodyPr wrap="square" rtlCol="0">
+            <a:spAutoFit/>
+          </a:bodyPr>
+          <a:lstStyle/>
+          <a:p>
+            <a:r>
+              <a:rPr lang="en-US" sz="1600" b="1" dirty="0" err="1" smtClean="0">
+                <a:solidFill>
+                  <a:schemeClr val="accent5">
+                    <a:lumMod val="75000"/>
+                  </a:schemeClr>
+                </a:solidFill>
+              </a:rPr>
+              <a:t>Thay</a:t>
+            </a:r>
+            <a:r>
+              <a:rPr lang="en-US" sz="1600" b="1" dirty="0" smtClean="0">
+                <a:solidFill>
+                  <a:schemeClr val="accent5">
+                    <a:lumMod val="75000"/>
+                  </a:schemeClr>
+                </a:solidFill>
+              </a:rPr>
+              <a:t> </a:t>
+            </a:r>
+            <a:r>
+              <a:rPr lang="en-US" sz="1600" b="1" dirty="0" err="1" smtClean="0">
+                <a:solidFill>
+                  <a:schemeClr val="accent5">
+                    <a:lumMod val="75000"/>
+                  </a:schemeClr>
+                </a:solidFill>
+              </a:rPr>
+              <a:t>đổi</a:t>
+            </a:r>
+            <a:r>
+              <a:rPr lang="en-US" sz="1600" b="1" dirty="0" smtClean="0">
+                <a:solidFill>
+                  <a:schemeClr val="accent5">
+                    <a:lumMod val="75000"/>
+                  </a:schemeClr>
+                </a:solidFill>
+              </a:rPr>
+              <a:t> </a:t>
+            </a:r>
+            <a:r>
+              <a:rPr lang="en-US" sz="1600" b="1" dirty="0" err="1" smtClean="0">
+                <a:solidFill>
+                  <a:schemeClr val="accent5">
+                    <a:lumMod val="75000"/>
+                  </a:schemeClr>
+                </a:solidFill>
+              </a:rPr>
+              <a:t>tên</a:t>
+            </a:r>
+            <a:r>
+              <a:rPr lang="en-US" sz="1600" b="1" dirty="0" smtClean="0">
+                <a:solidFill>
+                  <a:schemeClr val="accent5">
+                    <a:lumMod val="75000"/>
+                  </a:schemeClr>
+                </a:solidFill>
+              </a:rPr>
+              <a:t> View</a:t>
+            </a:r>
+            <a:endParaRPr lang="en-US" sz="1600" b="1" dirty="0">
+              <a:solidFill>
+                <a:schemeClr val="accent5">
+                  <a:lumMod val="75000"/>
+                </a:schemeClr>
+              </a:solidFill>
+            </a:endParaRPr>
+          </a:p>
+        </p:txBody>
+      </p:sp>
+      <p:pic>
+        <p:nvPicPr>
+          <p:cNvPr id="8" name="Picture 7"/>
+          <p:cNvPicPr>
+            <a:picLocks noChangeAspect="1"/>
+          </p:cNvPicPr>
+          <p:nvPr/>
+        </p:nvPicPr>
+        <p:blipFill>
+          <a:blip r:embed="rId3"/>
+          <a:stretch>
+            <a:fillRect/>
+          </a:stretch>
+        </p:blipFill>
+        <p:spPr>
+          <a:xfrm>
+            <a:off x="1131681" y="1375777"/>
+            <a:ext cx="3314700" cy="409575"/>
+          </a:xfrm>
+          <a:prstGeom prst="rect">
+            <a:avLst/>
+          </a:prstGeom>
+        </p:spPr>
+      </p:pic>
+      <p:sp>
+        <p:nvSpPr>
+          <p:cNvPr id="10" name="TextBox 9"/>
+          <p:cNvSpPr txBox="1"/>
+          <p:nvPr/>
+        </p:nvSpPr>
+        <p:spPr>
+          <a:xfrm>
+            <a:off x="905345" y="925868"/>
+            <a:ext cx="7577752" cy="338554"/>
+          </a:xfrm>
+          <a:prstGeom prst="rect">
+            <a:avLst/>
+          </a:prstGeom>
+          <a:noFill/>
+        </p:spPr>
+        <p:txBody>
+          <a:bodyPr wrap="square" rtlCol="0">
+            <a:spAutoFit/>
+          </a:bodyPr>
+          <a:lstStyle/>
+          <a:p>
+            <a:r>
+              <a:rPr lang="en-US" sz="1600" dirty="0" err="1" smtClean="0">
+                <a:solidFill>
+                  <a:schemeClr val="accent5">
+                    <a:lumMod val="75000"/>
+                  </a:schemeClr>
+                </a:solidFill>
+              </a:rPr>
+              <a:t>Khi</a:t>
+            </a:r>
+            <a:r>
+              <a:rPr lang="en-US" sz="1600" dirty="0" smtClean="0">
+                <a:solidFill>
+                  <a:schemeClr val="accent5">
+                    <a:lumMod val="75000"/>
+                  </a:schemeClr>
+                </a:solidFill>
+              </a:rPr>
+              <a:t> </a:t>
+            </a:r>
+            <a:r>
+              <a:rPr lang="en-US" sz="1600" dirty="0" err="1" smtClean="0">
+                <a:solidFill>
+                  <a:schemeClr val="accent5">
+                    <a:lumMod val="75000"/>
+                  </a:schemeClr>
+                </a:solidFill>
+              </a:rPr>
+              <a:t>đó</a:t>
+            </a:r>
+            <a:r>
+              <a:rPr lang="en-US" sz="1600" dirty="0" smtClean="0">
+                <a:solidFill>
+                  <a:schemeClr val="accent5">
+                    <a:lumMod val="75000"/>
+                  </a:schemeClr>
+                </a:solidFill>
+              </a:rPr>
+              <a:t> </a:t>
+            </a:r>
+            <a:r>
+              <a:rPr lang="en-US" sz="1600" dirty="0" err="1" smtClean="0">
+                <a:solidFill>
+                  <a:schemeClr val="accent5">
+                    <a:lumMod val="75000"/>
+                  </a:schemeClr>
+                </a:solidFill>
+              </a:rPr>
+              <a:t>bạn</a:t>
+            </a:r>
+            <a:r>
+              <a:rPr lang="en-US" sz="1600" dirty="0" smtClean="0">
+                <a:solidFill>
+                  <a:schemeClr val="accent5">
+                    <a:lumMod val="75000"/>
+                  </a:schemeClr>
+                </a:solidFill>
+              </a:rPr>
+              <a:t> </a:t>
+            </a:r>
+            <a:r>
+              <a:rPr lang="en-US" sz="1600" dirty="0" err="1" smtClean="0">
+                <a:solidFill>
+                  <a:schemeClr val="accent5">
+                    <a:lumMod val="75000"/>
+                  </a:schemeClr>
+                </a:solidFill>
+              </a:rPr>
+              <a:t>có</a:t>
+            </a:r>
+            <a:r>
+              <a:rPr lang="en-US" sz="1600" dirty="0" smtClean="0">
+                <a:solidFill>
+                  <a:schemeClr val="accent5">
+                    <a:lumMod val="75000"/>
+                  </a:schemeClr>
+                </a:solidFill>
+              </a:rPr>
+              <a:t> </a:t>
+            </a:r>
+            <a:r>
+              <a:rPr lang="en-US" sz="1600" dirty="0" err="1" smtClean="0">
+                <a:solidFill>
+                  <a:schemeClr val="accent5">
+                    <a:lumMod val="75000"/>
+                  </a:schemeClr>
+                </a:solidFill>
+              </a:rPr>
+              <a:t>thể</a:t>
+            </a:r>
+            <a:r>
+              <a:rPr lang="en-US" sz="1600" dirty="0" smtClean="0">
+                <a:solidFill>
+                  <a:schemeClr val="accent5">
+                    <a:lumMod val="75000"/>
+                  </a:schemeClr>
+                </a:solidFill>
+              </a:rPr>
+              <a:t> </a:t>
+            </a:r>
+            <a:r>
+              <a:rPr lang="en-US" sz="1600" dirty="0" err="1" smtClean="0">
+                <a:solidFill>
+                  <a:schemeClr val="accent5">
+                    <a:lumMod val="75000"/>
+                  </a:schemeClr>
+                </a:solidFill>
+              </a:rPr>
+              <a:t>dùng</a:t>
+            </a:r>
+            <a:r>
+              <a:rPr lang="en-US" sz="1600" dirty="0" smtClean="0">
+                <a:solidFill>
+                  <a:schemeClr val="accent5">
+                    <a:lumMod val="75000"/>
+                  </a:schemeClr>
+                </a:solidFill>
+              </a:rPr>
+              <a:t> </a:t>
+            </a:r>
+            <a:r>
+              <a:rPr lang="en-US" sz="1600" dirty="0" err="1" smtClean="0">
+                <a:solidFill>
+                  <a:schemeClr val="accent5">
+                    <a:lumMod val="75000"/>
+                  </a:schemeClr>
+                </a:solidFill>
+              </a:rPr>
+              <a:t>câu</a:t>
+            </a:r>
+            <a:r>
+              <a:rPr lang="en-US" sz="1600" dirty="0" smtClean="0">
+                <a:solidFill>
+                  <a:schemeClr val="accent5">
+                    <a:lumMod val="75000"/>
+                  </a:schemeClr>
+                </a:solidFill>
+              </a:rPr>
+              <a:t> </a:t>
+            </a:r>
+            <a:r>
+              <a:rPr lang="en-US" sz="1600" dirty="0" err="1" smtClean="0">
+                <a:solidFill>
+                  <a:schemeClr val="accent5">
+                    <a:lumMod val="75000"/>
+                  </a:schemeClr>
+                </a:solidFill>
+              </a:rPr>
+              <a:t>lệnh</a:t>
+            </a:r>
+            <a:r>
+              <a:rPr lang="en-US" sz="1600" dirty="0" smtClean="0">
+                <a:solidFill>
+                  <a:schemeClr val="accent5">
+                    <a:lumMod val="75000"/>
+                  </a:schemeClr>
+                </a:solidFill>
+              </a:rPr>
+              <a:t> SELECT </a:t>
+            </a:r>
+            <a:r>
+              <a:rPr lang="en-US" sz="1600" dirty="0" err="1" smtClean="0">
+                <a:solidFill>
+                  <a:schemeClr val="accent5">
+                    <a:lumMod val="75000"/>
+                  </a:schemeClr>
+                </a:solidFill>
+              </a:rPr>
+              <a:t>để</a:t>
+            </a:r>
+            <a:r>
+              <a:rPr lang="en-US" sz="1600" dirty="0" smtClean="0">
+                <a:solidFill>
+                  <a:schemeClr val="accent5">
+                    <a:lumMod val="75000"/>
+                  </a:schemeClr>
+                </a:solidFill>
+              </a:rPr>
+              <a:t> </a:t>
+            </a:r>
+            <a:r>
+              <a:rPr lang="en-US" sz="1600" dirty="0" err="1" smtClean="0">
+                <a:solidFill>
+                  <a:schemeClr val="accent5">
+                    <a:lumMod val="75000"/>
+                  </a:schemeClr>
+                </a:solidFill>
+              </a:rPr>
+              <a:t>truy</a:t>
+            </a:r>
+            <a:r>
+              <a:rPr lang="en-US" sz="1600" dirty="0" smtClean="0">
+                <a:solidFill>
+                  <a:schemeClr val="accent5">
+                    <a:lumMod val="75000"/>
+                  </a:schemeClr>
+                </a:solidFill>
+              </a:rPr>
+              <a:t> </a:t>
+            </a:r>
+            <a:r>
+              <a:rPr lang="en-US" sz="1600" dirty="0" err="1" smtClean="0">
+                <a:solidFill>
+                  <a:schemeClr val="accent5">
+                    <a:lumMod val="75000"/>
+                  </a:schemeClr>
+                </a:solidFill>
+              </a:rPr>
+              <a:t>cập</a:t>
+            </a:r>
+            <a:r>
+              <a:rPr lang="en-US" sz="1600" dirty="0" smtClean="0">
+                <a:solidFill>
+                  <a:schemeClr val="accent5">
+                    <a:lumMod val="75000"/>
+                  </a:schemeClr>
+                </a:solidFill>
+              </a:rPr>
+              <a:t> </a:t>
+            </a:r>
+            <a:r>
+              <a:rPr lang="en-US" sz="1600" dirty="0" err="1" smtClean="0">
+                <a:solidFill>
+                  <a:schemeClr val="accent5">
+                    <a:lumMod val="75000"/>
+                  </a:schemeClr>
+                </a:solidFill>
+              </a:rPr>
+              <a:t>vào</a:t>
+            </a:r>
+            <a:r>
+              <a:rPr lang="en-US" sz="1600" dirty="0" smtClean="0">
+                <a:solidFill>
+                  <a:schemeClr val="accent5">
+                    <a:lumMod val="75000"/>
+                  </a:schemeClr>
+                </a:solidFill>
+              </a:rPr>
+              <a:t> View</a:t>
+            </a:r>
+            <a:endParaRPr lang="en-US" sz="1600" dirty="0" smtClean="0">
+              <a:solidFill>
+                <a:schemeClr val="accent5">
+                  <a:lumMod val="75000"/>
+                </a:schemeClr>
+              </a:solidFill>
+            </a:endParaRPr>
+          </a:p>
+        </p:txBody>
+      </p:sp>
+      <p:sp>
+        <p:nvSpPr>
+          <p:cNvPr id="11" name="4-Point Star 10"/>
+          <p:cNvSpPr/>
+          <p:nvPr/>
+        </p:nvSpPr>
+        <p:spPr>
+          <a:xfrm>
+            <a:off x="905344" y="3472986"/>
+            <a:ext cx="289711" cy="289711"/>
+          </a:xfrm>
+          <a:prstGeom prst="star4">
+            <a:avLst/>
+          </a:prstGeom>
+          <a:solidFill>
+            <a:schemeClr val="accent2"/>
+          </a:solidFill>
+          <a:ln>
+            <a:noFill/>
+          </a:ln>
+        </p:spPr>
+        <p:style>
+          <a:lnRef idx="2">
+            <a:schemeClr val="accent1">
+              <a:shade val="50000"/>
+            </a:schemeClr>
+          </a:lnRef>
+          <a:fillRef idx="1">
+            <a:schemeClr val="accent1"/>
+          </a:fillRef>
+          <a:effectRef idx="0">
+            <a:schemeClr val="accent1"/>
+          </a:effectRef>
+          <a:fontRef idx="minor">
+            <a:schemeClr val="lt1"/>
+          </a:fontRef>
+        </p:style>
+        <p:txBody>
+          <a:bodyPr rtlCol="0" anchor="ctr"/>
+          <a:lstStyle/>
+          <a:p>
+            <a:pPr algn="ctr"/>
+            <a:endParaRPr lang="en-US"/>
+          </a:p>
+        </p:txBody>
+      </p:sp>
+      <p:sp>
+        <p:nvSpPr>
+          <p:cNvPr id="12" name="TextBox 11"/>
+          <p:cNvSpPr txBox="1"/>
+          <p:nvPr/>
+        </p:nvSpPr>
+        <p:spPr>
+          <a:xfrm>
+            <a:off x="1131681" y="3440995"/>
+            <a:ext cx="3775297" cy="338554"/>
+          </a:xfrm>
+          <a:prstGeom prst="rect">
+            <a:avLst/>
+          </a:prstGeom>
+          <a:noFill/>
+        </p:spPr>
+        <p:txBody>
+          <a:bodyPr wrap="square" rtlCol="0">
+            <a:spAutoFit/>
+          </a:bodyPr>
+          <a:lstStyle/>
+          <a:p>
+            <a:r>
+              <a:rPr lang="en-US" sz="1600" b="1" dirty="0" err="1" smtClean="0">
+                <a:solidFill>
+                  <a:schemeClr val="accent5">
+                    <a:lumMod val="75000"/>
+                  </a:schemeClr>
+                </a:solidFill>
+              </a:rPr>
+              <a:t>Xóa</a:t>
+            </a:r>
+            <a:r>
+              <a:rPr lang="en-US" sz="1600" b="1" dirty="0" smtClean="0">
+                <a:solidFill>
+                  <a:schemeClr val="accent5">
+                    <a:lumMod val="75000"/>
+                  </a:schemeClr>
+                </a:solidFill>
+              </a:rPr>
+              <a:t>  View</a:t>
+            </a:r>
+            <a:endParaRPr lang="en-US" sz="1600" b="1" dirty="0">
+              <a:solidFill>
+                <a:schemeClr val="accent5">
+                  <a:lumMod val="75000"/>
+                </a:schemeClr>
+              </a:solidFill>
+            </a:endParaRPr>
+          </a:p>
+        </p:txBody>
+      </p:sp>
+      <p:sp>
+        <p:nvSpPr>
+          <p:cNvPr id="15" name="TextBox 14"/>
+          <p:cNvSpPr txBox="1"/>
+          <p:nvPr/>
+        </p:nvSpPr>
+        <p:spPr>
+          <a:xfrm>
+            <a:off x="1118102" y="5506405"/>
+            <a:ext cx="6921375" cy="584775"/>
+          </a:xfrm>
+          <a:prstGeom prst="rect">
+            <a:avLst/>
+          </a:prstGeom>
+          <a:noFill/>
+        </p:spPr>
+        <p:txBody>
+          <a:bodyPr wrap="square" rtlCol="0">
+            <a:spAutoFit/>
+          </a:bodyPr>
+          <a:lstStyle/>
+          <a:p>
+            <a:r>
+              <a:rPr lang="en-US" sz="1600" dirty="0" err="1" smtClean="0">
+                <a:solidFill>
+                  <a:schemeClr val="accent5">
+                    <a:lumMod val="75000"/>
+                  </a:schemeClr>
+                </a:solidFill>
+              </a:rPr>
+              <a:t>Ngoài</a:t>
+            </a:r>
+            <a:r>
+              <a:rPr lang="en-US" sz="1600" dirty="0" smtClean="0">
+                <a:solidFill>
+                  <a:schemeClr val="accent5">
+                    <a:lumMod val="75000"/>
+                  </a:schemeClr>
+                </a:solidFill>
+              </a:rPr>
+              <a:t> </a:t>
+            </a:r>
+            <a:r>
+              <a:rPr lang="en-US" sz="1600" dirty="0" err="1" smtClean="0">
+                <a:solidFill>
+                  <a:schemeClr val="accent5">
+                    <a:lumMod val="75000"/>
+                  </a:schemeClr>
+                </a:solidFill>
+              </a:rPr>
+              <a:t>những</a:t>
+            </a:r>
+            <a:r>
+              <a:rPr lang="en-US" sz="1600" dirty="0" smtClean="0">
+                <a:solidFill>
+                  <a:schemeClr val="accent5">
+                    <a:lumMod val="75000"/>
+                  </a:schemeClr>
+                </a:solidFill>
+              </a:rPr>
+              <a:t> </a:t>
+            </a:r>
+            <a:r>
+              <a:rPr lang="en-US" sz="1600" dirty="0" err="1" smtClean="0">
+                <a:solidFill>
+                  <a:schemeClr val="accent5">
+                    <a:lumMod val="75000"/>
+                  </a:schemeClr>
+                </a:solidFill>
+              </a:rPr>
+              <a:t>thao</a:t>
+            </a:r>
+            <a:r>
+              <a:rPr lang="en-US" sz="1600" dirty="0" smtClean="0">
+                <a:solidFill>
+                  <a:schemeClr val="accent5">
+                    <a:lumMod val="75000"/>
+                  </a:schemeClr>
+                </a:solidFill>
+              </a:rPr>
+              <a:t> </a:t>
+            </a:r>
+            <a:r>
+              <a:rPr lang="en-US" sz="1600" dirty="0" err="1" smtClean="0">
+                <a:solidFill>
+                  <a:schemeClr val="accent5">
+                    <a:lumMod val="75000"/>
+                  </a:schemeClr>
+                </a:solidFill>
+              </a:rPr>
+              <a:t>tác</a:t>
+            </a:r>
+            <a:r>
+              <a:rPr lang="en-US" sz="1600" dirty="0" smtClean="0">
+                <a:solidFill>
+                  <a:schemeClr val="accent5">
+                    <a:lumMod val="75000"/>
+                  </a:schemeClr>
+                </a:solidFill>
+              </a:rPr>
+              <a:t> </a:t>
+            </a:r>
+            <a:r>
+              <a:rPr lang="en-US" sz="1600" dirty="0" err="1" smtClean="0">
+                <a:solidFill>
+                  <a:schemeClr val="accent5">
+                    <a:lumMod val="75000"/>
+                  </a:schemeClr>
+                </a:solidFill>
+              </a:rPr>
+              <a:t>bằng</a:t>
+            </a:r>
+            <a:r>
+              <a:rPr lang="en-US" sz="1600" dirty="0" smtClean="0">
+                <a:solidFill>
+                  <a:schemeClr val="accent5">
+                    <a:lumMod val="75000"/>
+                  </a:schemeClr>
+                </a:solidFill>
+              </a:rPr>
+              <a:t> </a:t>
+            </a:r>
+            <a:r>
+              <a:rPr lang="en-US" sz="1600" dirty="0" err="1" smtClean="0">
+                <a:solidFill>
+                  <a:schemeClr val="accent5">
+                    <a:lumMod val="75000"/>
+                  </a:schemeClr>
+                </a:solidFill>
+              </a:rPr>
+              <a:t>dòng</a:t>
+            </a:r>
+            <a:r>
+              <a:rPr lang="en-US" sz="1600" dirty="0" smtClean="0">
+                <a:solidFill>
+                  <a:schemeClr val="accent5">
+                    <a:lumMod val="75000"/>
+                  </a:schemeClr>
+                </a:solidFill>
+              </a:rPr>
+              <a:t> </a:t>
+            </a:r>
+            <a:r>
+              <a:rPr lang="en-US" sz="1600" dirty="0" err="1" smtClean="0">
+                <a:solidFill>
+                  <a:schemeClr val="accent5">
+                    <a:lumMod val="75000"/>
+                  </a:schemeClr>
+                </a:solidFill>
+              </a:rPr>
+              <a:t>lệnh</a:t>
+            </a:r>
+            <a:r>
+              <a:rPr lang="en-US" sz="1600" dirty="0" smtClean="0">
+                <a:solidFill>
+                  <a:schemeClr val="accent5">
+                    <a:lumMod val="75000"/>
+                  </a:schemeClr>
+                </a:solidFill>
+              </a:rPr>
+              <a:t>, </a:t>
+            </a:r>
+            <a:r>
+              <a:rPr lang="en-US" sz="1600" dirty="0" err="1" smtClean="0">
+                <a:solidFill>
+                  <a:schemeClr val="accent5">
+                    <a:lumMod val="75000"/>
+                  </a:schemeClr>
+                </a:solidFill>
+              </a:rPr>
+              <a:t>bạn</a:t>
+            </a:r>
+            <a:r>
+              <a:rPr lang="en-US" sz="1600" dirty="0" smtClean="0">
+                <a:solidFill>
+                  <a:schemeClr val="accent5">
+                    <a:lumMod val="75000"/>
+                  </a:schemeClr>
+                </a:solidFill>
+              </a:rPr>
+              <a:t> </a:t>
+            </a:r>
+            <a:r>
+              <a:rPr lang="en-US" sz="1600" dirty="0" err="1" smtClean="0">
+                <a:solidFill>
+                  <a:schemeClr val="accent5">
+                    <a:lumMod val="75000"/>
+                  </a:schemeClr>
+                </a:solidFill>
+              </a:rPr>
+              <a:t>hoàn</a:t>
+            </a:r>
+            <a:r>
+              <a:rPr lang="en-US" sz="1600" dirty="0" smtClean="0">
+                <a:solidFill>
+                  <a:schemeClr val="accent5">
+                    <a:lumMod val="75000"/>
+                  </a:schemeClr>
+                </a:solidFill>
+              </a:rPr>
+              <a:t> </a:t>
+            </a:r>
+            <a:r>
+              <a:rPr lang="en-US" sz="1600" dirty="0" err="1" smtClean="0">
+                <a:solidFill>
+                  <a:schemeClr val="accent5">
+                    <a:lumMod val="75000"/>
+                  </a:schemeClr>
+                </a:solidFill>
+              </a:rPr>
+              <a:t>toàn</a:t>
+            </a:r>
+            <a:r>
+              <a:rPr lang="en-US" sz="1600" dirty="0" smtClean="0">
+                <a:solidFill>
+                  <a:schemeClr val="accent5">
+                    <a:lumMod val="75000"/>
+                  </a:schemeClr>
+                </a:solidFill>
+              </a:rPr>
+              <a:t> </a:t>
+            </a:r>
+            <a:r>
+              <a:rPr lang="en-US" sz="1600" dirty="0" err="1" smtClean="0">
+                <a:solidFill>
+                  <a:schemeClr val="accent5">
+                    <a:lumMod val="75000"/>
+                  </a:schemeClr>
+                </a:solidFill>
+              </a:rPr>
+              <a:t>có</a:t>
+            </a:r>
+            <a:r>
+              <a:rPr lang="en-US" sz="1600" dirty="0" smtClean="0">
+                <a:solidFill>
+                  <a:schemeClr val="accent5">
+                    <a:lumMod val="75000"/>
+                  </a:schemeClr>
+                </a:solidFill>
+              </a:rPr>
+              <a:t> </a:t>
+            </a:r>
+            <a:r>
+              <a:rPr lang="en-US" sz="1600" dirty="0" err="1" smtClean="0">
+                <a:solidFill>
+                  <a:schemeClr val="accent5">
+                    <a:lumMod val="75000"/>
+                  </a:schemeClr>
+                </a:solidFill>
+              </a:rPr>
+              <a:t>thể</a:t>
+            </a:r>
+            <a:r>
+              <a:rPr lang="en-US" sz="1600" dirty="0" smtClean="0">
+                <a:solidFill>
+                  <a:schemeClr val="accent5">
+                    <a:lumMod val="75000"/>
+                  </a:schemeClr>
+                </a:solidFill>
+              </a:rPr>
+              <a:t> </a:t>
+            </a:r>
+            <a:r>
+              <a:rPr lang="en-US" sz="1600" dirty="0" err="1" smtClean="0">
+                <a:solidFill>
+                  <a:schemeClr val="accent5">
+                    <a:lumMod val="75000"/>
+                  </a:schemeClr>
+                </a:solidFill>
+              </a:rPr>
+              <a:t>thao</a:t>
+            </a:r>
+            <a:r>
+              <a:rPr lang="en-US" sz="1600" dirty="0" smtClean="0">
+                <a:solidFill>
+                  <a:schemeClr val="accent5">
+                    <a:lumMod val="75000"/>
+                  </a:schemeClr>
+                </a:solidFill>
+              </a:rPr>
+              <a:t> </a:t>
+            </a:r>
+            <a:r>
+              <a:rPr lang="en-US" sz="1600" dirty="0" err="1" smtClean="0">
+                <a:solidFill>
+                  <a:schemeClr val="accent5">
+                    <a:lumMod val="75000"/>
+                  </a:schemeClr>
+                </a:solidFill>
+              </a:rPr>
+              <a:t>tác</a:t>
+            </a:r>
+            <a:r>
+              <a:rPr lang="en-US" sz="1600" dirty="0" smtClean="0">
+                <a:solidFill>
+                  <a:schemeClr val="accent5">
+                    <a:lumMod val="75000"/>
+                  </a:schemeClr>
+                </a:solidFill>
+              </a:rPr>
+              <a:t> </a:t>
+            </a:r>
+            <a:r>
+              <a:rPr lang="en-US" sz="1600" dirty="0" err="1" smtClean="0">
+                <a:solidFill>
+                  <a:schemeClr val="accent5">
+                    <a:lumMod val="75000"/>
+                  </a:schemeClr>
+                </a:solidFill>
+              </a:rPr>
+              <a:t>với</a:t>
+            </a:r>
+            <a:r>
+              <a:rPr lang="en-US" sz="1600" dirty="0" smtClean="0">
+                <a:solidFill>
+                  <a:schemeClr val="accent5">
+                    <a:lumMod val="75000"/>
+                  </a:schemeClr>
+                </a:solidFill>
+              </a:rPr>
+              <a:t> </a:t>
+            </a:r>
+            <a:r>
+              <a:rPr lang="en-US" sz="1600" dirty="0" err="1" smtClean="0">
+                <a:solidFill>
+                  <a:schemeClr val="accent5">
+                    <a:lumMod val="75000"/>
+                  </a:schemeClr>
+                </a:solidFill>
+              </a:rPr>
+              <a:t>giao</a:t>
+            </a:r>
+            <a:r>
+              <a:rPr lang="en-US" sz="1600" dirty="0" smtClean="0">
+                <a:solidFill>
+                  <a:schemeClr val="accent5">
+                    <a:lumMod val="75000"/>
+                  </a:schemeClr>
+                </a:solidFill>
+              </a:rPr>
+              <a:t> </a:t>
+            </a:r>
+            <a:r>
+              <a:rPr lang="en-US" sz="1600" dirty="0" err="1" smtClean="0">
+                <a:solidFill>
+                  <a:schemeClr val="accent5">
+                    <a:lumMod val="75000"/>
+                  </a:schemeClr>
+                </a:solidFill>
+              </a:rPr>
+              <a:t>diện</a:t>
+            </a:r>
+            <a:r>
+              <a:rPr lang="en-US" sz="1600" dirty="0" smtClean="0">
+                <a:solidFill>
+                  <a:schemeClr val="accent5">
+                    <a:lumMod val="75000"/>
+                  </a:schemeClr>
+                </a:solidFill>
+              </a:rPr>
+              <a:t> </a:t>
+            </a:r>
+            <a:r>
+              <a:rPr lang="en-US" sz="1600" dirty="0" err="1" smtClean="0">
+                <a:solidFill>
+                  <a:schemeClr val="accent5">
+                    <a:lumMod val="75000"/>
+                  </a:schemeClr>
+                </a:solidFill>
+              </a:rPr>
+              <a:t>đồ</a:t>
+            </a:r>
+            <a:r>
+              <a:rPr lang="en-US" sz="1600" dirty="0" smtClean="0">
+                <a:solidFill>
+                  <a:schemeClr val="accent5">
+                    <a:lumMod val="75000"/>
+                  </a:schemeClr>
+                </a:solidFill>
+              </a:rPr>
+              <a:t> </a:t>
+            </a:r>
+            <a:r>
+              <a:rPr lang="en-US" sz="1600" dirty="0" err="1" smtClean="0">
+                <a:solidFill>
+                  <a:schemeClr val="accent5">
+                    <a:lumMod val="75000"/>
+                  </a:schemeClr>
+                </a:solidFill>
+              </a:rPr>
+              <a:t>họa</a:t>
+            </a:r>
+            <a:r>
+              <a:rPr lang="en-US" sz="1600" dirty="0" smtClean="0">
+                <a:solidFill>
+                  <a:schemeClr val="accent5">
+                    <a:lumMod val="75000"/>
+                  </a:schemeClr>
+                </a:solidFill>
+              </a:rPr>
+              <a:t> </a:t>
+            </a:r>
+            <a:r>
+              <a:rPr lang="en-US" sz="1600" dirty="0" err="1" smtClean="0">
+                <a:solidFill>
+                  <a:schemeClr val="accent5">
+                    <a:lumMod val="75000"/>
+                  </a:schemeClr>
+                </a:solidFill>
+              </a:rPr>
+              <a:t>trong</a:t>
+            </a:r>
+            <a:r>
+              <a:rPr lang="en-US" sz="1600" dirty="0" smtClean="0">
+                <a:solidFill>
+                  <a:schemeClr val="accent5">
+                    <a:lumMod val="75000"/>
+                  </a:schemeClr>
+                </a:solidFill>
+              </a:rPr>
+              <a:t> </a:t>
+            </a:r>
+            <a:r>
+              <a:rPr lang="en-US" sz="1600" dirty="0" err="1" smtClean="0">
+                <a:solidFill>
+                  <a:schemeClr val="accent5">
+                    <a:lumMod val="75000"/>
+                  </a:schemeClr>
+                </a:solidFill>
+              </a:rPr>
+              <a:t>pgAdmin</a:t>
+            </a:r>
+            <a:r>
+              <a:rPr lang="en-US" sz="1600" dirty="0" smtClean="0">
+                <a:solidFill>
+                  <a:schemeClr val="accent5">
+                    <a:lumMod val="75000"/>
+                  </a:schemeClr>
+                </a:solidFill>
+              </a:rPr>
+              <a:t> 4.</a:t>
+            </a:r>
+            <a:endParaRPr lang="en-US" sz="1600" dirty="0" smtClean="0">
+              <a:solidFill>
+                <a:schemeClr val="accent5">
+                  <a:lumMod val="75000"/>
+                </a:schemeClr>
+              </a:solidFill>
+            </a:endParaRPr>
+          </a:p>
+        </p:txBody>
+      </p:sp>
+      <p:sp>
+        <p:nvSpPr>
+          <p:cNvPr id="16" name="TextBox 15"/>
+          <p:cNvSpPr txBox="1"/>
+          <p:nvPr/>
+        </p:nvSpPr>
+        <p:spPr>
+          <a:xfrm>
+            <a:off x="905345" y="1901392"/>
+            <a:ext cx="7577752" cy="338554"/>
+          </a:xfrm>
+          <a:prstGeom prst="rect">
+            <a:avLst/>
+          </a:prstGeom>
+          <a:noFill/>
+        </p:spPr>
+        <p:txBody>
+          <a:bodyPr wrap="square" rtlCol="0">
+            <a:spAutoFit/>
+          </a:bodyPr>
+          <a:lstStyle/>
+          <a:p>
+            <a:r>
+              <a:rPr lang="en-US" sz="1600" dirty="0" err="1" smtClean="0">
+                <a:solidFill>
+                  <a:schemeClr val="accent5">
+                    <a:lumMod val="75000"/>
+                  </a:schemeClr>
+                </a:solidFill>
+              </a:rPr>
+              <a:t>Bạn</a:t>
+            </a:r>
+            <a:r>
+              <a:rPr lang="en-US" sz="1600" dirty="0" smtClean="0">
+                <a:solidFill>
+                  <a:schemeClr val="accent5">
+                    <a:lumMod val="75000"/>
+                  </a:schemeClr>
+                </a:solidFill>
+              </a:rPr>
+              <a:t> </a:t>
+            </a:r>
+            <a:r>
+              <a:rPr lang="en-US" sz="1600" dirty="0" err="1" smtClean="0">
+                <a:solidFill>
+                  <a:schemeClr val="accent5">
+                    <a:lumMod val="75000"/>
+                  </a:schemeClr>
+                </a:solidFill>
+              </a:rPr>
+              <a:t>có</a:t>
+            </a:r>
+            <a:r>
+              <a:rPr lang="en-US" sz="1600" dirty="0" smtClean="0">
+                <a:solidFill>
+                  <a:schemeClr val="accent5">
+                    <a:lumMod val="75000"/>
+                  </a:schemeClr>
+                </a:solidFill>
+              </a:rPr>
+              <a:t> </a:t>
+            </a:r>
+            <a:r>
+              <a:rPr lang="en-US" sz="1600" dirty="0" err="1" smtClean="0">
+                <a:solidFill>
+                  <a:schemeClr val="accent5">
+                    <a:lumMod val="75000"/>
+                  </a:schemeClr>
+                </a:solidFill>
+              </a:rPr>
+              <a:t>thể</a:t>
+            </a:r>
+            <a:r>
+              <a:rPr lang="en-US" sz="1600" dirty="0" smtClean="0">
+                <a:solidFill>
+                  <a:schemeClr val="accent5">
+                    <a:lumMod val="75000"/>
+                  </a:schemeClr>
+                </a:solidFill>
+              </a:rPr>
+              <a:t> </a:t>
+            </a:r>
+            <a:r>
+              <a:rPr lang="en-US" sz="1600" dirty="0" err="1" smtClean="0">
+                <a:solidFill>
+                  <a:schemeClr val="accent5">
+                    <a:lumMod val="75000"/>
+                  </a:schemeClr>
+                </a:solidFill>
+              </a:rPr>
+              <a:t>lồng</a:t>
+            </a:r>
+            <a:r>
+              <a:rPr lang="en-US" sz="1600" dirty="0" smtClean="0">
+                <a:solidFill>
+                  <a:schemeClr val="accent5">
+                    <a:lumMod val="75000"/>
+                  </a:schemeClr>
+                </a:solidFill>
+              </a:rPr>
+              <a:t> </a:t>
+            </a:r>
+            <a:r>
+              <a:rPr lang="en-US" sz="1600" dirty="0" err="1" smtClean="0">
+                <a:solidFill>
+                  <a:schemeClr val="accent5">
+                    <a:lumMod val="75000"/>
+                  </a:schemeClr>
+                </a:solidFill>
+              </a:rPr>
+              <a:t>các</a:t>
+            </a:r>
+            <a:r>
+              <a:rPr lang="en-US" sz="1600" dirty="0" smtClean="0">
+                <a:solidFill>
+                  <a:schemeClr val="accent5">
+                    <a:lumMod val="75000"/>
+                  </a:schemeClr>
+                </a:solidFill>
+              </a:rPr>
+              <a:t> View </a:t>
+            </a:r>
+            <a:r>
+              <a:rPr lang="en-US" sz="1600" dirty="0" err="1" smtClean="0">
+                <a:solidFill>
+                  <a:schemeClr val="accent5">
+                    <a:lumMod val="75000"/>
+                  </a:schemeClr>
+                </a:solidFill>
+              </a:rPr>
+              <a:t>vào</a:t>
+            </a:r>
+            <a:r>
+              <a:rPr lang="en-US" sz="1600" dirty="0" smtClean="0">
+                <a:solidFill>
+                  <a:schemeClr val="accent5">
+                    <a:lumMod val="75000"/>
+                  </a:schemeClr>
+                </a:solidFill>
+              </a:rPr>
+              <a:t> </a:t>
+            </a:r>
+            <a:r>
+              <a:rPr lang="en-US" sz="1600" dirty="0" err="1" smtClean="0">
+                <a:solidFill>
+                  <a:schemeClr val="accent5">
+                    <a:lumMod val="75000"/>
+                  </a:schemeClr>
+                </a:solidFill>
+              </a:rPr>
+              <a:t>nhau</a:t>
+            </a:r>
+            <a:r>
+              <a:rPr lang="en-US" sz="1600" dirty="0" smtClean="0">
+                <a:solidFill>
+                  <a:schemeClr val="accent5">
+                    <a:lumMod val="75000"/>
+                  </a:schemeClr>
+                </a:solidFill>
+              </a:rPr>
+              <a:t>. View </a:t>
+            </a:r>
+            <a:r>
+              <a:rPr lang="en-US" sz="1600" dirty="0" err="1" smtClean="0">
+                <a:solidFill>
+                  <a:schemeClr val="accent5">
+                    <a:lumMod val="75000"/>
+                  </a:schemeClr>
+                </a:solidFill>
+              </a:rPr>
+              <a:t>nằm</a:t>
+            </a:r>
+            <a:r>
+              <a:rPr lang="en-US" sz="1600" dirty="0" smtClean="0">
+                <a:solidFill>
+                  <a:schemeClr val="accent5">
+                    <a:lumMod val="75000"/>
+                  </a:schemeClr>
+                </a:solidFill>
+              </a:rPr>
+              <a:t> </a:t>
+            </a:r>
+            <a:r>
+              <a:rPr lang="en-US" sz="1600" dirty="0" err="1" smtClean="0">
+                <a:solidFill>
+                  <a:schemeClr val="accent5">
+                    <a:lumMod val="75000"/>
+                  </a:schemeClr>
+                </a:solidFill>
+              </a:rPr>
+              <a:t>trong</a:t>
+            </a:r>
+            <a:r>
+              <a:rPr lang="en-US" sz="1600" dirty="0" smtClean="0">
+                <a:solidFill>
+                  <a:schemeClr val="accent5">
+                    <a:lumMod val="75000"/>
+                  </a:schemeClr>
+                </a:solidFill>
+              </a:rPr>
+              <a:t> view.</a:t>
+            </a:r>
+            <a:endParaRPr lang="en-US" sz="1600" dirty="0" smtClean="0">
+              <a:solidFill>
+                <a:schemeClr val="accent5">
+                  <a:lumMod val="75000"/>
+                </a:schemeClr>
+              </a:solidFill>
+            </a:endParaRPr>
+          </a:p>
+        </p:txBody>
+      </p:sp>
+      <p:pic>
+        <p:nvPicPr>
+          <p:cNvPr id="17" name="Picture 16"/>
+          <p:cNvPicPr>
+            <a:picLocks noChangeAspect="1"/>
+          </p:cNvPicPr>
+          <p:nvPr/>
+        </p:nvPicPr>
+        <p:blipFill>
+          <a:blip r:embed="rId4"/>
+          <a:stretch>
+            <a:fillRect/>
+          </a:stretch>
+        </p:blipFill>
+        <p:spPr>
+          <a:xfrm>
+            <a:off x="1149787" y="3882473"/>
+            <a:ext cx="3648075" cy="600075"/>
+          </a:xfrm>
+          <a:prstGeom prst="rect">
+            <a:avLst/>
+          </a:prstGeom>
+        </p:spPr>
+      </p:pic>
+      <p:sp>
+        <p:nvSpPr>
+          <p:cNvPr id="18" name="TextBox 17"/>
+          <p:cNvSpPr txBox="1"/>
+          <p:nvPr/>
+        </p:nvSpPr>
+        <p:spPr>
+          <a:xfrm>
+            <a:off x="905345" y="4592522"/>
+            <a:ext cx="7577752" cy="584775"/>
+          </a:xfrm>
+          <a:prstGeom prst="rect">
+            <a:avLst/>
+          </a:prstGeom>
+          <a:noFill/>
+        </p:spPr>
+        <p:txBody>
+          <a:bodyPr wrap="square" rtlCol="0">
+            <a:spAutoFit/>
+          </a:bodyPr>
+          <a:lstStyle/>
+          <a:p>
+            <a:r>
+              <a:rPr lang="en-US" sz="1600" dirty="0" err="1" smtClean="0">
+                <a:solidFill>
+                  <a:schemeClr val="accent5">
+                    <a:lumMod val="75000"/>
+                  </a:schemeClr>
+                </a:solidFill>
+              </a:rPr>
+              <a:t>Mặc</a:t>
+            </a:r>
+            <a:r>
+              <a:rPr lang="en-US" sz="1600" dirty="0" smtClean="0">
+                <a:solidFill>
+                  <a:schemeClr val="accent5">
+                    <a:lumMod val="75000"/>
+                  </a:schemeClr>
+                </a:solidFill>
+              </a:rPr>
+              <a:t> </a:t>
+            </a:r>
+            <a:r>
+              <a:rPr lang="en-US" sz="1600" dirty="0" err="1" smtClean="0">
+                <a:solidFill>
+                  <a:schemeClr val="accent5">
+                    <a:lumMod val="75000"/>
+                  </a:schemeClr>
+                </a:solidFill>
+              </a:rPr>
+              <a:t>định</a:t>
+            </a:r>
+            <a:r>
+              <a:rPr lang="en-US" sz="1600" dirty="0" smtClean="0">
+                <a:solidFill>
+                  <a:schemeClr val="accent5">
+                    <a:lumMod val="75000"/>
+                  </a:schemeClr>
+                </a:solidFill>
+              </a:rPr>
+              <a:t> </a:t>
+            </a:r>
+            <a:r>
+              <a:rPr lang="en-US" sz="1600" dirty="0" err="1" smtClean="0">
+                <a:solidFill>
+                  <a:schemeClr val="accent5">
+                    <a:lumMod val="75000"/>
+                  </a:schemeClr>
+                </a:solidFill>
+              </a:rPr>
+              <a:t>là</a:t>
+            </a:r>
+            <a:r>
+              <a:rPr lang="en-US" sz="1600" dirty="0" smtClean="0">
+                <a:solidFill>
+                  <a:schemeClr val="accent5">
+                    <a:lumMod val="75000"/>
+                  </a:schemeClr>
+                </a:solidFill>
+              </a:rPr>
+              <a:t> Restrict. </a:t>
+            </a:r>
+            <a:r>
+              <a:rPr lang="en-US" sz="1600" dirty="0" err="1" smtClean="0">
+                <a:solidFill>
+                  <a:schemeClr val="accent5">
+                    <a:lumMod val="75000"/>
+                  </a:schemeClr>
+                </a:solidFill>
+              </a:rPr>
+              <a:t>Nếu</a:t>
+            </a:r>
+            <a:r>
+              <a:rPr lang="en-US" sz="1600" dirty="0" smtClean="0">
+                <a:solidFill>
+                  <a:schemeClr val="accent5">
+                    <a:lumMod val="75000"/>
+                  </a:schemeClr>
+                </a:solidFill>
+              </a:rPr>
+              <a:t> </a:t>
+            </a:r>
+            <a:r>
+              <a:rPr lang="en-US" sz="1600" dirty="0" err="1" smtClean="0">
+                <a:solidFill>
+                  <a:schemeClr val="accent5">
+                    <a:lumMod val="75000"/>
+                  </a:schemeClr>
+                </a:solidFill>
+              </a:rPr>
+              <a:t>là</a:t>
+            </a:r>
+            <a:r>
+              <a:rPr lang="en-US" sz="1600" dirty="0" smtClean="0">
+                <a:solidFill>
+                  <a:schemeClr val="accent5">
+                    <a:lumMod val="75000"/>
+                  </a:schemeClr>
+                </a:solidFill>
+              </a:rPr>
+              <a:t> Cascade </a:t>
+            </a:r>
+            <a:r>
+              <a:rPr lang="en-US" sz="1600" dirty="0" err="1" smtClean="0">
+                <a:solidFill>
+                  <a:schemeClr val="accent5">
+                    <a:lumMod val="75000"/>
+                  </a:schemeClr>
+                </a:solidFill>
+              </a:rPr>
+              <a:t>thì</a:t>
+            </a:r>
+            <a:r>
+              <a:rPr lang="en-US" sz="1600" dirty="0" smtClean="0">
+                <a:solidFill>
+                  <a:schemeClr val="accent5">
+                    <a:lumMod val="75000"/>
+                  </a:schemeClr>
+                </a:solidFill>
+              </a:rPr>
+              <a:t> </a:t>
+            </a:r>
+            <a:r>
+              <a:rPr lang="en-US" sz="1600" dirty="0" err="1" smtClean="0">
+                <a:solidFill>
+                  <a:schemeClr val="accent5">
+                    <a:lumMod val="75000"/>
+                  </a:schemeClr>
+                </a:solidFill>
+              </a:rPr>
+              <a:t>nó</a:t>
+            </a:r>
+            <a:r>
+              <a:rPr lang="en-US" sz="1600" dirty="0" smtClean="0">
+                <a:solidFill>
+                  <a:schemeClr val="accent5">
+                    <a:lumMod val="75000"/>
+                  </a:schemeClr>
+                </a:solidFill>
+              </a:rPr>
+              <a:t> </a:t>
+            </a:r>
+            <a:r>
+              <a:rPr lang="en-US" sz="1600" dirty="0" err="1">
+                <a:solidFill>
+                  <a:schemeClr val="accent5">
+                    <a:lumMod val="75000"/>
+                  </a:schemeClr>
+                </a:solidFill>
+              </a:rPr>
+              <a:t>sẽ</a:t>
+            </a:r>
+            <a:r>
+              <a:rPr lang="en-US" sz="1600" dirty="0">
+                <a:solidFill>
+                  <a:schemeClr val="accent5">
+                    <a:lumMod val="75000"/>
+                  </a:schemeClr>
+                </a:solidFill>
+              </a:rPr>
+              <a:t> </a:t>
+            </a:r>
+            <a:r>
+              <a:rPr lang="en-US" sz="1600" dirty="0" err="1">
+                <a:solidFill>
+                  <a:schemeClr val="accent5">
+                    <a:lumMod val="75000"/>
+                  </a:schemeClr>
+                </a:solidFill>
+              </a:rPr>
+              <a:t>xóa</a:t>
+            </a:r>
+            <a:r>
+              <a:rPr lang="en-US" sz="1600" dirty="0">
+                <a:solidFill>
+                  <a:schemeClr val="accent5">
+                    <a:lumMod val="75000"/>
+                  </a:schemeClr>
+                </a:solidFill>
+              </a:rPr>
+              <a:t> </a:t>
+            </a:r>
+            <a:r>
+              <a:rPr lang="en-US" sz="1600" dirty="0" err="1">
+                <a:solidFill>
+                  <a:schemeClr val="accent5">
+                    <a:lumMod val="75000"/>
+                  </a:schemeClr>
+                </a:solidFill>
+              </a:rPr>
+              <a:t>tất</a:t>
+            </a:r>
+            <a:r>
+              <a:rPr lang="en-US" sz="1600" dirty="0">
+                <a:solidFill>
+                  <a:schemeClr val="accent5">
+                    <a:lumMod val="75000"/>
+                  </a:schemeClr>
+                </a:solidFill>
+              </a:rPr>
+              <a:t> </a:t>
+            </a:r>
+            <a:r>
+              <a:rPr lang="en-US" sz="1600" dirty="0" err="1">
+                <a:solidFill>
+                  <a:schemeClr val="accent5">
+                    <a:lumMod val="75000"/>
+                  </a:schemeClr>
+                </a:solidFill>
+              </a:rPr>
+              <a:t>cả</a:t>
+            </a:r>
+            <a:r>
+              <a:rPr lang="en-US" sz="1600" dirty="0">
+                <a:solidFill>
+                  <a:schemeClr val="accent5">
+                    <a:lumMod val="75000"/>
+                  </a:schemeClr>
+                </a:solidFill>
+              </a:rPr>
+              <a:t> </a:t>
+            </a:r>
+            <a:r>
+              <a:rPr lang="en-US" sz="1600" dirty="0" err="1">
+                <a:solidFill>
+                  <a:schemeClr val="accent5">
+                    <a:lumMod val="75000"/>
+                  </a:schemeClr>
+                </a:solidFill>
+              </a:rPr>
+              <a:t>các</a:t>
+            </a:r>
+            <a:r>
+              <a:rPr lang="en-US" sz="1600" dirty="0">
+                <a:solidFill>
+                  <a:schemeClr val="accent5">
+                    <a:lumMod val="75000"/>
+                  </a:schemeClr>
+                </a:solidFill>
+              </a:rPr>
+              <a:t> view </a:t>
+            </a:r>
+            <a:r>
+              <a:rPr lang="en-US" sz="1600" dirty="0" err="1">
+                <a:solidFill>
+                  <a:schemeClr val="accent5">
+                    <a:lumMod val="75000"/>
+                  </a:schemeClr>
+                </a:solidFill>
+              </a:rPr>
+              <a:t>phụ</a:t>
+            </a:r>
+            <a:r>
+              <a:rPr lang="en-US" sz="1600" dirty="0">
+                <a:solidFill>
+                  <a:schemeClr val="accent5">
+                    <a:lumMod val="75000"/>
+                  </a:schemeClr>
+                </a:solidFill>
+              </a:rPr>
+              <a:t> </a:t>
+            </a:r>
+            <a:r>
+              <a:rPr lang="en-US" sz="1600" dirty="0" err="1">
+                <a:solidFill>
+                  <a:schemeClr val="accent5">
+                    <a:lumMod val="75000"/>
+                  </a:schemeClr>
+                </a:solidFill>
+              </a:rPr>
+              <a:t>thuộc</a:t>
+            </a:r>
+            <a:r>
+              <a:rPr lang="en-US" sz="1600" dirty="0">
+                <a:solidFill>
+                  <a:schemeClr val="accent5">
+                    <a:lumMod val="75000"/>
+                  </a:schemeClr>
+                </a:solidFill>
+              </a:rPr>
+              <a:t> </a:t>
+            </a:r>
+            <a:r>
+              <a:rPr lang="en-US" sz="1600" dirty="0" err="1">
+                <a:solidFill>
+                  <a:schemeClr val="accent5">
+                    <a:lumMod val="75000"/>
+                  </a:schemeClr>
+                </a:solidFill>
+              </a:rPr>
+              <a:t>trực</a:t>
+            </a:r>
+            <a:r>
+              <a:rPr lang="en-US" sz="1600" dirty="0">
+                <a:solidFill>
+                  <a:schemeClr val="accent5">
+                    <a:lumMod val="75000"/>
+                  </a:schemeClr>
+                </a:solidFill>
+              </a:rPr>
+              <a:t> </a:t>
+            </a:r>
+            <a:r>
+              <a:rPr lang="en-US" sz="1600" dirty="0" err="1">
+                <a:solidFill>
+                  <a:schemeClr val="accent5">
+                    <a:lumMod val="75000"/>
+                  </a:schemeClr>
+                </a:solidFill>
+              </a:rPr>
+              <a:t>tiếp</a:t>
+            </a:r>
+            <a:r>
+              <a:rPr lang="en-US" sz="1600" dirty="0">
+                <a:solidFill>
+                  <a:schemeClr val="accent5">
+                    <a:lumMod val="75000"/>
+                  </a:schemeClr>
+                </a:solidFill>
+              </a:rPr>
+              <a:t> </a:t>
+            </a:r>
+            <a:r>
+              <a:rPr lang="en-US" sz="1600" dirty="0" err="1">
+                <a:solidFill>
+                  <a:schemeClr val="accent5">
+                    <a:lumMod val="75000"/>
+                  </a:schemeClr>
+                </a:solidFill>
+              </a:rPr>
+              <a:t>và</a:t>
+            </a:r>
+            <a:r>
+              <a:rPr lang="en-US" sz="1600" dirty="0">
+                <a:solidFill>
+                  <a:schemeClr val="accent5">
+                    <a:lumMod val="75000"/>
+                  </a:schemeClr>
+                </a:solidFill>
+              </a:rPr>
+              <a:t> </a:t>
+            </a:r>
+            <a:r>
+              <a:rPr lang="en-US" sz="1600" dirty="0" err="1">
+                <a:solidFill>
+                  <a:schemeClr val="accent5">
+                    <a:lumMod val="75000"/>
+                  </a:schemeClr>
+                </a:solidFill>
+              </a:rPr>
+              <a:t>gián</a:t>
+            </a:r>
+            <a:r>
+              <a:rPr lang="en-US" sz="1600" dirty="0">
+                <a:solidFill>
+                  <a:schemeClr val="accent5">
+                    <a:lumMod val="75000"/>
+                  </a:schemeClr>
+                </a:solidFill>
+              </a:rPr>
+              <a:t> </a:t>
+            </a:r>
+            <a:r>
+              <a:rPr lang="en-US" sz="1600" dirty="0" err="1">
+                <a:solidFill>
+                  <a:schemeClr val="accent5">
+                    <a:lumMod val="75000"/>
+                  </a:schemeClr>
+                </a:solidFill>
+              </a:rPr>
+              <a:t>tiếp</a:t>
+            </a:r>
+            <a:r>
+              <a:rPr lang="en-US" sz="1600" dirty="0">
+                <a:solidFill>
+                  <a:schemeClr val="accent5">
+                    <a:lumMod val="75000"/>
+                  </a:schemeClr>
+                </a:solidFill>
+              </a:rPr>
+              <a:t> </a:t>
+            </a:r>
+            <a:r>
+              <a:rPr lang="en-US" sz="1600" dirty="0" err="1">
+                <a:solidFill>
+                  <a:schemeClr val="accent5">
+                    <a:lumMod val="75000"/>
+                  </a:schemeClr>
+                </a:solidFill>
+              </a:rPr>
+              <a:t>vào</a:t>
+            </a:r>
+            <a:r>
+              <a:rPr lang="en-US" sz="1600" dirty="0">
+                <a:solidFill>
+                  <a:schemeClr val="accent5">
+                    <a:lumMod val="75000"/>
+                  </a:schemeClr>
+                </a:solidFill>
+              </a:rPr>
+              <a:t> view </a:t>
+            </a:r>
+            <a:r>
+              <a:rPr lang="en-US" sz="1600" dirty="0" err="1">
+                <a:solidFill>
+                  <a:schemeClr val="accent5">
+                    <a:lumMod val="75000"/>
+                  </a:schemeClr>
+                </a:solidFill>
+              </a:rPr>
+              <a:t>mà</a:t>
+            </a:r>
+            <a:r>
+              <a:rPr lang="en-US" sz="1600" dirty="0">
+                <a:solidFill>
+                  <a:schemeClr val="accent5">
+                    <a:lumMod val="75000"/>
+                  </a:schemeClr>
+                </a:solidFill>
+              </a:rPr>
+              <a:t> </a:t>
+            </a:r>
+            <a:r>
+              <a:rPr lang="en-US" sz="1600" dirty="0" err="1">
+                <a:solidFill>
+                  <a:schemeClr val="accent5">
+                    <a:lumMod val="75000"/>
+                  </a:schemeClr>
+                </a:solidFill>
+              </a:rPr>
+              <a:t>bạn</a:t>
+            </a:r>
+            <a:r>
+              <a:rPr lang="en-US" sz="1600" dirty="0">
+                <a:solidFill>
+                  <a:schemeClr val="accent5">
+                    <a:lumMod val="75000"/>
+                  </a:schemeClr>
+                </a:solidFill>
+              </a:rPr>
+              <a:t> </a:t>
+            </a:r>
+            <a:r>
+              <a:rPr lang="en-US" sz="1600" dirty="0" err="1">
+                <a:solidFill>
+                  <a:schemeClr val="accent5">
+                    <a:lumMod val="75000"/>
+                  </a:schemeClr>
+                </a:solidFill>
+              </a:rPr>
+              <a:t>đang</a:t>
+            </a:r>
+            <a:r>
+              <a:rPr lang="en-US" sz="1600" dirty="0">
+                <a:solidFill>
+                  <a:schemeClr val="accent5">
+                    <a:lumMod val="75000"/>
+                  </a:schemeClr>
+                </a:solidFill>
+              </a:rPr>
+              <a:t> </a:t>
+            </a:r>
+            <a:r>
+              <a:rPr lang="en-US" sz="1600" dirty="0" err="1" smtClean="0">
+                <a:solidFill>
+                  <a:schemeClr val="accent5">
+                    <a:lumMod val="75000"/>
+                  </a:schemeClr>
+                </a:solidFill>
+              </a:rPr>
+              <a:t>xóa</a:t>
+            </a:r>
+            <a:r>
+              <a:rPr lang="en-US" sz="1600" dirty="0" smtClean="0">
+                <a:solidFill>
+                  <a:schemeClr val="accent5">
+                    <a:lumMod val="75000"/>
+                  </a:schemeClr>
+                </a:solidFill>
+              </a:rPr>
+              <a:t> </a:t>
+            </a:r>
+            <a:r>
+              <a:rPr lang="en-US" sz="1600" dirty="0" err="1" smtClean="0">
+                <a:solidFill>
+                  <a:schemeClr val="accent5">
+                    <a:lumMod val="75000"/>
+                  </a:schemeClr>
+                </a:solidFill>
+              </a:rPr>
+              <a:t>khi</a:t>
+            </a:r>
+            <a:r>
+              <a:rPr lang="en-US" sz="1600" dirty="0" smtClean="0">
+                <a:solidFill>
+                  <a:schemeClr val="accent5">
+                    <a:lumMod val="75000"/>
+                  </a:schemeClr>
+                </a:solidFill>
+              </a:rPr>
+              <a:t> </a:t>
+            </a:r>
+            <a:r>
+              <a:rPr lang="en-US" sz="1600" dirty="0" err="1" smtClean="0">
+                <a:solidFill>
+                  <a:schemeClr val="accent5">
+                    <a:lumMod val="75000"/>
+                  </a:schemeClr>
+                </a:solidFill>
+              </a:rPr>
+              <a:t>bạn</a:t>
+            </a:r>
+            <a:r>
+              <a:rPr lang="en-US" sz="1600" dirty="0" smtClean="0">
+                <a:solidFill>
+                  <a:schemeClr val="accent5">
+                    <a:lumMod val="75000"/>
+                  </a:schemeClr>
+                </a:solidFill>
+              </a:rPr>
+              <a:t> </a:t>
+            </a:r>
+            <a:r>
+              <a:rPr lang="en-US" sz="1600" dirty="0" err="1" smtClean="0">
+                <a:solidFill>
+                  <a:schemeClr val="accent5">
+                    <a:lumMod val="75000"/>
+                  </a:schemeClr>
+                </a:solidFill>
+              </a:rPr>
+              <a:t>dùng</a:t>
+            </a:r>
+            <a:r>
+              <a:rPr lang="en-US" sz="1600" dirty="0" smtClean="0">
+                <a:solidFill>
+                  <a:schemeClr val="accent5">
+                    <a:lumMod val="75000"/>
+                  </a:schemeClr>
+                </a:solidFill>
+              </a:rPr>
+              <a:t> Nested View.</a:t>
+            </a:r>
+            <a:endParaRPr lang="en-US" sz="1600" dirty="0" smtClean="0">
+              <a:solidFill>
+                <a:schemeClr val="accent5">
+                  <a:lumMod val="75000"/>
+                </a:schemeClr>
+              </a:solidFill>
+            </a:endParaRPr>
+          </a:p>
+        </p:txBody>
+      </p:sp>
+    </p:spTree>
+    <p:extLst>
+      <p:ext uri="{BB962C8B-B14F-4D97-AF65-F5344CB8AC3E}">
+        <p14:creationId xmlns:p14="http://schemas.microsoft.com/office/powerpoint/2010/main" val="1680331139"/>
+      </p:ext>
+    </p:extLst>
+  </p:cSld>
+  <p:clrMapOvr>
+    <a:masterClrMapping/>
+  </p:clrMapOvr>
+  <p:timing>
+    <p:tnLst>
+      <p:par>
+        <p:cTn id="1" dur="indefinite" restart="never" nodeType="tmRoot"/>
+      </p:par>
+    </p:tnLst>
+  </p:timing>
+</p:sld>
+</file>
+
+<file path=ppt/slides/slide14.xml><?xml version="1.0" encoding="utf-8"?>
+<p:sld xmlns:a="http://schemas.openxmlformats.org/drawingml/2006/main" xmlns:r="http://schemas.openxmlformats.org/officeDocument/2006/relationships" xmlns:p="http://schemas.openxmlformats.org/presentationml/2006/main">
+  <p:cSld>
+    <p:spTree>
+      <p:nvGrpSpPr>
+        <p:cNvPr id="1" name=""/>
+        <p:cNvGrpSpPr/>
+        <p:nvPr/>
+      </p:nvGrpSpPr>
+      <p:grpSpPr>
+        <a:xfrm>
+          <a:off x="0" y="0"/>
+          <a:ext cx="0" cy="0"/>
+          <a:chOff x="0" y="0"/>
+          <a:chExt cx="0" cy="0"/>
+        </a:xfrm>
+      </p:grpSpPr>
+      <p:sp>
+        <p:nvSpPr>
+          <p:cNvPr id="13" name="Rounded Rectangle 12"/>
+          <p:cNvSpPr/>
+          <p:nvPr/>
+        </p:nvSpPr>
+        <p:spPr>
+          <a:xfrm>
+            <a:off x="905344" y="4287008"/>
+            <a:ext cx="7432898" cy="466043"/>
+          </a:xfrm>
+          <a:prstGeom prst="roundRect">
+            <a:avLst>
+              <a:gd name="adj" fmla="val 1724"/>
+            </a:avLst>
+          </a:prstGeom>
+          <a:solidFill>
+            <a:srgbClr val="1C1E26"/>
+          </a:solidFill>
+          <a:ln>
+            <a:noFill/>
+          </a:ln>
+        </p:spPr>
+        <p:style>
+          <a:lnRef idx="2">
+            <a:schemeClr val="accent1">
+              <a:shade val="50000"/>
+            </a:schemeClr>
+          </a:lnRef>
+          <a:fillRef idx="1">
+            <a:schemeClr val="accent1"/>
+          </a:fillRef>
+          <a:effectRef idx="0">
+            <a:schemeClr val="accent1"/>
+          </a:effectRef>
+          <a:fontRef idx="minor">
+            <a:schemeClr val="lt1"/>
+          </a:fontRef>
+        </p:style>
+        <p:txBody>
+          <a:bodyPr rtlCol="0" anchor="ctr"/>
+          <a:lstStyle/>
+          <a:p>
+            <a:pPr algn="ctr"/>
+            <a:endParaRPr lang="en-US"/>
+          </a:p>
+        </p:txBody>
+      </p:sp>
+      <p:sp>
+        <p:nvSpPr>
+          <p:cNvPr id="6" name="Rounded Rectangle 5"/>
+          <p:cNvSpPr/>
+          <p:nvPr/>
+        </p:nvSpPr>
+        <p:spPr>
+          <a:xfrm>
+            <a:off x="905344" y="1471399"/>
+            <a:ext cx="7432898" cy="1253694"/>
+          </a:xfrm>
+          <a:prstGeom prst="roundRect">
+            <a:avLst>
+              <a:gd name="adj" fmla="val 1724"/>
+            </a:avLst>
+          </a:prstGeom>
+          <a:solidFill>
+            <a:srgbClr val="1C1E26"/>
+          </a:solidFill>
+          <a:ln>
+            <a:noFill/>
+          </a:ln>
+        </p:spPr>
+        <p:style>
+          <a:lnRef idx="2">
+            <a:schemeClr val="accent1">
+              <a:shade val="50000"/>
+            </a:schemeClr>
+          </a:lnRef>
+          <a:fillRef idx="1">
+            <a:schemeClr val="accent1"/>
+          </a:fillRef>
+          <a:effectRef idx="0">
+            <a:schemeClr val="accent1"/>
+          </a:effectRef>
+          <a:fontRef idx="minor">
+            <a:schemeClr val="lt1"/>
+          </a:fontRef>
+        </p:style>
+        <p:txBody>
+          <a:bodyPr rtlCol="0" anchor="ctr"/>
+          <a:lstStyle/>
+          <a:p>
+            <a:pPr algn="ctr"/>
+            <a:endParaRPr lang="en-US"/>
+          </a:p>
+        </p:txBody>
+      </p:sp>
+      <p:sp>
+        <p:nvSpPr>
+          <p:cNvPr id="2" name="4-Point Star 1"/>
+          <p:cNvSpPr/>
+          <p:nvPr/>
+        </p:nvSpPr>
+        <p:spPr>
+          <a:xfrm>
+            <a:off x="905344" y="499227"/>
+            <a:ext cx="289711" cy="289711"/>
+          </a:xfrm>
+          <a:prstGeom prst="star4">
+            <a:avLst/>
+          </a:prstGeom>
+          <a:solidFill>
+            <a:schemeClr val="accent2"/>
+          </a:solidFill>
+          <a:ln>
+            <a:noFill/>
+          </a:ln>
+        </p:spPr>
+        <p:style>
+          <a:lnRef idx="2">
+            <a:schemeClr val="accent1">
+              <a:shade val="50000"/>
+            </a:schemeClr>
+          </a:lnRef>
+          <a:fillRef idx="1">
+            <a:schemeClr val="accent1"/>
+          </a:fillRef>
+          <a:effectRef idx="0">
+            <a:schemeClr val="accent1"/>
+          </a:effectRef>
+          <a:fontRef idx="minor">
+            <a:schemeClr val="lt1"/>
+          </a:fontRef>
+        </p:style>
+        <p:txBody>
+          <a:bodyPr rtlCol="0" anchor="ctr"/>
+          <a:lstStyle/>
+          <a:p>
+            <a:pPr algn="ctr"/>
+            <a:endParaRPr lang="en-US"/>
+          </a:p>
+        </p:txBody>
+      </p:sp>
+      <p:sp>
+        <p:nvSpPr>
+          <p:cNvPr id="3" name="TextBox 2"/>
+          <p:cNvSpPr txBox="1"/>
+          <p:nvPr/>
+        </p:nvSpPr>
+        <p:spPr>
+          <a:xfrm>
+            <a:off x="1131681" y="467236"/>
+            <a:ext cx="3775297" cy="338554"/>
+          </a:xfrm>
+          <a:prstGeom prst="rect">
+            <a:avLst/>
+          </a:prstGeom>
+          <a:noFill/>
+        </p:spPr>
+        <p:txBody>
+          <a:bodyPr wrap="square" rtlCol="0">
+            <a:spAutoFit/>
+          </a:bodyPr>
+          <a:lstStyle/>
+          <a:p>
+            <a:r>
+              <a:rPr lang="en-US" sz="1600" b="1" dirty="0">
+                <a:solidFill>
+                  <a:schemeClr val="accent5">
+                    <a:lumMod val="75000"/>
+                  </a:schemeClr>
+                </a:solidFill>
+              </a:rPr>
+              <a:t>Materialized Views</a:t>
+            </a:r>
+            <a:endParaRPr lang="en-US" sz="1600" b="1" dirty="0">
+              <a:solidFill>
+                <a:schemeClr val="accent5">
+                  <a:lumMod val="75000"/>
+                </a:schemeClr>
+              </a:solidFill>
+            </a:endParaRPr>
+          </a:p>
+        </p:txBody>
+      </p:sp>
+      <p:sp>
+        <p:nvSpPr>
+          <p:cNvPr id="4" name="TextBox 3"/>
+          <p:cNvSpPr txBox="1"/>
+          <p:nvPr/>
+        </p:nvSpPr>
+        <p:spPr>
+          <a:xfrm>
+            <a:off x="905345" y="837781"/>
+            <a:ext cx="7577752" cy="584775"/>
+          </a:xfrm>
+          <a:prstGeom prst="rect">
+            <a:avLst/>
+          </a:prstGeom>
+          <a:noFill/>
+        </p:spPr>
+        <p:txBody>
+          <a:bodyPr wrap="square" rtlCol="0">
+            <a:spAutoFit/>
+          </a:bodyPr>
+          <a:lstStyle/>
+          <a:p>
+            <a:r>
+              <a:rPr lang="en-US" sz="1600" dirty="0" err="1" smtClean="0">
+                <a:solidFill>
+                  <a:schemeClr val="accent5">
+                    <a:lumMod val="75000"/>
+                  </a:schemeClr>
+                </a:solidFill>
+              </a:rPr>
+              <a:t>Là</a:t>
+            </a:r>
+            <a:r>
+              <a:rPr lang="en-US" sz="1600" dirty="0" smtClean="0">
+                <a:solidFill>
+                  <a:schemeClr val="accent5">
+                    <a:lumMod val="75000"/>
+                  </a:schemeClr>
+                </a:solidFill>
+              </a:rPr>
+              <a:t> </a:t>
+            </a:r>
+            <a:r>
+              <a:rPr lang="en-US" sz="1600" dirty="0" err="1" smtClean="0">
+                <a:solidFill>
+                  <a:schemeClr val="accent5">
+                    <a:lumMod val="75000"/>
+                  </a:schemeClr>
+                </a:solidFill>
+              </a:rPr>
+              <a:t>tính</a:t>
+            </a:r>
+            <a:r>
+              <a:rPr lang="en-US" sz="1600" dirty="0" smtClean="0">
+                <a:solidFill>
+                  <a:schemeClr val="accent5">
+                    <a:lumMod val="75000"/>
+                  </a:schemeClr>
+                </a:solidFill>
+              </a:rPr>
+              <a:t> </a:t>
+            </a:r>
+            <a:r>
+              <a:rPr lang="en-US" sz="1600" dirty="0" err="1" smtClean="0">
+                <a:solidFill>
+                  <a:schemeClr val="accent5">
+                    <a:lumMod val="75000"/>
+                  </a:schemeClr>
+                </a:solidFill>
+              </a:rPr>
+              <a:t>năng</a:t>
+            </a:r>
+            <a:r>
+              <a:rPr lang="en-US" sz="1600" dirty="0" smtClean="0">
+                <a:solidFill>
+                  <a:schemeClr val="accent5">
+                    <a:lumMod val="75000"/>
+                  </a:schemeClr>
+                </a:solidFill>
+              </a:rPr>
+              <a:t> </a:t>
+            </a:r>
+            <a:r>
+              <a:rPr lang="en-US" sz="1600" dirty="0" err="1" smtClean="0">
+                <a:solidFill>
+                  <a:schemeClr val="accent5">
+                    <a:lumMod val="75000"/>
+                  </a:schemeClr>
+                </a:solidFill>
+              </a:rPr>
+              <a:t>mở</a:t>
+            </a:r>
+            <a:r>
+              <a:rPr lang="en-US" sz="1600" dirty="0" smtClean="0">
+                <a:solidFill>
+                  <a:schemeClr val="accent5">
+                    <a:lumMod val="75000"/>
+                  </a:schemeClr>
+                </a:solidFill>
+              </a:rPr>
+              <a:t> </a:t>
+            </a:r>
+            <a:r>
+              <a:rPr lang="en-US" sz="1600" dirty="0" err="1" smtClean="0">
+                <a:solidFill>
+                  <a:schemeClr val="accent5">
+                    <a:lumMod val="75000"/>
+                  </a:schemeClr>
+                </a:solidFill>
+              </a:rPr>
+              <a:t>rộng</a:t>
+            </a:r>
+            <a:r>
+              <a:rPr lang="en-US" sz="1600" dirty="0" smtClean="0">
+                <a:solidFill>
+                  <a:schemeClr val="accent5">
+                    <a:lumMod val="75000"/>
+                  </a:schemeClr>
+                </a:solidFill>
+              </a:rPr>
+              <a:t> </a:t>
+            </a:r>
+            <a:r>
+              <a:rPr lang="en-US" sz="1600" dirty="0" err="1" smtClean="0">
+                <a:solidFill>
+                  <a:schemeClr val="accent5">
+                    <a:lumMod val="75000"/>
+                  </a:schemeClr>
+                </a:solidFill>
+              </a:rPr>
+              <a:t>của</a:t>
+            </a:r>
+            <a:r>
+              <a:rPr lang="en-US" sz="1600" dirty="0" smtClean="0">
+                <a:solidFill>
+                  <a:schemeClr val="accent5">
+                    <a:lumMod val="75000"/>
+                  </a:schemeClr>
+                </a:solidFill>
+              </a:rPr>
+              <a:t> View, </a:t>
+            </a:r>
+            <a:r>
+              <a:rPr lang="en-US" sz="1600" dirty="0" err="1" smtClean="0">
+                <a:solidFill>
+                  <a:schemeClr val="accent5">
+                    <a:lumMod val="75000"/>
+                  </a:schemeClr>
+                </a:solidFill>
+              </a:rPr>
+              <a:t>giúp</a:t>
+            </a:r>
+            <a:r>
+              <a:rPr lang="en-US" sz="1600" dirty="0" smtClean="0">
+                <a:solidFill>
+                  <a:schemeClr val="accent5">
+                    <a:lumMod val="75000"/>
+                  </a:schemeClr>
+                </a:solidFill>
+              </a:rPr>
+              <a:t> cache </a:t>
+            </a:r>
+            <a:r>
+              <a:rPr lang="en-US" sz="1600" dirty="0" err="1" smtClean="0">
+                <a:solidFill>
+                  <a:schemeClr val="accent5">
+                    <a:lumMod val="75000"/>
+                  </a:schemeClr>
+                </a:solidFill>
+              </a:rPr>
+              <a:t>kết</a:t>
+            </a:r>
+            <a:r>
+              <a:rPr lang="en-US" sz="1600" dirty="0" smtClean="0">
+                <a:solidFill>
+                  <a:schemeClr val="accent5">
+                    <a:lumMod val="75000"/>
+                  </a:schemeClr>
+                </a:solidFill>
+              </a:rPr>
+              <a:t> </a:t>
+            </a:r>
+            <a:r>
+              <a:rPr lang="en-US" sz="1600" dirty="0" err="1" smtClean="0">
+                <a:solidFill>
+                  <a:schemeClr val="accent5">
+                    <a:lumMod val="75000"/>
+                  </a:schemeClr>
+                </a:solidFill>
+              </a:rPr>
+              <a:t>quả</a:t>
+            </a:r>
+            <a:r>
+              <a:rPr lang="en-US" sz="1600" dirty="0" smtClean="0">
+                <a:solidFill>
+                  <a:schemeClr val="accent5">
+                    <a:lumMod val="75000"/>
+                  </a:schemeClr>
+                </a:solidFill>
+              </a:rPr>
+              <a:t> </a:t>
+            </a:r>
+            <a:r>
+              <a:rPr lang="en-US" sz="1600" dirty="0" err="1" smtClean="0">
+                <a:solidFill>
+                  <a:schemeClr val="accent5">
+                    <a:lumMod val="75000"/>
+                  </a:schemeClr>
+                </a:solidFill>
+              </a:rPr>
+              <a:t>của</a:t>
+            </a:r>
+            <a:r>
+              <a:rPr lang="en-US" sz="1600" dirty="0" smtClean="0">
+                <a:solidFill>
+                  <a:schemeClr val="accent5">
+                    <a:lumMod val="75000"/>
+                  </a:schemeClr>
+                </a:solidFill>
+              </a:rPr>
+              <a:t> View </a:t>
+            </a:r>
+            <a:r>
+              <a:rPr lang="en-US" sz="1600" dirty="0" err="1" smtClean="0">
+                <a:solidFill>
+                  <a:schemeClr val="accent5">
+                    <a:lumMod val="75000"/>
+                  </a:schemeClr>
+                </a:solidFill>
+              </a:rPr>
+              <a:t>ra</a:t>
+            </a:r>
+            <a:r>
+              <a:rPr lang="en-US" sz="1600" dirty="0" smtClean="0">
+                <a:solidFill>
+                  <a:schemeClr val="accent5">
+                    <a:lumMod val="75000"/>
+                  </a:schemeClr>
+                </a:solidFill>
+              </a:rPr>
+              <a:t> file </a:t>
+            </a:r>
+            <a:r>
+              <a:rPr lang="en-US" sz="1600" dirty="0" err="1" smtClean="0">
+                <a:solidFill>
+                  <a:schemeClr val="accent5">
+                    <a:lumMod val="75000"/>
+                  </a:schemeClr>
+                </a:solidFill>
+              </a:rPr>
+              <a:t>vật</a:t>
+            </a:r>
+            <a:r>
+              <a:rPr lang="en-US" sz="1600" dirty="0" smtClean="0">
+                <a:solidFill>
+                  <a:schemeClr val="accent5">
+                    <a:lumMod val="75000"/>
+                  </a:schemeClr>
+                </a:solidFill>
+              </a:rPr>
+              <a:t> </a:t>
+            </a:r>
+            <a:r>
+              <a:rPr lang="en-US" sz="1600" dirty="0" err="1" smtClean="0">
+                <a:solidFill>
+                  <a:schemeClr val="accent5">
+                    <a:lumMod val="75000"/>
+                  </a:schemeClr>
+                </a:solidFill>
+              </a:rPr>
+              <a:t>lý</a:t>
+            </a:r>
+            <a:r>
+              <a:rPr lang="en-US" sz="1600" dirty="0" smtClean="0">
+                <a:solidFill>
+                  <a:schemeClr val="accent5">
+                    <a:lumMod val="75000"/>
+                  </a:schemeClr>
+                </a:solidFill>
+              </a:rPr>
+              <a:t>, </a:t>
+            </a:r>
+            <a:r>
+              <a:rPr lang="en-US" sz="1600" dirty="0" err="1" smtClean="0">
+                <a:solidFill>
+                  <a:schemeClr val="accent5">
+                    <a:lumMod val="75000"/>
+                  </a:schemeClr>
+                </a:solidFill>
+              </a:rPr>
+              <a:t>giúp</a:t>
+            </a:r>
+            <a:r>
+              <a:rPr lang="en-US" sz="1600" dirty="0" smtClean="0">
+                <a:solidFill>
+                  <a:schemeClr val="accent5">
+                    <a:lumMod val="75000"/>
+                  </a:schemeClr>
+                </a:solidFill>
+              </a:rPr>
+              <a:t> </a:t>
+            </a:r>
+            <a:r>
+              <a:rPr lang="en-US" sz="1600" dirty="0" err="1" smtClean="0">
+                <a:solidFill>
+                  <a:schemeClr val="accent5">
+                    <a:lumMod val="75000"/>
+                  </a:schemeClr>
+                </a:solidFill>
+              </a:rPr>
+              <a:t>tôi</a:t>
+            </a:r>
+            <a:r>
+              <a:rPr lang="en-US" sz="1600" dirty="0" smtClean="0">
+                <a:solidFill>
+                  <a:schemeClr val="accent5">
+                    <a:lumMod val="75000"/>
+                  </a:schemeClr>
+                </a:solidFill>
+              </a:rPr>
+              <a:t> </a:t>
+            </a:r>
+            <a:r>
+              <a:rPr lang="en-US" sz="1600" dirty="0" err="1" smtClean="0">
+                <a:solidFill>
+                  <a:schemeClr val="accent5">
+                    <a:lumMod val="75000"/>
+                  </a:schemeClr>
+                </a:solidFill>
+              </a:rPr>
+              <a:t>ưu</a:t>
+            </a:r>
+            <a:r>
+              <a:rPr lang="en-US" sz="1600" dirty="0" smtClean="0">
+                <a:solidFill>
+                  <a:schemeClr val="accent5">
+                    <a:lumMod val="75000"/>
+                  </a:schemeClr>
+                </a:solidFill>
+              </a:rPr>
+              <a:t> </a:t>
+            </a:r>
+            <a:r>
+              <a:rPr lang="en-US" sz="1600" dirty="0" err="1" smtClean="0">
+                <a:solidFill>
+                  <a:schemeClr val="accent5">
+                    <a:lumMod val="75000"/>
+                  </a:schemeClr>
+                </a:solidFill>
+              </a:rPr>
+              <a:t>hiệu</a:t>
+            </a:r>
+            <a:r>
+              <a:rPr lang="en-US" sz="1600" dirty="0" smtClean="0">
+                <a:solidFill>
+                  <a:schemeClr val="accent5">
+                    <a:lumMod val="75000"/>
+                  </a:schemeClr>
+                </a:solidFill>
+              </a:rPr>
+              <a:t> </a:t>
+            </a:r>
+            <a:r>
+              <a:rPr lang="en-US" sz="1600" dirty="0" err="1" smtClean="0">
+                <a:solidFill>
+                  <a:schemeClr val="accent5">
+                    <a:lumMod val="75000"/>
+                  </a:schemeClr>
+                </a:solidFill>
+              </a:rPr>
+              <a:t>suất</a:t>
+            </a:r>
+            <a:r>
+              <a:rPr lang="en-US" sz="1600" dirty="0" smtClean="0">
+                <a:solidFill>
+                  <a:schemeClr val="accent5">
+                    <a:lumMod val="75000"/>
+                  </a:schemeClr>
+                </a:solidFill>
+              </a:rPr>
+              <a:t> </a:t>
+            </a:r>
+            <a:r>
+              <a:rPr lang="en-US" sz="1600" dirty="0" err="1" smtClean="0">
+                <a:solidFill>
+                  <a:schemeClr val="accent5">
+                    <a:lumMod val="75000"/>
+                  </a:schemeClr>
+                </a:solidFill>
+              </a:rPr>
+              <a:t>truy</a:t>
+            </a:r>
+            <a:r>
+              <a:rPr lang="en-US" sz="1600" dirty="0" smtClean="0">
+                <a:solidFill>
+                  <a:schemeClr val="accent5">
+                    <a:lumMod val="75000"/>
+                  </a:schemeClr>
+                </a:solidFill>
+              </a:rPr>
+              <a:t> </a:t>
+            </a:r>
+            <a:r>
+              <a:rPr lang="en-US" sz="1600" dirty="0" err="1" smtClean="0">
+                <a:solidFill>
+                  <a:schemeClr val="accent5">
+                    <a:lumMod val="75000"/>
+                  </a:schemeClr>
+                </a:solidFill>
+              </a:rPr>
+              <a:t>vấn</a:t>
+            </a:r>
+            <a:r>
+              <a:rPr lang="en-US" sz="1600" dirty="0" smtClean="0">
+                <a:solidFill>
+                  <a:schemeClr val="accent5">
+                    <a:lumMod val="75000"/>
+                  </a:schemeClr>
+                </a:solidFill>
+              </a:rPr>
+              <a:t> </a:t>
+            </a:r>
+            <a:r>
+              <a:rPr lang="en-US" sz="1600" dirty="0" err="1" smtClean="0">
+                <a:solidFill>
+                  <a:schemeClr val="accent5">
+                    <a:lumMod val="75000"/>
+                  </a:schemeClr>
+                </a:solidFill>
+              </a:rPr>
+              <a:t>cho</a:t>
+            </a:r>
+            <a:r>
+              <a:rPr lang="en-US" sz="1600" dirty="0" smtClean="0">
+                <a:solidFill>
+                  <a:schemeClr val="accent5">
+                    <a:lumMod val="75000"/>
+                  </a:schemeClr>
+                </a:solidFill>
+              </a:rPr>
+              <a:t> </a:t>
+            </a:r>
+            <a:r>
+              <a:rPr lang="en-US" sz="1600" dirty="0" err="1" smtClean="0">
+                <a:solidFill>
+                  <a:schemeClr val="accent5">
+                    <a:lumMod val="75000"/>
+                  </a:schemeClr>
+                </a:solidFill>
+              </a:rPr>
+              <a:t>những</a:t>
+            </a:r>
+            <a:r>
+              <a:rPr lang="en-US" sz="1600" dirty="0" smtClean="0">
+                <a:solidFill>
+                  <a:schemeClr val="accent5">
+                    <a:lumMod val="75000"/>
+                  </a:schemeClr>
+                </a:solidFill>
+              </a:rPr>
+              <a:t> View </a:t>
+            </a:r>
+            <a:r>
+              <a:rPr lang="en-US" sz="1600" dirty="0" err="1" smtClean="0">
+                <a:solidFill>
+                  <a:schemeClr val="accent5">
+                    <a:lumMod val="75000"/>
+                  </a:schemeClr>
+                </a:solidFill>
+              </a:rPr>
+              <a:t>có</a:t>
+            </a:r>
+            <a:r>
+              <a:rPr lang="en-US" sz="1600" dirty="0" smtClean="0">
+                <a:solidFill>
+                  <a:schemeClr val="accent5">
+                    <a:lumMod val="75000"/>
+                  </a:schemeClr>
+                </a:solidFill>
+              </a:rPr>
+              <a:t> logic </a:t>
+            </a:r>
+            <a:r>
+              <a:rPr lang="en-US" sz="1600" dirty="0" err="1" smtClean="0">
+                <a:solidFill>
+                  <a:schemeClr val="accent5">
+                    <a:lumMod val="75000"/>
+                  </a:schemeClr>
+                </a:solidFill>
+              </a:rPr>
+              <a:t>xử</a:t>
+            </a:r>
+            <a:r>
+              <a:rPr lang="en-US" sz="1600" dirty="0" smtClean="0">
+                <a:solidFill>
+                  <a:schemeClr val="accent5">
+                    <a:lumMod val="75000"/>
+                  </a:schemeClr>
+                </a:solidFill>
+              </a:rPr>
+              <a:t> </a:t>
+            </a:r>
+            <a:r>
+              <a:rPr lang="en-US" sz="1600" dirty="0" err="1" smtClean="0">
+                <a:solidFill>
+                  <a:schemeClr val="accent5">
+                    <a:lumMod val="75000"/>
+                  </a:schemeClr>
+                </a:solidFill>
+              </a:rPr>
+              <a:t>lý</a:t>
+            </a:r>
+            <a:r>
+              <a:rPr lang="en-US" sz="1600" dirty="0" smtClean="0">
+                <a:solidFill>
+                  <a:schemeClr val="accent5">
+                    <a:lumMod val="75000"/>
+                  </a:schemeClr>
+                </a:solidFill>
+              </a:rPr>
+              <a:t> </a:t>
+            </a:r>
+            <a:r>
+              <a:rPr lang="en-US" sz="1600" dirty="0" err="1" smtClean="0">
+                <a:solidFill>
+                  <a:schemeClr val="accent5">
+                    <a:lumMod val="75000"/>
+                  </a:schemeClr>
+                </a:solidFill>
+              </a:rPr>
+              <a:t>phức</a:t>
+            </a:r>
+            <a:r>
+              <a:rPr lang="en-US" sz="1600" dirty="0" smtClean="0">
+                <a:solidFill>
+                  <a:schemeClr val="accent5">
+                    <a:lumMod val="75000"/>
+                  </a:schemeClr>
+                </a:solidFill>
+              </a:rPr>
+              <a:t> </a:t>
+            </a:r>
+            <a:r>
+              <a:rPr lang="en-US" sz="1600" dirty="0" err="1" smtClean="0">
+                <a:solidFill>
+                  <a:schemeClr val="accent5">
+                    <a:lumMod val="75000"/>
+                  </a:schemeClr>
+                </a:solidFill>
+              </a:rPr>
+              <a:t>tạp</a:t>
+            </a:r>
+            <a:r>
+              <a:rPr lang="en-US" sz="1600" dirty="0" smtClean="0">
+                <a:solidFill>
+                  <a:schemeClr val="accent5">
+                    <a:lumMod val="75000"/>
+                  </a:schemeClr>
+                </a:solidFill>
+              </a:rPr>
+              <a:t>.</a:t>
+            </a:r>
+            <a:endParaRPr lang="en-US" sz="1600" dirty="0" smtClean="0">
+              <a:solidFill>
+                <a:schemeClr val="accent5">
+                  <a:lumMod val="75000"/>
+                </a:schemeClr>
+              </a:solidFill>
+            </a:endParaRPr>
+          </a:p>
+        </p:txBody>
+      </p:sp>
+      <p:pic>
+        <p:nvPicPr>
+          <p:cNvPr id="5" name="Picture 4"/>
+          <p:cNvPicPr>
+            <a:picLocks noChangeAspect="1"/>
+          </p:cNvPicPr>
+          <p:nvPr/>
+        </p:nvPicPr>
+        <p:blipFill>
+          <a:blip r:embed="rId2"/>
+          <a:stretch>
+            <a:fillRect/>
+          </a:stretch>
+        </p:blipFill>
+        <p:spPr>
+          <a:xfrm>
+            <a:off x="1050199" y="1511685"/>
+            <a:ext cx="4029075" cy="1133475"/>
+          </a:xfrm>
+          <a:prstGeom prst="rect">
+            <a:avLst/>
+          </a:prstGeom>
+        </p:spPr>
+      </p:pic>
+      <p:sp>
+        <p:nvSpPr>
+          <p:cNvPr id="7" name="TextBox 6"/>
+          <p:cNvSpPr txBox="1"/>
+          <p:nvPr/>
+        </p:nvSpPr>
+        <p:spPr>
+          <a:xfrm>
+            <a:off x="905345" y="2773936"/>
+            <a:ext cx="7577752" cy="1169551"/>
+          </a:xfrm>
+          <a:prstGeom prst="rect">
+            <a:avLst/>
+          </a:prstGeom>
+          <a:noFill/>
+        </p:spPr>
+        <p:txBody>
+          <a:bodyPr wrap="square" rtlCol="0">
+            <a:spAutoFit/>
+          </a:bodyPr>
+          <a:lstStyle/>
+          <a:p>
+            <a:r>
+              <a:rPr lang="en-US" sz="1400" dirty="0" err="1" smtClean="0">
+                <a:solidFill>
+                  <a:schemeClr val="accent5">
+                    <a:lumMod val="75000"/>
+                  </a:schemeClr>
+                </a:solidFill>
+              </a:rPr>
+              <a:t>Trong</a:t>
+            </a:r>
+            <a:r>
+              <a:rPr lang="en-US" sz="1400" dirty="0" smtClean="0">
+                <a:solidFill>
+                  <a:schemeClr val="accent5">
+                    <a:lumMod val="75000"/>
+                  </a:schemeClr>
+                </a:solidFill>
+              </a:rPr>
+              <a:t> </a:t>
+            </a:r>
+            <a:r>
+              <a:rPr lang="en-US" sz="1400" dirty="0" err="1" smtClean="0">
+                <a:solidFill>
+                  <a:schemeClr val="accent5">
+                    <a:lumMod val="75000"/>
+                  </a:schemeClr>
+                </a:solidFill>
+              </a:rPr>
+              <a:t>đó</a:t>
+            </a:r>
+            <a:r>
+              <a:rPr lang="en-US" sz="1400" dirty="0" smtClean="0">
+                <a:solidFill>
+                  <a:schemeClr val="accent5">
+                    <a:lumMod val="75000"/>
+                  </a:schemeClr>
+                </a:solidFill>
+              </a:rPr>
+              <a:t>: </a:t>
+            </a:r>
+            <a:r>
+              <a:rPr lang="vi-VN" sz="1400" dirty="0">
+                <a:solidFill>
+                  <a:schemeClr val="accent2">
+                    <a:lumMod val="75000"/>
+                  </a:schemeClr>
+                </a:solidFill>
+              </a:rPr>
+              <a:t>WITH [NO] DATA </a:t>
+            </a:r>
+            <a:r>
+              <a:rPr lang="vi-VN" sz="1400" dirty="0">
+                <a:solidFill>
+                  <a:schemeClr val="accent5">
+                    <a:lumMod val="75000"/>
+                  </a:schemeClr>
+                </a:solidFill>
+              </a:rPr>
+              <a:t>là tùy chọn để quyết định liệu materialized view có chứa dữ liệu ngay khi tạo hay không. Nếu bạn sử dụng WITH DATA, dữ liệu sẽ được tính toán và lưu trữ trong materialized view ngay khi nó được tạo. Nếu bạn sử dụng WITH NO DATA (mặc định), materialized view chỉ có cấu trúc, và bạn cần cập nhật dữ liệu sau đó bằng cách chạy một câu lệnh REFRESH.</a:t>
+            </a:r>
+            <a:endParaRPr lang="en-US" sz="1400" dirty="0" smtClean="0">
+              <a:solidFill>
+                <a:schemeClr val="accent5">
+                  <a:lumMod val="75000"/>
+                </a:schemeClr>
+              </a:solidFill>
+            </a:endParaRPr>
+          </a:p>
+        </p:txBody>
+      </p:sp>
+      <p:sp>
+        <p:nvSpPr>
+          <p:cNvPr id="11" name="TextBox 10"/>
+          <p:cNvSpPr txBox="1"/>
+          <p:nvPr/>
+        </p:nvSpPr>
+        <p:spPr>
+          <a:xfrm>
+            <a:off x="905345" y="3943487"/>
+            <a:ext cx="7577752" cy="338554"/>
+          </a:xfrm>
+          <a:prstGeom prst="rect">
+            <a:avLst/>
+          </a:prstGeom>
+          <a:noFill/>
+        </p:spPr>
+        <p:txBody>
+          <a:bodyPr wrap="square" rtlCol="0">
+            <a:spAutoFit/>
+          </a:bodyPr>
+          <a:lstStyle/>
+          <a:p>
+            <a:r>
+              <a:rPr lang="vi-VN" sz="1600" b="1" dirty="0">
+                <a:solidFill>
+                  <a:schemeClr val="accent5">
+                    <a:lumMod val="75000"/>
+                  </a:schemeClr>
+                </a:solidFill>
+              </a:rPr>
+              <a:t>Để cập nhật dữ liệu </a:t>
+            </a:r>
+            <a:r>
+              <a:rPr lang="vi-VN" sz="1600" dirty="0">
+                <a:solidFill>
+                  <a:schemeClr val="accent5">
+                    <a:lumMod val="75000"/>
+                  </a:schemeClr>
+                </a:solidFill>
+              </a:rPr>
+              <a:t>trong materialized </a:t>
+            </a:r>
+            <a:r>
+              <a:rPr lang="vi-VN" sz="1600" dirty="0" smtClean="0">
+                <a:solidFill>
+                  <a:schemeClr val="accent5">
+                    <a:lumMod val="75000"/>
+                  </a:schemeClr>
+                </a:solidFill>
+              </a:rPr>
+              <a:t>view</a:t>
+            </a:r>
+            <a:r>
+              <a:rPr lang="en-US" sz="1600" dirty="0" smtClean="0">
+                <a:solidFill>
+                  <a:schemeClr val="accent5">
+                    <a:lumMod val="75000"/>
+                  </a:schemeClr>
+                </a:solidFill>
+              </a:rPr>
+              <a:t>:</a:t>
+            </a:r>
+            <a:endParaRPr lang="en-US" sz="1600" dirty="0" smtClean="0">
+              <a:solidFill>
+                <a:schemeClr val="accent5">
+                  <a:lumMod val="75000"/>
+                </a:schemeClr>
+              </a:solidFill>
+            </a:endParaRPr>
+          </a:p>
+        </p:txBody>
+      </p:sp>
+      <p:pic>
+        <p:nvPicPr>
+          <p:cNvPr id="12" name="Picture 11"/>
+          <p:cNvPicPr>
+            <a:picLocks noChangeAspect="1"/>
+          </p:cNvPicPr>
+          <p:nvPr/>
+        </p:nvPicPr>
+        <p:blipFill>
+          <a:blip r:embed="rId3"/>
+          <a:stretch>
+            <a:fillRect/>
+          </a:stretch>
+        </p:blipFill>
+        <p:spPr>
+          <a:xfrm>
+            <a:off x="1050199" y="4342505"/>
+            <a:ext cx="5934075" cy="342900"/>
+          </a:xfrm>
+          <a:prstGeom prst="rect">
+            <a:avLst/>
+          </a:prstGeom>
+        </p:spPr>
+      </p:pic>
+      <p:sp>
+        <p:nvSpPr>
+          <p:cNvPr id="14" name="TextBox 13"/>
+          <p:cNvSpPr txBox="1"/>
+          <p:nvPr/>
+        </p:nvSpPr>
+        <p:spPr>
+          <a:xfrm>
+            <a:off x="905345" y="4808548"/>
+            <a:ext cx="7577752" cy="738664"/>
+          </a:xfrm>
+          <a:prstGeom prst="rect">
+            <a:avLst/>
+          </a:prstGeom>
+          <a:noFill/>
+        </p:spPr>
+        <p:txBody>
+          <a:bodyPr wrap="square" rtlCol="0">
+            <a:spAutoFit/>
+          </a:bodyPr>
+          <a:lstStyle/>
+          <a:p>
+            <a:r>
+              <a:rPr lang="en-US" sz="1400" dirty="0" err="1" smtClean="0">
+                <a:solidFill>
+                  <a:schemeClr val="accent5">
+                    <a:lumMod val="75000"/>
+                  </a:schemeClr>
+                </a:solidFill>
+              </a:rPr>
+              <a:t>Trong</a:t>
+            </a:r>
+            <a:r>
+              <a:rPr lang="en-US" sz="1400" dirty="0" smtClean="0">
+                <a:solidFill>
+                  <a:schemeClr val="accent5">
+                    <a:lumMod val="75000"/>
+                  </a:schemeClr>
+                </a:solidFill>
+              </a:rPr>
+              <a:t> </a:t>
+            </a:r>
+            <a:r>
+              <a:rPr lang="en-US" sz="1400" dirty="0" err="1" smtClean="0">
+                <a:solidFill>
+                  <a:schemeClr val="accent5">
+                    <a:lumMod val="75000"/>
+                  </a:schemeClr>
+                </a:solidFill>
+              </a:rPr>
+              <a:t>đó</a:t>
+            </a:r>
+            <a:r>
+              <a:rPr lang="en-US" sz="1400" dirty="0" smtClean="0">
+                <a:solidFill>
+                  <a:schemeClr val="accent5">
+                    <a:lumMod val="75000"/>
+                  </a:schemeClr>
+                </a:solidFill>
+              </a:rPr>
+              <a:t>: </a:t>
+            </a:r>
+            <a:r>
+              <a:rPr lang="en-US" sz="1400" dirty="0" err="1" smtClean="0">
+                <a:solidFill>
+                  <a:schemeClr val="accent5">
+                    <a:lumMod val="75000"/>
+                  </a:schemeClr>
+                </a:solidFill>
+              </a:rPr>
+              <a:t>Tùy</a:t>
+            </a:r>
+            <a:r>
+              <a:rPr lang="en-US" sz="1400" dirty="0" smtClean="0">
+                <a:solidFill>
+                  <a:schemeClr val="accent5">
+                    <a:lumMod val="75000"/>
+                  </a:schemeClr>
+                </a:solidFill>
+              </a:rPr>
+              <a:t> </a:t>
+            </a:r>
+            <a:r>
+              <a:rPr lang="en-US" sz="1400" dirty="0" err="1" smtClean="0">
+                <a:solidFill>
+                  <a:schemeClr val="accent5">
+                    <a:lumMod val="75000"/>
+                  </a:schemeClr>
+                </a:solidFill>
+              </a:rPr>
+              <a:t>chọn</a:t>
+            </a:r>
+            <a:r>
+              <a:rPr lang="en-US" sz="1400" dirty="0">
+                <a:solidFill>
+                  <a:schemeClr val="accent5">
+                    <a:lumMod val="75000"/>
+                  </a:schemeClr>
+                </a:solidFill>
+              </a:rPr>
+              <a:t> CONCURRENTLY </a:t>
+            </a:r>
+            <a:r>
+              <a:rPr lang="vi-VN" sz="1400" dirty="0">
+                <a:solidFill>
+                  <a:schemeClr val="accent5">
+                    <a:lumMod val="75000"/>
+                  </a:schemeClr>
+                </a:solidFill>
+              </a:rPr>
+              <a:t>được sử dụng để cập nhật dữ liệu trong materialized view một cách song song và không gây tác động đến quá trình truy vấn của các phiên kết nối khác đang sử dụng materialized view </a:t>
+            </a:r>
+            <a:r>
+              <a:rPr lang="vi-VN" sz="1400" dirty="0" smtClean="0">
+                <a:solidFill>
+                  <a:schemeClr val="accent5">
+                    <a:lumMod val="75000"/>
+                  </a:schemeClr>
+                </a:solidFill>
+              </a:rPr>
+              <a:t>đó</a:t>
+            </a:r>
+            <a:r>
+              <a:rPr lang="en-US" sz="1400" dirty="0" smtClean="0">
+                <a:solidFill>
+                  <a:schemeClr val="accent5">
+                    <a:lumMod val="75000"/>
+                  </a:schemeClr>
+                </a:solidFill>
+              </a:rPr>
+              <a:t>.</a:t>
+            </a:r>
+            <a:endParaRPr lang="en-US" sz="1400" dirty="0" smtClean="0">
+              <a:solidFill>
+                <a:schemeClr val="accent5">
+                  <a:lumMod val="75000"/>
+                </a:schemeClr>
+              </a:solidFill>
+            </a:endParaRPr>
+          </a:p>
+        </p:txBody>
+      </p:sp>
+      <p:sp>
+        <p:nvSpPr>
+          <p:cNvPr id="15" name="TextBox 14"/>
+          <p:cNvSpPr txBox="1"/>
+          <p:nvPr/>
+        </p:nvSpPr>
+        <p:spPr>
+          <a:xfrm>
+            <a:off x="905345" y="5545951"/>
+            <a:ext cx="7577752" cy="338554"/>
+          </a:xfrm>
+          <a:prstGeom prst="rect">
+            <a:avLst/>
+          </a:prstGeom>
+          <a:noFill/>
+        </p:spPr>
+        <p:txBody>
+          <a:bodyPr wrap="square" rtlCol="0">
+            <a:spAutoFit/>
+          </a:bodyPr>
+          <a:lstStyle/>
+          <a:p>
+            <a:r>
+              <a:rPr lang="vi-VN" sz="1600" b="1" dirty="0">
+                <a:solidFill>
+                  <a:schemeClr val="accent5">
+                    <a:lumMod val="75000"/>
+                  </a:schemeClr>
+                </a:solidFill>
+              </a:rPr>
+              <a:t>Để </a:t>
+            </a:r>
+            <a:r>
+              <a:rPr lang="en-US" sz="1600" b="1" dirty="0" err="1" smtClean="0">
+                <a:solidFill>
+                  <a:schemeClr val="accent5">
+                    <a:lumMod val="75000"/>
+                  </a:schemeClr>
+                </a:solidFill>
+              </a:rPr>
+              <a:t>xóa</a:t>
+            </a:r>
+            <a:r>
+              <a:rPr lang="en-US" sz="1600" b="1" dirty="0" smtClean="0">
+                <a:solidFill>
+                  <a:schemeClr val="accent5">
+                    <a:lumMod val="75000"/>
+                  </a:schemeClr>
+                </a:solidFill>
+              </a:rPr>
+              <a:t> </a:t>
+            </a:r>
+            <a:r>
+              <a:rPr lang="vi-VN" sz="1600" dirty="0" smtClean="0">
+                <a:solidFill>
+                  <a:schemeClr val="accent5">
+                    <a:lumMod val="75000"/>
+                  </a:schemeClr>
+                </a:solidFill>
+              </a:rPr>
+              <a:t>materialized view</a:t>
+            </a:r>
+            <a:r>
+              <a:rPr lang="en-US" sz="1600" dirty="0" smtClean="0">
+                <a:solidFill>
+                  <a:schemeClr val="accent5">
+                    <a:lumMod val="75000"/>
+                  </a:schemeClr>
+                </a:solidFill>
+              </a:rPr>
+              <a:t>:</a:t>
+            </a:r>
+            <a:endParaRPr lang="en-US" sz="1600" dirty="0" smtClean="0">
+              <a:solidFill>
+                <a:schemeClr val="accent5">
+                  <a:lumMod val="75000"/>
+                </a:schemeClr>
+              </a:solidFill>
+            </a:endParaRPr>
+          </a:p>
+        </p:txBody>
+      </p:sp>
+      <p:pic>
+        <p:nvPicPr>
+          <p:cNvPr id="16" name="Picture 15"/>
+          <p:cNvPicPr>
+            <a:picLocks noChangeAspect="1"/>
+          </p:cNvPicPr>
+          <p:nvPr/>
+        </p:nvPicPr>
+        <p:blipFill>
+          <a:blip r:embed="rId4"/>
+          <a:stretch>
+            <a:fillRect/>
+          </a:stretch>
+        </p:blipFill>
+        <p:spPr>
+          <a:xfrm>
+            <a:off x="3463705" y="5587429"/>
+            <a:ext cx="3810000" cy="266700"/>
+          </a:xfrm>
+          <a:prstGeom prst="rect">
+            <a:avLst/>
+          </a:prstGeom>
+        </p:spPr>
+      </p:pic>
+    </p:spTree>
+    <p:extLst>
+      <p:ext uri="{BB962C8B-B14F-4D97-AF65-F5344CB8AC3E}">
+        <p14:creationId xmlns:p14="http://schemas.microsoft.com/office/powerpoint/2010/main" val="12059368"/>
+      </p:ext>
+    </p:extLst>
+  </p:cSld>
+  <p:clrMapOvr>
+    <a:masterClrMapping/>
+  </p:clrMapOvr>
+  <p:timing>
+    <p:tnLst>
+      <p:par>
+        <p:cTn id="1" dur="indefinite" restart="never" nodeType="tmRoot"/>
+      </p:par>
+    </p:tnLst>
+  </p:timing>
+</p:sld>
+</file>
+
+<file path=ppt/slides/slide15.xml><?xml version="1.0" encoding="utf-8"?>
+<p:sld xmlns:a="http://schemas.openxmlformats.org/drawingml/2006/main" xmlns:r="http://schemas.openxmlformats.org/officeDocument/2006/relationships" xmlns:p="http://schemas.openxmlformats.org/presentationml/2006/main">
+  <p:cSld>
+    <p:spTree>
+      <p:nvGrpSpPr>
+        <p:cNvPr id="1" name=""/>
+        <p:cNvGrpSpPr/>
+        <p:nvPr/>
+      </p:nvGrpSpPr>
+      <p:grpSpPr>
+        <a:xfrm>
+          <a:off x="0" y="0"/>
+          <a:ext cx="0" cy="0"/>
+          <a:chOff x="0" y="0"/>
+          <a:chExt cx="0" cy="0"/>
+        </a:xfrm>
+      </p:grpSpPr>
+      <p:sp>
+        <p:nvSpPr>
+          <p:cNvPr id="12" name="Rounded Rectangle 11"/>
+          <p:cNvSpPr/>
+          <p:nvPr/>
+        </p:nvSpPr>
+        <p:spPr>
+          <a:xfrm>
+            <a:off x="905344" y="4255131"/>
+            <a:ext cx="7432898" cy="691362"/>
+          </a:xfrm>
+          <a:prstGeom prst="roundRect">
+            <a:avLst>
+              <a:gd name="adj" fmla="val 1724"/>
+            </a:avLst>
+          </a:prstGeom>
+          <a:solidFill>
+            <a:srgbClr val="1C1E26"/>
+          </a:solidFill>
+          <a:ln>
+            <a:noFill/>
+          </a:ln>
+        </p:spPr>
+        <p:style>
+          <a:lnRef idx="2">
+            <a:schemeClr val="accent1">
+              <a:shade val="50000"/>
+            </a:schemeClr>
+          </a:lnRef>
+          <a:fillRef idx="1">
+            <a:schemeClr val="accent1"/>
+          </a:fillRef>
+          <a:effectRef idx="0">
+            <a:schemeClr val="accent1"/>
+          </a:effectRef>
+          <a:fontRef idx="minor">
+            <a:schemeClr val="lt1"/>
+          </a:fontRef>
+        </p:style>
+        <p:txBody>
+          <a:bodyPr rtlCol="0" anchor="ctr"/>
+          <a:lstStyle/>
+          <a:p>
+            <a:pPr algn="ctr"/>
+            <a:endParaRPr lang="en-US"/>
+          </a:p>
+        </p:txBody>
+      </p:sp>
+      <p:sp>
+        <p:nvSpPr>
+          <p:cNvPr id="8" name="Rounded Rectangle 7"/>
+          <p:cNvSpPr/>
+          <p:nvPr/>
+        </p:nvSpPr>
+        <p:spPr>
+          <a:xfrm>
+            <a:off x="905344" y="2281475"/>
+            <a:ext cx="7432898" cy="1502873"/>
+          </a:xfrm>
+          <a:prstGeom prst="roundRect">
+            <a:avLst>
+              <a:gd name="adj" fmla="val 1724"/>
+            </a:avLst>
+          </a:prstGeom>
+          <a:solidFill>
+            <a:srgbClr val="1C1E26"/>
+          </a:solidFill>
+          <a:ln>
+            <a:noFill/>
+          </a:ln>
+        </p:spPr>
+        <p:style>
+          <a:lnRef idx="2">
+            <a:schemeClr val="accent1">
+              <a:shade val="50000"/>
+            </a:schemeClr>
+          </a:lnRef>
+          <a:fillRef idx="1">
+            <a:schemeClr val="accent1"/>
+          </a:fillRef>
+          <a:effectRef idx="0">
+            <a:schemeClr val="accent1"/>
+          </a:effectRef>
+          <a:fontRef idx="minor">
+            <a:schemeClr val="lt1"/>
+          </a:fontRef>
+        </p:style>
+        <p:txBody>
+          <a:bodyPr rtlCol="0" anchor="ctr"/>
+          <a:lstStyle/>
+          <a:p>
+            <a:pPr algn="ctr"/>
+            <a:endParaRPr lang="en-US"/>
+          </a:p>
+        </p:txBody>
+      </p:sp>
+      <p:sp>
+        <p:nvSpPr>
+          <p:cNvPr id="2" name="4-Point Star 1"/>
+          <p:cNvSpPr/>
+          <p:nvPr/>
+        </p:nvSpPr>
+        <p:spPr>
+          <a:xfrm>
+            <a:off x="905344" y="499227"/>
+            <a:ext cx="289711" cy="289711"/>
+          </a:xfrm>
+          <a:prstGeom prst="star4">
+            <a:avLst/>
+          </a:prstGeom>
+          <a:solidFill>
+            <a:schemeClr val="accent2"/>
+          </a:solidFill>
+          <a:ln>
+            <a:noFill/>
+          </a:ln>
+        </p:spPr>
+        <p:style>
+          <a:lnRef idx="2">
+            <a:schemeClr val="accent1">
+              <a:shade val="50000"/>
+            </a:schemeClr>
+          </a:lnRef>
+          <a:fillRef idx="1">
+            <a:schemeClr val="accent1"/>
+          </a:fillRef>
+          <a:effectRef idx="0">
+            <a:schemeClr val="accent1"/>
+          </a:effectRef>
+          <a:fontRef idx="minor">
+            <a:schemeClr val="lt1"/>
+          </a:fontRef>
+        </p:style>
+        <p:txBody>
+          <a:bodyPr rtlCol="0" anchor="ctr"/>
+          <a:lstStyle/>
+          <a:p>
+            <a:pPr algn="ctr"/>
+            <a:endParaRPr lang="en-US"/>
+          </a:p>
+        </p:txBody>
+      </p:sp>
+      <p:sp>
+        <p:nvSpPr>
+          <p:cNvPr id="3" name="TextBox 2"/>
+          <p:cNvSpPr txBox="1"/>
+          <p:nvPr/>
+        </p:nvSpPr>
+        <p:spPr>
+          <a:xfrm>
+            <a:off x="1131681" y="467236"/>
+            <a:ext cx="3775297" cy="338554"/>
+          </a:xfrm>
+          <a:prstGeom prst="rect">
+            <a:avLst/>
+          </a:prstGeom>
+          <a:noFill/>
+        </p:spPr>
+        <p:txBody>
+          <a:bodyPr wrap="square" rtlCol="0">
+            <a:spAutoFit/>
+          </a:bodyPr>
+          <a:lstStyle/>
+          <a:p>
+            <a:r>
+              <a:rPr lang="en-US" sz="1600" b="1" dirty="0" err="1" smtClean="0">
+                <a:solidFill>
+                  <a:schemeClr val="accent5">
+                    <a:lumMod val="75000"/>
+                  </a:schemeClr>
+                </a:solidFill>
+              </a:rPr>
+              <a:t>Các</a:t>
+            </a:r>
+            <a:r>
+              <a:rPr lang="en-US" sz="1600" b="1" dirty="0" smtClean="0">
+                <a:solidFill>
+                  <a:schemeClr val="accent5">
+                    <a:lumMod val="75000"/>
+                  </a:schemeClr>
+                </a:solidFill>
+              </a:rPr>
+              <a:t> </a:t>
+            </a:r>
+            <a:r>
+              <a:rPr lang="en-US" sz="1600" b="1" dirty="0" err="1" smtClean="0">
+                <a:solidFill>
+                  <a:schemeClr val="accent5">
+                    <a:lumMod val="75000"/>
+                  </a:schemeClr>
+                </a:solidFill>
+              </a:rPr>
+              <a:t>Tùy</a:t>
+            </a:r>
+            <a:r>
+              <a:rPr lang="en-US" sz="1600" b="1" dirty="0" smtClean="0">
+                <a:solidFill>
+                  <a:schemeClr val="accent5">
+                    <a:lumMod val="75000"/>
+                  </a:schemeClr>
+                </a:solidFill>
+              </a:rPr>
+              <a:t> </a:t>
+            </a:r>
+            <a:r>
+              <a:rPr lang="en-US" sz="1600" b="1" dirty="0" err="1" smtClean="0">
+                <a:solidFill>
+                  <a:schemeClr val="accent5">
+                    <a:lumMod val="75000"/>
+                  </a:schemeClr>
+                </a:solidFill>
+              </a:rPr>
+              <a:t>chọn</a:t>
+            </a:r>
+            <a:r>
+              <a:rPr lang="en-US" sz="1600" b="1" dirty="0" smtClean="0">
+                <a:solidFill>
+                  <a:schemeClr val="accent5">
+                    <a:lumMod val="75000"/>
+                  </a:schemeClr>
+                </a:solidFill>
+              </a:rPr>
+              <a:t> </a:t>
+            </a:r>
+            <a:r>
+              <a:rPr lang="en-US" sz="1600" b="1" dirty="0" err="1" smtClean="0">
+                <a:solidFill>
+                  <a:schemeClr val="accent5">
+                    <a:lumMod val="75000"/>
+                  </a:schemeClr>
+                </a:solidFill>
+              </a:rPr>
+              <a:t>Khác</a:t>
+            </a:r>
+            <a:r>
+              <a:rPr lang="en-US" sz="1600" b="1" dirty="0" smtClean="0">
+                <a:solidFill>
+                  <a:schemeClr val="accent5">
+                    <a:lumMod val="75000"/>
+                  </a:schemeClr>
+                </a:solidFill>
+              </a:rPr>
+              <a:t> </a:t>
+            </a:r>
+            <a:r>
+              <a:rPr lang="en-US" sz="1600" b="1" dirty="0" err="1" smtClean="0">
+                <a:solidFill>
+                  <a:schemeClr val="accent5">
+                    <a:lumMod val="75000"/>
+                  </a:schemeClr>
+                </a:solidFill>
+              </a:rPr>
+              <a:t>của</a:t>
+            </a:r>
+            <a:r>
+              <a:rPr lang="en-US" sz="1600" b="1" dirty="0" smtClean="0">
+                <a:solidFill>
+                  <a:schemeClr val="accent5">
+                    <a:lumMod val="75000"/>
+                  </a:schemeClr>
+                </a:solidFill>
+              </a:rPr>
+              <a:t> View</a:t>
+            </a:r>
+            <a:endParaRPr lang="en-US" sz="1600" b="1" dirty="0">
+              <a:solidFill>
+                <a:schemeClr val="accent5">
+                  <a:lumMod val="75000"/>
+                </a:schemeClr>
+              </a:solidFill>
+            </a:endParaRPr>
+          </a:p>
+        </p:txBody>
+      </p:sp>
+      <p:sp>
+        <p:nvSpPr>
+          <p:cNvPr id="4" name="TextBox 3"/>
+          <p:cNvSpPr txBox="1"/>
+          <p:nvPr/>
+        </p:nvSpPr>
+        <p:spPr>
+          <a:xfrm>
+            <a:off x="1329315" y="983570"/>
+            <a:ext cx="2500301" cy="338554"/>
+          </a:xfrm>
+          <a:prstGeom prst="rect">
+            <a:avLst/>
+          </a:prstGeom>
+          <a:noFill/>
+        </p:spPr>
+        <p:txBody>
+          <a:bodyPr wrap="square" rtlCol="0">
+            <a:spAutoFit/>
+          </a:bodyPr>
+          <a:lstStyle/>
+          <a:p>
+            <a:r>
+              <a:rPr lang="vi-VN" sz="1600" b="1" dirty="0">
+                <a:solidFill>
+                  <a:schemeClr val="accent5">
+                    <a:lumMod val="75000"/>
+                  </a:schemeClr>
+                </a:solidFill>
+              </a:rPr>
+              <a:t>WITH CHECK OPTION</a:t>
+            </a:r>
+            <a:endParaRPr lang="en-US" sz="1600" b="1" dirty="0">
+              <a:solidFill>
+                <a:schemeClr val="accent5">
+                  <a:lumMod val="75000"/>
+                </a:schemeClr>
+              </a:solidFill>
+            </a:endParaRPr>
+          </a:p>
+        </p:txBody>
+      </p:sp>
+      <p:sp>
+        <p:nvSpPr>
+          <p:cNvPr id="5" name="Rounded Rectangle 4"/>
+          <p:cNvSpPr/>
+          <p:nvPr/>
+        </p:nvSpPr>
+        <p:spPr>
+          <a:xfrm>
+            <a:off x="979310" y="985199"/>
+            <a:ext cx="350005" cy="350005"/>
+          </a:xfrm>
+          <a:prstGeom prst="roundRect">
+            <a:avLst/>
+          </a:prstGeom>
+          <a:solidFill>
+            <a:schemeClr val="accent5">
+              <a:lumMod val="75000"/>
+            </a:schemeClr>
+          </a:solidFill>
+        </p:spPr>
+        <p:style>
+          <a:lnRef idx="2">
+            <a:schemeClr val="accent1">
+              <a:shade val="50000"/>
+            </a:schemeClr>
+          </a:lnRef>
+          <a:fillRef idx="1">
+            <a:schemeClr val="accent1"/>
+          </a:fillRef>
+          <a:effectRef idx="0">
+            <a:schemeClr val="accent1"/>
+          </a:effectRef>
+          <a:fontRef idx="minor">
+            <a:schemeClr val="lt1"/>
+          </a:fontRef>
+        </p:style>
+        <p:txBody>
+          <a:bodyPr rtlCol="0" anchor="ctr"/>
+          <a:lstStyle/>
+          <a:p>
+            <a:pPr algn="ctr"/>
+            <a:r>
+              <a:rPr lang="en-US" b="1" dirty="0" smtClean="0">
+                <a:solidFill>
+                  <a:schemeClr val="bg1"/>
+                </a:solidFill>
+              </a:rPr>
+              <a:t>1</a:t>
+            </a:r>
+            <a:endParaRPr lang="en-US" b="1" dirty="0">
+              <a:solidFill>
+                <a:schemeClr val="bg1"/>
+              </a:solidFill>
+            </a:endParaRPr>
+          </a:p>
+        </p:txBody>
+      </p:sp>
+      <p:sp>
+        <p:nvSpPr>
+          <p:cNvPr id="6" name="TextBox 5"/>
+          <p:cNvSpPr txBox="1"/>
+          <p:nvPr/>
+        </p:nvSpPr>
+        <p:spPr>
+          <a:xfrm>
+            <a:off x="905345" y="1433132"/>
+            <a:ext cx="7577752" cy="830997"/>
+          </a:xfrm>
+          <a:prstGeom prst="rect">
+            <a:avLst/>
+          </a:prstGeom>
+          <a:noFill/>
+        </p:spPr>
+        <p:txBody>
+          <a:bodyPr wrap="square" rtlCol="0">
+            <a:spAutoFit/>
+          </a:bodyPr>
+          <a:lstStyle/>
+          <a:p>
+            <a:r>
+              <a:rPr lang="en-US" sz="1600" dirty="0">
+                <a:solidFill>
+                  <a:schemeClr val="accent5">
+                    <a:lumMod val="75000"/>
+                  </a:schemeClr>
+                </a:solidFill>
+              </a:rPr>
+              <a:t>Đ</a:t>
+            </a:r>
+            <a:r>
+              <a:rPr lang="vi-VN" sz="1600" dirty="0" smtClean="0">
+                <a:solidFill>
+                  <a:schemeClr val="accent5">
+                    <a:lumMod val="75000"/>
+                  </a:schemeClr>
+                </a:solidFill>
+              </a:rPr>
+              <a:t>ược </a:t>
+            </a:r>
+            <a:r>
+              <a:rPr lang="vi-VN" sz="1600" dirty="0">
+                <a:solidFill>
+                  <a:schemeClr val="accent5">
+                    <a:lumMod val="75000"/>
+                  </a:schemeClr>
+                </a:solidFill>
+              </a:rPr>
+              <a:t>sử dụng khi tạo view để áp đặt một điều kiện (condition) cho việc cập nhật dữ liệu thông qua view. Nó đảm bảo rằng chỉ các dòng dữ liệu thỏa mãn điều kiện đó mới được phép được cập nhật thông qua </a:t>
+            </a:r>
+            <a:r>
+              <a:rPr lang="vi-VN" sz="1600" dirty="0" smtClean="0">
+                <a:solidFill>
+                  <a:schemeClr val="accent5">
+                    <a:lumMod val="75000"/>
+                  </a:schemeClr>
+                </a:solidFill>
+              </a:rPr>
+              <a:t>view</a:t>
+            </a:r>
+            <a:r>
+              <a:rPr lang="en-US" sz="1600" dirty="0" smtClean="0">
+                <a:solidFill>
+                  <a:schemeClr val="accent5">
+                    <a:lumMod val="75000"/>
+                  </a:schemeClr>
+                </a:solidFill>
+              </a:rPr>
+              <a:t>.</a:t>
+            </a:r>
+            <a:endParaRPr lang="en-US" sz="1600" dirty="0" smtClean="0">
+              <a:solidFill>
+                <a:schemeClr val="accent5">
+                  <a:lumMod val="75000"/>
+                </a:schemeClr>
+              </a:solidFill>
+            </a:endParaRPr>
+          </a:p>
+        </p:txBody>
+      </p:sp>
+      <p:pic>
+        <p:nvPicPr>
+          <p:cNvPr id="9" name="Picture 8"/>
+          <p:cNvPicPr>
+            <a:picLocks noChangeAspect="1"/>
+          </p:cNvPicPr>
+          <p:nvPr/>
+        </p:nvPicPr>
+        <p:blipFill>
+          <a:blip r:embed="rId2"/>
+          <a:stretch>
+            <a:fillRect/>
+          </a:stretch>
+        </p:blipFill>
+        <p:spPr>
+          <a:xfrm>
+            <a:off x="985837" y="2299486"/>
+            <a:ext cx="7172325" cy="1466850"/>
+          </a:xfrm>
+          <a:prstGeom prst="rect">
+            <a:avLst/>
+          </a:prstGeom>
+        </p:spPr>
+      </p:pic>
+      <p:sp>
+        <p:nvSpPr>
+          <p:cNvPr id="10" name="TextBox 9"/>
+          <p:cNvSpPr txBox="1"/>
+          <p:nvPr/>
+        </p:nvSpPr>
+        <p:spPr>
+          <a:xfrm>
+            <a:off x="905344" y="3858000"/>
+            <a:ext cx="7577752" cy="338554"/>
+          </a:xfrm>
+          <a:prstGeom prst="rect">
+            <a:avLst/>
+          </a:prstGeom>
+          <a:noFill/>
+        </p:spPr>
+        <p:txBody>
+          <a:bodyPr wrap="square" rtlCol="0">
+            <a:spAutoFit/>
+          </a:bodyPr>
+          <a:lstStyle/>
+          <a:p>
+            <a:r>
+              <a:rPr lang="en-US" sz="1600" dirty="0" err="1" smtClean="0">
+                <a:solidFill>
+                  <a:schemeClr val="accent5">
+                    <a:lumMod val="75000"/>
+                  </a:schemeClr>
+                </a:solidFill>
+              </a:rPr>
+              <a:t>Khi</a:t>
+            </a:r>
+            <a:r>
+              <a:rPr lang="en-US" sz="1600" dirty="0" smtClean="0">
+                <a:solidFill>
+                  <a:schemeClr val="accent5">
+                    <a:lumMod val="75000"/>
+                  </a:schemeClr>
+                </a:solidFill>
+              </a:rPr>
+              <a:t> </a:t>
+            </a:r>
+            <a:r>
+              <a:rPr lang="en-US" sz="1600" dirty="0" err="1" smtClean="0">
+                <a:solidFill>
+                  <a:schemeClr val="accent5">
+                    <a:lumMod val="75000"/>
+                  </a:schemeClr>
+                </a:solidFill>
+              </a:rPr>
+              <a:t>đó</a:t>
+            </a:r>
+            <a:r>
+              <a:rPr lang="en-US" sz="1600" dirty="0" smtClean="0">
+                <a:solidFill>
+                  <a:schemeClr val="accent5">
+                    <a:lumMod val="75000"/>
+                  </a:schemeClr>
+                </a:solidFill>
+              </a:rPr>
+              <a:t> </a:t>
+            </a:r>
+            <a:r>
+              <a:rPr lang="en-US" sz="1600" dirty="0" err="1" smtClean="0">
+                <a:solidFill>
+                  <a:schemeClr val="accent5">
+                    <a:lumMod val="75000"/>
+                  </a:schemeClr>
+                </a:solidFill>
+              </a:rPr>
+              <a:t>bạn</a:t>
+            </a:r>
+            <a:r>
+              <a:rPr lang="en-US" sz="1600" dirty="0" smtClean="0">
+                <a:solidFill>
+                  <a:schemeClr val="accent5">
+                    <a:lumMod val="75000"/>
+                  </a:schemeClr>
+                </a:solidFill>
+              </a:rPr>
+              <a:t> </a:t>
+            </a:r>
+            <a:r>
+              <a:rPr lang="en-US" sz="1600" dirty="0" err="1" smtClean="0">
+                <a:solidFill>
+                  <a:schemeClr val="accent5">
+                    <a:lumMod val="75000"/>
+                  </a:schemeClr>
+                </a:solidFill>
+              </a:rPr>
+              <a:t>chạy</a:t>
+            </a:r>
+            <a:r>
+              <a:rPr lang="en-US" sz="1600" dirty="0" smtClean="0">
+                <a:solidFill>
+                  <a:schemeClr val="accent5">
+                    <a:lumMod val="75000"/>
+                  </a:schemeClr>
+                </a:solidFill>
+              </a:rPr>
+              <a:t> </a:t>
+            </a:r>
+            <a:r>
+              <a:rPr lang="en-US" sz="1600" dirty="0" err="1" smtClean="0">
+                <a:solidFill>
+                  <a:schemeClr val="accent5">
+                    <a:lumMod val="75000"/>
+                  </a:schemeClr>
+                </a:solidFill>
+              </a:rPr>
+              <a:t>lệnh</a:t>
+            </a:r>
+            <a:endParaRPr lang="en-US" sz="1600" dirty="0" smtClean="0">
+              <a:solidFill>
+                <a:schemeClr val="accent5">
+                  <a:lumMod val="75000"/>
+                </a:schemeClr>
+              </a:solidFill>
+            </a:endParaRPr>
+          </a:p>
+        </p:txBody>
+      </p:sp>
+      <p:pic>
+        <p:nvPicPr>
+          <p:cNvPr id="11" name="Picture 10"/>
+          <p:cNvPicPr>
+            <a:picLocks noChangeAspect="1"/>
+          </p:cNvPicPr>
+          <p:nvPr/>
+        </p:nvPicPr>
+        <p:blipFill>
+          <a:blip r:embed="rId3"/>
+          <a:stretch>
+            <a:fillRect/>
+          </a:stretch>
+        </p:blipFill>
+        <p:spPr>
+          <a:xfrm>
+            <a:off x="985837" y="4328783"/>
+            <a:ext cx="4924425" cy="590550"/>
+          </a:xfrm>
+          <a:prstGeom prst="rect">
+            <a:avLst/>
+          </a:prstGeom>
+        </p:spPr>
+      </p:pic>
+      <p:sp>
+        <p:nvSpPr>
+          <p:cNvPr id="13" name="TextBox 12"/>
+          <p:cNvSpPr txBox="1"/>
+          <p:nvPr/>
+        </p:nvSpPr>
+        <p:spPr>
+          <a:xfrm>
+            <a:off x="905344" y="5098325"/>
+            <a:ext cx="7577752" cy="584775"/>
+          </a:xfrm>
+          <a:prstGeom prst="rect">
+            <a:avLst/>
+          </a:prstGeom>
+          <a:noFill/>
+        </p:spPr>
+        <p:txBody>
+          <a:bodyPr wrap="square" rtlCol="0">
+            <a:spAutoFit/>
+          </a:bodyPr>
+          <a:lstStyle/>
+          <a:p>
+            <a:r>
+              <a:rPr lang="en-US" sz="1600" dirty="0" err="1" smtClean="0">
+                <a:solidFill>
+                  <a:schemeClr val="accent5">
+                    <a:lumMod val="75000"/>
+                  </a:schemeClr>
+                </a:solidFill>
+              </a:rPr>
+              <a:t>Vô</a:t>
+            </a:r>
+            <a:r>
+              <a:rPr lang="en-US" sz="1600" dirty="0" smtClean="0">
+                <a:solidFill>
+                  <a:schemeClr val="accent5">
+                    <a:lumMod val="75000"/>
+                  </a:schemeClr>
+                </a:solidFill>
+              </a:rPr>
+              <a:t> </a:t>
+            </a:r>
+            <a:r>
+              <a:rPr lang="en-US" sz="1600" dirty="0" err="1" smtClean="0">
+                <a:solidFill>
+                  <a:schemeClr val="accent5">
+                    <a:lumMod val="75000"/>
+                  </a:schemeClr>
+                </a:solidFill>
+              </a:rPr>
+              <a:t>hình</a:t>
+            </a:r>
+            <a:r>
+              <a:rPr lang="en-US" sz="1600" dirty="0" smtClean="0">
+                <a:solidFill>
+                  <a:schemeClr val="accent5">
+                    <a:lumMod val="75000"/>
+                  </a:schemeClr>
+                </a:solidFill>
+              </a:rPr>
+              <a:t> dung </a:t>
+            </a:r>
+            <a:r>
+              <a:rPr lang="en-US" sz="1600" dirty="0" err="1" smtClean="0">
+                <a:solidFill>
+                  <a:schemeClr val="accent5">
+                    <a:lumMod val="75000"/>
+                  </a:schemeClr>
+                </a:solidFill>
+              </a:rPr>
+              <a:t>sẽ</a:t>
+            </a:r>
+            <a:r>
+              <a:rPr lang="en-US" sz="1600" dirty="0" smtClean="0">
+                <a:solidFill>
+                  <a:schemeClr val="accent5">
+                    <a:lumMod val="75000"/>
+                  </a:schemeClr>
+                </a:solidFill>
+              </a:rPr>
+              <a:t> </a:t>
+            </a:r>
+            <a:r>
+              <a:rPr lang="en-US" sz="1600" dirty="0" err="1" smtClean="0">
+                <a:solidFill>
+                  <a:schemeClr val="accent5">
+                    <a:lumMod val="75000"/>
+                  </a:schemeClr>
+                </a:solidFill>
+              </a:rPr>
+              <a:t>không</a:t>
+            </a:r>
+            <a:r>
+              <a:rPr lang="en-US" sz="1600" dirty="0" smtClean="0">
+                <a:solidFill>
+                  <a:schemeClr val="accent5">
+                    <a:lumMod val="75000"/>
+                  </a:schemeClr>
+                </a:solidFill>
+              </a:rPr>
+              <a:t> </a:t>
+            </a:r>
+            <a:r>
+              <a:rPr lang="en-US" sz="1600" dirty="0" err="1" smtClean="0">
+                <a:solidFill>
+                  <a:schemeClr val="accent5">
+                    <a:lumMod val="75000"/>
+                  </a:schemeClr>
+                </a:solidFill>
+              </a:rPr>
+              <a:t>còn</a:t>
+            </a:r>
+            <a:r>
+              <a:rPr lang="en-US" sz="1600" dirty="0" smtClean="0">
+                <a:solidFill>
+                  <a:schemeClr val="accent5">
+                    <a:lumMod val="75000"/>
+                  </a:schemeClr>
+                </a:solidFill>
+              </a:rPr>
+              <a:t> </a:t>
+            </a:r>
+            <a:r>
+              <a:rPr lang="en-US" sz="1600" dirty="0" err="1" smtClean="0">
+                <a:solidFill>
+                  <a:schemeClr val="accent5">
+                    <a:lumMod val="75000"/>
+                  </a:schemeClr>
+                </a:solidFill>
+              </a:rPr>
+              <a:t>dòng</a:t>
+            </a:r>
+            <a:r>
+              <a:rPr lang="en-US" sz="1600" dirty="0" smtClean="0">
+                <a:solidFill>
+                  <a:schemeClr val="accent5">
+                    <a:lumMod val="75000"/>
+                  </a:schemeClr>
+                </a:solidFill>
+              </a:rPr>
+              <a:t> </a:t>
+            </a:r>
+            <a:r>
+              <a:rPr lang="en-US" sz="1600" dirty="0" err="1" smtClean="0">
+                <a:solidFill>
+                  <a:schemeClr val="accent5">
+                    <a:lumMod val="75000"/>
+                  </a:schemeClr>
+                </a:solidFill>
+              </a:rPr>
+              <a:t>dữ</a:t>
+            </a:r>
+            <a:r>
+              <a:rPr lang="en-US" sz="1600" dirty="0" smtClean="0">
+                <a:solidFill>
+                  <a:schemeClr val="accent5">
+                    <a:lumMod val="75000"/>
+                  </a:schemeClr>
+                </a:solidFill>
+              </a:rPr>
+              <a:t> </a:t>
+            </a:r>
+            <a:r>
+              <a:rPr lang="en-US" sz="1600" dirty="0" err="1" smtClean="0">
+                <a:solidFill>
+                  <a:schemeClr val="accent5">
+                    <a:lumMod val="75000"/>
+                  </a:schemeClr>
+                </a:solidFill>
+              </a:rPr>
+              <a:t>liệu</a:t>
+            </a:r>
+            <a:r>
+              <a:rPr lang="en-US" sz="1600" dirty="0" smtClean="0">
+                <a:solidFill>
+                  <a:schemeClr val="accent5">
+                    <a:lumMod val="75000"/>
+                  </a:schemeClr>
+                </a:solidFill>
+              </a:rPr>
+              <a:t> </a:t>
+            </a:r>
+            <a:r>
+              <a:rPr lang="en-US" sz="1600" dirty="0" err="1" smtClean="0">
+                <a:solidFill>
+                  <a:schemeClr val="accent5">
+                    <a:lumMod val="75000"/>
+                  </a:schemeClr>
+                </a:solidFill>
+              </a:rPr>
+              <a:t>nào</a:t>
+            </a:r>
+            <a:r>
+              <a:rPr lang="en-US" sz="1600" dirty="0" smtClean="0">
+                <a:solidFill>
+                  <a:schemeClr val="accent5">
+                    <a:lumMod val="75000"/>
+                  </a:schemeClr>
+                </a:solidFill>
+              </a:rPr>
+              <a:t> NULL </a:t>
+            </a:r>
+            <a:r>
+              <a:rPr lang="en-US" sz="1600" dirty="0" err="1" smtClean="0">
+                <a:solidFill>
+                  <a:schemeClr val="accent5">
+                    <a:lumMod val="75000"/>
+                  </a:schemeClr>
+                </a:solidFill>
+              </a:rPr>
+              <a:t>nữa</a:t>
+            </a:r>
+            <a:r>
+              <a:rPr lang="en-US" sz="1600" dirty="0" smtClean="0">
+                <a:solidFill>
+                  <a:schemeClr val="accent5">
+                    <a:lumMod val="75000"/>
+                  </a:schemeClr>
+                </a:solidFill>
+              </a:rPr>
+              <a:t>. </a:t>
+            </a:r>
+            <a:r>
+              <a:rPr lang="vi-VN" sz="1600" dirty="0">
+                <a:solidFill>
+                  <a:schemeClr val="accent5">
+                    <a:lumMod val="75000"/>
+                  </a:schemeClr>
+                </a:solidFill>
+              </a:rPr>
+              <a:t>Khi đó mệnh đề WHERE của VIEW sẽ không chạy được vì không thõa điệu kiện.</a:t>
+            </a:r>
+            <a:r>
+              <a:rPr lang="en-US" sz="1600" dirty="0" smtClean="0">
+                <a:solidFill>
+                  <a:schemeClr val="accent5">
+                    <a:lumMod val="75000"/>
+                  </a:schemeClr>
+                </a:solidFill>
+              </a:rPr>
+              <a:t> </a:t>
+            </a:r>
+            <a:endParaRPr lang="en-US" sz="1600" dirty="0" smtClean="0">
+              <a:solidFill>
+                <a:schemeClr val="accent5">
+                  <a:lumMod val="75000"/>
+                </a:schemeClr>
+              </a:solidFill>
+            </a:endParaRPr>
+          </a:p>
+        </p:txBody>
+      </p:sp>
+    </p:spTree>
+    <p:extLst>
+      <p:ext uri="{BB962C8B-B14F-4D97-AF65-F5344CB8AC3E}">
+        <p14:creationId xmlns:p14="http://schemas.microsoft.com/office/powerpoint/2010/main" val="943824854"/>
+      </p:ext>
+    </p:extLst>
+  </p:cSld>
+  <p:clrMapOvr>
+    <a:masterClrMapping/>
+  </p:clrMapOvr>
+  <p:timing>
+    <p:tnLst>
+      <p:par>
+        <p:cTn id="1" dur="indefinite" restart="never" nodeType="tmRoot"/>
+      </p:par>
+    </p:tnLst>
+  </p:timing>
+</p:sld>
+</file>
+
+<file path=ppt/slides/slide16.xml><?xml version="1.0" encoding="utf-8"?>
+<p:sld xmlns:a="http://schemas.openxmlformats.org/drawingml/2006/main" xmlns:r="http://schemas.openxmlformats.org/officeDocument/2006/relationships" xmlns:p="http://schemas.openxmlformats.org/presentationml/2006/main">
+  <p:cSld>
+    <p:spTree>
+      <p:nvGrpSpPr>
+        <p:cNvPr id="1" name=""/>
+        <p:cNvGrpSpPr/>
+        <p:nvPr/>
+      </p:nvGrpSpPr>
+      <p:grpSpPr>
+        <a:xfrm>
+          <a:off x="0" y="0"/>
+          <a:ext cx="0" cy="0"/>
+          <a:chOff x="0" y="0"/>
+          <a:chExt cx="0" cy="0"/>
+        </a:xfrm>
+      </p:grpSpPr>
+      <p:sp>
+        <p:nvSpPr>
+          <p:cNvPr id="2" name="4-Point Star 1"/>
+          <p:cNvSpPr/>
+          <p:nvPr/>
+        </p:nvSpPr>
+        <p:spPr>
+          <a:xfrm>
+            <a:off x="905344" y="499227"/>
+            <a:ext cx="289711" cy="289711"/>
+          </a:xfrm>
+          <a:prstGeom prst="star4">
+            <a:avLst/>
+          </a:prstGeom>
+          <a:solidFill>
+            <a:schemeClr val="accent2"/>
+          </a:solidFill>
+          <a:ln>
+            <a:noFill/>
+          </a:ln>
+        </p:spPr>
+        <p:style>
+          <a:lnRef idx="2">
+            <a:schemeClr val="accent1">
+              <a:shade val="50000"/>
+            </a:schemeClr>
+          </a:lnRef>
+          <a:fillRef idx="1">
+            <a:schemeClr val="accent1"/>
+          </a:fillRef>
+          <a:effectRef idx="0">
+            <a:schemeClr val="accent1"/>
+          </a:effectRef>
+          <a:fontRef idx="minor">
+            <a:schemeClr val="lt1"/>
+          </a:fontRef>
+        </p:style>
+        <p:txBody>
+          <a:bodyPr rtlCol="0" anchor="ctr"/>
+          <a:lstStyle/>
+          <a:p>
+            <a:pPr algn="ctr"/>
+            <a:endParaRPr lang="en-US"/>
+          </a:p>
+        </p:txBody>
+      </p:sp>
+      <p:sp>
+        <p:nvSpPr>
+          <p:cNvPr id="4" name="TextBox 3"/>
+          <p:cNvSpPr txBox="1"/>
+          <p:nvPr/>
+        </p:nvSpPr>
+        <p:spPr>
+          <a:xfrm>
+            <a:off x="1329315" y="474805"/>
+            <a:ext cx="4845148" cy="338554"/>
+          </a:xfrm>
+          <a:prstGeom prst="rect">
+            <a:avLst/>
+          </a:prstGeom>
+          <a:noFill/>
+        </p:spPr>
+        <p:txBody>
+          <a:bodyPr wrap="square" rtlCol="0">
+            <a:spAutoFit/>
+          </a:bodyPr>
+          <a:lstStyle/>
+          <a:p>
+            <a:r>
+              <a:rPr lang="vi-VN" sz="1600" b="1" dirty="0" smtClean="0">
+                <a:solidFill>
+                  <a:schemeClr val="accent5">
+                    <a:lumMod val="75000"/>
+                  </a:schemeClr>
+                </a:solidFill>
+              </a:rPr>
+              <a:t>WITH LOCAL</a:t>
+            </a:r>
+            <a:r>
+              <a:rPr lang="en-US" sz="1600" b="1" dirty="0">
+                <a:solidFill>
+                  <a:schemeClr val="accent5">
+                    <a:lumMod val="75000"/>
+                  </a:schemeClr>
+                </a:solidFill>
+              </a:rPr>
+              <a:t>/CASCADED</a:t>
+            </a:r>
+            <a:r>
+              <a:rPr lang="vi-VN" sz="1600" b="1" dirty="0" smtClean="0">
+                <a:solidFill>
+                  <a:schemeClr val="accent5">
+                    <a:lumMod val="75000"/>
+                  </a:schemeClr>
+                </a:solidFill>
+              </a:rPr>
+              <a:t> CHECK OPTION</a:t>
+            </a:r>
+            <a:endParaRPr lang="en-US" sz="1600" b="1" dirty="0">
+              <a:solidFill>
+                <a:schemeClr val="accent5">
+                  <a:lumMod val="75000"/>
+                </a:schemeClr>
+              </a:solidFill>
+            </a:endParaRPr>
+          </a:p>
+        </p:txBody>
+      </p:sp>
+      <p:sp>
+        <p:nvSpPr>
+          <p:cNvPr id="14" name="TextBox 13"/>
+          <p:cNvSpPr txBox="1"/>
+          <p:nvPr/>
+        </p:nvSpPr>
+        <p:spPr>
+          <a:xfrm>
+            <a:off x="1050199" y="1488344"/>
+            <a:ext cx="7405736" cy="1323439"/>
+          </a:xfrm>
+          <a:prstGeom prst="rect">
+            <a:avLst/>
+          </a:prstGeom>
+          <a:noFill/>
+        </p:spPr>
+        <p:txBody>
+          <a:bodyPr wrap="square" rtlCol="0">
+            <a:spAutoFit/>
+          </a:bodyPr>
+          <a:lstStyle/>
+          <a:p>
+            <a:r>
+              <a:rPr lang="vi-VN" sz="1600" dirty="0" smtClean="0">
+                <a:solidFill>
+                  <a:schemeClr val="accent5">
+                    <a:lumMod val="75000"/>
+                  </a:schemeClr>
+                </a:solidFill>
+              </a:rPr>
+              <a:t>Khi </a:t>
+            </a:r>
+            <a:r>
+              <a:rPr lang="vi-VN" sz="1600" dirty="0">
+                <a:solidFill>
+                  <a:schemeClr val="accent5">
+                    <a:lumMod val="75000"/>
+                  </a:schemeClr>
+                </a:solidFill>
+              </a:rPr>
+              <a:t>bạn sử dụng WITH CASCADED CHECK OPTION khi tạo </a:t>
+            </a:r>
+            <a:r>
+              <a:rPr lang="vi-VN" sz="1600" dirty="0" smtClean="0">
+                <a:solidFill>
+                  <a:schemeClr val="accent5">
+                    <a:lumMod val="75000"/>
+                  </a:schemeClr>
+                </a:solidFill>
+              </a:rPr>
+              <a:t>view</a:t>
+            </a:r>
+            <a:r>
+              <a:rPr lang="en-US" sz="1600" dirty="0">
+                <a:solidFill>
+                  <a:schemeClr val="accent5">
+                    <a:lumMod val="75000"/>
+                  </a:schemeClr>
+                </a:solidFill>
+              </a:rPr>
+              <a:t>.</a:t>
+            </a:r>
+            <a:r>
+              <a:rPr lang="vi-VN" sz="1600" dirty="0" smtClean="0">
+                <a:solidFill>
+                  <a:schemeClr val="accent5">
+                    <a:lumMod val="75000"/>
+                  </a:schemeClr>
+                </a:solidFill>
+              </a:rPr>
+              <a:t> </a:t>
+            </a:r>
+            <a:r>
+              <a:rPr lang="en-US" sz="1600" dirty="0" smtClean="0">
+                <a:solidFill>
+                  <a:schemeClr val="accent5">
+                    <a:lumMod val="75000"/>
+                  </a:schemeClr>
+                </a:solidFill>
+              </a:rPr>
+              <a:t>N</a:t>
+            </a:r>
+            <a:r>
+              <a:rPr lang="vi-VN" sz="1600" dirty="0" smtClean="0">
+                <a:solidFill>
+                  <a:schemeClr val="accent5">
+                    <a:lumMod val="75000"/>
+                  </a:schemeClr>
+                </a:solidFill>
+              </a:rPr>
+              <a:t>ếu </a:t>
+            </a:r>
+            <a:r>
+              <a:rPr lang="vi-VN" sz="1600" dirty="0">
+                <a:solidFill>
+                  <a:schemeClr val="accent5">
+                    <a:lumMod val="75000"/>
+                  </a:schemeClr>
+                </a:solidFill>
+              </a:rPr>
+              <a:t>bạn cập nhật dữ liệu thông qua view hiện tại và dữ liệu đó không thỏa mãn điều kiện kiểm tra, câu lệnh cập nhật sẽ bị từ chối. Ngoài ra, nếu bạn cập nhật dữ liệu thông qua một view phụ thuộc vào view hiện tại và dữ liệu đó không thỏa mãn điều kiện kiểm tra, câu lệnh cập nhật sẽ bị từ chối</a:t>
+            </a:r>
+            <a:endParaRPr lang="en-US" sz="1600" dirty="0">
+              <a:solidFill>
+                <a:schemeClr val="accent5">
+                  <a:lumMod val="75000"/>
+                </a:schemeClr>
+              </a:solidFill>
+            </a:endParaRPr>
+          </a:p>
+        </p:txBody>
+      </p:sp>
+      <p:sp>
+        <p:nvSpPr>
+          <p:cNvPr id="7" name="Oval 6"/>
+          <p:cNvSpPr/>
+          <p:nvPr/>
+        </p:nvSpPr>
+        <p:spPr>
+          <a:xfrm>
+            <a:off x="1050199" y="1149790"/>
+            <a:ext cx="144856" cy="144856"/>
+          </a:xfrm>
+          <a:prstGeom prst="ellipse">
+            <a:avLst/>
+          </a:prstGeom>
+        </p:spPr>
+        <p:style>
+          <a:lnRef idx="2">
+            <a:schemeClr val="accent1">
+              <a:shade val="50000"/>
+            </a:schemeClr>
+          </a:lnRef>
+          <a:fillRef idx="1">
+            <a:schemeClr val="accent1"/>
+          </a:fillRef>
+          <a:effectRef idx="0">
+            <a:schemeClr val="accent1"/>
+          </a:effectRef>
+          <a:fontRef idx="minor">
+            <a:schemeClr val="lt1"/>
+          </a:fontRef>
+        </p:style>
+        <p:txBody>
+          <a:bodyPr rtlCol="0" anchor="ctr"/>
+          <a:lstStyle/>
+          <a:p>
+            <a:pPr algn="ctr"/>
+            <a:endParaRPr lang="en-US"/>
+          </a:p>
+        </p:txBody>
+      </p:sp>
+      <p:sp>
+        <p:nvSpPr>
+          <p:cNvPr id="15" name="TextBox 14"/>
+          <p:cNvSpPr txBox="1"/>
+          <p:nvPr/>
+        </p:nvSpPr>
+        <p:spPr>
+          <a:xfrm>
+            <a:off x="1195055" y="1052941"/>
+            <a:ext cx="6781048" cy="338554"/>
+          </a:xfrm>
+          <a:prstGeom prst="rect">
+            <a:avLst/>
+          </a:prstGeom>
+          <a:noFill/>
+        </p:spPr>
+        <p:txBody>
+          <a:bodyPr wrap="square" rtlCol="0">
+            <a:spAutoFit/>
+          </a:bodyPr>
+          <a:lstStyle/>
+          <a:p>
+            <a:r>
+              <a:rPr lang="en-US" sz="1600" dirty="0">
+                <a:solidFill>
+                  <a:schemeClr val="accent5">
+                    <a:lumMod val="75000"/>
+                  </a:schemeClr>
+                </a:solidFill>
+              </a:rPr>
+              <a:t>WITH CASCADED CHECK OPTION</a:t>
+            </a:r>
+            <a:endParaRPr lang="en-US" sz="1600" dirty="0" smtClean="0">
+              <a:solidFill>
+                <a:schemeClr val="accent5">
+                  <a:lumMod val="75000"/>
+                </a:schemeClr>
+              </a:solidFill>
+            </a:endParaRPr>
+          </a:p>
+        </p:txBody>
+      </p:sp>
+      <p:sp>
+        <p:nvSpPr>
+          <p:cNvPr id="17" name="Oval 16"/>
+          <p:cNvSpPr/>
+          <p:nvPr/>
+        </p:nvSpPr>
+        <p:spPr>
+          <a:xfrm>
+            <a:off x="1050199" y="3041965"/>
+            <a:ext cx="144856" cy="144856"/>
+          </a:xfrm>
+          <a:prstGeom prst="ellipse">
+            <a:avLst/>
+          </a:prstGeom>
+        </p:spPr>
+        <p:style>
+          <a:lnRef idx="2">
+            <a:schemeClr val="accent1">
+              <a:shade val="50000"/>
+            </a:schemeClr>
+          </a:lnRef>
+          <a:fillRef idx="1">
+            <a:schemeClr val="accent1"/>
+          </a:fillRef>
+          <a:effectRef idx="0">
+            <a:schemeClr val="accent1"/>
+          </a:effectRef>
+          <a:fontRef idx="minor">
+            <a:schemeClr val="lt1"/>
+          </a:fontRef>
+        </p:style>
+        <p:txBody>
+          <a:bodyPr rtlCol="0" anchor="ctr"/>
+          <a:lstStyle/>
+          <a:p>
+            <a:pPr algn="ctr"/>
+            <a:endParaRPr lang="en-US"/>
+          </a:p>
+        </p:txBody>
+      </p:sp>
+      <p:sp>
+        <p:nvSpPr>
+          <p:cNvPr id="18" name="TextBox 17"/>
+          <p:cNvSpPr txBox="1"/>
+          <p:nvPr/>
+        </p:nvSpPr>
+        <p:spPr>
+          <a:xfrm>
+            <a:off x="1195055" y="2945116"/>
+            <a:ext cx="6781048" cy="338554"/>
+          </a:xfrm>
+          <a:prstGeom prst="rect">
+            <a:avLst/>
+          </a:prstGeom>
+          <a:noFill/>
+        </p:spPr>
+        <p:txBody>
+          <a:bodyPr wrap="square" rtlCol="0">
+            <a:spAutoFit/>
+          </a:bodyPr>
+          <a:lstStyle/>
+          <a:p>
+            <a:r>
+              <a:rPr lang="en-US" sz="1600" dirty="0">
+                <a:solidFill>
+                  <a:schemeClr val="accent5">
+                    <a:lumMod val="75000"/>
+                  </a:schemeClr>
+                </a:solidFill>
+              </a:rPr>
+              <a:t>WITH </a:t>
+            </a:r>
+            <a:r>
+              <a:rPr lang="en-US" sz="1600" dirty="0" smtClean="0">
+                <a:solidFill>
+                  <a:schemeClr val="accent5">
+                    <a:lumMod val="75000"/>
+                  </a:schemeClr>
+                </a:solidFill>
+              </a:rPr>
+              <a:t>LOCAL </a:t>
+            </a:r>
+            <a:r>
+              <a:rPr lang="en-US" sz="1600" dirty="0">
+                <a:solidFill>
+                  <a:schemeClr val="accent5">
+                    <a:lumMod val="75000"/>
+                  </a:schemeClr>
+                </a:solidFill>
+              </a:rPr>
+              <a:t>CHECK OPTION</a:t>
+            </a:r>
+            <a:endParaRPr lang="en-US" sz="1600" dirty="0" smtClean="0">
+              <a:solidFill>
+                <a:schemeClr val="accent5">
+                  <a:lumMod val="75000"/>
+                </a:schemeClr>
+              </a:solidFill>
+            </a:endParaRPr>
+          </a:p>
+        </p:txBody>
+      </p:sp>
+      <p:sp>
+        <p:nvSpPr>
+          <p:cNvPr id="19" name="TextBox 18"/>
+          <p:cNvSpPr txBox="1"/>
+          <p:nvPr/>
+        </p:nvSpPr>
+        <p:spPr>
+          <a:xfrm>
+            <a:off x="1050199" y="3416732"/>
+            <a:ext cx="7405736" cy="1323439"/>
+          </a:xfrm>
+          <a:prstGeom prst="rect">
+            <a:avLst/>
+          </a:prstGeom>
+          <a:noFill/>
+        </p:spPr>
+        <p:txBody>
+          <a:bodyPr wrap="square" rtlCol="0">
+            <a:spAutoFit/>
+          </a:bodyPr>
+          <a:lstStyle/>
+          <a:p>
+            <a:r>
+              <a:rPr lang="vi-VN" sz="1600" dirty="0">
+                <a:solidFill>
+                  <a:schemeClr val="accent5">
+                    <a:lumMod val="75000"/>
+                  </a:schemeClr>
+                </a:solidFill>
+              </a:rPr>
+              <a:t>Điều này có nghĩa là nếu bạn cập nhật dữ liệu thông qua view hiện tại và dữ liệu đó không thỏa mãn điều kiện kiểm tra, câu lệnh cập nhật sẽ bị từ chối. Tuy nhiên, nếu bạn cập nhật dữ liệu thông qua một view phụ thuộc vào view hiện tại và dữ liệu đó không thỏa mãn điều kiện kiểm tra, câu lệnh cập nhật sẽ được thực hiện mà không bị từ chối.</a:t>
+            </a:r>
+            <a:endParaRPr lang="en-US" sz="1600" dirty="0">
+              <a:solidFill>
+                <a:schemeClr val="accent5">
+                  <a:lumMod val="75000"/>
+                </a:schemeClr>
+              </a:solidFill>
+            </a:endParaRPr>
+          </a:p>
+        </p:txBody>
+      </p:sp>
+    </p:spTree>
+    <p:extLst>
+      <p:ext uri="{BB962C8B-B14F-4D97-AF65-F5344CB8AC3E}">
+        <p14:creationId xmlns:p14="http://schemas.microsoft.com/office/powerpoint/2010/main" val="442817686"/>
+      </p:ext>
+    </p:extLst>
+  </p:cSld>
+  <p:clrMapOvr>
+    <a:masterClrMapping/>
+  </p:clrMapOvr>
+  <p:timing>
+    <p:tnLst>
+      <p:par>
+        <p:cTn id="1" dur="indefinite" restart="never" nodeType="tmRoot"/>
+      </p:par>
+    </p:tnLst>
+  </p:timing>
+</p:sld>
+</file>
+
+<file path=ppt/slides/slide17.xml><?xml version="1.0" encoding="utf-8"?>
 <p:sld xmlns:a="http://schemas.openxmlformats.org/drawingml/2006/main" xmlns:r="http://schemas.openxmlformats.org/officeDocument/2006/relationships" xmlns:p="http://schemas.openxmlformats.org/presentationml/2006/main">
   <p:cSld>
     <p:spTree>
@@ -4143,13 +11883,6 @@
               </a:rPr>
               <a:t>procedures</a:t>
             </a:r>
-            <a:endParaRPr lang="en-US" sz="3200" b="1" dirty="0">
-              <a:solidFill>
-                <a:schemeClr val="accent5">
-                  <a:lumMod val="75000"/>
-                </a:schemeClr>
-              </a:solidFill>
-            </a:endParaRPr>
           </a:p>
         </p:txBody>
       </p:sp>
@@ -9172,13 +16905,6 @@
               </a:rPr>
               <a:t>stored procedure</a:t>
             </a:r>
-            <a:endParaRPr lang="en-US" sz="1600" dirty="0">
-              <a:solidFill>
-                <a:schemeClr val="accent5">
-                  <a:lumMod val="75000"/>
-                </a:schemeClr>
-              </a:solidFill>
-            </a:endParaRPr>
           </a:p>
         </p:txBody>
       </p:sp>
@@ -10525,13 +18251,6 @@
               </a:rPr>
               <a:t>triggers</a:t>
             </a:r>
-            <a:endParaRPr lang="en-US" sz="1600" b="1" dirty="0">
-              <a:solidFill>
-                <a:schemeClr val="accent5">
-                  <a:lumMod val="75000"/>
-                </a:schemeClr>
-              </a:solidFill>
-            </a:endParaRPr>
           </a:p>
         </p:txBody>
       </p:sp>
@@ -11653,17 +19372,7 @@
                   </a:schemeClr>
                 </a:solidFill>
               </a:rPr>
-              <a:t>khó</a:t>
-            </a:r>
-            <a:r>
-              <a:rPr lang="en-US" sz="1600" dirty="0" err="1" smtClean="0">
-                <a:solidFill>
-                  <a:schemeClr val="accent5">
-                    <a:lumMod val="75000"/>
-                  </a:schemeClr>
-                </a:solidFill>
-              </a:rPr>
-              <a:t>a</a:t>
+              <a:t>khóa</a:t>
             </a:r>
             <a:r>
               <a:rPr lang="en-US" sz="1600" dirty="0" smtClean="0">
@@ -12984,17 +20693,7 @@
                   </a:schemeClr>
                 </a:solidFill>
               </a:rPr>
-              <a:t>sả</a:t>
-            </a:r>
-            <a:r>
-              <a:rPr lang="en-US" sz="1600" dirty="0" err="1" smtClean="0">
-                <a:solidFill>
-                  <a:schemeClr val="accent5">
-                    <a:lumMod val="75000"/>
-                  </a:schemeClr>
-                </a:solidFill>
-              </a:rPr>
-              <a:t>n</a:t>
+              <a:t>sản</a:t>
             </a:r>
             <a:r>
               <a:rPr lang="en-US" sz="1600" dirty="0" smtClean="0">

--- a/01.Lessions/09-Stored-procedures-Triggers-Views/09-Stored-procedures-Triggers-Views.pptx
+++ b/01.Lessions/09-Stored-procedures-Triggers-Views/09-Stored-procedures-Triggers-Views.pptx
@@ -21,7 +21,10 @@
     <p:sldId id="302" r:id="rId15"/>
     <p:sldId id="303" r:id="rId16"/>
     <p:sldId id="304" r:id="rId17"/>
-    <p:sldId id="288" r:id="rId18"/>
+    <p:sldId id="305" r:id="rId18"/>
+    <p:sldId id="306" r:id="rId19"/>
+    <p:sldId id="307" r:id="rId20"/>
+    <p:sldId id="288" r:id="rId21"/>
   </p:sldIdLst>
   <p:sldSz cx="9144000" cy="6858000" type="screen4x3"/>
   <p:notesSz cx="6858000" cy="9144000"/>
@@ -977,7 +980,7 @@
           <a:p>
             <a:fld id="{C764DE79-268F-4C1A-8933-263129D2AF90}" type="datetimeFigureOut">
               <a:rPr lang="en-US" dirty="0"/>
-              <a:t>12/29/2023</a:t>
+              <a:t>1/2/2024</a:t>
             </a:fld>
             <a:endParaRPr lang="en-US" dirty="0"/>
           </a:p>
@@ -2633,11 +2636,6 @@
               </a:rPr>
               <a:t>2</a:t>
             </a:r>
-            <a:endParaRPr lang="en-US" b="1" dirty="0">
-              <a:solidFill>
-                <a:schemeClr val="bg1"/>
-              </a:solidFill>
-            </a:endParaRPr>
           </a:p>
         </p:txBody>
       </p:sp>
@@ -5312,13 +5310,6 @@
               </a:rPr>
               <a:t> View.</a:t>
             </a:r>
-            <a:endParaRPr lang="en-US" sz="1600" dirty="0" smtClean="0">
-              <a:solidFill>
-                <a:schemeClr val="accent5">
-                  <a:lumMod val="75000"/>
-                </a:schemeClr>
-              </a:solidFill>
-            </a:endParaRPr>
           </a:p>
         </p:txBody>
       </p:sp>
@@ -5642,17 +5633,7 @@
                   </a:schemeClr>
                 </a:solidFill>
               </a:rPr>
-              <a:t>đổ</a:t>
-            </a:r>
-            <a:r>
-              <a:rPr lang="en-US" sz="1600" dirty="0" err="1" smtClean="0">
-                <a:solidFill>
-                  <a:schemeClr val="accent5">
-                    <a:lumMod val="75000"/>
-                  </a:schemeClr>
-                </a:solidFill>
-              </a:rPr>
-              <a:t>i</a:t>
+              <a:t>đổi</a:t>
             </a:r>
             <a:r>
               <a:rPr lang="en-US" sz="1600" dirty="0" smtClean="0">
@@ -5704,13 +5685,6 @@
               </a:rPr>
               <a:t> view</a:t>
             </a:r>
-            <a:endParaRPr lang="en-US" sz="1600" dirty="0" smtClean="0">
-              <a:solidFill>
-                <a:schemeClr val="accent5">
-                  <a:lumMod val="75000"/>
-                </a:schemeClr>
-              </a:solidFill>
-            </a:endParaRPr>
           </a:p>
         </p:txBody>
       </p:sp>
@@ -6682,17 +6656,7 @@
                   </a:schemeClr>
                 </a:solidFill>
               </a:rPr>
-              <a:t> </a:t>
-            </a:r>
-            <a:r>
-              <a:rPr lang="en-US" sz="1600" b="1" dirty="0" smtClean="0">
-                <a:solidFill>
-                  <a:schemeClr val="accent5">
-                    <a:lumMod val="75000"/>
-                  </a:schemeClr>
-                </a:solidFill>
-              </a:rPr>
-              <a:t>View</a:t>
+              <a:t> View</a:t>
             </a:r>
             <a:endParaRPr lang="en-US" sz="1600" b="1" dirty="0">
               <a:solidFill>
@@ -7152,13 +7116,6 @@
               </a:rPr>
               <a:t> View</a:t>
             </a:r>
-            <a:endParaRPr lang="en-US" sz="1600" dirty="0" smtClean="0">
-              <a:solidFill>
-                <a:schemeClr val="accent5">
-                  <a:lumMod val="75000"/>
-                </a:schemeClr>
-              </a:solidFill>
-            </a:endParaRPr>
           </a:p>
         </p:txBody>
       </p:sp>
@@ -7702,13 +7659,6 @@
               </a:rPr>
               <a:t> 4.</a:t>
             </a:r>
-            <a:endParaRPr lang="en-US" sz="1600" dirty="0" smtClean="0">
-              <a:solidFill>
-                <a:schemeClr val="accent5">
-                  <a:lumMod val="75000"/>
-                </a:schemeClr>
-              </a:solidFill>
-            </a:endParaRPr>
           </a:p>
         </p:txBody>
       </p:sp>
@@ -7914,13 +7864,6 @@
               </a:rPr>
               <a:t> view.</a:t>
             </a:r>
-            <a:endParaRPr lang="en-US" sz="1600" dirty="0" smtClean="0">
-              <a:solidFill>
-                <a:schemeClr val="accent5">
-                  <a:lumMod val="75000"/>
-                </a:schemeClr>
-              </a:solidFill>
-            </a:endParaRPr>
           </a:p>
         </p:txBody>
       </p:sp>
@@ -8510,13 +8453,6 @@
               </a:rPr>
               <a:t> Nested View.</a:t>
             </a:r>
-            <a:endParaRPr lang="en-US" sz="1600" dirty="0" smtClean="0">
-              <a:solidFill>
-                <a:schemeClr val="accent5">
-                  <a:lumMod val="75000"/>
-                </a:schemeClr>
-              </a:solidFill>
-            </a:endParaRPr>
           </a:p>
         </p:txBody>
       </p:sp>
@@ -8731,13 +8667,6 @@
               </a:rPr>
               <a:t>Materialized Views</a:t>
             </a:r>
-            <a:endParaRPr lang="en-US" sz="1600" b="1" dirty="0">
-              <a:solidFill>
-                <a:schemeClr val="accent5">
-                  <a:lumMod val="75000"/>
-                </a:schemeClr>
-              </a:solidFill>
-            </a:endParaRPr>
           </a:p>
         </p:txBody>
       </p:sp>
@@ -9303,13 +9232,6 @@
               </a:rPr>
               <a:t>.</a:t>
             </a:r>
-            <a:endParaRPr lang="en-US" sz="1600" dirty="0" smtClean="0">
-              <a:solidFill>
-                <a:schemeClr val="accent5">
-                  <a:lumMod val="75000"/>
-                </a:schemeClr>
-              </a:solidFill>
-            </a:endParaRPr>
           </a:p>
         </p:txBody>
       </p:sp>
@@ -9491,13 +9413,6 @@
               </a:rPr>
               <a:t>:</a:t>
             </a:r>
-            <a:endParaRPr lang="en-US" sz="1600" dirty="0" smtClean="0">
-              <a:solidFill>
-                <a:schemeClr val="accent5">
-                  <a:lumMod val="75000"/>
-                </a:schemeClr>
-              </a:solidFill>
-            </a:endParaRPr>
           </a:p>
         </p:txBody>
       </p:sp>
@@ -9657,13 +9572,6 @@
               </a:rPr>
               <a:t>.</a:t>
             </a:r>
-            <a:endParaRPr lang="en-US" sz="1400" dirty="0" smtClean="0">
-              <a:solidFill>
-                <a:schemeClr val="accent5">
-                  <a:lumMod val="75000"/>
-                </a:schemeClr>
-              </a:solidFill>
-            </a:endParaRPr>
           </a:p>
         </p:txBody>
       </p:sp>
@@ -9739,13 +9647,6 @@
               </a:rPr>
               <a:t>:</a:t>
             </a:r>
-            <a:endParaRPr lang="en-US" sz="1600" dirty="0" smtClean="0">
-              <a:solidFill>
-                <a:schemeClr val="accent5">
-                  <a:lumMod val="75000"/>
-                </a:schemeClr>
-              </a:solidFill>
-            </a:endParaRPr>
           </a:p>
         </p:txBody>
       </p:sp>
@@ -10255,13 +10156,6 @@
               </a:rPr>
               <a:t>.</a:t>
             </a:r>
-            <a:endParaRPr lang="en-US" sz="1600" dirty="0" smtClean="0">
-              <a:solidFill>
-                <a:schemeClr val="accent5">
-                  <a:lumMod val="75000"/>
-                </a:schemeClr>
-              </a:solidFill>
-            </a:endParaRPr>
           </a:p>
         </p:txBody>
       </p:sp>
@@ -10677,13 +10571,6 @@
               </a:rPr>
               <a:t> </a:t>
             </a:r>
-            <a:endParaRPr lang="en-US" sz="1600" dirty="0" smtClean="0">
-              <a:solidFill>
-                <a:schemeClr val="accent5">
-                  <a:lumMod val="75000"/>
-                </a:schemeClr>
-              </a:solidFill>
-            </a:endParaRPr>
           </a:p>
         </p:txBody>
       </p:sp>
@@ -10778,7 +10665,7 @@
         </p:nvSpPr>
         <p:spPr>
           <a:xfrm>
-            <a:off x="1329315" y="474805"/>
+            <a:off x="1195055" y="474805"/>
             <a:ext cx="4845148" cy="338554"/>
           </a:xfrm>
           <a:prstGeom prst="rect">
@@ -11209,21 +11096,26 @@
       </p:grpSpPr>
       <p:sp>
         <p:nvSpPr>
-          <p:cNvPr id="8" name="Rounded Rectangle 7"/>
+          <p:cNvPr id="7" name="Rounded Rectangle 6"/>
           <p:cNvSpPr/>
           <p:nvPr/>
         </p:nvSpPr>
         <p:spPr>
           <a:xfrm>
-            <a:off x="905345" y="2648382"/>
-            <a:ext cx="350005" cy="350005"/>
+            <a:off x="905343" y="3764339"/>
+            <a:ext cx="7550593" cy="2701740"/>
           </a:xfrm>
           <a:prstGeom prst="roundRect">
-            <a:avLst/>
+            <a:avLst>
+              <a:gd name="adj" fmla="val 1724"/>
+            </a:avLst>
           </a:prstGeom>
           <a:solidFill>
-            <a:schemeClr val="bg1"/>
+            <a:srgbClr val="1C1E26"/>
           </a:solidFill>
+          <a:ln>
+            <a:noFill/>
+          </a:ln>
         </p:spPr>
         <p:style>
           <a:lnRef idx="2">
@@ -11246,185 +11138,32 @@
           <a:lstStyle/>
           <a:p>
             <a:pPr algn="ctr"/>
-            <a:r>
-              <a:rPr lang="en-US" b="1" dirty="0" smtClean="0">
-                <a:solidFill>
-                  <a:schemeClr val="accent5">
-                    <a:lumMod val="75000"/>
-                  </a:schemeClr>
-                </a:solidFill>
-              </a:rPr>
-              <a:t>1</a:t>
-            </a:r>
-            <a:endParaRPr lang="en-US" b="1" dirty="0">
-              <a:solidFill>
-                <a:schemeClr val="accent5">
-                  <a:lumMod val="75000"/>
-                </a:schemeClr>
-              </a:solidFill>
-            </a:endParaRPr>
+            <a:endParaRPr lang="en-US"/>
           </a:p>
         </p:txBody>
       </p:sp>
       <p:sp>
         <p:nvSpPr>
-          <p:cNvPr id="22" name="TextBox 21"/>
-          <p:cNvSpPr txBox="1"/>
-          <p:nvPr/>
-        </p:nvSpPr>
-        <p:spPr>
-          <a:xfrm>
-            <a:off x="1318725" y="2668485"/>
-            <a:ext cx="6919928" cy="338554"/>
-          </a:xfrm>
-          <a:prstGeom prst="rect">
-            <a:avLst/>
-          </a:prstGeom>
-          <a:noFill/>
-        </p:spPr>
-        <p:txBody>
-          <a:bodyPr wrap="square" rtlCol="0">
-            <a:spAutoFit/>
-          </a:bodyPr>
-          <a:lstStyle/>
-          <a:p>
-            <a:r>
-              <a:rPr lang="en-US" sz="1600" dirty="0" err="1" smtClean="0">
-                <a:solidFill>
-                  <a:schemeClr val="bg1"/>
-                </a:solidFill>
-              </a:rPr>
-              <a:t>Hiểu</a:t>
-            </a:r>
-            <a:r>
-              <a:rPr lang="en-US" sz="1600" dirty="0" smtClean="0">
-                <a:solidFill>
-                  <a:schemeClr val="bg1"/>
-                </a:solidFill>
-              </a:rPr>
-              <a:t> </a:t>
-            </a:r>
-            <a:r>
-              <a:rPr lang="en-US" sz="1600" dirty="0" err="1" smtClean="0">
-                <a:solidFill>
-                  <a:schemeClr val="bg1"/>
-                </a:solidFill>
-              </a:rPr>
-              <a:t>cách</a:t>
-            </a:r>
-            <a:r>
-              <a:rPr lang="en-US" sz="1600" dirty="0" smtClean="0">
-                <a:solidFill>
-                  <a:schemeClr val="bg1"/>
-                </a:solidFill>
-              </a:rPr>
-              <a:t> </a:t>
-            </a:r>
-            <a:r>
-              <a:rPr lang="en-US" sz="1600" dirty="0" err="1" smtClean="0">
-                <a:solidFill>
-                  <a:schemeClr val="bg1"/>
-                </a:solidFill>
-              </a:rPr>
-              <a:t>sử</a:t>
-            </a:r>
-            <a:r>
-              <a:rPr lang="en-US" sz="1600" dirty="0" smtClean="0">
-                <a:solidFill>
-                  <a:schemeClr val="bg1"/>
-                </a:solidFill>
-              </a:rPr>
-              <a:t> </a:t>
-            </a:r>
-            <a:r>
-              <a:rPr lang="en-US" sz="1600" dirty="0" err="1" smtClean="0">
-                <a:solidFill>
-                  <a:schemeClr val="bg1"/>
-                </a:solidFill>
-              </a:rPr>
-              <a:t>dụng</a:t>
-            </a:r>
-            <a:r>
-              <a:rPr lang="en-US" sz="1600" dirty="0" smtClean="0">
-                <a:solidFill>
-                  <a:schemeClr val="bg1"/>
-                </a:solidFill>
-              </a:rPr>
-              <a:t> Column Aliases </a:t>
-            </a:r>
-            <a:r>
-              <a:rPr lang="en-US" sz="1600" dirty="0" err="1" smtClean="0">
-                <a:solidFill>
-                  <a:schemeClr val="bg1"/>
-                </a:solidFill>
-              </a:rPr>
-              <a:t>trong</a:t>
-            </a:r>
-            <a:r>
-              <a:rPr lang="en-US" sz="1600" dirty="0" smtClean="0">
-                <a:solidFill>
-                  <a:schemeClr val="bg1"/>
-                </a:solidFill>
-              </a:rPr>
-              <a:t> </a:t>
-            </a:r>
-            <a:r>
-              <a:rPr lang="en-US" sz="1600" dirty="0" err="1" smtClean="0">
-                <a:solidFill>
-                  <a:schemeClr val="bg1"/>
-                </a:solidFill>
-              </a:rPr>
-              <a:t>câu</a:t>
-            </a:r>
-            <a:r>
-              <a:rPr lang="en-US" sz="1600" dirty="0" smtClean="0">
-                <a:solidFill>
-                  <a:schemeClr val="bg1"/>
-                </a:solidFill>
-              </a:rPr>
-              <a:t> </a:t>
-            </a:r>
-            <a:r>
-              <a:rPr lang="en-US" sz="1600" dirty="0" err="1" smtClean="0">
-                <a:solidFill>
-                  <a:schemeClr val="bg1"/>
-                </a:solidFill>
-              </a:rPr>
-              <a:t>lệnh</a:t>
-            </a:r>
-            <a:r>
-              <a:rPr lang="en-US" sz="1600" dirty="0" smtClean="0">
-                <a:solidFill>
-                  <a:schemeClr val="bg1"/>
-                </a:solidFill>
-              </a:rPr>
-              <a:t> JOIN</a:t>
-            </a:r>
-            <a:endParaRPr lang="en-US" sz="1600" dirty="0">
-              <a:solidFill>
-                <a:schemeClr val="bg1"/>
-              </a:solidFill>
-            </a:endParaRPr>
-          </a:p>
-        </p:txBody>
-      </p:sp>
-      <p:sp>
-        <p:nvSpPr>
-          <p:cNvPr id="17" name="Rounded Rectangle 16"/>
+          <p:cNvPr id="4" name="Rounded Rectangle 3"/>
           <p:cNvSpPr/>
           <p:nvPr/>
         </p:nvSpPr>
         <p:spPr>
           <a:xfrm>
-            <a:off x="905345" y="3477915"/>
-            <a:ext cx="350005" cy="350005"/>
+            <a:off x="905343" y="966818"/>
+            <a:ext cx="7550593" cy="2701740"/>
           </a:xfrm>
           <a:prstGeom prst="roundRect">
-            <a:avLst/>
+            <a:avLst>
+              <a:gd name="adj" fmla="val 1724"/>
+            </a:avLst>
           </a:prstGeom>
           <a:solidFill>
-            <a:schemeClr val="bg1"/>
+            <a:srgbClr val="1C1E26"/>
           </a:solidFill>
+          <a:ln>
+            <a:noFill/>
+          </a:ln>
         </p:spPr>
         <p:style>
           <a:lnRef idx="2">
@@ -11447,29 +11186,20 @@
           <a:lstStyle/>
           <a:p>
             <a:pPr algn="ctr"/>
-            <a:r>
-              <a:rPr lang="en-US" b="1" dirty="0">
-                <a:solidFill>
-                  <a:schemeClr val="accent5">
-                    <a:lumMod val="75000"/>
-                  </a:schemeClr>
-                </a:solidFill>
-              </a:rPr>
-              <a:t>2</a:t>
-            </a:r>
+            <a:endParaRPr lang="en-US"/>
           </a:p>
         </p:txBody>
       </p:sp>
       <p:sp>
         <p:nvSpPr>
-          <p:cNvPr id="23" name="TextBox 22"/>
+          <p:cNvPr id="2" name="TextBox 1"/>
           <p:cNvSpPr txBox="1"/>
           <p:nvPr/>
         </p:nvSpPr>
         <p:spPr>
           <a:xfrm>
-            <a:off x="1318725" y="3499028"/>
-            <a:ext cx="6919928" cy="338554"/>
+            <a:off x="814808" y="438142"/>
+            <a:ext cx="3684764" cy="338554"/>
           </a:xfrm>
           <a:prstGeom prst="rect">
             <a:avLst/>
@@ -11483,120 +11213,385 @@
           <a:lstStyle/>
           <a:p>
             <a:r>
-              <a:rPr lang="en-US" sz="1600" dirty="0" err="1" smtClean="0">
-                <a:solidFill>
-                  <a:schemeClr val="bg1"/>
-                </a:solidFill>
-              </a:rPr>
-              <a:t>Hiểu</a:t>
-            </a:r>
-            <a:r>
-              <a:rPr lang="en-US" sz="1600" dirty="0" smtClean="0">
-                <a:solidFill>
-                  <a:schemeClr val="bg1"/>
-                </a:solidFill>
-              </a:rPr>
-              <a:t> </a:t>
-            </a:r>
-            <a:r>
-              <a:rPr lang="en-US" sz="1600" dirty="0" err="1" smtClean="0">
-                <a:solidFill>
-                  <a:schemeClr val="bg1"/>
-                </a:solidFill>
-              </a:rPr>
-              <a:t>được</a:t>
-            </a:r>
-            <a:r>
-              <a:rPr lang="en-US" sz="1600" dirty="0" smtClean="0">
-                <a:solidFill>
-                  <a:schemeClr val="bg1"/>
-                </a:solidFill>
-              </a:rPr>
-              <a:t> </a:t>
-            </a:r>
-            <a:r>
-              <a:rPr lang="en-US" sz="1600" dirty="0" err="1" smtClean="0">
-                <a:solidFill>
-                  <a:schemeClr val="bg1"/>
-                </a:solidFill>
-              </a:rPr>
-              <a:t>cách</a:t>
-            </a:r>
-            <a:r>
-              <a:rPr lang="en-US" sz="1600" dirty="0" smtClean="0">
-                <a:solidFill>
-                  <a:schemeClr val="bg1"/>
-                </a:solidFill>
-              </a:rPr>
-              <a:t> </a:t>
-            </a:r>
-            <a:r>
-              <a:rPr lang="en-US" sz="1600" dirty="0" err="1" smtClean="0">
-                <a:solidFill>
-                  <a:schemeClr val="bg1"/>
-                </a:solidFill>
-              </a:rPr>
-              <a:t>sử</a:t>
-            </a:r>
-            <a:r>
-              <a:rPr lang="en-US" sz="1600" dirty="0" smtClean="0">
-                <a:solidFill>
-                  <a:schemeClr val="bg1"/>
-                </a:solidFill>
-              </a:rPr>
-              <a:t> </a:t>
-            </a:r>
-            <a:r>
-              <a:rPr lang="en-US" sz="1600" dirty="0" err="1" smtClean="0">
-                <a:solidFill>
-                  <a:schemeClr val="bg1"/>
-                </a:solidFill>
-              </a:rPr>
-              <a:t>dụng</a:t>
-            </a:r>
-            <a:r>
-              <a:rPr lang="en-US" sz="1600" dirty="0" smtClean="0">
-                <a:solidFill>
-                  <a:schemeClr val="bg1"/>
-                </a:solidFill>
-              </a:rPr>
-              <a:t> </a:t>
-            </a:r>
-            <a:r>
-              <a:rPr lang="en-US" sz="1600" dirty="0" err="1" smtClean="0">
-                <a:solidFill>
-                  <a:schemeClr val="bg1"/>
-                </a:solidFill>
-              </a:rPr>
-              <a:t>các</a:t>
-            </a:r>
-            <a:r>
-              <a:rPr lang="en-US" sz="1600" dirty="0" smtClean="0">
-                <a:solidFill>
-                  <a:schemeClr val="bg1"/>
-                </a:solidFill>
-              </a:rPr>
-              <a:t> </a:t>
-            </a:r>
-            <a:r>
-              <a:rPr lang="en-US" sz="1600" dirty="0" err="1" smtClean="0">
-                <a:solidFill>
-                  <a:schemeClr val="bg1"/>
-                </a:solidFill>
-              </a:rPr>
-              <a:t>loại</a:t>
-            </a:r>
-            <a:r>
-              <a:rPr lang="en-US" sz="1600" dirty="0" smtClean="0">
-                <a:solidFill>
-                  <a:schemeClr val="bg1"/>
-                </a:solidFill>
-              </a:rPr>
-              <a:t> JOIN</a:t>
-            </a:r>
-            <a:endParaRPr lang="en-US" sz="1600" dirty="0">
+              <a:rPr lang="en-US" sz="1600" b="1" dirty="0" err="1" smtClean="0">
+                <a:solidFill>
+                  <a:schemeClr val="accent5">
+                    <a:lumMod val="75000"/>
+                  </a:schemeClr>
+                </a:solidFill>
+              </a:rPr>
+              <a:t>Ví</a:t>
+            </a:r>
+            <a:r>
+              <a:rPr lang="en-US" sz="1600" b="1" dirty="0" smtClean="0">
+                <a:solidFill>
+                  <a:schemeClr val="accent5">
+                    <a:lumMod val="75000"/>
+                  </a:schemeClr>
+                </a:solidFill>
+              </a:rPr>
+              <a:t> </a:t>
+            </a:r>
+            <a:r>
+              <a:rPr lang="en-US" sz="1600" b="1" dirty="0" err="1" smtClean="0">
+                <a:solidFill>
+                  <a:schemeClr val="accent5">
+                    <a:lumMod val="75000"/>
+                  </a:schemeClr>
+                </a:solidFill>
+              </a:rPr>
+              <a:t>dụ</a:t>
+            </a:r>
+            <a:r>
+              <a:rPr lang="en-US" sz="1600" b="1" dirty="0" smtClean="0">
+                <a:solidFill>
+                  <a:schemeClr val="accent5">
+                    <a:lumMod val="75000"/>
+                  </a:schemeClr>
+                </a:solidFill>
+              </a:rPr>
+              <a:t>: </a:t>
+            </a:r>
+            <a:r>
+              <a:rPr lang="en-US" sz="1600" b="1" dirty="0" err="1" smtClean="0">
+                <a:solidFill>
+                  <a:schemeClr val="accent5">
+                    <a:lumMod val="75000"/>
+                  </a:schemeClr>
+                </a:solidFill>
+              </a:rPr>
+              <a:t>Có</a:t>
+            </a:r>
+            <a:r>
+              <a:rPr lang="en-US" sz="1600" b="1" dirty="0" smtClean="0">
+                <a:solidFill>
+                  <a:schemeClr val="accent5">
+                    <a:lumMod val="75000"/>
+                  </a:schemeClr>
+                </a:solidFill>
+              </a:rPr>
+              <a:t> </a:t>
+            </a:r>
+            <a:r>
+              <a:rPr lang="en-US" sz="1600" b="1" dirty="0" err="1" smtClean="0">
+                <a:solidFill>
+                  <a:schemeClr val="accent5">
+                    <a:lumMod val="75000"/>
+                  </a:schemeClr>
+                </a:solidFill>
+              </a:rPr>
+              <a:t>bảng</a:t>
+            </a:r>
+            <a:r>
+              <a:rPr lang="en-US" sz="1600" b="1" dirty="0" smtClean="0">
+                <a:solidFill>
+                  <a:schemeClr val="accent5">
+                    <a:lumMod val="75000"/>
+                  </a:schemeClr>
+                </a:solidFill>
+              </a:rPr>
+              <a:t> employees </a:t>
+            </a:r>
+            <a:r>
+              <a:rPr lang="en-US" sz="1600" b="1" dirty="0" err="1" smtClean="0">
+                <a:solidFill>
+                  <a:schemeClr val="accent5">
+                    <a:lumMod val="75000"/>
+                  </a:schemeClr>
+                </a:solidFill>
+              </a:rPr>
+              <a:t>như</a:t>
+            </a:r>
+            <a:r>
+              <a:rPr lang="en-US" sz="1600" b="1" dirty="0" smtClean="0">
+                <a:solidFill>
+                  <a:schemeClr val="accent5">
+                    <a:lumMod val="75000"/>
+                  </a:schemeClr>
+                </a:solidFill>
+              </a:rPr>
+              <a:t> </a:t>
+            </a:r>
+            <a:r>
+              <a:rPr lang="en-US" sz="1600" b="1" dirty="0" err="1" smtClean="0">
+                <a:solidFill>
+                  <a:schemeClr val="accent5">
+                    <a:lumMod val="75000"/>
+                  </a:schemeClr>
+                </a:solidFill>
+              </a:rPr>
+              <a:t>sau</a:t>
+            </a:r>
+            <a:endParaRPr lang="en-US" sz="1600" b="1" dirty="0">
               <a:solidFill>
-                <a:schemeClr val="bg1"/>
+                <a:schemeClr val="accent5">
+                  <a:lumMod val="75000"/>
+                </a:schemeClr>
+              </a:solidFill>
+            </a:endParaRPr>
+          </a:p>
+        </p:txBody>
+      </p:sp>
+      <p:pic>
+        <p:nvPicPr>
+          <p:cNvPr id="3" name="Picture 2"/>
+          <p:cNvPicPr>
+            <a:picLocks noChangeAspect="1"/>
+          </p:cNvPicPr>
+          <p:nvPr/>
+        </p:nvPicPr>
+        <p:blipFill rotWithShape="1">
+          <a:blip r:embed="rId2"/>
+          <a:srcRect b="6000"/>
+          <a:stretch/>
+        </p:blipFill>
+        <p:spPr>
+          <a:xfrm>
+            <a:off x="938263" y="971643"/>
+            <a:ext cx="7448550" cy="2695008"/>
+          </a:xfrm>
+          <a:prstGeom prst="rect">
+            <a:avLst/>
+          </a:prstGeom>
+        </p:spPr>
+      </p:pic>
+      <p:pic>
+        <p:nvPicPr>
+          <p:cNvPr id="6" name="Picture 5"/>
+          <p:cNvPicPr>
+            <a:picLocks noChangeAspect="1"/>
+          </p:cNvPicPr>
+          <p:nvPr/>
+        </p:nvPicPr>
+        <p:blipFill>
+          <a:blip r:embed="rId3"/>
+          <a:stretch>
+            <a:fillRect/>
+          </a:stretch>
+        </p:blipFill>
+        <p:spPr>
+          <a:xfrm>
+            <a:off x="1048599" y="3858680"/>
+            <a:ext cx="6648450" cy="2419350"/>
+          </a:xfrm>
+          <a:prstGeom prst="rect">
+            <a:avLst/>
+          </a:prstGeom>
+        </p:spPr>
+      </p:pic>
+    </p:spTree>
+    <p:extLst>
+      <p:ext uri="{BB962C8B-B14F-4D97-AF65-F5344CB8AC3E}">
+        <p14:creationId xmlns:p14="http://schemas.microsoft.com/office/powerpoint/2010/main" val="2778276485"/>
+      </p:ext>
+    </p:extLst>
+  </p:cSld>
+  <p:clrMapOvr>
+    <a:masterClrMapping/>
+  </p:clrMapOvr>
+  <p:timing>
+    <p:tnLst>
+      <p:par>
+        <p:cTn id="1" dur="indefinite" restart="never" nodeType="tmRoot"/>
+      </p:par>
+    </p:tnLst>
+  </p:timing>
+</p:sld>
+</file>
+
+<file path=ppt/slides/slide18.xml><?xml version="1.0" encoding="utf-8"?>
+<p:sld xmlns:a="http://schemas.openxmlformats.org/drawingml/2006/main" xmlns:r="http://schemas.openxmlformats.org/officeDocument/2006/relationships" xmlns:p="http://schemas.openxmlformats.org/presentationml/2006/main">
+  <p:cSld>
+    <p:spTree>
+      <p:nvGrpSpPr>
+        <p:cNvPr id="1" name=""/>
+        <p:cNvGrpSpPr/>
+        <p:nvPr/>
+      </p:nvGrpSpPr>
+      <p:grpSpPr>
+        <a:xfrm>
+          <a:off x="0" y="0"/>
+          <a:ext cx="0" cy="0"/>
+          <a:chOff x="0" y="0"/>
+          <a:chExt cx="0" cy="0"/>
+        </a:xfrm>
+      </p:grpSpPr>
+      <p:sp>
+        <p:nvSpPr>
+          <p:cNvPr id="3" name="Rounded Rectangle 2"/>
+          <p:cNvSpPr/>
+          <p:nvPr/>
+        </p:nvSpPr>
+        <p:spPr>
+          <a:xfrm>
+            <a:off x="905343" y="686160"/>
+            <a:ext cx="7550593" cy="2899011"/>
+          </a:xfrm>
+          <a:prstGeom prst="roundRect">
+            <a:avLst>
+              <a:gd name="adj" fmla="val 1724"/>
+            </a:avLst>
+          </a:prstGeom>
+          <a:solidFill>
+            <a:srgbClr val="1C1E26"/>
+          </a:solidFill>
+          <a:ln>
+            <a:noFill/>
+          </a:ln>
+        </p:spPr>
+        <p:style>
+          <a:lnRef idx="2">
+            <a:schemeClr val="accent1">
+              <a:shade val="50000"/>
+            </a:schemeClr>
+          </a:lnRef>
+          <a:fillRef idx="1">
+            <a:schemeClr val="accent1"/>
+          </a:fillRef>
+          <a:effectRef idx="0">
+            <a:schemeClr val="accent1"/>
+          </a:effectRef>
+          <a:fontRef idx="minor">
+            <a:schemeClr val="lt1"/>
+          </a:fontRef>
+        </p:style>
+        <p:txBody>
+          <a:bodyPr rtlCol="0" anchor="ctr"/>
+          <a:lstStyle/>
+          <a:p>
+            <a:pPr algn="ctr"/>
+            <a:endParaRPr lang="en-US"/>
+          </a:p>
+        </p:txBody>
+      </p:sp>
+      <p:pic>
+        <p:nvPicPr>
+          <p:cNvPr id="2" name="Picture 1"/>
+          <p:cNvPicPr>
+            <a:picLocks noChangeAspect="1"/>
+          </p:cNvPicPr>
+          <p:nvPr/>
+        </p:nvPicPr>
+        <p:blipFill>
+          <a:blip r:embed="rId2"/>
+          <a:stretch>
+            <a:fillRect/>
+          </a:stretch>
+        </p:blipFill>
+        <p:spPr>
+          <a:xfrm>
+            <a:off x="1008282" y="855648"/>
+            <a:ext cx="5534025" cy="2647950"/>
+          </a:xfrm>
+          <a:prstGeom prst="rect">
+            <a:avLst/>
+          </a:prstGeom>
+        </p:spPr>
+      </p:pic>
+      <p:sp>
+        <p:nvSpPr>
+          <p:cNvPr id="4" name="Rounded Rectangle 3"/>
+          <p:cNvSpPr/>
+          <p:nvPr/>
+        </p:nvSpPr>
+        <p:spPr>
+          <a:xfrm>
+            <a:off x="905343" y="4128380"/>
+            <a:ext cx="7550593" cy="579422"/>
+          </a:xfrm>
+          <a:prstGeom prst="roundRect">
+            <a:avLst/>
+          </a:prstGeom>
+          <a:solidFill>
+            <a:schemeClr val="accent2">
+              <a:lumMod val="20000"/>
+              <a:lumOff val="80000"/>
+            </a:schemeClr>
+          </a:solidFill>
+          <a:ln>
+            <a:solidFill>
+              <a:schemeClr val="accent2">
+                <a:lumMod val="60000"/>
+                <a:lumOff val="40000"/>
+              </a:schemeClr>
+            </a:solidFill>
+          </a:ln>
+        </p:spPr>
+        <p:style>
+          <a:lnRef idx="2">
+            <a:schemeClr val="accent1">
+              <a:shade val="50000"/>
+            </a:schemeClr>
+          </a:lnRef>
+          <a:fillRef idx="1">
+            <a:schemeClr val="accent1"/>
+          </a:fillRef>
+          <a:effectRef idx="0">
+            <a:schemeClr val="accent1"/>
+          </a:effectRef>
+          <a:fontRef idx="minor">
+            <a:schemeClr val="lt1"/>
+          </a:fontRef>
+        </p:style>
+        <p:txBody>
+          <a:bodyPr rtlCol="0" anchor="ctr"/>
+          <a:lstStyle/>
+          <a:p>
+            <a:r>
+              <a:rPr lang="en-US" dirty="0">
+                <a:solidFill>
+                  <a:schemeClr val="accent2">
+                    <a:lumMod val="75000"/>
+                  </a:schemeClr>
+                </a:solidFill>
+              </a:rPr>
+              <a:t>ERROR: Failing row contains (3, </a:t>
+            </a:r>
+            <a:r>
+              <a:rPr lang="en-US" dirty="0" err="1">
+                <a:solidFill>
+                  <a:schemeClr val="accent2">
+                    <a:lumMod val="75000"/>
+                  </a:schemeClr>
+                </a:solidFill>
+              </a:rPr>
+              <a:t>Adrew</a:t>
+            </a:r>
+            <a:r>
+              <a:rPr lang="en-US" dirty="0">
+                <a:solidFill>
+                  <a:schemeClr val="accent2">
+                    <a:lumMod val="75000"/>
+                  </a:schemeClr>
+                </a:solidFill>
+              </a:rPr>
+              <a:t>, 2).new row violates check option for view "</a:t>
+            </a:r>
+            <a:r>
+              <a:rPr lang="en-US" dirty="0" err="1">
+                <a:solidFill>
+                  <a:schemeClr val="accent2">
+                    <a:lumMod val="75000"/>
+                  </a:schemeClr>
+                </a:solidFill>
+              </a:rPr>
+              <a:t>view_a</a:t>
+            </a:r>
+            <a:r>
+              <a:rPr lang="en-US" dirty="0">
+                <a:solidFill>
+                  <a:schemeClr val="accent2">
+                    <a:lumMod val="75000"/>
+                  </a:schemeClr>
+                </a:solidFill>
+              </a:rPr>
+              <a:t>"</a:t>
+            </a:r>
+            <a:endParaRPr lang="en-US" dirty="0">
+              <a:solidFill>
+                <a:schemeClr val="accent2">
+                  <a:lumMod val="75000"/>
+                </a:schemeClr>
               </a:solidFill>
             </a:endParaRPr>
           </a:p>
@@ -11604,102 +11599,1310 @@
       </p:sp>
       <p:sp>
         <p:nvSpPr>
-          <p:cNvPr id="5" name="Title 4"/>
-          <p:cNvSpPr>
-            <a:spLocks noGrp="1"/>
-          </p:cNvSpPr>
-          <p:nvPr>
-            <p:ph type="title"/>
-          </p:nvPr>
+          <p:cNvPr id="5" name="TextBox 4"/>
+          <p:cNvSpPr txBox="1"/>
+          <p:nvPr/>
         </p:nvSpPr>
-        <p:spPr/>
+        <p:spPr>
+          <a:xfrm>
+            <a:off x="823862" y="3657717"/>
+            <a:ext cx="7405736" cy="338554"/>
+          </a:xfrm>
+          <a:prstGeom prst="rect">
+            <a:avLst/>
+          </a:prstGeom>
+          <a:noFill/>
+        </p:spPr>
         <p:txBody>
-          <a:bodyPr/>
+          <a:bodyPr wrap="square" rtlCol="0">
+            <a:spAutoFit/>
+          </a:bodyPr>
           <a:lstStyle/>
           <a:p>
             <a:r>
-              <a:rPr lang="en-US" dirty="0" smtClean="0"/>
-              <a:t>Summary</a:t>
-            </a:r>
-            <a:endParaRPr lang="en-US" dirty="0"/>
+              <a:rPr lang="en-US" sz="1600" dirty="0" err="1" smtClean="0">
+                <a:solidFill>
+                  <a:schemeClr val="accent5">
+                    <a:lumMod val="75000"/>
+                  </a:schemeClr>
+                </a:solidFill>
+              </a:rPr>
+              <a:t>Bạn</a:t>
+            </a:r>
+            <a:r>
+              <a:rPr lang="en-US" sz="1600" dirty="0" smtClean="0">
+                <a:solidFill>
+                  <a:schemeClr val="accent5">
+                    <a:lumMod val="75000"/>
+                  </a:schemeClr>
+                </a:solidFill>
+              </a:rPr>
+              <a:t> </a:t>
+            </a:r>
+            <a:r>
+              <a:rPr lang="en-US" sz="1600" dirty="0" err="1" smtClean="0">
+                <a:solidFill>
+                  <a:schemeClr val="accent5">
+                    <a:lumMod val="75000"/>
+                  </a:schemeClr>
+                </a:solidFill>
+              </a:rPr>
+              <a:t>sẽ</a:t>
+            </a:r>
+            <a:r>
+              <a:rPr lang="en-US" sz="1600" dirty="0" smtClean="0">
+                <a:solidFill>
+                  <a:schemeClr val="accent5">
+                    <a:lumMod val="75000"/>
+                  </a:schemeClr>
+                </a:solidFill>
+              </a:rPr>
+              <a:t> </a:t>
+            </a:r>
+            <a:r>
+              <a:rPr lang="en-US" sz="1600" dirty="0" err="1" smtClean="0">
+                <a:solidFill>
+                  <a:schemeClr val="accent5">
+                    <a:lumMod val="75000"/>
+                  </a:schemeClr>
+                </a:solidFill>
+              </a:rPr>
+              <a:t>gặp</a:t>
+            </a:r>
+            <a:r>
+              <a:rPr lang="en-US" sz="1600" dirty="0" smtClean="0">
+                <a:solidFill>
+                  <a:schemeClr val="accent5">
+                    <a:lumMod val="75000"/>
+                  </a:schemeClr>
+                </a:solidFill>
+              </a:rPr>
+              <a:t> </a:t>
+            </a:r>
+            <a:r>
+              <a:rPr lang="en-US" sz="1600" dirty="0" err="1" smtClean="0">
+                <a:solidFill>
+                  <a:schemeClr val="accent5">
+                    <a:lumMod val="75000"/>
+                  </a:schemeClr>
+                </a:solidFill>
+              </a:rPr>
+              <a:t>lỗi</a:t>
+            </a:r>
+            <a:r>
+              <a:rPr lang="en-US" sz="1600" dirty="0" smtClean="0">
+                <a:solidFill>
+                  <a:schemeClr val="accent5">
+                    <a:lumMod val="75000"/>
+                  </a:schemeClr>
+                </a:solidFill>
+              </a:rPr>
+              <a:t> </a:t>
+            </a:r>
+            <a:r>
+              <a:rPr lang="en-US" sz="1600" dirty="0" err="1" smtClean="0">
+                <a:solidFill>
+                  <a:schemeClr val="accent5">
+                    <a:lumMod val="75000"/>
+                  </a:schemeClr>
+                </a:solidFill>
+              </a:rPr>
+              <a:t>khi</a:t>
+            </a:r>
+            <a:r>
+              <a:rPr lang="en-US" sz="1600" dirty="0" smtClean="0">
+                <a:solidFill>
+                  <a:schemeClr val="accent5">
+                    <a:lumMod val="75000"/>
+                  </a:schemeClr>
+                </a:solidFill>
+              </a:rPr>
+              <a:t> </a:t>
+            </a:r>
+            <a:r>
+              <a:rPr lang="en-US" sz="1600" dirty="0" err="1" smtClean="0">
+                <a:solidFill>
+                  <a:schemeClr val="accent5">
+                    <a:lumMod val="75000"/>
+                  </a:schemeClr>
+                </a:solidFill>
+              </a:rPr>
+              <a:t>cập</a:t>
+            </a:r>
+            <a:r>
+              <a:rPr lang="en-US" sz="1600" dirty="0" smtClean="0">
+                <a:solidFill>
+                  <a:schemeClr val="accent5">
+                    <a:lumMod val="75000"/>
+                  </a:schemeClr>
+                </a:solidFill>
+              </a:rPr>
+              <a:t> </a:t>
+            </a:r>
+            <a:r>
+              <a:rPr lang="en-US" sz="1600" dirty="0" err="1" smtClean="0">
+                <a:solidFill>
+                  <a:schemeClr val="accent5">
+                    <a:lumMod val="75000"/>
+                  </a:schemeClr>
+                </a:solidFill>
+              </a:rPr>
+              <a:t>nhật</a:t>
+            </a:r>
+            <a:r>
+              <a:rPr lang="en-US" sz="1600" dirty="0" smtClean="0">
+                <a:solidFill>
+                  <a:schemeClr val="accent5">
+                    <a:lumMod val="75000"/>
+                  </a:schemeClr>
+                </a:solidFill>
+              </a:rPr>
+              <a:t> </a:t>
+            </a:r>
+            <a:r>
+              <a:rPr lang="en-US" sz="1600" dirty="0" err="1" smtClean="0">
+                <a:solidFill>
+                  <a:schemeClr val="accent5">
+                    <a:lumMod val="75000"/>
+                  </a:schemeClr>
+                </a:solidFill>
+              </a:rPr>
+              <a:t>dữ</a:t>
+            </a:r>
+            <a:r>
+              <a:rPr lang="en-US" sz="1600" dirty="0" smtClean="0">
+                <a:solidFill>
+                  <a:schemeClr val="accent5">
+                    <a:lumMod val="75000"/>
+                  </a:schemeClr>
+                </a:solidFill>
+              </a:rPr>
+              <a:t> </a:t>
+            </a:r>
+            <a:r>
+              <a:rPr lang="en-US" sz="1600" dirty="0" err="1" smtClean="0">
+                <a:solidFill>
+                  <a:schemeClr val="accent5">
+                    <a:lumMod val="75000"/>
+                  </a:schemeClr>
+                </a:solidFill>
+              </a:rPr>
+              <a:t>liệu</a:t>
+            </a:r>
+            <a:r>
+              <a:rPr lang="en-US" sz="1600" dirty="0" smtClean="0">
+                <a:solidFill>
+                  <a:schemeClr val="accent5">
+                    <a:lumMod val="75000"/>
+                  </a:schemeClr>
+                </a:solidFill>
+              </a:rPr>
+              <a:t> </a:t>
+            </a:r>
+            <a:r>
+              <a:rPr lang="en-US" sz="1600" dirty="0" err="1" smtClean="0">
+                <a:solidFill>
+                  <a:schemeClr val="accent5">
+                    <a:lumMod val="75000"/>
+                  </a:schemeClr>
+                </a:solidFill>
+              </a:rPr>
+              <a:t>từ</a:t>
+            </a:r>
+            <a:r>
+              <a:rPr lang="en-US" sz="1600" dirty="0" smtClean="0">
+                <a:solidFill>
+                  <a:schemeClr val="accent5">
+                    <a:lumMod val="75000"/>
+                  </a:schemeClr>
+                </a:solidFill>
+              </a:rPr>
+              <a:t> View B </a:t>
+            </a:r>
+            <a:r>
+              <a:rPr lang="en-US" sz="1600" dirty="0" err="1" smtClean="0">
+                <a:solidFill>
+                  <a:schemeClr val="accent5">
+                    <a:lumMod val="75000"/>
+                  </a:schemeClr>
+                </a:solidFill>
+              </a:rPr>
+              <a:t>như</a:t>
+            </a:r>
+            <a:r>
+              <a:rPr lang="en-US" sz="1600" dirty="0" smtClean="0">
+                <a:solidFill>
+                  <a:schemeClr val="accent5">
+                    <a:lumMod val="75000"/>
+                  </a:schemeClr>
+                </a:solidFill>
+              </a:rPr>
+              <a:t> </a:t>
+            </a:r>
+            <a:r>
+              <a:rPr lang="en-US" sz="1600" dirty="0" err="1" smtClean="0">
+                <a:solidFill>
+                  <a:schemeClr val="accent5">
+                    <a:lumMod val="75000"/>
+                  </a:schemeClr>
+                </a:solidFill>
+              </a:rPr>
+              <a:t>sau</a:t>
+            </a:r>
+            <a:endParaRPr lang="en-US" sz="1600" dirty="0">
+              <a:solidFill>
+                <a:schemeClr val="accent5">
+                  <a:lumMod val="75000"/>
+                </a:schemeClr>
+              </a:solidFill>
+            </a:endParaRPr>
           </a:p>
         </p:txBody>
       </p:sp>
       <p:sp>
         <p:nvSpPr>
-          <p:cNvPr id="6" name="Text Placeholder 5"/>
-          <p:cNvSpPr>
-            <a:spLocks noGrp="1"/>
-          </p:cNvSpPr>
-          <p:nvPr>
-            <p:ph type="body" sz="quarter" idx="10"/>
-          </p:nvPr>
+          <p:cNvPr id="6" name="TextBox 5"/>
+          <p:cNvSpPr txBox="1"/>
+          <p:nvPr/>
         </p:nvSpPr>
-        <p:spPr/>
+        <p:spPr>
+          <a:xfrm>
+            <a:off x="823862" y="4888988"/>
+            <a:ext cx="7405736" cy="584775"/>
+          </a:xfrm>
+          <a:prstGeom prst="rect">
+            <a:avLst/>
+          </a:prstGeom>
+          <a:noFill/>
+        </p:spPr>
         <p:txBody>
-          <a:bodyPr/>
+          <a:bodyPr wrap="square" rtlCol="0">
+            <a:spAutoFit/>
+          </a:bodyPr>
           <a:lstStyle/>
           <a:p>
             <a:r>
-              <a:rPr lang="en-US" dirty="0" err="1" smtClean="0"/>
-              <a:t>Tổng</a:t>
-            </a:r>
-            <a:r>
-              <a:rPr lang="en-US" dirty="0" smtClean="0"/>
-              <a:t> </a:t>
-            </a:r>
-            <a:r>
-              <a:rPr lang="en-US" dirty="0" err="1" smtClean="0"/>
-              <a:t>kết</a:t>
-            </a:r>
-            <a:r>
-              <a:rPr lang="en-US" dirty="0" smtClean="0"/>
-              <a:t> </a:t>
-            </a:r>
-            <a:r>
-              <a:rPr lang="en-US" dirty="0" err="1" smtClean="0"/>
-              <a:t>lại</a:t>
-            </a:r>
-            <a:r>
-              <a:rPr lang="en-US" dirty="0" smtClean="0"/>
-              <a:t> </a:t>
-            </a:r>
-            <a:r>
-              <a:rPr lang="en-US" dirty="0" err="1" smtClean="0"/>
-              <a:t>kiến</a:t>
-            </a:r>
-            <a:r>
-              <a:rPr lang="en-US" dirty="0" smtClean="0"/>
-              <a:t> </a:t>
-            </a:r>
-            <a:r>
-              <a:rPr lang="en-US" dirty="0" err="1" smtClean="0"/>
-              <a:t>thức</a:t>
-            </a:r>
-            <a:r>
-              <a:rPr lang="en-US" dirty="0" smtClean="0"/>
-              <a:t> </a:t>
-            </a:r>
-            <a:r>
-              <a:rPr lang="en-US" dirty="0" err="1" smtClean="0"/>
-              <a:t>cần</a:t>
-            </a:r>
-            <a:r>
-              <a:rPr lang="en-US" dirty="0" smtClean="0"/>
-              <a:t> </a:t>
-            </a:r>
-            <a:r>
-              <a:rPr lang="en-US" dirty="0" err="1" smtClean="0"/>
-              <a:t>nắm</a:t>
-            </a:r>
-            <a:endParaRPr lang="en-US" dirty="0"/>
+              <a:rPr lang="en-US" sz="1600" dirty="0" err="1" smtClean="0">
+                <a:solidFill>
+                  <a:schemeClr val="accent5">
+                    <a:lumMod val="75000"/>
+                  </a:schemeClr>
+                </a:solidFill>
+              </a:rPr>
+              <a:t>Lí</a:t>
+            </a:r>
+            <a:r>
+              <a:rPr lang="en-US" sz="1600" dirty="0" smtClean="0">
+                <a:solidFill>
+                  <a:schemeClr val="accent5">
+                    <a:lumMod val="75000"/>
+                  </a:schemeClr>
+                </a:solidFill>
+              </a:rPr>
+              <a:t> do </a:t>
+            </a:r>
+            <a:r>
+              <a:rPr lang="en-US" sz="1600" dirty="0" err="1" smtClean="0">
+                <a:solidFill>
+                  <a:schemeClr val="accent5">
+                    <a:lumMod val="75000"/>
+                  </a:schemeClr>
+                </a:solidFill>
+              </a:rPr>
+              <a:t>là</a:t>
+            </a:r>
+            <a:r>
+              <a:rPr lang="en-US" sz="1600" dirty="0" smtClean="0">
+                <a:solidFill>
+                  <a:schemeClr val="accent5">
+                    <a:lumMod val="75000"/>
+                  </a:schemeClr>
+                </a:solidFill>
+              </a:rPr>
+              <a:t> </a:t>
+            </a:r>
+            <a:r>
+              <a:rPr lang="en-US" sz="1600" dirty="0" err="1" smtClean="0">
+                <a:solidFill>
+                  <a:schemeClr val="accent5">
+                    <a:lumMod val="75000"/>
+                  </a:schemeClr>
+                </a:solidFill>
+              </a:rPr>
+              <a:t>vì</a:t>
+            </a:r>
+            <a:r>
+              <a:rPr lang="en-US" sz="1600" dirty="0" smtClean="0">
+                <a:solidFill>
+                  <a:schemeClr val="accent5">
+                    <a:lumMod val="75000"/>
+                  </a:schemeClr>
+                </a:solidFill>
+              </a:rPr>
+              <a:t> View B </a:t>
+            </a:r>
+            <a:r>
+              <a:rPr lang="en-US" sz="1600" dirty="0" err="1" smtClean="0">
+                <a:solidFill>
+                  <a:schemeClr val="accent5">
+                    <a:lumMod val="75000"/>
+                  </a:schemeClr>
+                </a:solidFill>
+              </a:rPr>
+              <a:t>đang</a:t>
+            </a:r>
+            <a:r>
+              <a:rPr lang="en-US" sz="1600" dirty="0" smtClean="0">
+                <a:solidFill>
+                  <a:schemeClr val="accent5">
+                    <a:lumMod val="75000"/>
+                  </a:schemeClr>
+                </a:solidFill>
+              </a:rPr>
+              <a:t> </a:t>
+            </a:r>
+            <a:r>
+              <a:rPr lang="en-US" sz="1600" dirty="0" err="1" smtClean="0">
+                <a:solidFill>
+                  <a:schemeClr val="accent5">
+                    <a:lumMod val="75000"/>
+                  </a:schemeClr>
+                </a:solidFill>
+              </a:rPr>
+              <a:t>cấu</a:t>
+            </a:r>
+            <a:r>
+              <a:rPr lang="en-US" sz="1600" dirty="0" smtClean="0">
+                <a:solidFill>
+                  <a:schemeClr val="accent5">
+                    <a:lumMod val="75000"/>
+                  </a:schemeClr>
+                </a:solidFill>
+              </a:rPr>
+              <a:t> </a:t>
+            </a:r>
+            <a:r>
+              <a:rPr lang="en-US" sz="1600" dirty="0" err="1" smtClean="0">
+                <a:solidFill>
+                  <a:schemeClr val="accent5">
+                    <a:lumMod val="75000"/>
+                  </a:schemeClr>
+                </a:solidFill>
+              </a:rPr>
+              <a:t>hình</a:t>
+            </a:r>
+            <a:r>
+              <a:rPr lang="en-US" sz="1600" dirty="0">
+                <a:solidFill>
+                  <a:schemeClr val="accent5">
+                    <a:lumMod val="75000"/>
+                  </a:schemeClr>
+                </a:solidFill>
+              </a:rPr>
+              <a:t>: </a:t>
+            </a:r>
+            <a:r>
+              <a:rPr lang="en-US" sz="1600" dirty="0" smtClean="0">
+                <a:solidFill>
+                  <a:schemeClr val="accent5">
+                    <a:lumMod val="75000"/>
+                  </a:schemeClr>
+                </a:solidFill>
+              </a:rPr>
+              <a:t>CASCADED </a:t>
+            </a:r>
+            <a:r>
+              <a:rPr lang="en-US" sz="1600" dirty="0" smtClean="0">
+                <a:solidFill>
+                  <a:schemeClr val="accent5">
+                    <a:lumMod val="75000"/>
+                  </a:schemeClr>
+                </a:solidFill>
+                <a:sym typeface="Wingdings" panose="05000000000000000000" pitchFamily="2" charset="2"/>
+              </a:rPr>
+              <a:t> </a:t>
+            </a:r>
+            <a:r>
+              <a:rPr lang="en-US" sz="1600" dirty="0" err="1" smtClean="0">
+                <a:solidFill>
+                  <a:schemeClr val="accent5">
+                    <a:lumMod val="75000"/>
+                  </a:schemeClr>
+                </a:solidFill>
+                <a:sym typeface="Wingdings" panose="05000000000000000000" pitchFamily="2" charset="2"/>
+              </a:rPr>
+              <a:t>Nó</a:t>
+            </a:r>
+            <a:r>
+              <a:rPr lang="en-US" sz="1600" dirty="0" smtClean="0">
+                <a:solidFill>
+                  <a:schemeClr val="accent5">
+                    <a:lumMod val="75000"/>
+                  </a:schemeClr>
+                </a:solidFill>
+                <a:sym typeface="Wingdings" panose="05000000000000000000" pitchFamily="2" charset="2"/>
+              </a:rPr>
+              <a:t> </a:t>
+            </a:r>
+            <a:r>
+              <a:rPr lang="en-US" sz="1600" dirty="0" err="1" smtClean="0">
+                <a:solidFill>
+                  <a:schemeClr val="accent5">
+                    <a:lumMod val="75000"/>
+                  </a:schemeClr>
+                </a:solidFill>
+                <a:sym typeface="Wingdings" panose="05000000000000000000" pitchFamily="2" charset="2"/>
+              </a:rPr>
+              <a:t>sẽ</a:t>
+            </a:r>
+            <a:r>
+              <a:rPr lang="en-US" sz="1600" dirty="0" smtClean="0">
+                <a:solidFill>
+                  <a:schemeClr val="accent5">
+                    <a:lumMod val="75000"/>
+                  </a:schemeClr>
+                </a:solidFill>
+                <a:sym typeface="Wingdings" panose="05000000000000000000" pitchFamily="2" charset="2"/>
+              </a:rPr>
+              <a:t> </a:t>
+            </a:r>
+            <a:r>
+              <a:rPr lang="en-US" sz="1600" dirty="0" err="1" smtClean="0">
+                <a:solidFill>
+                  <a:schemeClr val="accent5">
+                    <a:lumMod val="75000"/>
+                  </a:schemeClr>
+                </a:solidFill>
+                <a:sym typeface="Wingdings" panose="05000000000000000000" pitchFamily="2" charset="2"/>
+              </a:rPr>
+              <a:t>đi</a:t>
+            </a:r>
+            <a:r>
+              <a:rPr lang="en-US" sz="1600" dirty="0" smtClean="0">
+                <a:solidFill>
+                  <a:schemeClr val="accent5">
+                    <a:lumMod val="75000"/>
+                  </a:schemeClr>
+                </a:solidFill>
+                <a:sym typeface="Wingdings" panose="05000000000000000000" pitchFamily="2" charset="2"/>
+              </a:rPr>
+              <a:t> check </a:t>
+            </a:r>
+            <a:r>
+              <a:rPr lang="en-US" sz="1600" dirty="0" err="1" smtClean="0">
+                <a:solidFill>
+                  <a:schemeClr val="accent5">
+                    <a:lumMod val="75000"/>
+                  </a:schemeClr>
+                </a:solidFill>
+                <a:sym typeface="Wingdings" panose="05000000000000000000" pitchFamily="2" charset="2"/>
+              </a:rPr>
+              <a:t>luôn</a:t>
+            </a:r>
+            <a:r>
+              <a:rPr lang="en-US" sz="1600" dirty="0" smtClean="0">
+                <a:solidFill>
+                  <a:schemeClr val="accent5">
+                    <a:lumMod val="75000"/>
+                  </a:schemeClr>
+                </a:solidFill>
+                <a:sym typeface="Wingdings" panose="05000000000000000000" pitchFamily="2" charset="2"/>
+              </a:rPr>
+              <a:t> view </a:t>
+            </a:r>
+            <a:r>
+              <a:rPr lang="en-US" sz="1600" dirty="0" err="1" smtClean="0">
+                <a:solidFill>
+                  <a:schemeClr val="accent5">
+                    <a:lumMod val="75000"/>
+                  </a:schemeClr>
+                </a:solidFill>
+                <a:sym typeface="Wingdings" panose="05000000000000000000" pitchFamily="2" charset="2"/>
+              </a:rPr>
+              <a:t>phụ</a:t>
+            </a:r>
+            <a:r>
+              <a:rPr lang="en-US" sz="1600" dirty="0" smtClean="0">
+                <a:solidFill>
+                  <a:schemeClr val="accent5">
+                    <a:lumMod val="75000"/>
+                  </a:schemeClr>
+                </a:solidFill>
+                <a:sym typeface="Wingdings" panose="05000000000000000000" pitchFamily="2" charset="2"/>
+              </a:rPr>
+              <a:t> </a:t>
+            </a:r>
+            <a:r>
+              <a:rPr lang="en-US" sz="1600" dirty="0" err="1" smtClean="0">
+                <a:solidFill>
+                  <a:schemeClr val="accent5">
+                    <a:lumMod val="75000"/>
+                  </a:schemeClr>
+                </a:solidFill>
+                <a:sym typeface="Wingdings" panose="05000000000000000000" pitchFamily="2" charset="2"/>
+              </a:rPr>
+              <a:t>thuộc</a:t>
+            </a:r>
+            <a:r>
+              <a:rPr lang="en-US" sz="1600" dirty="0" smtClean="0">
+                <a:solidFill>
+                  <a:schemeClr val="accent5">
+                    <a:lumMod val="75000"/>
+                  </a:schemeClr>
+                </a:solidFill>
+                <a:sym typeface="Wingdings" panose="05000000000000000000" pitchFamily="2" charset="2"/>
+              </a:rPr>
+              <a:t> (</a:t>
+            </a:r>
+            <a:r>
+              <a:rPr lang="en-US" sz="1600" dirty="0" err="1" smtClean="0">
+                <a:solidFill>
+                  <a:schemeClr val="accent5">
+                    <a:lumMod val="75000"/>
+                  </a:schemeClr>
+                </a:solidFill>
+                <a:sym typeface="Wingdings" panose="05000000000000000000" pitchFamily="2" charset="2"/>
+              </a:rPr>
+              <a:t>là</a:t>
+            </a:r>
+            <a:r>
+              <a:rPr lang="en-US" sz="1600" dirty="0" smtClean="0">
+                <a:solidFill>
+                  <a:schemeClr val="accent5">
+                    <a:lumMod val="75000"/>
+                  </a:schemeClr>
+                </a:solidFill>
+                <a:sym typeface="Wingdings" panose="05000000000000000000" pitchFamily="2" charset="2"/>
+              </a:rPr>
+              <a:t> view a).</a:t>
+            </a:r>
+            <a:endParaRPr lang="en-US" sz="1600" dirty="0">
+              <a:solidFill>
+                <a:schemeClr val="accent5">
+                  <a:lumMod val="75000"/>
+                </a:schemeClr>
+              </a:solidFill>
+            </a:endParaRPr>
           </a:p>
         </p:txBody>
       </p:sp>
     </p:spTree>
     <p:extLst>
       <p:ext uri="{BB962C8B-B14F-4D97-AF65-F5344CB8AC3E}">
-        <p14:creationId xmlns:p14="http://schemas.microsoft.com/office/powerpoint/2010/main" val="3541551978"/>
+        <p14:creationId xmlns:p14="http://schemas.microsoft.com/office/powerpoint/2010/main" val="637079808"/>
+      </p:ext>
+    </p:extLst>
+  </p:cSld>
+  <p:clrMapOvr>
+    <a:masterClrMapping/>
+  </p:clrMapOvr>
+  <p:timing>
+    <p:tnLst>
+      <p:par>
+        <p:cTn id="1" dur="indefinite" restart="never" nodeType="tmRoot"/>
+      </p:par>
+    </p:tnLst>
+  </p:timing>
+</p:sld>
+</file>
+
+<file path=ppt/slides/slide19.xml><?xml version="1.0" encoding="utf-8"?>
+<p:sld xmlns:a="http://schemas.openxmlformats.org/drawingml/2006/main" xmlns:r="http://schemas.openxmlformats.org/officeDocument/2006/relationships" xmlns:p="http://schemas.openxmlformats.org/presentationml/2006/main">
+  <p:cSld>
+    <p:spTree>
+      <p:nvGrpSpPr>
+        <p:cNvPr id="1" name=""/>
+        <p:cNvGrpSpPr/>
+        <p:nvPr/>
+      </p:nvGrpSpPr>
+      <p:grpSpPr>
+        <a:xfrm>
+          <a:off x="0" y="0"/>
+          <a:ext cx="0" cy="0"/>
+          <a:chOff x="0" y="0"/>
+          <a:chExt cx="0" cy="0"/>
+        </a:xfrm>
+      </p:grpSpPr>
+      <p:sp>
+        <p:nvSpPr>
+          <p:cNvPr id="4" name="Rounded Rectangle 3"/>
+          <p:cNvSpPr/>
+          <p:nvPr/>
+        </p:nvSpPr>
+        <p:spPr>
+          <a:xfrm>
+            <a:off x="905343" y="1291063"/>
+            <a:ext cx="7550593" cy="931090"/>
+          </a:xfrm>
+          <a:prstGeom prst="roundRect">
+            <a:avLst>
+              <a:gd name="adj" fmla="val 1724"/>
+            </a:avLst>
+          </a:prstGeom>
+          <a:solidFill>
+            <a:srgbClr val="1C1E26"/>
+          </a:solidFill>
+          <a:ln>
+            <a:noFill/>
+          </a:ln>
+        </p:spPr>
+        <p:style>
+          <a:lnRef idx="2">
+            <a:schemeClr val="accent1">
+              <a:shade val="50000"/>
+            </a:schemeClr>
+          </a:lnRef>
+          <a:fillRef idx="1">
+            <a:schemeClr val="accent1"/>
+          </a:fillRef>
+          <a:effectRef idx="0">
+            <a:schemeClr val="accent1"/>
+          </a:effectRef>
+          <a:fontRef idx="minor">
+            <a:schemeClr val="lt1"/>
+          </a:fontRef>
+        </p:style>
+        <p:txBody>
+          <a:bodyPr rtlCol="0" anchor="ctr"/>
+          <a:lstStyle/>
+          <a:p>
+            <a:pPr algn="ctr"/>
+            <a:endParaRPr lang="en-US"/>
+          </a:p>
+        </p:txBody>
+      </p:sp>
+      <p:sp>
+        <p:nvSpPr>
+          <p:cNvPr id="2" name="TextBox 1"/>
+          <p:cNvSpPr txBox="1"/>
+          <p:nvPr/>
+        </p:nvSpPr>
+        <p:spPr>
+          <a:xfrm>
+            <a:off x="823862" y="706287"/>
+            <a:ext cx="7405736" cy="584775"/>
+          </a:xfrm>
+          <a:prstGeom prst="rect">
+            <a:avLst/>
+          </a:prstGeom>
+          <a:noFill/>
+        </p:spPr>
+        <p:txBody>
+          <a:bodyPr wrap="square" rtlCol="0">
+            <a:spAutoFit/>
+          </a:bodyPr>
+          <a:lstStyle/>
+          <a:p>
+            <a:r>
+              <a:rPr lang="en-US" sz="1600" dirty="0" err="1" smtClean="0">
+                <a:solidFill>
+                  <a:schemeClr val="accent5">
+                    <a:lumMod val="75000"/>
+                  </a:schemeClr>
+                </a:solidFill>
+              </a:rPr>
+              <a:t>Nếu</a:t>
+            </a:r>
+            <a:r>
+              <a:rPr lang="en-US" sz="1600" dirty="0" smtClean="0">
+                <a:solidFill>
+                  <a:schemeClr val="accent5">
+                    <a:lumMod val="75000"/>
+                  </a:schemeClr>
+                </a:solidFill>
+              </a:rPr>
+              <a:t> </a:t>
+            </a:r>
+            <a:r>
+              <a:rPr lang="en-US" sz="1600" dirty="0" err="1" smtClean="0">
+                <a:solidFill>
+                  <a:schemeClr val="accent5">
+                    <a:lumMod val="75000"/>
+                  </a:schemeClr>
+                </a:solidFill>
+              </a:rPr>
+              <a:t>bạn</a:t>
+            </a:r>
+            <a:r>
+              <a:rPr lang="en-US" sz="1600" dirty="0" smtClean="0">
+                <a:solidFill>
+                  <a:schemeClr val="accent5">
+                    <a:lumMod val="75000"/>
+                  </a:schemeClr>
+                </a:solidFill>
+              </a:rPr>
+              <a:t> </a:t>
+            </a:r>
+            <a:r>
+              <a:rPr lang="en-US" sz="1600" dirty="0" err="1" smtClean="0">
+                <a:solidFill>
+                  <a:schemeClr val="accent5">
+                    <a:lumMod val="75000"/>
+                  </a:schemeClr>
+                </a:solidFill>
+              </a:rPr>
+              <a:t>muốn</a:t>
+            </a:r>
+            <a:r>
+              <a:rPr lang="en-US" sz="1600" dirty="0" smtClean="0">
+                <a:solidFill>
+                  <a:schemeClr val="accent5">
+                    <a:lumMod val="75000"/>
+                  </a:schemeClr>
+                </a:solidFill>
+              </a:rPr>
+              <a:t> view B </a:t>
+            </a:r>
+            <a:r>
+              <a:rPr lang="en-US" sz="1600" dirty="0" err="1" smtClean="0">
+                <a:solidFill>
+                  <a:schemeClr val="accent5">
+                    <a:lumMod val="75000"/>
+                  </a:schemeClr>
+                </a:solidFill>
+              </a:rPr>
+              <a:t>bỏ</a:t>
+            </a:r>
+            <a:r>
+              <a:rPr lang="en-US" sz="1600" dirty="0" smtClean="0">
+                <a:solidFill>
+                  <a:schemeClr val="accent5">
+                    <a:lumMod val="75000"/>
+                  </a:schemeClr>
+                </a:solidFill>
+              </a:rPr>
+              <a:t> qua </a:t>
+            </a:r>
+            <a:r>
+              <a:rPr lang="en-US" sz="1600" dirty="0" err="1" smtClean="0">
+                <a:solidFill>
+                  <a:schemeClr val="accent5">
+                    <a:lumMod val="75000"/>
+                  </a:schemeClr>
+                </a:solidFill>
+              </a:rPr>
+              <a:t>việc</a:t>
+            </a:r>
+            <a:r>
+              <a:rPr lang="en-US" sz="1600" dirty="0" smtClean="0">
+                <a:solidFill>
+                  <a:schemeClr val="accent5">
+                    <a:lumMod val="75000"/>
+                  </a:schemeClr>
+                </a:solidFill>
+              </a:rPr>
+              <a:t> check </a:t>
+            </a:r>
+            <a:r>
+              <a:rPr lang="en-US" sz="1600" dirty="0" err="1" smtClean="0">
+                <a:solidFill>
+                  <a:schemeClr val="accent5">
+                    <a:lumMod val="75000"/>
+                  </a:schemeClr>
+                </a:solidFill>
+              </a:rPr>
+              <a:t>lỗi</a:t>
+            </a:r>
+            <a:r>
+              <a:rPr lang="en-US" sz="1600" dirty="0" smtClean="0">
+                <a:solidFill>
+                  <a:schemeClr val="accent5">
+                    <a:lumMod val="75000"/>
+                  </a:schemeClr>
+                </a:solidFill>
+              </a:rPr>
+              <a:t> ở view con </a:t>
+            </a:r>
+            <a:r>
+              <a:rPr lang="en-US" sz="1600" dirty="0" err="1" smtClean="0">
+                <a:solidFill>
+                  <a:schemeClr val="accent5">
+                    <a:lumMod val="75000"/>
+                  </a:schemeClr>
+                </a:solidFill>
+              </a:rPr>
+              <a:t>thì</a:t>
+            </a:r>
+            <a:r>
+              <a:rPr lang="en-US" sz="1600" dirty="0" smtClean="0">
+                <a:solidFill>
+                  <a:schemeClr val="accent5">
+                    <a:lumMod val="75000"/>
+                  </a:schemeClr>
+                </a:solidFill>
+              </a:rPr>
+              <a:t> </a:t>
+            </a:r>
+            <a:r>
+              <a:rPr lang="en-US" sz="1600" dirty="0" err="1" smtClean="0">
+                <a:solidFill>
+                  <a:schemeClr val="accent5">
+                    <a:lumMod val="75000"/>
+                  </a:schemeClr>
+                </a:solidFill>
+              </a:rPr>
+              <a:t>dùng</a:t>
+            </a:r>
+            <a:r>
+              <a:rPr lang="en-US" sz="1600" dirty="0" smtClean="0">
+                <a:solidFill>
+                  <a:schemeClr val="accent5">
+                    <a:lumMod val="75000"/>
+                  </a:schemeClr>
+                </a:solidFill>
+              </a:rPr>
+              <a:t> </a:t>
+            </a:r>
+            <a:r>
+              <a:rPr lang="en-US" sz="1600" dirty="0" smtClean="0">
+                <a:solidFill>
+                  <a:schemeClr val="accent2">
+                    <a:lumMod val="75000"/>
+                  </a:schemeClr>
+                </a:solidFill>
+              </a:rPr>
+              <a:t>LOCAL</a:t>
+            </a:r>
+            <a:r>
+              <a:rPr lang="en-US" sz="1600" dirty="0" smtClean="0">
+                <a:solidFill>
+                  <a:schemeClr val="accent5">
+                    <a:lumMod val="75000"/>
+                  </a:schemeClr>
+                </a:solidFill>
+              </a:rPr>
+              <a:t> </a:t>
+            </a:r>
+            <a:r>
+              <a:rPr lang="en-US" sz="1600" dirty="0" err="1" smtClean="0">
+                <a:solidFill>
+                  <a:schemeClr val="accent5">
+                    <a:lumMod val="75000"/>
+                  </a:schemeClr>
+                </a:solidFill>
+              </a:rPr>
+              <a:t>thay</a:t>
+            </a:r>
+            <a:r>
+              <a:rPr lang="en-US" sz="1600" dirty="0" smtClean="0">
+                <a:solidFill>
+                  <a:schemeClr val="accent5">
+                    <a:lumMod val="75000"/>
+                  </a:schemeClr>
+                </a:solidFill>
+              </a:rPr>
+              <a:t> </a:t>
+            </a:r>
+            <a:r>
+              <a:rPr lang="en-US" sz="1600" dirty="0" err="1" smtClean="0">
+                <a:solidFill>
+                  <a:schemeClr val="accent5">
+                    <a:lumMod val="75000"/>
+                  </a:schemeClr>
+                </a:solidFill>
+              </a:rPr>
+              <a:t>vì</a:t>
+            </a:r>
+            <a:r>
+              <a:rPr lang="en-US" sz="1600" dirty="0">
+                <a:solidFill>
+                  <a:schemeClr val="accent5">
+                    <a:lumMod val="75000"/>
+                  </a:schemeClr>
+                </a:solidFill>
+              </a:rPr>
+              <a:t> CASCADED</a:t>
+            </a:r>
+            <a:endParaRPr lang="en-US" sz="1600" dirty="0">
+              <a:solidFill>
+                <a:schemeClr val="accent5">
+                  <a:lumMod val="75000"/>
+                </a:schemeClr>
+              </a:solidFill>
+            </a:endParaRPr>
+          </a:p>
+        </p:txBody>
+      </p:sp>
+      <p:pic>
+        <p:nvPicPr>
+          <p:cNvPr id="3" name="Picture 2"/>
+          <p:cNvPicPr>
+            <a:picLocks noChangeAspect="1"/>
+          </p:cNvPicPr>
+          <p:nvPr/>
+        </p:nvPicPr>
+        <p:blipFill>
+          <a:blip r:embed="rId2"/>
+          <a:stretch>
+            <a:fillRect/>
+          </a:stretch>
+        </p:blipFill>
+        <p:spPr>
+          <a:xfrm>
+            <a:off x="975795" y="1336327"/>
+            <a:ext cx="5200650" cy="885825"/>
+          </a:xfrm>
+          <a:prstGeom prst="rect">
+            <a:avLst/>
+          </a:prstGeom>
+        </p:spPr>
+      </p:pic>
+      <p:sp>
+        <p:nvSpPr>
+          <p:cNvPr id="5" name="TextBox 4"/>
+          <p:cNvSpPr txBox="1"/>
+          <p:nvPr/>
+        </p:nvSpPr>
+        <p:spPr>
+          <a:xfrm>
+            <a:off x="823862" y="2489820"/>
+            <a:ext cx="7405736" cy="584775"/>
+          </a:xfrm>
+          <a:prstGeom prst="rect">
+            <a:avLst/>
+          </a:prstGeom>
+          <a:noFill/>
+        </p:spPr>
+        <p:txBody>
+          <a:bodyPr wrap="square" rtlCol="0">
+            <a:spAutoFit/>
+          </a:bodyPr>
+          <a:lstStyle/>
+          <a:p>
+            <a:r>
+              <a:rPr lang="en-US" sz="1600" dirty="0" err="1" smtClean="0">
+                <a:solidFill>
+                  <a:schemeClr val="accent5">
+                    <a:lumMod val="75000"/>
+                  </a:schemeClr>
+                </a:solidFill>
+              </a:rPr>
+              <a:t>Khi</a:t>
+            </a:r>
+            <a:r>
+              <a:rPr lang="en-US" sz="1600" dirty="0" smtClean="0">
+                <a:solidFill>
+                  <a:schemeClr val="accent5">
+                    <a:lumMod val="75000"/>
+                  </a:schemeClr>
+                </a:solidFill>
+              </a:rPr>
+              <a:t> </a:t>
+            </a:r>
+            <a:r>
+              <a:rPr lang="en-US" sz="1600" dirty="0" err="1" smtClean="0">
+                <a:solidFill>
+                  <a:schemeClr val="accent5">
+                    <a:lumMod val="75000"/>
+                  </a:schemeClr>
+                </a:solidFill>
+              </a:rPr>
+              <a:t>đó</a:t>
+            </a:r>
+            <a:r>
+              <a:rPr lang="en-US" sz="1600" dirty="0" smtClean="0">
+                <a:solidFill>
+                  <a:schemeClr val="accent5">
+                    <a:lumMod val="75000"/>
+                  </a:schemeClr>
+                </a:solidFill>
+              </a:rPr>
+              <a:t> </a:t>
+            </a:r>
+            <a:r>
+              <a:rPr lang="en-US" sz="1600" dirty="0" err="1" smtClean="0">
+                <a:solidFill>
+                  <a:schemeClr val="accent5">
+                    <a:lumMod val="75000"/>
+                  </a:schemeClr>
+                </a:solidFill>
+              </a:rPr>
+              <a:t>hệ</a:t>
+            </a:r>
+            <a:r>
+              <a:rPr lang="en-US" sz="1600" dirty="0" smtClean="0">
+                <a:solidFill>
+                  <a:schemeClr val="accent5">
+                    <a:lumMod val="75000"/>
+                  </a:schemeClr>
+                </a:solidFill>
+              </a:rPr>
+              <a:t> </a:t>
+            </a:r>
+            <a:r>
+              <a:rPr lang="en-US" sz="1600" dirty="0" err="1" smtClean="0">
+                <a:solidFill>
+                  <a:schemeClr val="accent5">
+                    <a:lumMod val="75000"/>
+                  </a:schemeClr>
+                </a:solidFill>
+              </a:rPr>
+              <a:t>thống</a:t>
+            </a:r>
+            <a:r>
+              <a:rPr lang="en-US" sz="1600" dirty="0" smtClean="0">
+                <a:solidFill>
+                  <a:schemeClr val="accent5">
+                    <a:lumMod val="75000"/>
+                  </a:schemeClr>
+                </a:solidFill>
+              </a:rPr>
+              <a:t> </a:t>
+            </a:r>
+            <a:r>
+              <a:rPr lang="en-US" sz="1600" dirty="0" err="1" smtClean="0">
+                <a:solidFill>
+                  <a:schemeClr val="accent5">
+                    <a:lumMod val="75000"/>
+                  </a:schemeClr>
+                </a:solidFill>
+              </a:rPr>
+              <a:t>sẽ</a:t>
+            </a:r>
+            <a:r>
+              <a:rPr lang="en-US" sz="1600" dirty="0" smtClean="0">
+                <a:solidFill>
+                  <a:schemeClr val="accent5">
+                    <a:lumMod val="75000"/>
+                  </a:schemeClr>
+                </a:solidFill>
+              </a:rPr>
+              <a:t> </a:t>
+            </a:r>
+            <a:r>
+              <a:rPr lang="en-US" sz="1600" dirty="0" err="1" smtClean="0">
+                <a:solidFill>
+                  <a:schemeClr val="accent5">
+                    <a:lumMod val="75000"/>
+                  </a:schemeClr>
+                </a:solidFill>
+              </a:rPr>
+              <a:t>chỉ</a:t>
+            </a:r>
+            <a:r>
+              <a:rPr lang="en-US" sz="1600" dirty="0" smtClean="0">
+                <a:solidFill>
+                  <a:schemeClr val="accent5">
+                    <a:lumMod val="75000"/>
+                  </a:schemeClr>
+                </a:solidFill>
+              </a:rPr>
+              <a:t> check </a:t>
+            </a:r>
+            <a:r>
+              <a:rPr lang="en-US" sz="1600" dirty="0" err="1" smtClean="0">
+                <a:solidFill>
+                  <a:schemeClr val="accent5">
+                    <a:lumMod val="75000"/>
+                  </a:schemeClr>
+                </a:solidFill>
+              </a:rPr>
+              <a:t>cục</a:t>
+            </a:r>
+            <a:r>
+              <a:rPr lang="en-US" sz="1600" dirty="0" smtClean="0">
+                <a:solidFill>
+                  <a:schemeClr val="accent5">
+                    <a:lumMod val="75000"/>
+                  </a:schemeClr>
+                </a:solidFill>
+              </a:rPr>
+              <a:t> </a:t>
+            </a:r>
+            <a:r>
+              <a:rPr lang="en-US" sz="1600" dirty="0" err="1" smtClean="0">
+                <a:solidFill>
+                  <a:schemeClr val="accent5">
+                    <a:lumMod val="75000"/>
+                  </a:schemeClr>
+                </a:solidFill>
+              </a:rPr>
+              <a:t>bộ</a:t>
+            </a:r>
+            <a:r>
+              <a:rPr lang="en-US" sz="1600" dirty="0" smtClean="0">
+                <a:solidFill>
+                  <a:schemeClr val="accent5">
+                    <a:lumMod val="75000"/>
+                  </a:schemeClr>
+                </a:solidFill>
+              </a:rPr>
+              <a:t> </a:t>
+            </a:r>
+            <a:r>
+              <a:rPr lang="en-US" sz="1600" dirty="0" err="1" smtClean="0">
+                <a:solidFill>
+                  <a:schemeClr val="accent5">
+                    <a:lumMod val="75000"/>
+                  </a:schemeClr>
+                </a:solidFill>
+              </a:rPr>
+              <a:t>trong</a:t>
+            </a:r>
+            <a:r>
+              <a:rPr lang="en-US" sz="1600" dirty="0">
+                <a:solidFill>
+                  <a:schemeClr val="accent5">
+                    <a:lumMod val="75000"/>
+                  </a:schemeClr>
+                </a:solidFill>
+              </a:rPr>
+              <a:t> </a:t>
+            </a:r>
+            <a:r>
+              <a:rPr lang="en-US" sz="1600" dirty="0" err="1" smtClean="0">
+                <a:solidFill>
+                  <a:schemeClr val="accent5">
+                    <a:lumMod val="75000"/>
+                  </a:schemeClr>
+                </a:solidFill>
+              </a:rPr>
+              <a:t>nội</a:t>
+            </a:r>
+            <a:r>
+              <a:rPr lang="en-US" sz="1600" dirty="0" smtClean="0">
+                <a:solidFill>
+                  <a:schemeClr val="accent5">
+                    <a:lumMod val="75000"/>
+                  </a:schemeClr>
+                </a:solidFill>
+              </a:rPr>
+              <a:t> </a:t>
+            </a:r>
+            <a:r>
+              <a:rPr lang="en-US" sz="1600" dirty="0" err="1" smtClean="0">
+                <a:solidFill>
+                  <a:schemeClr val="accent5">
+                    <a:lumMod val="75000"/>
+                  </a:schemeClr>
+                </a:solidFill>
+              </a:rPr>
+              <a:t>bộ</a:t>
+            </a:r>
+            <a:r>
+              <a:rPr lang="en-US" sz="1600" dirty="0" smtClean="0">
+                <a:solidFill>
+                  <a:schemeClr val="accent5">
+                    <a:lumMod val="75000"/>
+                  </a:schemeClr>
+                </a:solidFill>
+              </a:rPr>
+              <a:t> view B, </a:t>
+            </a:r>
+            <a:r>
+              <a:rPr lang="en-US" sz="1600" dirty="0" err="1" smtClean="0">
+                <a:solidFill>
+                  <a:schemeClr val="accent5">
+                    <a:lumMod val="75000"/>
+                  </a:schemeClr>
+                </a:solidFill>
+              </a:rPr>
+              <a:t>bỏ</a:t>
+            </a:r>
+            <a:r>
+              <a:rPr lang="en-US" sz="1600" dirty="0" smtClean="0">
+                <a:solidFill>
+                  <a:schemeClr val="accent5">
+                    <a:lumMod val="75000"/>
+                  </a:schemeClr>
+                </a:solidFill>
+              </a:rPr>
+              <a:t> qua </a:t>
+            </a:r>
+            <a:r>
+              <a:rPr lang="en-US" sz="1600" dirty="0" err="1" smtClean="0">
+                <a:solidFill>
+                  <a:schemeClr val="accent5">
+                    <a:lumMod val="75000"/>
+                  </a:schemeClr>
+                </a:solidFill>
+              </a:rPr>
+              <a:t>các</a:t>
+            </a:r>
+            <a:r>
+              <a:rPr lang="en-US" sz="1600" dirty="0" smtClean="0">
+                <a:solidFill>
+                  <a:schemeClr val="accent5">
+                    <a:lumMod val="75000"/>
+                  </a:schemeClr>
+                </a:solidFill>
+              </a:rPr>
+              <a:t> view con </a:t>
+            </a:r>
+            <a:r>
+              <a:rPr lang="en-US" sz="1600" dirty="0" err="1" smtClean="0">
+                <a:solidFill>
+                  <a:schemeClr val="accent5">
+                    <a:lumMod val="75000"/>
+                  </a:schemeClr>
+                </a:solidFill>
+              </a:rPr>
+              <a:t>bên</a:t>
+            </a:r>
+            <a:r>
+              <a:rPr lang="en-US" sz="1600" dirty="0" smtClean="0">
+                <a:solidFill>
+                  <a:schemeClr val="accent5">
+                    <a:lumMod val="75000"/>
+                  </a:schemeClr>
+                </a:solidFill>
+              </a:rPr>
+              <a:t> </a:t>
+            </a:r>
+            <a:r>
+              <a:rPr lang="en-US" sz="1600" dirty="0" err="1" smtClean="0">
+                <a:solidFill>
+                  <a:schemeClr val="accent5">
+                    <a:lumMod val="75000"/>
+                  </a:schemeClr>
+                </a:solidFill>
+              </a:rPr>
+              <a:t>trong</a:t>
+            </a:r>
+            <a:r>
+              <a:rPr lang="en-US" sz="1600" dirty="0" smtClean="0">
+                <a:solidFill>
+                  <a:schemeClr val="accent5">
+                    <a:lumMod val="75000"/>
+                  </a:schemeClr>
+                </a:solidFill>
+              </a:rPr>
+              <a:t> </a:t>
+            </a:r>
+            <a:r>
+              <a:rPr lang="en-US" sz="1600" dirty="0" err="1" smtClean="0">
+                <a:solidFill>
+                  <a:schemeClr val="accent5">
+                    <a:lumMod val="75000"/>
+                  </a:schemeClr>
+                </a:solidFill>
+              </a:rPr>
+              <a:t>nó</a:t>
+            </a:r>
+            <a:r>
+              <a:rPr lang="en-US" sz="1600" dirty="0" smtClean="0">
+                <a:solidFill>
+                  <a:schemeClr val="accent5">
+                    <a:lumMod val="75000"/>
+                  </a:schemeClr>
+                </a:solidFill>
+              </a:rPr>
+              <a:t>.</a:t>
+            </a:r>
+            <a:endParaRPr lang="en-US" sz="1600" dirty="0">
+              <a:solidFill>
+                <a:schemeClr val="accent5">
+                  <a:lumMod val="75000"/>
+                </a:schemeClr>
+              </a:solidFill>
+            </a:endParaRPr>
+          </a:p>
+        </p:txBody>
+      </p:sp>
+    </p:spTree>
+    <p:extLst>
+      <p:ext uri="{BB962C8B-B14F-4D97-AF65-F5344CB8AC3E}">
+        <p14:creationId xmlns:p14="http://schemas.microsoft.com/office/powerpoint/2010/main" val="1506334244"/>
       </p:ext>
     </p:extLst>
   </p:cSld>
@@ -13285,6 +14488,632 @@
     <p:extLst>
       <p:ext uri="{BB962C8B-B14F-4D97-AF65-F5344CB8AC3E}">
         <p14:creationId xmlns:p14="http://schemas.microsoft.com/office/powerpoint/2010/main" val="54106186"/>
+      </p:ext>
+    </p:extLst>
+  </p:cSld>
+  <p:clrMapOvr>
+    <a:masterClrMapping/>
+  </p:clrMapOvr>
+  <p:timing>
+    <p:tnLst>
+      <p:par>
+        <p:cTn id="1" dur="indefinite" restart="never" nodeType="tmRoot"/>
+      </p:par>
+    </p:tnLst>
+  </p:timing>
+</p:sld>
+</file>
+
+<file path=ppt/slides/slide20.xml><?xml version="1.0" encoding="utf-8"?>
+<p:sld xmlns:a="http://schemas.openxmlformats.org/drawingml/2006/main" xmlns:r="http://schemas.openxmlformats.org/officeDocument/2006/relationships" xmlns:p="http://schemas.openxmlformats.org/presentationml/2006/main">
+  <p:cSld>
+    <p:spTree>
+      <p:nvGrpSpPr>
+        <p:cNvPr id="1" name=""/>
+        <p:cNvGrpSpPr/>
+        <p:nvPr/>
+      </p:nvGrpSpPr>
+      <p:grpSpPr>
+        <a:xfrm>
+          <a:off x="0" y="0"/>
+          <a:ext cx="0" cy="0"/>
+          <a:chOff x="0" y="0"/>
+          <a:chExt cx="0" cy="0"/>
+        </a:xfrm>
+      </p:grpSpPr>
+      <p:sp>
+        <p:nvSpPr>
+          <p:cNvPr id="8" name="Rounded Rectangle 7"/>
+          <p:cNvSpPr/>
+          <p:nvPr/>
+        </p:nvSpPr>
+        <p:spPr>
+          <a:xfrm>
+            <a:off x="905345" y="2648382"/>
+            <a:ext cx="350005" cy="350005"/>
+          </a:xfrm>
+          <a:prstGeom prst="roundRect">
+            <a:avLst/>
+          </a:prstGeom>
+          <a:solidFill>
+            <a:schemeClr val="bg1"/>
+          </a:solidFill>
+        </p:spPr>
+        <p:style>
+          <a:lnRef idx="2">
+            <a:schemeClr val="accent1">
+              <a:shade val="50000"/>
+            </a:schemeClr>
+          </a:lnRef>
+          <a:fillRef idx="1">
+            <a:schemeClr val="accent1"/>
+          </a:fillRef>
+          <a:effectRef idx="0">
+            <a:schemeClr val="accent1"/>
+          </a:effectRef>
+          <a:fontRef idx="minor">
+            <a:schemeClr val="lt1"/>
+          </a:fontRef>
+        </p:style>
+        <p:txBody>
+          <a:bodyPr rtlCol="0" anchor="ctr"/>
+          <a:lstStyle/>
+          <a:p>
+            <a:pPr algn="ctr"/>
+            <a:r>
+              <a:rPr lang="en-US" b="1" dirty="0" smtClean="0">
+                <a:solidFill>
+                  <a:schemeClr val="accent5">
+                    <a:lumMod val="75000"/>
+                  </a:schemeClr>
+                </a:solidFill>
+              </a:rPr>
+              <a:t>1</a:t>
+            </a:r>
+            <a:endParaRPr lang="en-US" b="1" dirty="0">
+              <a:solidFill>
+                <a:schemeClr val="accent5">
+                  <a:lumMod val="75000"/>
+                </a:schemeClr>
+              </a:solidFill>
+            </a:endParaRPr>
+          </a:p>
+        </p:txBody>
+      </p:sp>
+      <p:sp>
+        <p:nvSpPr>
+          <p:cNvPr id="17" name="Rounded Rectangle 16"/>
+          <p:cNvSpPr/>
+          <p:nvPr/>
+        </p:nvSpPr>
+        <p:spPr>
+          <a:xfrm>
+            <a:off x="905345" y="3477915"/>
+            <a:ext cx="350005" cy="350005"/>
+          </a:xfrm>
+          <a:prstGeom prst="roundRect">
+            <a:avLst/>
+          </a:prstGeom>
+          <a:solidFill>
+            <a:schemeClr val="bg1"/>
+          </a:solidFill>
+        </p:spPr>
+        <p:style>
+          <a:lnRef idx="2">
+            <a:schemeClr val="accent1">
+              <a:shade val="50000"/>
+            </a:schemeClr>
+          </a:lnRef>
+          <a:fillRef idx="1">
+            <a:schemeClr val="accent1"/>
+          </a:fillRef>
+          <a:effectRef idx="0">
+            <a:schemeClr val="accent1"/>
+          </a:effectRef>
+          <a:fontRef idx="minor">
+            <a:schemeClr val="lt1"/>
+          </a:fontRef>
+        </p:style>
+        <p:txBody>
+          <a:bodyPr rtlCol="0" anchor="ctr"/>
+          <a:lstStyle/>
+          <a:p>
+            <a:pPr algn="ctr"/>
+            <a:r>
+              <a:rPr lang="en-US" b="1" dirty="0">
+                <a:solidFill>
+                  <a:schemeClr val="accent5">
+                    <a:lumMod val="75000"/>
+                  </a:schemeClr>
+                </a:solidFill>
+              </a:rPr>
+              <a:t>2</a:t>
+            </a:r>
+          </a:p>
+        </p:txBody>
+      </p:sp>
+      <p:sp>
+        <p:nvSpPr>
+          <p:cNvPr id="5" name="Title 4"/>
+          <p:cNvSpPr>
+            <a:spLocks noGrp="1"/>
+          </p:cNvSpPr>
+          <p:nvPr>
+            <p:ph type="title"/>
+          </p:nvPr>
+        </p:nvSpPr>
+        <p:spPr/>
+        <p:txBody>
+          <a:bodyPr/>
+          <a:lstStyle/>
+          <a:p>
+            <a:r>
+              <a:rPr lang="en-US" dirty="0" smtClean="0"/>
+              <a:t>Summary</a:t>
+            </a:r>
+            <a:endParaRPr lang="en-US" dirty="0"/>
+          </a:p>
+        </p:txBody>
+      </p:sp>
+      <p:sp>
+        <p:nvSpPr>
+          <p:cNvPr id="6" name="Text Placeholder 5"/>
+          <p:cNvSpPr>
+            <a:spLocks noGrp="1"/>
+          </p:cNvSpPr>
+          <p:nvPr>
+            <p:ph type="body" sz="quarter" idx="10"/>
+          </p:nvPr>
+        </p:nvSpPr>
+        <p:spPr/>
+        <p:txBody>
+          <a:bodyPr/>
+          <a:lstStyle/>
+          <a:p>
+            <a:r>
+              <a:rPr lang="en-US" dirty="0" err="1" smtClean="0"/>
+              <a:t>Tổng</a:t>
+            </a:r>
+            <a:r>
+              <a:rPr lang="en-US" dirty="0" smtClean="0"/>
+              <a:t> </a:t>
+            </a:r>
+            <a:r>
+              <a:rPr lang="en-US" dirty="0" err="1" smtClean="0"/>
+              <a:t>kết</a:t>
+            </a:r>
+            <a:r>
+              <a:rPr lang="en-US" dirty="0" smtClean="0"/>
+              <a:t> </a:t>
+            </a:r>
+            <a:r>
+              <a:rPr lang="en-US" dirty="0" err="1" smtClean="0"/>
+              <a:t>lại</a:t>
+            </a:r>
+            <a:r>
+              <a:rPr lang="en-US" dirty="0" smtClean="0"/>
+              <a:t> </a:t>
+            </a:r>
+            <a:r>
+              <a:rPr lang="en-US" dirty="0" err="1" smtClean="0"/>
+              <a:t>kiến</a:t>
+            </a:r>
+            <a:r>
+              <a:rPr lang="en-US" dirty="0" smtClean="0"/>
+              <a:t> </a:t>
+            </a:r>
+            <a:r>
+              <a:rPr lang="en-US" dirty="0" err="1" smtClean="0"/>
+              <a:t>thức</a:t>
+            </a:r>
+            <a:r>
+              <a:rPr lang="en-US" dirty="0" smtClean="0"/>
+              <a:t> </a:t>
+            </a:r>
+            <a:r>
+              <a:rPr lang="en-US" dirty="0" err="1" smtClean="0"/>
+              <a:t>cần</a:t>
+            </a:r>
+            <a:r>
+              <a:rPr lang="en-US" dirty="0" smtClean="0"/>
+              <a:t> </a:t>
+            </a:r>
+            <a:r>
+              <a:rPr lang="en-US" dirty="0" err="1" smtClean="0"/>
+              <a:t>nắm</a:t>
+            </a:r>
+            <a:endParaRPr lang="en-US" dirty="0"/>
+          </a:p>
+        </p:txBody>
+      </p:sp>
+      <p:sp>
+        <p:nvSpPr>
+          <p:cNvPr id="9" name="TextBox 8"/>
+          <p:cNvSpPr txBox="1"/>
+          <p:nvPr/>
+        </p:nvSpPr>
+        <p:spPr>
+          <a:xfrm>
+            <a:off x="1380530" y="3477915"/>
+            <a:ext cx="5481997" cy="369332"/>
+          </a:xfrm>
+          <a:prstGeom prst="rect">
+            <a:avLst/>
+          </a:prstGeom>
+          <a:noFill/>
+        </p:spPr>
+        <p:txBody>
+          <a:bodyPr wrap="square" rtlCol="0">
+            <a:spAutoFit/>
+          </a:bodyPr>
+          <a:lstStyle/>
+          <a:p>
+            <a:r>
+              <a:rPr lang="en-US" dirty="0" err="1" smtClean="0">
+                <a:solidFill>
+                  <a:schemeClr val="bg1"/>
+                </a:solidFill>
+              </a:rPr>
+              <a:t>Hiểu</a:t>
+            </a:r>
+            <a:r>
+              <a:rPr lang="en-US" dirty="0" smtClean="0">
+                <a:solidFill>
+                  <a:schemeClr val="bg1"/>
+                </a:solidFill>
+              </a:rPr>
+              <a:t> </a:t>
+            </a:r>
+            <a:r>
+              <a:rPr lang="en-US" dirty="0" err="1" smtClean="0">
+                <a:solidFill>
+                  <a:schemeClr val="bg1"/>
+                </a:solidFill>
+              </a:rPr>
+              <a:t>và</a:t>
+            </a:r>
+            <a:r>
+              <a:rPr lang="en-US" dirty="0" smtClean="0">
+                <a:solidFill>
+                  <a:schemeClr val="bg1"/>
+                </a:solidFill>
+              </a:rPr>
+              <a:t> </a:t>
+            </a:r>
+            <a:r>
+              <a:rPr lang="en-US" dirty="0" err="1" smtClean="0">
+                <a:solidFill>
+                  <a:schemeClr val="bg1"/>
+                </a:solidFill>
+              </a:rPr>
+              <a:t>vận</a:t>
+            </a:r>
+            <a:r>
+              <a:rPr lang="en-US" dirty="0" smtClean="0">
+                <a:solidFill>
+                  <a:schemeClr val="bg1"/>
+                </a:solidFill>
+              </a:rPr>
+              <a:t> </a:t>
+            </a:r>
+            <a:r>
+              <a:rPr lang="en-US" dirty="0" err="1" smtClean="0">
+                <a:solidFill>
+                  <a:schemeClr val="bg1"/>
+                </a:solidFill>
+              </a:rPr>
+              <a:t>dụng</a:t>
+            </a:r>
+            <a:r>
+              <a:rPr lang="en-US" dirty="0" smtClean="0">
+                <a:solidFill>
+                  <a:schemeClr val="bg1"/>
+                </a:solidFill>
+              </a:rPr>
+              <a:t> </a:t>
+            </a:r>
+            <a:r>
+              <a:rPr lang="en-US" dirty="0" err="1" smtClean="0">
+                <a:solidFill>
+                  <a:schemeClr val="bg1"/>
+                </a:solidFill>
+              </a:rPr>
+              <a:t>được</a:t>
+            </a:r>
+            <a:r>
+              <a:rPr lang="en-US" dirty="0" smtClean="0">
+                <a:solidFill>
+                  <a:schemeClr val="bg1"/>
+                </a:solidFill>
+              </a:rPr>
+              <a:t> Triggers</a:t>
+            </a:r>
+            <a:endParaRPr lang="en-US" dirty="0">
+              <a:solidFill>
+                <a:schemeClr val="bg1"/>
+              </a:solidFill>
+            </a:endParaRPr>
+          </a:p>
+        </p:txBody>
+      </p:sp>
+      <p:sp>
+        <p:nvSpPr>
+          <p:cNvPr id="10" name="TextBox 9"/>
+          <p:cNvSpPr txBox="1"/>
+          <p:nvPr/>
+        </p:nvSpPr>
+        <p:spPr>
+          <a:xfrm>
+            <a:off x="1380530" y="2629055"/>
+            <a:ext cx="6993925" cy="369332"/>
+          </a:xfrm>
+          <a:prstGeom prst="rect">
+            <a:avLst/>
+          </a:prstGeom>
+          <a:noFill/>
+        </p:spPr>
+        <p:txBody>
+          <a:bodyPr wrap="square" rtlCol="0">
+            <a:spAutoFit/>
+          </a:bodyPr>
+          <a:lstStyle/>
+          <a:p>
+            <a:r>
+              <a:rPr lang="en-US" dirty="0" err="1" smtClean="0">
+                <a:solidFill>
+                  <a:schemeClr val="bg1"/>
+                </a:solidFill>
+              </a:rPr>
+              <a:t>Hiểu</a:t>
+            </a:r>
+            <a:r>
+              <a:rPr lang="en-US" dirty="0" smtClean="0">
+                <a:solidFill>
+                  <a:schemeClr val="bg1"/>
+                </a:solidFill>
+              </a:rPr>
+              <a:t> </a:t>
+            </a:r>
+            <a:r>
+              <a:rPr lang="en-US" dirty="0" err="1" smtClean="0">
+                <a:solidFill>
+                  <a:schemeClr val="bg1"/>
+                </a:solidFill>
+              </a:rPr>
+              <a:t>và</a:t>
+            </a:r>
+            <a:r>
+              <a:rPr lang="en-US" dirty="0" smtClean="0">
+                <a:solidFill>
+                  <a:schemeClr val="bg1"/>
+                </a:solidFill>
+              </a:rPr>
+              <a:t> </a:t>
+            </a:r>
+            <a:r>
+              <a:rPr lang="en-US" dirty="0" err="1" smtClean="0">
+                <a:solidFill>
+                  <a:schemeClr val="bg1"/>
+                </a:solidFill>
+              </a:rPr>
+              <a:t>vận</a:t>
+            </a:r>
+            <a:r>
+              <a:rPr lang="en-US" dirty="0" smtClean="0">
+                <a:solidFill>
+                  <a:schemeClr val="bg1"/>
+                </a:solidFill>
+              </a:rPr>
+              <a:t> </a:t>
+            </a:r>
+            <a:r>
+              <a:rPr lang="en-US" dirty="0" err="1" smtClean="0">
+                <a:solidFill>
+                  <a:schemeClr val="bg1"/>
+                </a:solidFill>
+              </a:rPr>
+              <a:t>dụng</a:t>
+            </a:r>
+            <a:r>
+              <a:rPr lang="en-US" dirty="0" smtClean="0">
+                <a:solidFill>
+                  <a:schemeClr val="bg1"/>
+                </a:solidFill>
+              </a:rPr>
+              <a:t> </a:t>
+            </a:r>
+            <a:r>
+              <a:rPr lang="en-US" dirty="0" err="1" smtClean="0">
+                <a:solidFill>
+                  <a:schemeClr val="bg1"/>
+                </a:solidFill>
+              </a:rPr>
+              <a:t>được</a:t>
+            </a:r>
+            <a:r>
+              <a:rPr lang="en-US" dirty="0" smtClean="0">
+                <a:solidFill>
+                  <a:schemeClr val="bg1"/>
+                </a:solidFill>
+              </a:rPr>
+              <a:t> </a:t>
+            </a:r>
+            <a:r>
+              <a:rPr lang="en-US" dirty="0" smtClean="0">
+                <a:solidFill>
+                  <a:schemeClr val="bg1"/>
+                </a:solidFill>
+              </a:rPr>
+              <a:t>Stored </a:t>
+            </a:r>
+            <a:r>
+              <a:rPr lang="en-US" dirty="0">
+                <a:solidFill>
+                  <a:schemeClr val="bg1"/>
+                </a:solidFill>
+              </a:rPr>
+              <a:t>procedures</a:t>
+            </a:r>
+          </a:p>
+        </p:txBody>
+      </p:sp>
+      <p:sp>
+        <p:nvSpPr>
+          <p:cNvPr id="11" name="TextBox 10"/>
+          <p:cNvSpPr txBox="1"/>
+          <p:nvPr/>
+        </p:nvSpPr>
+        <p:spPr>
+          <a:xfrm>
+            <a:off x="1380530" y="4229352"/>
+            <a:ext cx="3322621" cy="369332"/>
+          </a:xfrm>
+          <a:prstGeom prst="rect">
+            <a:avLst/>
+          </a:prstGeom>
+          <a:noFill/>
+        </p:spPr>
+        <p:txBody>
+          <a:bodyPr wrap="square" rtlCol="0">
+            <a:spAutoFit/>
+          </a:bodyPr>
+          <a:lstStyle/>
+          <a:p>
+            <a:r>
+              <a:rPr lang="en-US" dirty="0" err="1" smtClean="0">
+                <a:solidFill>
+                  <a:schemeClr val="bg1"/>
+                </a:solidFill>
+              </a:rPr>
+              <a:t>Hiểu</a:t>
+            </a:r>
+            <a:r>
+              <a:rPr lang="en-US" dirty="0" smtClean="0">
+                <a:solidFill>
+                  <a:schemeClr val="bg1"/>
+                </a:solidFill>
+              </a:rPr>
+              <a:t> </a:t>
+            </a:r>
+            <a:r>
+              <a:rPr lang="en-US" dirty="0" err="1" smtClean="0">
+                <a:solidFill>
+                  <a:schemeClr val="bg1"/>
+                </a:solidFill>
+              </a:rPr>
+              <a:t>và</a:t>
+            </a:r>
+            <a:r>
+              <a:rPr lang="en-US" dirty="0" smtClean="0">
+                <a:solidFill>
+                  <a:schemeClr val="bg1"/>
+                </a:solidFill>
+              </a:rPr>
+              <a:t> </a:t>
+            </a:r>
+            <a:r>
+              <a:rPr lang="en-US" dirty="0" err="1" smtClean="0">
+                <a:solidFill>
+                  <a:schemeClr val="bg1"/>
+                </a:solidFill>
+              </a:rPr>
+              <a:t>vận</a:t>
+            </a:r>
+            <a:r>
+              <a:rPr lang="en-US" dirty="0" smtClean="0">
+                <a:solidFill>
+                  <a:schemeClr val="bg1"/>
+                </a:solidFill>
+              </a:rPr>
+              <a:t> </a:t>
+            </a:r>
+            <a:r>
+              <a:rPr lang="en-US" dirty="0" err="1" smtClean="0">
+                <a:solidFill>
+                  <a:schemeClr val="bg1"/>
+                </a:solidFill>
+              </a:rPr>
+              <a:t>dụng</a:t>
+            </a:r>
+            <a:r>
+              <a:rPr lang="en-US" dirty="0" smtClean="0">
+                <a:solidFill>
+                  <a:schemeClr val="bg1"/>
+                </a:solidFill>
+              </a:rPr>
+              <a:t> Views</a:t>
+            </a:r>
+            <a:endParaRPr lang="en-US" dirty="0">
+              <a:solidFill>
+                <a:schemeClr val="bg1"/>
+              </a:solidFill>
+            </a:endParaRPr>
+          </a:p>
+        </p:txBody>
+      </p:sp>
+      <p:sp>
+        <p:nvSpPr>
+          <p:cNvPr id="12" name="Rounded Rectangle 11"/>
+          <p:cNvSpPr/>
+          <p:nvPr/>
+        </p:nvSpPr>
+        <p:spPr>
+          <a:xfrm>
+            <a:off x="905345" y="4229352"/>
+            <a:ext cx="350005" cy="350005"/>
+          </a:xfrm>
+          <a:prstGeom prst="roundRect">
+            <a:avLst/>
+          </a:prstGeom>
+          <a:solidFill>
+            <a:schemeClr val="bg1"/>
+          </a:solidFill>
+        </p:spPr>
+        <p:style>
+          <a:lnRef idx="2">
+            <a:schemeClr val="accent1">
+              <a:shade val="50000"/>
+            </a:schemeClr>
+          </a:lnRef>
+          <a:fillRef idx="1">
+            <a:schemeClr val="accent1"/>
+          </a:fillRef>
+          <a:effectRef idx="0">
+            <a:schemeClr val="accent1"/>
+          </a:effectRef>
+          <a:fontRef idx="minor">
+            <a:schemeClr val="lt1"/>
+          </a:fontRef>
+        </p:style>
+        <p:txBody>
+          <a:bodyPr rtlCol="0" anchor="ctr"/>
+          <a:lstStyle/>
+          <a:p>
+            <a:pPr algn="ctr"/>
+            <a:r>
+              <a:rPr lang="en-US" b="1" smtClean="0">
+                <a:solidFill>
+                  <a:schemeClr val="accent5">
+                    <a:lumMod val="75000"/>
+                  </a:schemeClr>
+                </a:solidFill>
+              </a:rPr>
+              <a:t>3</a:t>
+            </a:r>
+            <a:endParaRPr lang="en-US" b="1" dirty="0">
+              <a:solidFill>
+                <a:schemeClr val="accent5">
+                  <a:lumMod val="75000"/>
+                </a:schemeClr>
+              </a:solidFill>
+            </a:endParaRPr>
+          </a:p>
+        </p:txBody>
+      </p:sp>
+    </p:spTree>
+    <p:extLst>
+      <p:ext uri="{BB962C8B-B14F-4D97-AF65-F5344CB8AC3E}">
+        <p14:creationId xmlns:p14="http://schemas.microsoft.com/office/powerpoint/2010/main" val="3541551978"/>
       </p:ext>
     </p:extLst>
   </p:cSld>
